--- a/Slides-RPR/2019-H1-DAA-L41-BackTrack-Intro.pptx
+++ b/Slides-RPR/2019-H1-DAA-L41-BackTrack-Intro.pptx
@@ -2478,7 +2478,7 @@
       </p:grpSpPr>
       <p:sp>
         <p:nvSpPr>
-          <p:cNvPr id="297" name="Backtracking: General Method"/>
+          <p:cNvPr id="298" name="Backtracking: General Method"/>
           <p:cNvSpPr txBox="1"/>
           <p:nvPr>
             <p:ph type="title"/>
@@ -2502,7 +2502,7 @@
       </p:sp>
       <p:sp>
         <p:nvSpPr>
-          <p:cNvPr id="298" name="General solution is an n-tuple (x1, …, xn), where…"/>
+          <p:cNvPr id="299" name="General solution is an n-tuple (x1, …, xn), where…"/>
           <p:cNvSpPr txBox="1"/>
           <p:nvPr>
             <p:ph type="body" idx="1"/>
@@ -2862,7 +2862,7 @@
       </p:sp>
       <p:sp>
         <p:nvSpPr>
-          <p:cNvPr id="299" name="Slide Number"/>
+          <p:cNvPr id="300" name="Slide Number"/>
           <p:cNvSpPr txBox="1"/>
           <p:nvPr>
             <p:ph type="sldNum" sz="quarter" idx="2"/>
@@ -2889,7 +2889,7 @@
       </p:sp>
       <p:sp>
         <p:nvSpPr>
-          <p:cNvPr id="300" name="DAA/Dynamic Programming"/>
+          <p:cNvPr id="301" name="DAA/Dynamic Programming"/>
           <p:cNvSpPr txBox="1"/>
           <p:nvPr/>
         </p:nvSpPr>
@@ -2929,7 +2929,7 @@
       </p:sp>
       <p:sp>
         <p:nvSpPr>
-          <p:cNvPr id="301" name="RPR/"/>
+          <p:cNvPr id="302" name="RPR/"/>
           <p:cNvSpPr txBox="1"/>
           <p:nvPr/>
         </p:nvSpPr>
@@ -3006,7 +3006,7 @@
                                       <p:cBhvr>
                                         <p:cTn id="6" fill="hold"/>
                                         <p:tgtEl>
-                                          <p:spTgt spid="298">
+                                          <p:spTgt spid="299">
                                             <p:bg/>
                                           </p:spTgt>
                                         </p:tgtEl>
@@ -3034,7 +3034,7 @@
                                       <p:cBhvr>
                                         <p:cTn id="8" fill="hold"/>
                                         <p:tgtEl>
-                                          <p:spTgt spid="298">
+                                          <p:spTgt spid="299">
                                             <p:txEl>
                                               <p:pRg st="0" end="0"/>
                                             </p:txEl>
@@ -3082,7 +3082,7 @@
                                       <p:cBhvr>
                                         <p:cTn id="12" fill="hold"/>
                                         <p:tgtEl>
-                                          <p:spTgt spid="298">
+                                          <p:spTgt spid="299">
                                             <p:txEl>
                                               <p:pRg st="1" end="1"/>
                                             </p:txEl>
@@ -3130,7 +3130,7 @@
                                       <p:cBhvr>
                                         <p:cTn id="16" fill="hold"/>
                                         <p:tgtEl>
-                                          <p:spTgt spid="298">
+                                          <p:spTgt spid="299">
                                             <p:txEl>
                                               <p:pRg st="2" end="2"/>
                                             </p:txEl>
@@ -3178,7 +3178,7 @@
                                       <p:cBhvr>
                                         <p:cTn id="20" fill="hold"/>
                                         <p:tgtEl>
-                                          <p:spTgt spid="298">
+                                          <p:spTgt spid="299">
                                             <p:txEl>
                                               <p:pRg st="3" end="3"/>
                                             </p:txEl>
@@ -3226,7 +3226,7 @@
                                       <p:cBhvr>
                                         <p:cTn id="24" fill="hold"/>
                                         <p:tgtEl>
-                                          <p:spTgt spid="298">
+                                          <p:spTgt spid="299">
                                             <p:txEl>
                                               <p:pRg st="4" end="4"/>
                                             </p:txEl>
@@ -3274,7 +3274,7 @@
                                       <p:cBhvr>
                                         <p:cTn id="28" fill="hold"/>
                                         <p:tgtEl>
-                                          <p:spTgt spid="298">
+                                          <p:spTgt spid="299">
                                             <p:txEl>
                                               <p:pRg st="5" end="5"/>
                                             </p:txEl>
@@ -3322,7 +3322,7 @@
                                       <p:cBhvr>
                                         <p:cTn id="32" fill="hold"/>
                                         <p:tgtEl>
-                                          <p:spTgt spid="298">
+                                          <p:spTgt spid="299">
                                             <p:txEl>
                                               <p:pRg st="6" end="6"/>
                                             </p:txEl>
@@ -3370,7 +3370,7 @@
                                       <p:cBhvr>
                                         <p:cTn id="36" fill="hold"/>
                                         <p:tgtEl>
-                                          <p:spTgt spid="298">
+                                          <p:spTgt spid="299">
                                             <p:txEl>
                                               <p:pRg st="7" end="7"/>
                                             </p:txEl>
@@ -3418,7 +3418,7 @@
                                       <p:cBhvr>
                                         <p:cTn id="40" fill="hold"/>
                                         <p:tgtEl>
-                                          <p:spTgt spid="298">
+                                          <p:spTgt spid="299">
                                             <p:txEl>
                                               <p:pRg st="8" end="8"/>
                                             </p:txEl>
@@ -3463,7 +3463,7 @@
       </p:par>
     </p:tnLst>
     <p:bldLst>
-      <p:bldP build="p" bldLvl="5" animBg="1" rev="0" advAuto="0" spid="298" grpId="1"/>
+      <p:bldP build="p" bldLvl="5" animBg="1" rev="0" advAuto="0" spid="299" grpId="1"/>
     </p:bldLst>
   </p:timing>
 </p:sld>
@@ -3488,7 +3488,7 @@
       </p:grpSpPr>
       <p:sp>
         <p:nvSpPr>
-          <p:cNvPr id="303" name="Backtracking: 8-Queens Method"/>
+          <p:cNvPr id="304" name="Backtracking: 8-Queens Method"/>
           <p:cNvSpPr txBox="1"/>
           <p:nvPr>
             <p:ph type="title"/>
@@ -3512,7 +3512,7 @@
       </p:sp>
       <p:sp>
         <p:nvSpPr>
-          <p:cNvPr id="304" name="Let queens are numbered 1 thru 8, i.e. Q1,…,Q8…"/>
+          <p:cNvPr id="305" name="Let queens are numbered 1 thru 8, i.e. Q1,…,Q8…"/>
           <p:cNvSpPr txBox="1"/>
           <p:nvPr>
             <p:ph type="body" idx="1"/>
@@ -3616,7 +3616,7 @@
               </a:defRPr>
             </a:pPr>
             <a:r>
-              <a:t>Each queen must on a separate column (and row)</a:t>
+              <a:t>Each queen must be on a separate column (and row)</a:t>
             </a:r>
           </a:p>
           <a:p>
@@ -3653,7 +3653,7 @@
               <a:t>i</a:t>
             </a:r>
             <a:r>
-              <a:t> is place on </a:t>
+              <a:t> is placed on </a:t>
             </a:r>
             <a:r>
               <a:rPr>
@@ -3807,7 +3807,7 @@
                 <a:cs typeface="Courier New"/>
                 <a:sym typeface="Courier New"/>
               </a:rPr>
-              <a:t>=a,x</a:t>
+              <a:t>≈a,x</a:t>
             </a:r>
             <a:r>
               <a:rPr baseline="-5999">
@@ -3825,7 +3825,7 @@
                 <a:cs typeface="Courier New"/>
                 <a:sym typeface="Courier New"/>
               </a:rPr>
-              <a:t>=b,x</a:t>
+              <a:t>≈b,x</a:t>
             </a:r>
             <a:r>
               <a:rPr baseline="-5999">
@@ -3843,7 +3843,7 @@
                 <a:cs typeface="Courier New"/>
                 <a:sym typeface="Courier New"/>
               </a:rPr>
-              <a:t>=c,x</a:t>
+              <a:t>≈c,x</a:t>
             </a:r>
             <a:r>
               <a:rPr baseline="-5999">
@@ -3861,7 +3861,7 @@
                 <a:cs typeface="Courier New"/>
                 <a:sym typeface="Courier New"/>
               </a:rPr>
-              <a:t>=h</a:t>
+              <a:t>≈h</a:t>
             </a:r>
             <a:endParaRPr>
               <a:latin typeface="Courier New"/>
@@ -3883,7 +3883,7 @@
               </a:defRPr>
             </a:pPr>
             <a:r>
-              <a:t>Each queen must on a separate row.</a:t>
+              <a:t>Each queen must be on a separate row.</a:t>
             </a:r>
           </a:p>
           <a:p>
@@ -4155,7 +4155,7 @@
       </p:sp>
       <p:sp>
         <p:nvSpPr>
-          <p:cNvPr id="305" name="Slide Number"/>
+          <p:cNvPr id="306" name="Slide Number"/>
           <p:cNvSpPr txBox="1"/>
           <p:nvPr>
             <p:ph type="sldNum" sz="quarter" idx="2"/>
@@ -4182,7 +4182,7 @@
       </p:sp>
       <p:sp>
         <p:nvSpPr>
-          <p:cNvPr id="306" name="DAA/Dynamic Programming"/>
+          <p:cNvPr id="307" name="DAA/Dynamic Programming"/>
           <p:cNvSpPr txBox="1"/>
           <p:nvPr/>
         </p:nvSpPr>
@@ -4222,7 +4222,7 @@
       </p:sp>
       <p:sp>
         <p:nvSpPr>
-          <p:cNvPr id="307" name="RPR/"/>
+          <p:cNvPr id="308" name="RPR/"/>
           <p:cNvSpPr txBox="1"/>
           <p:nvPr/>
         </p:nvSpPr>
@@ -4299,7 +4299,7 @@
                                       <p:cBhvr>
                                         <p:cTn id="6" fill="hold"/>
                                         <p:tgtEl>
-                                          <p:spTgt spid="304">
+                                          <p:spTgt spid="305">
                                             <p:bg/>
                                           </p:spTgt>
                                         </p:tgtEl>
@@ -4327,7 +4327,7 @@
                                       <p:cBhvr>
                                         <p:cTn id="8" fill="hold"/>
                                         <p:tgtEl>
-                                          <p:spTgt spid="304">
+                                          <p:spTgt spid="305">
                                             <p:txEl>
                                               <p:pRg st="0" end="0"/>
                                             </p:txEl>
@@ -4375,7 +4375,7 @@
                                       <p:cBhvr>
                                         <p:cTn id="12" fill="hold"/>
                                         <p:tgtEl>
-                                          <p:spTgt spid="304">
+                                          <p:spTgt spid="305">
                                             <p:txEl>
                                               <p:pRg st="1" end="1"/>
                                             </p:txEl>
@@ -4423,7 +4423,7 @@
                                       <p:cBhvr>
                                         <p:cTn id="16" fill="hold"/>
                                         <p:tgtEl>
-                                          <p:spTgt spid="304">
+                                          <p:spTgt spid="305">
                                             <p:txEl>
                                               <p:pRg st="2" end="2"/>
                                             </p:txEl>
@@ -4471,7 +4471,7 @@
                                       <p:cBhvr>
                                         <p:cTn id="20" fill="hold"/>
                                         <p:tgtEl>
-                                          <p:spTgt spid="304">
+                                          <p:spTgt spid="305">
                                             <p:txEl>
                                               <p:pRg st="3" end="3"/>
                                             </p:txEl>
@@ -4519,7 +4519,7 @@
                                       <p:cBhvr>
                                         <p:cTn id="24" fill="hold"/>
                                         <p:tgtEl>
-                                          <p:spTgt spid="304">
+                                          <p:spTgt spid="305">
                                             <p:txEl>
                                               <p:pRg st="4" end="4"/>
                                             </p:txEl>
@@ -4567,7 +4567,7 @@
                                       <p:cBhvr>
                                         <p:cTn id="28" fill="hold"/>
                                         <p:tgtEl>
-                                          <p:spTgt spid="304">
+                                          <p:spTgt spid="305">
                                             <p:txEl>
                                               <p:pRg st="5" end="5"/>
                                             </p:txEl>
@@ -4615,7 +4615,7 @@
                                       <p:cBhvr>
                                         <p:cTn id="32" fill="hold"/>
                                         <p:tgtEl>
-                                          <p:spTgt spid="304">
+                                          <p:spTgt spid="305">
                                             <p:txEl>
                                               <p:pRg st="6" end="6"/>
                                             </p:txEl>
@@ -4663,7 +4663,7 @@
                                       <p:cBhvr>
                                         <p:cTn id="36" fill="hold"/>
                                         <p:tgtEl>
-                                          <p:spTgt spid="304">
+                                          <p:spTgt spid="305">
                                             <p:txEl>
                                               <p:pRg st="7" end="7"/>
                                             </p:txEl>
@@ -4711,7 +4711,7 @@
                                       <p:cBhvr>
                                         <p:cTn id="40" fill="hold"/>
                                         <p:tgtEl>
-                                          <p:spTgt spid="304">
+                                          <p:spTgt spid="305">
                                             <p:txEl>
                                               <p:pRg st="8" end="8"/>
                                             </p:txEl>
@@ -4759,7 +4759,7 @@
                                       <p:cBhvr>
                                         <p:cTn id="44" fill="hold"/>
                                         <p:tgtEl>
-                                          <p:spTgt spid="304">
+                                          <p:spTgt spid="305">
                                             <p:txEl>
                                               <p:pRg st="9" end="9"/>
                                             </p:txEl>
@@ -4807,7 +4807,7 @@
                                       <p:cBhvr>
                                         <p:cTn id="48" fill="hold"/>
                                         <p:tgtEl>
-                                          <p:spTgt spid="304">
+                                          <p:spTgt spid="305">
                                             <p:txEl>
                                               <p:pRg st="10" end="10"/>
                                             </p:txEl>
@@ -4855,7 +4855,7 @@
                                       <p:cBhvr>
                                         <p:cTn id="52" fill="hold"/>
                                         <p:tgtEl>
-                                          <p:spTgt spid="304">
+                                          <p:spTgt spid="305">
                                             <p:txEl>
                                               <p:pRg st="11" end="11"/>
                                             </p:txEl>
@@ -4903,7 +4903,7 @@
                                       <p:cBhvr>
                                         <p:cTn id="56" fill="hold"/>
                                         <p:tgtEl>
-                                          <p:spTgt spid="304">
+                                          <p:spTgt spid="305">
                                             <p:txEl>
                                               <p:pRg st="12" end="12"/>
                                             </p:txEl>
@@ -4948,7 +4948,7 @@
       </p:par>
     </p:tnLst>
     <p:bldLst>
-      <p:bldP build="p" bldLvl="5" animBg="1" rev="0" advAuto="0" spid="304" grpId="1"/>
+      <p:bldP build="p" bldLvl="5" animBg="1" rev="0" advAuto="0" spid="305" grpId="1"/>
     </p:bldLst>
   </p:timing>
 </p:sld>
@@ -4973,7 +4973,7 @@
       </p:grpSpPr>
       <p:sp>
         <p:nvSpPr>
-          <p:cNvPr id="309" name="Backtracking: Sum of Subsets"/>
+          <p:cNvPr id="310" name="Backtracking: Sum of Subsets"/>
           <p:cNvSpPr txBox="1"/>
           <p:nvPr>
             <p:ph type="title"/>
@@ -4997,7 +4997,7 @@
       </p:sp>
       <p:sp>
         <p:nvSpPr>
-          <p:cNvPr id="310" name="Problem: S={11,13,24,7}, and m=31…"/>
+          <p:cNvPr id="311" name="Problem: S={11,13,24,7}, and m=31…"/>
           <p:cNvSpPr txBox="1"/>
           <p:nvPr>
             <p:ph type="body" idx="1"/>
@@ -5438,7 +5438,7 @@
       </p:sp>
       <p:sp>
         <p:nvSpPr>
-          <p:cNvPr id="311" name="Slide Number"/>
+          <p:cNvPr id="312" name="Slide Number"/>
           <p:cNvSpPr txBox="1"/>
           <p:nvPr>
             <p:ph type="sldNum" sz="quarter" idx="2"/>
@@ -5465,7 +5465,7 @@
       </p:sp>
       <p:sp>
         <p:nvSpPr>
-          <p:cNvPr id="312" name="DAA/Dynamic Programming"/>
+          <p:cNvPr id="313" name="DAA/Dynamic Programming"/>
           <p:cNvSpPr txBox="1"/>
           <p:nvPr/>
         </p:nvSpPr>
@@ -5505,7 +5505,7 @@
       </p:sp>
       <p:sp>
         <p:nvSpPr>
-          <p:cNvPr id="313" name="RPR/"/>
+          <p:cNvPr id="314" name="RPR/"/>
           <p:cNvSpPr txBox="1"/>
           <p:nvPr/>
         </p:nvSpPr>
@@ -5582,7 +5582,7 @@
                                       <p:cBhvr>
                                         <p:cTn id="6" fill="hold"/>
                                         <p:tgtEl>
-                                          <p:spTgt spid="310">
+                                          <p:spTgt spid="311">
                                             <p:bg/>
                                           </p:spTgt>
                                         </p:tgtEl>
@@ -5610,7 +5610,7 @@
                                       <p:cBhvr>
                                         <p:cTn id="8" fill="hold"/>
                                         <p:tgtEl>
-                                          <p:spTgt spid="310">
+                                          <p:spTgt spid="311">
                                             <p:txEl>
                                               <p:pRg st="0" end="0"/>
                                             </p:txEl>
@@ -5658,7 +5658,7 @@
                                       <p:cBhvr>
                                         <p:cTn id="12" fill="hold"/>
                                         <p:tgtEl>
-                                          <p:spTgt spid="310">
+                                          <p:spTgt spid="311">
                                             <p:txEl>
                                               <p:pRg st="1" end="1"/>
                                             </p:txEl>
@@ -5706,7 +5706,7 @@
                                       <p:cBhvr>
                                         <p:cTn id="16" fill="hold"/>
                                         <p:tgtEl>
-                                          <p:spTgt spid="310">
+                                          <p:spTgt spid="311">
                                             <p:txEl>
                                               <p:pRg st="2" end="2"/>
                                             </p:txEl>
@@ -5754,7 +5754,7 @@
                                       <p:cBhvr>
                                         <p:cTn id="20" fill="hold"/>
                                         <p:tgtEl>
-                                          <p:spTgt spid="310">
+                                          <p:spTgt spid="311">
                                             <p:txEl>
                                               <p:pRg st="3" end="3"/>
                                             </p:txEl>
@@ -5802,7 +5802,7 @@
                                       <p:cBhvr>
                                         <p:cTn id="24" fill="hold"/>
                                         <p:tgtEl>
-                                          <p:spTgt spid="310">
+                                          <p:spTgt spid="311">
                                             <p:txEl>
                                               <p:pRg st="4" end="4"/>
                                             </p:txEl>
@@ -5850,7 +5850,7 @@
                                       <p:cBhvr>
                                         <p:cTn id="28" fill="hold"/>
                                         <p:tgtEl>
-                                          <p:spTgt spid="310">
+                                          <p:spTgt spid="311">
                                             <p:txEl>
                                               <p:pRg st="5" end="5"/>
                                             </p:txEl>
@@ -5898,7 +5898,7 @@
                                       <p:cBhvr>
                                         <p:cTn id="32" fill="hold"/>
                                         <p:tgtEl>
-                                          <p:spTgt spid="310">
+                                          <p:spTgt spid="311">
                                             <p:txEl>
                                               <p:pRg st="6" end="6"/>
                                             </p:txEl>
@@ -5946,7 +5946,7 @@
                                       <p:cBhvr>
                                         <p:cTn id="36" fill="hold"/>
                                         <p:tgtEl>
-                                          <p:spTgt spid="310">
+                                          <p:spTgt spid="311">
                                             <p:txEl>
                                               <p:pRg st="7" end="7"/>
                                             </p:txEl>
@@ -5994,7 +5994,7 @@
                                       <p:cBhvr>
                                         <p:cTn id="40" fill="hold"/>
                                         <p:tgtEl>
-                                          <p:spTgt spid="310">
+                                          <p:spTgt spid="311">
                                             <p:txEl>
                                               <p:pRg st="8" end="8"/>
                                             </p:txEl>
@@ -6042,7 +6042,7 @@
                                       <p:cBhvr>
                                         <p:cTn id="44" fill="hold"/>
                                         <p:tgtEl>
-                                          <p:spTgt spid="310">
+                                          <p:spTgt spid="311">
                                             <p:txEl>
                                               <p:pRg st="9" end="9"/>
                                             </p:txEl>
@@ -6090,7 +6090,7 @@
                                       <p:cBhvr>
                                         <p:cTn id="48" fill="hold"/>
                                         <p:tgtEl>
-                                          <p:spTgt spid="310">
+                                          <p:spTgt spid="311">
                                             <p:txEl>
                                               <p:pRg st="10" end="10"/>
                                             </p:txEl>
@@ -6138,7 +6138,7 @@
                                       <p:cBhvr>
                                         <p:cTn id="52" fill="hold"/>
                                         <p:tgtEl>
-                                          <p:spTgt spid="310">
+                                          <p:spTgt spid="311">
                                             <p:txEl>
                                               <p:pRg st="11" end="11"/>
                                             </p:txEl>
@@ -6186,7 +6186,7 @@
                                       <p:cBhvr>
                                         <p:cTn id="56" fill="hold"/>
                                         <p:tgtEl>
-                                          <p:spTgt spid="310">
+                                          <p:spTgt spid="311">
                                             <p:txEl>
                                               <p:pRg st="12" end="12"/>
                                             </p:txEl>
@@ -6234,7 +6234,7 @@
                                       <p:cBhvr>
                                         <p:cTn id="60" fill="hold"/>
                                         <p:tgtEl>
-                                          <p:spTgt spid="310">
+                                          <p:spTgt spid="311">
                                             <p:txEl>
                                               <p:pRg st="13" end="13"/>
                                             </p:txEl>
@@ -6279,7 +6279,7 @@
       </p:par>
     </p:tnLst>
     <p:bldLst>
-      <p:bldP build="p" bldLvl="5" animBg="1" rev="0" advAuto="0" spid="310" grpId="1"/>
+      <p:bldP build="p" bldLvl="5" animBg="1" rev="0" advAuto="0" spid="311" grpId="1"/>
     </p:bldLst>
   </p:timing>
 </p:sld>
@@ -6304,7 +6304,7 @@
       </p:grpSpPr>
       <p:sp>
         <p:nvSpPr>
-          <p:cNvPr id="315" name="Backtracking: 3-Color problem"/>
+          <p:cNvPr id="316" name="Backtracking: 3-Color problem"/>
           <p:cNvSpPr txBox="1"/>
           <p:nvPr>
             <p:ph type="title"/>
@@ -6328,7 +6328,7 @@
       </p:sp>
       <p:sp>
         <p:nvSpPr>
-          <p:cNvPr id="316" name="Problem: G={V,E}, and 3 colors to color the graph…"/>
+          <p:cNvPr id="317" name="Problem: G={V,E}, and 3 colors to color the graph…"/>
           <p:cNvSpPr txBox="1"/>
           <p:nvPr>
             <p:ph type="body" idx="1"/>
@@ -6650,18 +6650,12 @@
               </a:rPr>
               <a:t>k</a:t>
             </a:r>
-            <a:endParaRPr sz="2800">
-              <a:latin typeface="Courier New"/>
-              <a:ea typeface="Courier New"/>
-              <a:cs typeface="Courier New"/>
-              <a:sym typeface="Courier New"/>
-            </a:endParaRPr>
           </a:p>
         </p:txBody>
       </p:sp>
       <p:sp>
         <p:nvSpPr>
-          <p:cNvPr id="317" name="Slide Number"/>
+          <p:cNvPr id="318" name="Slide Number"/>
           <p:cNvSpPr txBox="1"/>
           <p:nvPr>
             <p:ph type="sldNum" sz="quarter" idx="2"/>
@@ -6688,7 +6682,7 @@
       </p:sp>
       <p:sp>
         <p:nvSpPr>
-          <p:cNvPr id="318" name="DAA/Dynamic Programming"/>
+          <p:cNvPr id="319" name="DAA/Dynamic Programming"/>
           <p:cNvSpPr txBox="1"/>
           <p:nvPr/>
         </p:nvSpPr>
@@ -6728,7 +6722,7 @@
       </p:sp>
       <p:sp>
         <p:nvSpPr>
-          <p:cNvPr id="319" name="RPR/"/>
+          <p:cNvPr id="320" name="RPR/"/>
           <p:cNvSpPr txBox="1"/>
           <p:nvPr/>
         </p:nvSpPr>
@@ -6805,7 +6799,7 @@
                                       <p:cBhvr>
                                         <p:cTn id="6" fill="hold"/>
                                         <p:tgtEl>
-                                          <p:spTgt spid="316">
+                                          <p:spTgt spid="317">
                                             <p:bg/>
                                           </p:spTgt>
                                         </p:tgtEl>
@@ -6833,7 +6827,7 @@
                                       <p:cBhvr>
                                         <p:cTn id="8" fill="hold"/>
                                         <p:tgtEl>
-                                          <p:spTgt spid="316">
+                                          <p:spTgt spid="317">
                                             <p:txEl>
                                               <p:pRg st="0" end="0"/>
                                             </p:txEl>
@@ -6881,7 +6875,7 @@
                                       <p:cBhvr>
                                         <p:cTn id="12" fill="hold"/>
                                         <p:tgtEl>
-                                          <p:spTgt spid="316">
+                                          <p:spTgt spid="317">
                                             <p:txEl>
                                               <p:pRg st="1" end="1"/>
                                             </p:txEl>
@@ -6929,7 +6923,7 @@
                                       <p:cBhvr>
                                         <p:cTn id="16" fill="hold"/>
                                         <p:tgtEl>
-                                          <p:spTgt spid="316">
+                                          <p:spTgt spid="317">
                                             <p:txEl>
                                               <p:pRg st="2" end="2"/>
                                             </p:txEl>
@@ -6977,7 +6971,7 @@
                                       <p:cBhvr>
                                         <p:cTn id="20" fill="hold"/>
                                         <p:tgtEl>
-                                          <p:spTgt spid="316">
+                                          <p:spTgt spid="317">
                                             <p:txEl>
                                               <p:pRg st="3" end="3"/>
                                             </p:txEl>
@@ -7025,7 +7019,7 @@
                                       <p:cBhvr>
                                         <p:cTn id="24" fill="hold"/>
                                         <p:tgtEl>
-                                          <p:spTgt spid="316">
+                                          <p:spTgt spid="317">
                                             <p:txEl>
                                               <p:pRg st="4" end="4"/>
                                             </p:txEl>
@@ -7073,7 +7067,573 @@
                                       <p:cBhvr>
                                         <p:cTn id="28" fill="hold"/>
                                         <p:tgtEl>
-                                          <p:spTgt spid="316">
+                                          <p:spTgt spid="317">
+                                            <p:txEl>
+                                              <p:pRg st="5" end="5"/>
+                                            </p:txEl>
+                                          </p:spTgt>
+                                        </p:tgtEl>
+                                        <p:attrNameLst>
+                                          <p:attrName>style.visibility</p:attrName>
+                                        </p:attrNameLst>
+                                      </p:cBhvr>
+                                      <p:to>
+                                        <p:strVal val="visible"/>
+                                      </p:to>
+                                    </p:set>
+                                  </p:childTnLst>
+                                </p:cTn>
+                              </p:par>
+                            </p:childTnLst>
+                          </p:cTn>
+                        </p:par>
+                      </p:childTnLst>
+                    </p:cTn>
+                  </p:par>
+                </p:childTnLst>
+              </p:cTn>
+              <p:prevCondLst>
+                <p:cond evt="onPrev">
+                  <p:tgtEl>
+                    <p:sldTgt/>
+                  </p:tgtEl>
+                </p:cond>
+              </p:prevCondLst>
+              <p:nextCondLst>
+                <p:cond evt="onNext">
+                  <p:tgtEl>
+                    <p:sldTgt/>
+                  </p:tgtEl>
+                </p:cond>
+              </p:nextCondLst>
+            </p:seq>
+          </p:childTnLst>
+        </p:cTn>
+      </p:par>
+    </p:tnLst>
+    <p:bldLst>
+      <p:bldP build="p" bldLvl="5" animBg="1" rev="0" advAuto="0" spid="317" grpId="1"/>
+    </p:bldLst>
+  </p:timing>
+</p:sld>
+</file>
+
+<file path=ppt/slides/slide14.xml><?xml version="1.0" encoding="utf-8"?>
+<p:sld xmlns:a="http://schemas.openxmlformats.org/drawingml/2006/main" xmlns:r="http://schemas.openxmlformats.org/officeDocument/2006/relationships" xmlns:p="http://schemas.openxmlformats.org/presentationml/2006/main" xmlns:m="http://schemas.openxmlformats.org/officeDocument/2006/math" xmlns:a14="http://schemas.microsoft.com/office/drawing/2010/main" showMasterSp="1" showMasterPhAnim="1">
+  <p:cSld>
+    <p:spTree>
+      <p:nvGrpSpPr>
+        <p:cNvPr id="1" name=""/>
+        <p:cNvGrpSpPr/>
+        <p:nvPr/>
+      </p:nvGrpSpPr>
+      <p:grpSpPr>
+        <a:xfrm>
+          <a:off x="0" y="0"/>
+          <a:ext cx="0" cy="0"/>
+          <a:chOff x="0" y="0"/>
+          <a:chExt cx="0" cy="0"/>
+        </a:xfrm>
+      </p:grpSpPr>
+      <p:sp>
+        <p:nvSpPr>
+          <p:cNvPr id="322" name="Summary"/>
+          <p:cNvSpPr txBox="1"/>
+          <p:nvPr>
+            <p:ph type="title"/>
+          </p:nvPr>
+        </p:nvSpPr>
+        <p:spPr>
+          <a:prstGeom prst="rect">
+            <a:avLst/>
+          </a:prstGeom>
+        </p:spPr>
+        <p:txBody>
+          <a:bodyPr/>
+          <a:lstStyle/>
+          <a:p>
+            <a:pPr/>
+            <a:r>
+              <a:t>Summary</a:t>
+            </a:r>
+          </a:p>
+        </p:txBody>
+      </p:sp>
+      <p:sp>
+        <p:nvSpPr>
+          <p:cNvPr id="323" name="Overview of backtracking…"/>
+          <p:cNvSpPr txBox="1"/>
+          <p:nvPr>
+            <p:ph type="body" idx="1"/>
+          </p:nvPr>
+        </p:nvSpPr>
+        <p:spPr>
+          <a:prstGeom prst="rect">
+            <a:avLst/>
+          </a:prstGeom>
+        </p:spPr>
+        <p:txBody>
+          <a:bodyPr/>
+          <a:lstStyle/>
+          <a:p>
+            <a:pPr/>
+            <a:r>
+              <a:t>Overview of backtracking</a:t>
+            </a:r>
+          </a:p>
+          <a:p>
+            <a:pPr/>
+            <a:r>
+              <a:t>Problem examples for backtracking</a:t>
+            </a:r>
+          </a:p>
+          <a:p>
+            <a:pPr lvl="1"/>
+            <a:r>
+              <a:t>8-queens problems</a:t>
+            </a:r>
+          </a:p>
+          <a:p>
+            <a:pPr lvl="1"/>
+            <a:r>
+              <a:t>Sum of subsets</a:t>
+            </a:r>
+          </a:p>
+          <a:p>
+            <a:pPr lvl="1"/>
+            <a:r>
+              <a:t>3-color problem</a:t>
+            </a:r>
+          </a:p>
+          <a:p>
+            <a:pPr/>
+            <a:r>
+              <a:t>Solution space</a:t>
+            </a:r>
+          </a:p>
+          <a:p>
+            <a:pPr/>
+            <a:r>
+              <a:t>Possible solution space.</a:t>
+            </a:r>
+          </a:p>
+        </p:txBody>
+      </p:sp>
+      <p:sp>
+        <p:nvSpPr>
+          <p:cNvPr id="324" name="Slide Number"/>
+          <p:cNvSpPr txBox="1"/>
+          <p:nvPr>
+            <p:ph type="sldNum" sz="quarter" idx="2"/>
+          </p:nvPr>
+        </p:nvSpPr>
+        <p:spPr>
+          <a:prstGeom prst="rect">
+            <a:avLst/>
+          </a:prstGeom>
+          <a:extLst>
+            <a:ext uri="{C572A759-6A51-4108-AA02-DFA0A04FC94B}">
+              <ma14:wrappingTextBoxFlag xmlns:ma14="http://schemas.microsoft.com/office/mac/drawingml/2011/main" val="1"/>
+            </a:ext>
+          </a:extLst>
+        </p:spPr>
+        <p:txBody>
+          <a:bodyPr/>
+          <a:lstStyle/>
+          <a:p>
+            <a:pPr/>
+            <a:fld id="{86CB4B4D-7CA3-9044-876B-883B54F8677D}" type="slidenum"/>
+          </a:p>
+        </p:txBody>
+      </p:sp>
+      <p:sp>
+        <p:nvSpPr>
+          <p:cNvPr id="325" name="DAA/Dynamic Programming"/>
+          <p:cNvSpPr txBox="1"/>
+          <p:nvPr/>
+        </p:nvSpPr>
+        <p:spPr>
+          <a:xfrm>
+            <a:off x="423212" y="6963885"/>
+            <a:ext cx="3769679" cy="431552"/>
+          </a:xfrm>
+          <a:prstGeom prst="rect">
+            <a:avLst/>
+          </a:prstGeom>
+          <a:ln w="12700">
+            <a:miter lim="400000"/>
+          </a:ln>
+          <a:extLst>
+            <a:ext uri="{C572A759-6A51-4108-AA02-DFA0A04FC94B}">
+              <ma14:wrappingTextBoxFlag xmlns:ma14="http://schemas.microsoft.com/office/mac/drawingml/2011/main" val="1"/>
+            </a:ext>
+          </a:extLst>
+        </p:spPr>
+        <p:txBody>
+          <a:bodyPr wrap="none" lIns="50800" tIns="50800" rIns="50800" bIns="50800" anchor="ctr">
+            <a:spAutoFit/>
+          </a:bodyPr>
+          <a:lstStyle>
+            <a:lvl1pPr>
+              <a:defRPr sz="2400"/>
+            </a:lvl1pPr>
+          </a:lstStyle>
+          <a:p>
+            <a:pPr/>
+            <a:r>
+              <a:t>DAA/Dynamic Programming</a:t>
+            </a:r>
+          </a:p>
+        </p:txBody>
+      </p:sp>
+      <p:sp>
+        <p:nvSpPr>
+          <p:cNvPr id="326" name="RPR/"/>
+          <p:cNvSpPr txBox="1"/>
+          <p:nvPr/>
+        </p:nvSpPr>
+        <p:spPr>
+          <a:xfrm>
+            <a:off x="7535212" y="6988206"/>
+            <a:ext cx="705605" cy="382910"/>
+          </a:xfrm>
+          <a:prstGeom prst="rect">
+            <a:avLst/>
+          </a:prstGeom>
+          <a:ln w="12700">
+            <a:miter lim="400000"/>
+          </a:ln>
+          <a:extLst>
+            <a:ext uri="{C572A759-6A51-4108-AA02-DFA0A04FC94B}">
+              <ma14:wrappingTextBoxFlag xmlns:ma14="http://schemas.microsoft.com/office/mac/drawingml/2011/main" val="1"/>
+            </a:ext>
+          </a:extLst>
+        </p:spPr>
+        <p:txBody>
+          <a:bodyPr wrap="none" lIns="50800" tIns="50800" rIns="50800" bIns="50800" anchor="ctr">
+            <a:spAutoFit/>
+          </a:bodyPr>
+          <a:lstStyle>
+            <a:lvl1pPr>
+              <a:defRPr sz="2000"/>
+            </a:lvl1pPr>
+          </a:lstStyle>
+          <a:p>
+            <a:pPr/>
+            <a:r>
+              <a:t>RPR/</a:t>
+            </a:r>
+          </a:p>
+        </p:txBody>
+      </p:sp>
+    </p:spTree>
+  </p:cSld>
+  <p:clrMapOvr>
+    <a:masterClrMapping/>
+  </p:clrMapOvr>
+  <p:transition xmlns:p14="http://schemas.microsoft.com/office/powerpoint/2010/main" spd="med" advClick="1"/>
+  <p:timing>
+    <p:tnLst>
+      <p:par>
+        <p:cTn id="1" nodeType="tmRoot" restart="never" dur="indefinite" fill="hold">
+          <p:childTnLst>
+            <p:seq concurrent="1" prevAc="none" nextAc="seek">
+              <p:cTn id="2" nodeType="mainSeq" dur="indefinite" fill="hold">
+                <p:childTnLst>
+                  <p:par>
+                    <p:cTn id="3" fill="hold">
+                      <p:stCondLst>
+                        <p:cond delay="indefinite"/>
+                      </p:stCondLst>
+                      <p:childTnLst>
+                        <p:par>
+                          <p:cTn id="4" fill="hold">
+                            <p:stCondLst>
+                              <p:cond delay="0"/>
+                            </p:stCondLst>
+                            <p:childTnLst>
+                              <p:par>
+                                <p:cTn id="5" presetClass="entr" nodeType="clickEffect" presetSubtype="0" presetID="1" grpId="1" fill="hold">
+                                  <p:stCondLst>
+                                    <p:cond delay="0"/>
+                                  </p:stCondLst>
+                                  <p:iterate type="el" backwards="0">
+                                    <p:tmAbs val="0"/>
+                                  </p:iterate>
+                                  <p:childTnLst>
+                                    <p:set>
+                                      <p:cBhvr>
+                                        <p:cTn id="6" fill="hold"/>
+                                        <p:tgtEl>
+                                          <p:spTgt spid="323">
+                                            <p:bg/>
+                                          </p:spTgt>
+                                        </p:tgtEl>
+                                        <p:attrNameLst>
+                                          <p:attrName>style.visibility</p:attrName>
+                                        </p:attrNameLst>
+                                      </p:cBhvr>
+                                      <p:to>
+                                        <p:strVal val="visible"/>
+                                      </p:to>
+                                    </p:set>
+                                  </p:childTnLst>
+                                </p:cTn>
+                              </p:par>
+                              <p:par>
+                                <p:cTn id="7" presetClass="entr" nodeType="withEffect" presetSubtype="0" presetID="1" grpId="1" fill="hold">
+                                  <p:stCondLst>
+                                    <p:cond delay="0"/>
+                                  </p:stCondLst>
+                                  <p:iterate type="el" backwards="0">
+                                    <p:tmAbs val="0"/>
+                                  </p:iterate>
+                                  <p:childTnLst>
+                                    <p:set>
+                                      <p:cBhvr>
+                                        <p:cTn id="8" fill="hold"/>
+                                        <p:tgtEl>
+                                          <p:spTgt spid="323">
+                                            <p:txEl>
+                                              <p:pRg st="0" end="0"/>
+                                            </p:txEl>
+                                          </p:spTgt>
+                                        </p:tgtEl>
+                                        <p:attrNameLst>
+                                          <p:attrName>style.visibility</p:attrName>
+                                        </p:attrNameLst>
+                                      </p:cBhvr>
+                                      <p:to>
+                                        <p:strVal val="visible"/>
+                                      </p:to>
+                                    </p:set>
+                                  </p:childTnLst>
+                                </p:cTn>
+                              </p:par>
+                            </p:childTnLst>
+                          </p:cTn>
+                        </p:par>
+                      </p:childTnLst>
+                    </p:cTn>
+                  </p:par>
+                  <p:par>
+                    <p:cTn id="9" fill="hold">
+                      <p:stCondLst>
+                        <p:cond delay="indefinite"/>
+                      </p:stCondLst>
+                      <p:childTnLst>
+                        <p:par>
+                          <p:cTn id="10" fill="hold">
+                            <p:stCondLst>
+                              <p:cond delay="0"/>
+                            </p:stCondLst>
+                            <p:childTnLst>
+                              <p:par>
+                                <p:cTn id="11" presetClass="entr" nodeType="clickEffect" presetSubtype="0" presetID="1" grpId="1" fill="hold">
+                                  <p:stCondLst>
+                                    <p:cond delay="0"/>
+                                  </p:stCondLst>
+                                  <p:iterate type="el" backwards="0">
+                                    <p:tmAbs val="0"/>
+                                  </p:iterate>
+                                  <p:childTnLst>
+                                    <p:set>
+                                      <p:cBhvr>
+                                        <p:cTn id="12" fill="hold"/>
+                                        <p:tgtEl>
+                                          <p:spTgt spid="323">
+                                            <p:txEl>
+                                              <p:pRg st="1" end="1"/>
+                                            </p:txEl>
+                                          </p:spTgt>
+                                        </p:tgtEl>
+                                        <p:attrNameLst>
+                                          <p:attrName>style.visibility</p:attrName>
+                                        </p:attrNameLst>
+                                      </p:cBhvr>
+                                      <p:to>
+                                        <p:strVal val="visible"/>
+                                      </p:to>
+                                    </p:set>
+                                  </p:childTnLst>
+                                </p:cTn>
+                              </p:par>
+                            </p:childTnLst>
+                          </p:cTn>
+                        </p:par>
+                      </p:childTnLst>
+                    </p:cTn>
+                  </p:par>
+                  <p:par>
+                    <p:cTn id="13" fill="hold">
+                      <p:stCondLst>
+                        <p:cond delay="indefinite"/>
+                      </p:stCondLst>
+                      <p:childTnLst>
+                        <p:par>
+                          <p:cTn id="14" fill="hold">
+                            <p:stCondLst>
+                              <p:cond delay="0"/>
+                            </p:stCondLst>
+                            <p:childTnLst>
+                              <p:par>
+                                <p:cTn id="15" presetClass="entr" nodeType="clickEffect" presetSubtype="0" presetID="1" grpId="1" fill="hold">
+                                  <p:stCondLst>
+                                    <p:cond delay="0"/>
+                                  </p:stCondLst>
+                                  <p:iterate type="el" backwards="0">
+                                    <p:tmAbs val="0"/>
+                                  </p:iterate>
+                                  <p:childTnLst>
+                                    <p:set>
+                                      <p:cBhvr>
+                                        <p:cTn id="16" fill="hold"/>
+                                        <p:tgtEl>
+                                          <p:spTgt spid="323">
+                                            <p:txEl>
+                                              <p:pRg st="2" end="2"/>
+                                            </p:txEl>
+                                          </p:spTgt>
+                                        </p:tgtEl>
+                                        <p:attrNameLst>
+                                          <p:attrName>style.visibility</p:attrName>
+                                        </p:attrNameLst>
+                                      </p:cBhvr>
+                                      <p:to>
+                                        <p:strVal val="visible"/>
+                                      </p:to>
+                                    </p:set>
+                                  </p:childTnLst>
+                                </p:cTn>
+                              </p:par>
+                            </p:childTnLst>
+                          </p:cTn>
+                        </p:par>
+                      </p:childTnLst>
+                    </p:cTn>
+                  </p:par>
+                  <p:par>
+                    <p:cTn id="17" fill="hold">
+                      <p:stCondLst>
+                        <p:cond delay="indefinite"/>
+                      </p:stCondLst>
+                      <p:childTnLst>
+                        <p:par>
+                          <p:cTn id="18" fill="hold">
+                            <p:stCondLst>
+                              <p:cond delay="0"/>
+                            </p:stCondLst>
+                            <p:childTnLst>
+                              <p:par>
+                                <p:cTn id="19" presetClass="entr" nodeType="clickEffect" presetSubtype="0" presetID="1" grpId="1" fill="hold">
+                                  <p:stCondLst>
+                                    <p:cond delay="0"/>
+                                  </p:stCondLst>
+                                  <p:iterate type="el" backwards="0">
+                                    <p:tmAbs val="0"/>
+                                  </p:iterate>
+                                  <p:childTnLst>
+                                    <p:set>
+                                      <p:cBhvr>
+                                        <p:cTn id="20" fill="hold"/>
+                                        <p:tgtEl>
+                                          <p:spTgt spid="323">
+                                            <p:txEl>
+                                              <p:pRg st="3" end="3"/>
+                                            </p:txEl>
+                                          </p:spTgt>
+                                        </p:tgtEl>
+                                        <p:attrNameLst>
+                                          <p:attrName>style.visibility</p:attrName>
+                                        </p:attrNameLst>
+                                      </p:cBhvr>
+                                      <p:to>
+                                        <p:strVal val="visible"/>
+                                      </p:to>
+                                    </p:set>
+                                  </p:childTnLst>
+                                </p:cTn>
+                              </p:par>
+                            </p:childTnLst>
+                          </p:cTn>
+                        </p:par>
+                      </p:childTnLst>
+                    </p:cTn>
+                  </p:par>
+                  <p:par>
+                    <p:cTn id="21" fill="hold">
+                      <p:stCondLst>
+                        <p:cond delay="indefinite"/>
+                      </p:stCondLst>
+                      <p:childTnLst>
+                        <p:par>
+                          <p:cTn id="22" fill="hold">
+                            <p:stCondLst>
+                              <p:cond delay="0"/>
+                            </p:stCondLst>
+                            <p:childTnLst>
+                              <p:par>
+                                <p:cTn id="23" presetClass="entr" nodeType="clickEffect" presetSubtype="0" presetID="1" grpId="1" fill="hold">
+                                  <p:stCondLst>
+                                    <p:cond delay="0"/>
+                                  </p:stCondLst>
+                                  <p:iterate type="el" backwards="0">
+                                    <p:tmAbs val="0"/>
+                                  </p:iterate>
+                                  <p:childTnLst>
+                                    <p:set>
+                                      <p:cBhvr>
+                                        <p:cTn id="24" fill="hold"/>
+                                        <p:tgtEl>
+                                          <p:spTgt spid="323">
+                                            <p:txEl>
+                                              <p:pRg st="4" end="4"/>
+                                            </p:txEl>
+                                          </p:spTgt>
+                                        </p:tgtEl>
+                                        <p:attrNameLst>
+                                          <p:attrName>style.visibility</p:attrName>
+                                        </p:attrNameLst>
+                                      </p:cBhvr>
+                                      <p:to>
+                                        <p:strVal val="visible"/>
+                                      </p:to>
+                                    </p:set>
+                                  </p:childTnLst>
+                                </p:cTn>
+                              </p:par>
+                            </p:childTnLst>
+                          </p:cTn>
+                        </p:par>
+                      </p:childTnLst>
+                    </p:cTn>
+                  </p:par>
+                  <p:par>
+                    <p:cTn id="25" fill="hold">
+                      <p:stCondLst>
+                        <p:cond delay="indefinite"/>
+                      </p:stCondLst>
+                      <p:childTnLst>
+                        <p:par>
+                          <p:cTn id="26" fill="hold">
+                            <p:stCondLst>
+                              <p:cond delay="0"/>
+                            </p:stCondLst>
+                            <p:childTnLst>
+                              <p:par>
+                                <p:cTn id="27" presetClass="entr" nodeType="clickEffect" presetSubtype="0" presetID="1" grpId="1" fill="hold">
+                                  <p:stCondLst>
+                                    <p:cond delay="0"/>
+                                  </p:stCondLst>
+                                  <p:iterate type="el" backwards="0">
+                                    <p:tmAbs val="0"/>
+                                  </p:iterate>
+                                  <p:childTnLst>
+                                    <p:set>
+                                      <p:cBhvr>
+                                        <p:cTn id="28" fill="hold"/>
+                                        <p:tgtEl>
+                                          <p:spTgt spid="323">
                                             <p:txEl>
                                               <p:pRg st="5" end="5"/>
                                             </p:txEl>
@@ -7121,7 +7681,7 @@
                                       <p:cBhvr>
                                         <p:cTn id="32" fill="hold"/>
                                         <p:tgtEl>
-                                          <p:spTgt spid="316">
+                                          <p:spTgt spid="323">
                                             <p:txEl>
                                               <p:pRg st="6" end="6"/>
                                             </p:txEl>
@@ -7166,621 +7726,7 @@
       </p:par>
     </p:tnLst>
     <p:bldLst>
-      <p:bldP build="p" bldLvl="5" animBg="1" rev="0" advAuto="0" spid="316" grpId="1"/>
-    </p:bldLst>
-  </p:timing>
-</p:sld>
-</file>
-
-<file path=ppt/slides/slide14.xml><?xml version="1.0" encoding="utf-8"?>
-<p:sld xmlns:a="http://schemas.openxmlformats.org/drawingml/2006/main" xmlns:r="http://schemas.openxmlformats.org/officeDocument/2006/relationships" xmlns:p="http://schemas.openxmlformats.org/presentationml/2006/main" xmlns:m="http://schemas.openxmlformats.org/officeDocument/2006/math" xmlns:a14="http://schemas.microsoft.com/office/drawing/2010/main" showMasterSp="1" showMasterPhAnim="1">
-  <p:cSld>
-    <p:spTree>
-      <p:nvGrpSpPr>
-        <p:cNvPr id="1" name=""/>
-        <p:cNvGrpSpPr/>
-        <p:nvPr/>
-      </p:nvGrpSpPr>
-      <p:grpSpPr>
-        <a:xfrm>
-          <a:off x="0" y="0"/>
-          <a:ext cx="0" cy="0"/>
-          <a:chOff x="0" y="0"/>
-          <a:chExt cx="0" cy="0"/>
-        </a:xfrm>
-      </p:grpSpPr>
-      <p:sp>
-        <p:nvSpPr>
-          <p:cNvPr id="321" name="Summary"/>
-          <p:cNvSpPr txBox="1"/>
-          <p:nvPr>
-            <p:ph type="title"/>
-          </p:nvPr>
-        </p:nvSpPr>
-        <p:spPr>
-          <a:prstGeom prst="rect">
-            <a:avLst/>
-          </a:prstGeom>
-        </p:spPr>
-        <p:txBody>
-          <a:bodyPr/>
-          <a:lstStyle/>
-          <a:p>
-            <a:pPr/>
-            <a:r>
-              <a:t>Summary</a:t>
-            </a:r>
-          </a:p>
-        </p:txBody>
-      </p:sp>
-      <p:sp>
-        <p:nvSpPr>
-          <p:cNvPr id="322" name="Overview of backtracking…"/>
-          <p:cNvSpPr txBox="1"/>
-          <p:nvPr>
-            <p:ph type="body" idx="1"/>
-          </p:nvPr>
-        </p:nvSpPr>
-        <p:spPr>
-          <a:prstGeom prst="rect">
-            <a:avLst/>
-          </a:prstGeom>
-        </p:spPr>
-        <p:txBody>
-          <a:bodyPr/>
-          <a:lstStyle/>
-          <a:p>
-            <a:pPr/>
-            <a:r>
-              <a:t>Overview of backtracking</a:t>
-            </a:r>
-          </a:p>
-          <a:p>
-            <a:pPr/>
-            <a:r>
-              <a:t>Problem examples for backtracking</a:t>
-            </a:r>
-          </a:p>
-          <a:p>
-            <a:pPr lvl="1"/>
-            <a:r>
-              <a:t>8-queens problems</a:t>
-            </a:r>
-          </a:p>
-          <a:p>
-            <a:pPr lvl="1"/>
-            <a:r>
-              <a:t>Sum of subsets</a:t>
-            </a:r>
-          </a:p>
-          <a:p>
-            <a:pPr lvl="1"/>
-            <a:r>
-              <a:t>3-color problem</a:t>
-            </a:r>
-          </a:p>
-          <a:p>
-            <a:pPr/>
-            <a:r>
-              <a:t>Solution space</a:t>
-            </a:r>
-          </a:p>
-          <a:p>
-            <a:pPr/>
-            <a:r>
-              <a:t>Possible solution space.</a:t>
-            </a:r>
-          </a:p>
-        </p:txBody>
-      </p:sp>
-      <p:sp>
-        <p:nvSpPr>
-          <p:cNvPr id="323" name="Slide Number"/>
-          <p:cNvSpPr txBox="1"/>
-          <p:nvPr>
-            <p:ph type="sldNum" sz="quarter" idx="2"/>
-          </p:nvPr>
-        </p:nvSpPr>
-        <p:spPr>
-          <a:prstGeom prst="rect">
-            <a:avLst/>
-          </a:prstGeom>
-          <a:extLst>
-            <a:ext uri="{C572A759-6A51-4108-AA02-DFA0A04FC94B}">
-              <ma14:wrappingTextBoxFlag xmlns:ma14="http://schemas.microsoft.com/office/mac/drawingml/2011/main" val="1"/>
-            </a:ext>
-          </a:extLst>
-        </p:spPr>
-        <p:txBody>
-          <a:bodyPr/>
-          <a:lstStyle/>
-          <a:p>
-            <a:pPr/>
-            <a:fld id="{86CB4B4D-7CA3-9044-876B-883B54F8677D}" type="slidenum"/>
-          </a:p>
-        </p:txBody>
-      </p:sp>
-      <p:sp>
-        <p:nvSpPr>
-          <p:cNvPr id="324" name="DAA/Dynamic Programming"/>
-          <p:cNvSpPr txBox="1"/>
-          <p:nvPr/>
-        </p:nvSpPr>
-        <p:spPr>
-          <a:xfrm>
-            <a:off x="423212" y="6963885"/>
-            <a:ext cx="3769679" cy="431552"/>
-          </a:xfrm>
-          <a:prstGeom prst="rect">
-            <a:avLst/>
-          </a:prstGeom>
-          <a:ln w="12700">
-            <a:miter lim="400000"/>
-          </a:ln>
-          <a:extLst>
-            <a:ext uri="{C572A759-6A51-4108-AA02-DFA0A04FC94B}">
-              <ma14:wrappingTextBoxFlag xmlns:ma14="http://schemas.microsoft.com/office/mac/drawingml/2011/main" val="1"/>
-            </a:ext>
-          </a:extLst>
-        </p:spPr>
-        <p:txBody>
-          <a:bodyPr wrap="none" lIns="50800" tIns="50800" rIns="50800" bIns="50800" anchor="ctr">
-            <a:spAutoFit/>
-          </a:bodyPr>
-          <a:lstStyle>
-            <a:lvl1pPr>
-              <a:defRPr sz="2400"/>
-            </a:lvl1pPr>
-          </a:lstStyle>
-          <a:p>
-            <a:pPr/>
-            <a:r>
-              <a:t>DAA/Dynamic Programming</a:t>
-            </a:r>
-          </a:p>
-        </p:txBody>
-      </p:sp>
-      <p:sp>
-        <p:nvSpPr>
-          <p:cNvPr id="325" name="RPR/"/>
-          <p:cNvSpPr txBox="1"/>
-          <p:nvPr/>
-        </p:nvSpPr>
-        <p:spPr>
-          <a:xfrm>
-            <a:off x="7535212" y="6988206"/>
-            <a:ext cx="705605" cy="382910"/>
-          </a:xfrm>
-          <a:prstGeom prst="rect">
-            <a:avLst/>
-          </a:prstGeom>
-          <a:ln w="12700">
-            <a:miter lim="400000"/>
-          </a:ln>
-          <a:extLst>
-            <a:ext uri="{C572A759-6A51-4108-AA02-DFA0A04FC94B}">
-              <ma14:wrappingTextBoxFlag xmlns:ma14="http://schemas.microsoft.com/office/mac/drawingml/2011/main" val="1"/>
-            </a:ext>
-          </a:extLst>
-        </p:spPr>
-        <p:txBody>
-          <a:bodyPr wrap="none" lIns="50800" tIns="50800" rIns="50800" bIns="50800" anchor="ctr">
-            <a:spAutoFit/>
-          </a:bodyPr>
-          <a:lstStyle>
-            <a:lvl1pPr>
-              <a:defRPr sz="2000"/>
-            </a:lvl1pPr>
-          </a:lstStyle>
-          <a:p>
-            <a:pPr/>
-            <a:r>
-              <a:t>RPR/</a:t>
-            </a:r>
-          </a:p>
-        </p:txBody>
-      </p:sp>
-    </p:spTree>
-  </p:cSld>
-  <p:clrMapOvr>
-    <a:masterClrMapping/>
-  </p:clrMapOvr>
-  <p:transition xmlns:p14="http://schemas.microsoft.com/office/powerpoint/2010/main" spd="med" advClick="1"/>
-  <p:timing>
-    <p:tnLst>
-      <p:par>
-        <p:cTn id="1" nodeType="tmRoot" restart="never" dur="indefinite" fill="hold">
-          <p:childTnLst>
-            <p:seq concurrent="1" prevAc="none" nextAc="seek">
-              <p:cTn id="2" nodeType="mainSeq" dur="indefinite" fill="hold">
-                <p:childTnLst>
-                  <p:par>
-                    <p:cTn id="3" fill="hold">
-                      <p:stCondLst>
-                        <p:cond delay="indefinite"/>
-                      </p:stCondLst>
-                      <p:childTnLst>
-                        <p:par>
-                          <p:cTn id="4" fill="hold">
-                            <p:stCondLst>
-                              <p:cond delay="0"/>
-                            </p:stCondLst>
-                            <p:childTnLst>
-                              <p:par>
-                                <p:cTn id="5" presetClass="entr" nodeType="clickEffect" presetSubtype="0" presetID="1" grpId="1" fill="hold">
-                                  <p:stCondLst>
-                                    <p:cond delay="0"/>
-                                  </p:stCondLst>
-                                  <p:iterate type="el" backwards="0">
-                                    <p:tmAbs val="0"/>
-                                  </p:iterate>
-                                  <p:childTnLst>
-                                    <p:set>
-                                      <p:cBhvr>
-                                        <p:cTn id="6" fill="hold"/>
-                                        <p:tgtEl>
-                                          <p:spTgt spid="322">
-                                            <p:bg/>
-                                          </p:spTgt>
-                                        </p:tgtEl>
-                                        <p:attrNameLst>
-                                          <p:attrName>style.visibility</p:attrName>
-                                        </p:attrNameLst>
-                                      </p:cBhvr>
-                                      <p:to>
-                                        <p:strVal val="visible"/>
-                                      </p:to>
-                                    </p:set>
-                                  </p:childTnLst>
-                                </p:cTn>
-                              </p:par>
-                              <p:par>
-                                <p:cTn id="7" presetClass="entr" nodeType="withEffect" presetSubtype="0" presetID="1" grpId="1" fill="hold">
-                                  <p:stCondLst>
-                                    <p:cond delay="0"/>
-                                  </p:stCondLst>
-                                  <p:iterate type="el" backwards="0">
-                                    <p:tmAbs val="0"/>
-                                  </p:iterate>
-                                  <p:childTnLst>
-                                    <p:set>
-                                      <p:cBhvr>
-                                        <p:cTn id="8" fill="hold"/>
-                                        <p:tgtEl>
-                                          <p:spTgt spid="322">
-                                            <p:txEl>
-                                              <p:pRg st="0" end="0"/>
-                                            </p:txEl>
-                                          </p:spTgt>
-                                        </p:tgtEl>
-                                        <p:attrNameLst>
-                                          <p:attrName>style.visibility</p:attrName>
-                                        </p:attrNameLst>
-                                      </p:cBhvr>
-                                      <p:to>
-                                        <p:strVal val="visible"/>
-                                      </p:to>
-                                    </p:set>
-                                  </p:childTnLst>
-                                </p:cTn>
-                              </p:par>
-                            </p:childTnLst>
-                          </p:cTn>
-                        </p:par>
-                      </p:childTnLst>
-                    </p:cTn>
-                  </p:par>
-                  <p:par>
-                    <p:cTn id="9" fill="hold">
-                      <p:stCondLst>
-                        <p:cond delay="indefinite"/>
-                      </p:stCondLst>
-                      <p:childTnLst>
-                        <p:par>
-                          <p:cTn id="10" fill="hold">
-                            <p:stCondLst>
-                              <p:cond delay="0"/>
-                            </p:stCondLst>
-                            <p:childTnLst>
-                              <p:par>
-                                <p:cTn id="11" presetClass="entr" nodeType="clickEffect" presetSubtype="0" presetID="1" grpId="1" fill="hold">
-                                  <p:stCondLst>
-                                    <p:cond delay="0"/>
-                                  </p:stCondLst>
-                                  <p:iterate type="el" backwards="0">
-                                    <p:tmAbs val="0"/>
-                                  </p:iterate>
-                                  <p:childTnLst>
-                                    <p:set>
-                                      <p:cBhvr>
-                                        <p:cTn id="12" fill="hold"/>
-                                        <p:tgtEl>
-                                          <p:spTgt spid="322">
-                                            <p:txEl>
-                                              <p:pRg st="1" end="1"/>
-                                            </p:txEl>
-                                          </p:spTgt>
-                                        </p:tgtEl>
-                                        <p:attrNameLst>
-                                          <p:attrName>style.visibility</p:attrName>
-                                        </p:attrNameLst>
-                                      </p:cBhvr>
-                                      <p:to>
-                                        <p:strVal val="visible"/>
-                                      </p:to>
-                                    </p:set>
-                                  </p:childTnLst>
-                                </p:cTn>
-                              </p:par>
-                            </p:childTnLst>
-                          </p:cTn>
-                        </p:par>
-                      </p:childTnLst>
-                    </p:cTn>
-                  </p:par>
-                  <p:par>
-                    <p:cTn id="13" fill="hold">
-                      <p:stCondLst>
-                        <p:cond delay="indefinite"/>
-                      </p:stCondLst>
-                      <p:childTnLst>
-                        <p:par>
-                          <p:cTn id="14" fill="hold">
-                            <p:stCondLst>
-                              <p:cond delay="0"/>
-                            </p:stCondLst>
-                            <p:childTnLst>
-                              <p:par>
-                                <p:cTn id="15" presetClass="entr" nodeType="clickEffect" presetSubtype="0" presetID="1" grpId="1" fill="hold">
-                                  <p:stCondLst>
-                                    <p:cond delay="0"/>
-                                  </p:stCondLst>
-                                  <p:iterate type="el" backwards="0">
-                                    <p:tmAbs val="0"/>
-                                  </p:iterate>
-                                  <p:childTnLst>
-                                    <p:set>
-                                      <p:cBhvr>
-                                        <p:cTn id="16" fill="hold"/>
-                                        <p:tgtEl>
-                                          <p:spTgt spid="322">
-                                            <p:txEl>
-                                              <p:pRg st="2" end="2"/>
-                                            </p:txEl>
-                                          </p:spTgt>
-                                        </p:tgtEl>
-                                        <p:attrNameLst>
-                                          <p:attrName>style.visibility</p:attrName>
-                                        </p:attrNameLst>
-                                      </p:cBhvr>
-                                      <p:to>
-                                        <p:strVal val="visible"/>
-                                      </p:to>
-                                    </p:set>
-                                  </p:childTnLst>
-                                </p:cTn>
-                              </p:par>
-                            </p:childTnLst>
-                          </p:cTn>
-                        </p:par>
-                      </p:childTnLst>
-                    </p:cTn>
-                  </p:par>
-                  <p:par>
-                    <p:cTn id="17" fill="hold">
-                      <p:stCondLst>
-                        <p:cond delay="indefinite"/>
-                      </p:stCondLst>
-                      <p:childTnLst>
-                        <p:par>
-                          <p:cTn id="18" fill="hold">
-                            <p:stCondLst>
-                              <p:cond delay="0"/>
-                            </p:stCondLst>
-                            <p:childTnLst>
-                              <p:par>
-                                <p:cTn id="19" presetClass="entr" nodeType="clickEffect" presetSubtype="0" presetID="1" grpId="1" fill="hold">
-                                  <p:stCondLst>
-                                    <p:cond delay="0"/>
-                                  </p:stCondLst>
-                                  <p:iterate type="el" backwards="0">
-                                    <p:tmAbs val="0"/>
-                                  </p:iterate>
-                                  <p:childTnLst>
-                                    <p:set>
-                                      <p:cBhvr>
-                                        <p:cTn id="20" fill="hold"/>
-                                        <p:tgtEl>
-                                          <p:spTgt spid="322">
-                                            <p:txEl>
-                                              <p:pRg st="3" end="3"/>
-                                            </p:txEl>
-                                          </p:spTgt>
-                                        </p:tgtEl>
-                                        <p:attrNameLst>
-                                          <p:attrName>style.visibility</p:attrName>
-                                        </p:attrNameLst>
-                                      </p:cBhvr>
-                                      <p:to>
-                                        <p:strVal val="visible"/>
-                                      </p:to>
-                                    </p:set>
-                                  </p:childTnLst>
-                                </p:cTn>
-                              </p:par>
-                            </p:childTnLst>
-                          </p:cTn>
-                        </p:par>
-                      </p:childTnLst>
-                    </p:cTn>
-                  </p:par>
-                  <p:par>
-                    <p:cTn id="21" fill="hold">
-                      <p:stCondLst>
-                        <p:cond delay="indefinite"/>
-                      </p:stCondLst>
-                      <p:childTnLst>
-                        <p:par>
-                          <p:cTn id="22" fill="hold">
-                            <p:stCondLst>
-                              <p:cond delay="0"/>
-                            </p:stCondLst>
-                            <p:childTnLst>
-                              <p:par>
-                                <p:cTn id="23" presetClass="entr" nodeType="clickEffect" presetSubtype="0" presetID="1" grpId="1" fill="hold">
-                                  <p:stCondLst>
-                                    <p:cond delay="0"/>
-                                  </p:stCondLst>
-                                  <p:iterate type="el" backwards="0">
-                                    <p:tmAbs val="0"/>
-                                  </p:iterate>
-                                  <p:childTnLst>
-                                    <p:set>
-                                      <p:cBhvr>
-                                        <p:cTn id="24" fill="hold"/>
-                                        <p:tgtEl>
-                                          <p:spTgt spid="322">
-                                            <p:txEl>
-                                              <p:pRg st="4" end="4"/>
-                                            </p:txEl>
-                                          </p:spTgt>
-                                        </p:tgtEl>
-                                        <p:attrNameLst>
-                                          <p:attrName>style.visibility</p:attrName>
-                                        </p:attrNameLst>
-                                      </p:cBhvr>
-                                      <p:to>
-                                        <p:strVal val="visible"/>
-                                      </p:to>
-                                    </p:set>
-                                  </p:childTnLst>
-                                </p:cTn>
-                              </p:par>
-                            </p:childTnLst>
-                          </p:cTn>
-                        </p:par>
-                      </p:childTnLst>
-                    </p:cTn>
-                  </p:par>
-                  <p:par>
-                    <p:cTn id="25" fill="hold">
-                      <p:stCondLst>
-                        <p:cond delay="indefinite"/>
-                      </p:stCondLst>
-                      <p:childTnLst>
-                        <p:par>
-                          <p:cTn id="26" fill="hold">
-                            <p:stCondLst>
-                              <p:cond delay="0"/>
-                            </p:stCondLst>
-                            <p:childTnLst>
-                              <p:par>
-                                <p:cTn id="27" presetClass="entr" nodeType="clickEffect" presetSubtype="0" presetID="1" grpId="1" fill="hold">
-                                  <p:stCondLst>
-                                    <p:cond delay="0"/>
-                                  </p:stCondLst>
-                                  <p:iterate type="el" backwards="0">
-                                    <p:tmAbs val="0"/>
-                                  </p:iterate>
-                                  <p:childTnLst>
-                                    <p:set>
-                                      <p:cBhvr>
-                                        <p:cTn id="28" fill="hold"/>
-                                        <p:tgtEl>
-                                          <p:spTgt spid="322">
-                                            <p:txEl>
-                                              <p:pRg st="5" end="5"/>
-                                            </p:txEl>
-                                          </p:spTgt>
-                                        </p:tgtEl>
-                                        <p:attrNameLst>
-                                          <p:attrName>style.visibility</p:attrName>
-                                        </p:attrNameLst>
-                                      </p:cBhvr>
-                                      <p:to>
-                                        <p:strVal val="visible"/>
-                                      </p:to>
-                                    </p:set>
-                                  </p:childTnLst>
-                                </p:cTn>
-                              </p:par>
-                            </p:childTnLst>
-                          </p:cTn>
-                        </p:par>
-                      </p:childTnLst>
-                    </p:cTn>
-                  </p:par>
-                  <p:par>
-                    <p:cTn id="29" fill="hold">
-                      <p:stCondLst>
-                        <p:cond delay="indefinite"/>
-                      </p:stCondLst>
-                      <p:childTnLst>
-                        <p:par>
-                          <p:cTn id="30" fill="hold">
-                            <p:stCondLst>
-                              <p:cond delay="0"/>
-                            </p:stCondLst>
-                            <p:childTnLst>
-                              <p:par>
-                                <p:cTn id="31" presetClass="entr" nodeType="clickEffect" presetSubtype="0" presetID="1" grpId="1" fill="hold">
-                                  <p:stCondLst>
-                                    <p:cond delay="0"/>
-                                  </p:stCondLst>
-                                  <p:iterate type="el" backwards="0">
-                                    <p:tmAbs val="0"/>
-                                  </p:iterate>
-                                  <p:childTnLst>
-                                    <p:set>
-                                      <p:cBhvr>
-                                        <p:cTn id="32" fill="hold"/>
-                                        <p:tgtEl>
-                                          <p:spTgt spid="322">
-                                            <p:txEl>
-                                              <p:pRg st="6" end="6"/>
-                                            </p:txEl>
-                                          </p:spTgt>
-                                        </p:tgtEl>
-                                        <p:attrNameLst>
-                                          <p:attrName>style.visibility</p:attrName>
-                                        </p:attrNameLst>
-                                      </p:cBhvr>
-                                      <p:to>
-                                        <p:strVal val="visible"/>
-                                      </p:to>
-                                    </p:set>
-                                  </p:childTnLst>
-                                </p:cTn>
-                              </p:par>
-                            </p:childTnLst>
-                          </p:cTn>
-                        </p:par>
-                      </p:childTnLst>
-                    </p:cTn>
-                  </p:par>
-                </p:childTnLst>
-              </p:cTn>
-              <p:prevCondLst>
-                <p:cond evt="onPrev">
-                  <p:tgtEl>
-                    <p:sldTgt/>
-                  </p:tgtEl>
-                </p:cond>
-              </p:prevCondLst>
-              <p:nextCondLst>
-                <p:cond evt="onNext">
-                  <p:tgtEl>
-                    <p:sldTgt/>
-                  </p:tgtEl>
-                </p:cond>
-              </p:nextCondLst>
-            </p:seq>
-          </p:childTnLst>
-        </p:cTn>
-      </p:par>
-    </p:tnLst>
-    <p:bldLst>
-      <p:bldP build="p" bldLvl="5" animBg="1" rev="0" advAuto="0" spid="322" grpId="1"/>
+      <p:bldP build="p" bldLvl="5" animBg="1" rev="0" advAuto="0" spid="323" grpId="1"/>
     </p:bldLst>
   </p:timing>
 </p:sld>
@@ -8121,7 +8067,7 @@
       </p:sp>
       <p:sp>
         <p:nvSpPr>
-          <p:cNvPr id="54" name="?"/>
+          <p:cNvPr id="54" name="Backtracking…"/>
           <p:cNvSpPr txBox="1"/>
           <p:nvPr>
             <p:ph type="body" idx="1"/>
@@ -8138,7 +8084,37 @@
           <a:p>
             <a:pPr/>
             <a:r>
-              <a:t>?</a:t>
+              <a:t>Backtracking</a:t>
+            </a:r>
+          </a:p>
+          <a:p>
+            <a:pPr lvl="1"/>
+            <a:r>
+              <a:t>Start from some solution.</a:t>
+            </a:r>
+          </a:p>
+          <a:p>
+            <a:pPr lvl="1"/>
+            <a:r>
+              <a:t>Keep exploring for next part of solution</a:t>
+            </a:r>
+          </a:p>
+          <a:p>
+            <a:pPr lvl="1"/>
+            <a:r>
+              <a:t>When exploration of solution stops (not possible to proceed further)</a:t>
+            </a:r>
+          </a:p>
+          <a:p>
+            <a:pPr lvl="2"/>
+            <a:r>
+              <a:t>Resume back from the last point where decision was made to explore the current path.</a:t>
+            </a:r>
+          </a:p>
+          <a:p>
+            <a:pPr lvl="2"/>
+            <a:r>
+              <a:t>Explore with the next path.</a:t>
             </a:r>
           </a:p>
         </p:txBody>
@@ -8320,6 +8296,246 @@
                                           <p:spTgt spid="54">
                                             <p:txEl>
                                               <p:pRg st="0" end="0"/>
+                                            </p:txEl>
+                                          </p:spTgt>
+                                        </p:tgtEl>
+                                        <p:attrNameLst>
+                                          <p:attrName>style.visibility</p:attrName>
+                                        </p:attrNameLst>
+                                      </p:cBhvr>
+                                      <p:to>
+                                        <p:strVal val="visible"/>
+                                      </p:to>
+                                    </p:set>
+                                  </p:childTnLst>
+                                </p:cTn>
+                              </p:par>
+                            </p:childTnLst>
+                          </p:cTn>
+                        </p:par>
+                      </p:childTnLst>
+                    </p:cTn>
+                  </p:par>
+                  <p:par>
+                    <p:cTn id="9" fill="hold">
+                      <p:stCondLst>
+                        <p:cond delay="indefinite"/>
+                      </p:stCondLst>
+                      <p:childTnLst>
+                        <p:par>
+                          <p:cTn id="10" fill="hold">
+                            <p:stCondLst>
+                              <p:cond delay="0"/>
+                            </p:stCondLst>
+                            <p:childTnLst>
+                              <p:par>
+                                <p:cTn id="11" presetClass="entr" nodeType="clickEffect" presetSubtype="0" presetID="1" grpId="1" fill="hold">
+                                  <p:stCondLst>
+                                    <p:cond delay="0"/>
+                                  </p:stCondLst>
+                                  <p:iterate type="el" backwards="0">
+                                    <p:tmAbs val="0"/>
+                                  </p:iterate>
+                                  <p:childTnLst>
+                                    <p:set>
+                                      <p:cBhvr>
+                                        <p:cTn id="12" fill="hold"/>
+                                        <p:tgtEl>
+                                          <p:spTgt spid="54">
+                                            <p:txEl>
+                                              <p:pRg st="1" end="1"/>
+                                            </p:txEl>
+                                          </p:spTgt>
+                                        </p:tgtEl>
+                                        <p:attrNameLst>
+                                          <p:attrName>style.visibility</p:attrName>
+                                        </p:attrNameLst>
+                                      </p:cBhvr>
+                                      <p:to>
+                                        <p:strVal val="visible"/>
+                                      </p:to>
+                                    </p:set>
+                                  </p:childTnLst>
+                                </p:cTn>
+                              </p:par>
+                            </p:childTnLst>
+                          </p:cTn>
+                        </p:par>
+                      </p:childTnLst>
+                    </p:cTn>
+                  </p:par>
+                  <p:par>
+                    <p:cTn id="13" fill="hold">
+                      <p:stCondLst>
+                        <p:cond delay="indefinite"/>
+                      </p:stCondLst>
+                      <p:childTnLst>
+                        <p:par>
+                          <p:cTn id="14" fill="hold">
+                            <p:stCondLst>
+                              <p:cond delay="0"/>
+                            </p:stCondLst>
+                            <p:childTnLst>
+                              <p:par>
+                                <p:cTn id="15" presetClass="entr" nodeType="clickEffect" presetSubtype="0" presetID="1" grpId="1" fill="hold">
+                                  <p:stCondLst>
+                                    <p:cond delay="0"/>
+                                  </p:stCondLst>
+                                  <p:iterate type="el" backwards="0">
+                                    <p:tmAbs val="0"/>
+                                  </p:iterate>
+                                  <p:childTnLst>
+                                    <p:set>
+                                      <p:cBhvr>
+                                        <p:cTn id="16" fill="hold"/>
+                                        <p:tgtEl>
+                                          <p:spTgt spid="54">
+                                            <p:txEl>
+                                              <p:pRg st="2" end="2"/>
+                                            </p:txEl>
+                                          </p:spTgt>
+                                        </p:tgtEl>
+                                        <p:attrNameLst>
+                                          <p:attrName>style.visibility</p:attrName>
+                                        </p:attrNameLst>
+                                      </p:cBhvr>
+                                      <p:to>
+                                        <p:strVal val="visible"/>
+                                      </p:to>
+                                    </p:set>
+                                  </p:childTnLst>
+                                </p:cTn>
+                              </p:par>
+                            </p:childTnLst>
+                          </p:cTn>
+                        </p:par>
+                      </p:childTnLst>
+                    </p:cTn>
+                  </p:par>
+                  <p:par>
+                    <p:cTn id="17" fill="hold">
+                      <p:stCondLst>
+                        <p:cond delay="indefinite"/>
+                      </p:stCondLst>
+                      <p:childTnLst>
+                        <p:par>
+                          <p:cTn id="18" fill="hold">
+                            <p:stCondLst>
+                              <p:cond delay="0"/>
+                            </p:stCondLst>
+                            <p:childTnLst>
+                              <p:par>
+                                <p:cTn id="19" presetClass="entr" nodeType="clickEffect" presetSubtype="0" presetID="1" grpId="1" fill="hold">
+                                  <p:stCondLst>
+                                    <p:cond delay="0"/>
+                                  </p:stCondLst>
+                                  <p:iterate type="el" backwards="0">
+                                    <p:tmAbs val="0"/>
+                                  </p:iterate>
+                                  <p:childTnLst>
+                                    <p:set>
+                                      <p:cBhvr>
+                                        <p:cTn id="20" fill="hold"/>
+                                        <p:tgtEl>
+                                          <p:spTgt spid="54">
+                                            <p:txEl>
+                                              <p:pRg st="3" end="3"/>
+                                            </p:txEl>
+                                          </p:spTgt>
+                                        </p:tgtEl>
+                                        <p:attrNameLst>
+                                          <p:attrName>style.visibility</p:attrName>
+                                        </p:attrNameLst>
+                                      </p:cBhvr>
+                                      <p:to>
+                                        <p:strVal val="visible"/>
+                                      </p:to>
+                                    </p:set>
+                                  </p:childTnLst>
+                                </p:cTn>
+                              </p:par>
+                            </p:childTnLst>
+                          </p:cTn>
+                        </p:par>
+                      </p:childTnLst>
+                    </p:cTn>
+                  </p:par>
+                  <p:par>
+                    <p:cTn id="21" fill="hold">
+                      <p:stCondLst>
+                        <p:cond delay="indefinite"/>
+                      </p:stCondLst>
+                      <p:childTnLst>
+                        <p:par>
+                          <p:cTn id="22" fill="hold">
+                            <p:stCondLst>
+                              <p:cond delay="0"/>
+                            </p:stCondLst>
+                            <p:childTnLst>
+                              <p:par>
+                                <p:cTn id="23" presetClass="entr" nodeType="clickEffect" presetSubtype="0" presetID="1" grpId="1" fill="hold">
+                                  <p:stCondLst>
+                                    <p:cond delay="0"/>
+                                  </p:stCondLst>
+                                  <p:iterate type="el" backwards="0">
+                                    <p:tmAbs val="0"/>
+                                  </p:iterate>
+                                  <p:childTnLst>
+                                    <p:set>
+                                      <p:cBhvr>
+                                        <p:cTn id="24" fill="hold"/>
+                                        <p:tgtEl>
+                                          <p:spTgt spid="54">
+                                            <p:txEl>
+                                              <p:pRg st="4" end="4"/>
+                                            </p:txEl>
+                                          </p:spTgt>
+                                        </p:tgtEl>
+                                        <p:attrNameLst>
+                                          <p:attrName>style.visibility</p:attrName>
+                                        </p:attrNameLst>
+                                      </p:cBhvr>
+                                      <p:to>
+                                        <p:strVal val="visible"/>
+                                      </p:to>
+                                    </p:set>
+                                  </p:childTnLst>
+                                </p:cTn>
+                              </p:par>
+                            </p:childTnLst>
+                          </p:cTn>
+                        </p:par>
+                      </p:childTnLst>
+                    </p:cTn>
+                  </p:par>
+                  <p:par>
+                    <p:cTn id="25" fill="hold">
+                      <p:stCondLst>
+                        <p:cond delay="indefinite"/>
+                      </p:stCondLst>
+                      <p:childTnLst>
+                        <p:par>
+                          <p:cTn id="26" fill="hold">
+                            <p:stCondLst>
+                              <p:cond delay="0"/>
+                            </p:stCondLst>
+                            <p:childTnLst>
+                              <p:par>
+                                <p:cTn id="27" presetClass="entr" nodeType="clickEffect" presetSubtype="0" presetID="1" grpId="1" fill="hold">
+                                  <p:stCondLst>
+                                    <p:cond delay="0"/>
+                                  </p:stCondLst>
+                                  <p:iterate type="el" backwards="0">
+                                    <p:tmAbs val="0"/>
+                                  </p:iterate>
+                                  <p:childTnLst>
+                                    <p:set>
+                                      <p:cBhvr>
+                                        <p:cTn id="28" fill="hold"/>
+                                        <p:tgtEl>
+                                          <p:spTgt spid="54">
+                                            <p:txEl>
+                                              <p:pRg st="5" end="5"/>
                                             </p:txEl>
                                           </p:spTgt>
                                         </p:tgtEl>
@@ -16060,50 +16276,50 @@
       </p:par>
     </p:tnLst>
     <p:bldLst>
+      <p:bldP build="whole" bldLvl="1" animBg="1" rev="0" advAuto="0" spid="102" grpId="26"/>
+      <p:bldP build="whole" bldLvl="1" animBg="1" rev="0" advAuto="0" spid="88" grpId="9"/>
+      <p:bldP build="whole" bldLvl="1" animBg="1" rev="0" advAuto="0" spid="97" grpId="24"/>
+      <p:bldP build="whole" bldLvl="1" animBg="1" rev="0" advAuto="0" spid="109" grpId="10"/>
+      <p:bldP build="whole" bldLvl="1" animBg="1" rev="0" advAuto="0" spid="89" grpId="13"/>
+      <p:bldP build="whole" bldLvl="1" animBg="1" rev="0" advAuto="0" spid="112" grpId="33"/>
+      <p:bldP build="whole" bldLvl="1" animBg="1" rev="0" advAuto="0" spid="98" grpId="38"/>
+      <p:bldP build="whole" bldLvl="1" animBg="1" rev="0" advAuto="0" spid="111" grpId="20"/>
+      <p:bldP build="whole" bldLvl="1" animBg="1" rev="0" advAuto="0" spid="107" grpId="1"/>
+      <p:bldP build="whole" bldLvl="1" animBg="1" rev="0" advAuto="0" spid="90" grpId="12"/>
+      <p:bldP build="whole" bldLvl="1" animBg="1" rev="0" advAuto="0" spid="102" grpId="34"/>
+      <p:bldP build="whole" bldLvl="1" animBg="1" rev="0" advAuto="0" spid="114" grpId="42"/>
+      <p:bldP build="whole" bldLvl="1" animBg="1" rev="0" advAuto="0" spid="116" grpId="44"/>
+      <p:bldP build="whole" bldLvl="1" animBg="1" rev="0" advAuto="0" spid="106" grpId="36"/>
+      <p:bldP build="whole" bldLvl="1" animBg="1" rev="0" advAuto="0" spid="101" grpId="27"/>
+      <p:bldP build="whole" bldLvl="1" animBg="1" rev="0" advAuto="0" spid="97" grpId="40"/>
+      <p:bldP build="whole" bldLvl="1" animBg="1" rev="0" advAuto="0" spid="95" grpId="18"/>
+      <p:bldP build="whole" bldLvl="1" animBg="1" rev="0" advAuto="0" spid="101" grpId="35"/>
+      <p:bldP build="whole" bldLvl="1" animBg="1" rev="0" advAuto="0" spid="83" grpId="8"/>
+      <p:bldP build="whole" bldLvl="1" animBg="1" rev="0" advAuto="0" spid="84" grpId="3"/>
+      <p:bldP build="whole" bldLvl="1" animBg="1" rev="0" advAuto="0" spid="117" grpId="45"/>
+      <p:bldP build="whole" bldLvl="1" animBg="1" rev="0" advAuto="0" spid="100" grpId="23"/>
+      <p:bldP build="whole" bldLvl="1" animBg="1" rev="0" advAuto="0" spid="110" grpId="15"/>
+      <p:bldP build="whole" bldLvl="1" animBg="1" rev="0" advAuto="0" spid="105" grpId="32"/>
+      <p:bldP build="whole" bldLvl="1" animBg="1" rev="0" advAuto="0" spid="96" grpId="16"/>
+      <p:bldP build="whole" bldLvl="1" animBg="1" rev="0" advAuto="0" spid="113" grpId="31"/>
+      <p:bldP build="whole" bldLvl="1" animBg="1" rev="0" advAuto="0" spid="92" grpId="14"/>
       <p:bldP build="whole" bldLvl="1" animBg="1" rev="0" advAuto="0" spid="113" grpId="28"/>
-      <p:bldP build="whole" bldLvl="1" animBg="1" rev="0" advAuto="0" spid="83" grpId="8"/>
-      <p:bldP build="whole" bldLvl="1" animBg="1" rev="0" advAuto="0" spid="106" grpId="36"/>
-      <p:bldP build="whole" bldLvl="1" animBg="1" rev="0" advAuto="0" spid="113" grpId="31"/>
-      <p:bldP build="whole" bldLvl="1" animBg="1" rev="0" advAuto="0" spid="97" grpId="40"/>
-      <p:bldP build="whole" bldLvl="1" animBg="1" rev="0" advAuto="0" spid="101" grpId="27"/>
-      <p:bldP build="whole" bldLvl="1" animBg="1" rev="0" advAuto="0" spid="99" grpId="37"/>
-      <p:bldP build="whole" bldLvl="1" animBg="1" rev="0" advAuto="0" spid="96" grpId="16"/>
-      <p:bldP build="whole" bldLvl="1" animBg="1" rev="0" advAuto="0" spid="111" grpId="20"/>
-      <p:bldP build="whole" bldLvl="1" animBg="1" rev="0" advAuto="0" spid="101" grpId="35"/>
-      <p:bldP build="whole" bldLvl="1" animBg="1" rev="0" advAuto="0" spid="94" grpId="19"/>
-      <p:bldP build="whole" bldLvl="1" animBg="1" rev="0" advAuto="0" spid="88" grpId="9"/>
-      <p:bldP build="whole" bldLvl="1" animBg="1" rev="0" advAuto="0" spid="85" grpId="7"/>
-      <p:bldP build="whole" bldLvl="1" animBg="1" rev="0" advAuto="0" spid="90" grpId="12"/>
-      <p:bldP build="whole" bldLvl="1" animBg="1" rev="0" advAuto="0" spid="112" grpId="25"/>
-      <p:bldP build="whole" bldLvl="1" animBg="1" rev="0" advAuto="0" spid="89" grpId="13"/>
+      <p:bldP build="whole" bldLvl="1" animBg="1" rev="0" advAuto="0" spid="115" grpId="43"/>
+      <p:bldP build="whole" bldLvl="1" animBg="1" rev="0" advAuto="0" spid="99" grpId="21"/>
+      <p:bldP build="whole" bldLvl="1" animBg="1" rev="0" advAuto="0" spid="103" grpId="29"/>
       <p:bldP build="whole" bldLvl="1" animBg="1" rev="0" advAuto="0" spid="104" grpId="30"/>
-      <p:bldP build="whole" bldLvl="1" animBg="1" rev="0" advAuto="0" spid="93" grpId="17"/>
-      <p:bldP build="whole" bldLvl="1" animBg="1" rev="0" advAuto="0" spid="86" grpId="4"/>
-      <p:bldP build="whole" bldLvl="1" animBg="1" rev="0" advAuto="0" spid="100" grpId="23"/>
-      <p:bldP build="whole" bldLvl="1" animBg="1" rev="0" advAuto="0" spid="82" grpId="2"/>
-      <p:bldP build="whole" bldLvl="1" animBg="1" rev="0" advAuto="0" spid="105" grpId="32"/>
-      <p:bldP build="whole" bldLvl="1" animBg="1" rev="0" advAuto="0" spid="103" grpId="29"/>
-      <p:bldP build="whole" bldLvl="1" animBg="1" rev="0" advAuto="0" spid="92" grpId="14"/>
-      <p:bldP build="whole" bldLvl="1" animBg="1" rev="0" advAuto="0" spid="110" grpId="15"/>
-      <p:bldP build="whole" bldLvl="1" animBg="1" rev="0" advAuto="0" spid="109" grpId="10"/>
-      <p:bldP build="whole" bldLvl="1" animBg="1" rev="0" advAuto="0" spid="107" grpId="1"/>
-      <p:bldP build="whole" bldLvl="1" animBg="1" rev="0" advAuto="0" spid="112" grpId="33"/>
-      <p:bldP build="whole" bldLvl="1" animBg="1" rev="0" advAuto="0" spid="114" grpId="42"/>
-      <p:bldP build="whole" bldLvl="1" animBg="1" rev="0" advAuto="0" spid="98" grpId="22"/>
       <p:bldP build="whole" bldLvl="1" animBg="1" rev="0" advAuto="0" spid="87" grpId="6"/>
       <p:bldP build="whole" bldLvl="1" animBg="1" rev="0" advAuto="0" spid="100" grpId="39"/>
-      <p:bldP build="whole" bldLvl="1" animBg="1" rev="0" advAuto="0" spid="102" grpId="26"/>
-      <p:bldP build="whole" bldLvl="1" animBg="1" rev="0" advAuto="0" spid="116" grpId="44"/>
-      <p:bldP build="whole" bldLvl="1" animBg="1" rev="0" advAuto="0" spid="115" grpId="43"/>
-      <p:bldP build="whole" bldLvl="1" animBg="1" rev="0" advAuto="0" spid="102" grpId="34"/>
-      <p:bldP build="whole" bldLvl="1" animBg="1" rev="0" advAuto="0" spid="97" grpId="24"/>
-      <p:bldP build="whole" bldLvl="1" animBg="1" rev="0" advAuto="0" spid="95" grpId="18"/>
+      <p:bldP build="whole" bldLvl="1" animBg="1" rev="0" advAuto="0" spid="82" grpId="2"/>
+      <p:bldP build="whole" bldLvl="1" animBg="1" rev="0" advAuto="0" spid="91" grpId="11"/>
+      <p:bldP build="whole" bldLvl="1" animBg="1" rev="0" advAuto="0" spid="85" grpId="7"/>
+      <p:bldP build="whole" bldLvl="1" animBg="1" rev="0" advAuto="0" spid="93" grpId="17"/>
+      <p:bldP build="whole" bldLvl="1" animBg="1" rev="0" advAuto="0" spid="98" grpId="22"/>
+      <p:bldP build="whole" bldLvl="1" animBg="1" rev="0" advAuto="0" spid="94" grpId="19"/>
+      <p:bldP build="whole" bldLvl="1" animBg="1" rev="0" advAuto="0" spid="86" grpId="4"/>
+      <p:bldP build="whole" bldLvl="1" animBg="1" rev="0" advAuto="0" spid="99" grpId="37"/>
       <p:bldP build="whole" bldLvl="1" animBg="1" rev="0" advAuto="0" spid="108" grpId="5"/>
-      <p:bldP build="whole" bldLvl="1" animBg="1" rev="0" advAuto="0" spid="98" grpId="38"/>
-      <p:bldP build="whole" bldLvl="1" animBg="1" rev="0" advAuto="0" spid="91" grpId="11"/>
-      <p:bldP build="whole" bldLvl="1" animBg="1" rev="0" advAuto="0" spid="84" grpId="3"/>
-      <p:bldP build="whole" bldLvl="1" animBg="1" rev="0" advAuto="0" spid="99" grpId="21"/>
-      <p:bldP build="whole" bldLvl="1" animBg="1" rev="0" advAuto="0" spid="117" grpId="45"/>
+      <p:bldP build="whole" bldLvl="1" animBg="1" rev="0" advAuto="0" spid="112" grpId="25"/>
     </p:bldLst>
   </p:timing>
 </p:sld>
@@ -21361,9 +21577,9 @@
       </p:par>
     </p:tnLst>
     <p:bldLst>
-      <p:bldP build="whole" bldLvl="1" animBg="1" rev="0" advAuto="0" spid="163" grpId="3"/>
       <p:bldP build="whole" bldLvl="1" animBg="1" rev="0" advAuto="0" spid="164" grpId="4"/>
       <p:bldP build="whole" bldLvl="1" animBg="1" rev="0" advAuto="0" spid="156" grpId="1"/>
+      <p:bldP build="whole" bldLvl="1" animBg="1" rev="0" advAuto="0" spid="163" grpId="3"/>
       <p:bldP build="whole" bldLvl="1" animBg="1" rev="0" advAuto="0" spid="162" grpId="2"/>
       <p:bldP build="whole" bldLvl="1" animBg="1" rev="0" advAuto="0" spid="165" grpId="5"/>
     </p:bldLst>
@@ -26240,6 +26456,3031 @@
           </a:p>
         </p:txBody>
       </p:sp>
+      <p:graphicFrame>
+        <p:nvGraphicFramePr>
+          <p:cNvPr id="197" name="Table"/>
+          <p:cNvGraphicFramePr/>
+          <p:nvPr/>
+        </p:nvGraphicFramePr>
+        <p:xfrm>
+          <a:off x="988259" y="1240308"/>
+          <a:ext cx="5396490" cy="5391641"/>
+        </p:xfrm>
+        <a:graphic xmlns:a="http://schemas.openxmlformats.org/drawingml/2006/main">
+          <a:graphicData uri="http://schemas.openxmlformats.org/drawingml/2006/table">
+            <a:tbl>
+              <a:tblPr firstCol="0" firstRow="0" lastCol="0" lastRow="0" bandCol="0" bandRow="0" rtl="0">
+                <a:tableStyleId>{8F44A2F1-9E1F-4B54-A3A2-5F16C0AD49E2}</a:tableStyleId>
+              </a:tblPr>
+              <a:tblGrid>
+                <a:gridCol w="670989"/>
+                <a:gridCol w="670989"/>
+                <a:gridCol w="670989"/>
+                <a:gridCol w="670989"/>
+                <a:gridCol w="670989"/>
+                <a:gridCol w="670989"/>
+                <a:gridCol w="670989"/>
+                <a:gridCol w="670989"/>
+              </a:tblGrid>
+              <a:tr h="670383">
+                <a:tc>
+                  <a:txBody>
+                    <a:bodyPr/>
+                    <a:lstStyle/>
+                    <a:p>
+                      <a:pPr marR="40639" defTabSz="914400">
+                        <a:lnSpc>
+                          <a:spcPct val="90000"/>
+                        </a:lnSpc>
+                        <a:spcBef>
+                          <a:spcPts val="700"/>
+                        </a:spcBef>
+                        <a:tabLst>
+                          <a:tab pos="914400" algn="l"/>
+                        </a:tabLst>
+                        <a:defRPr sz="2500"/>
+                      </a:pPr>
+                    </a:p>
+                  </a:txBody>
+                  <a:tcPr marL="50800" marR="50800" marT="50800" marB="50800" anchor="ctr" anchorCtr="0" horzOverflow="overflow">
+                    <a:lnL w="25400">
+                      <a:solidFill>
+                        <a:srgbClr val="000000"/>
+                      </a:solidFill>
+                      <a:miter lim="400000"/>
+                    </a:lnL>
+                    <a:lnR w="25400">
+                      <a:solidFill>
+                        <a:srgbClr val="000000"/>
+                      </a:solidFill>
+                      <a:miter lim="400000"/>
+                    </a:lnR>
+                    <a:lnT w="25400">
+                      <a:solidFill>
+                        <a:srgbClr val="000000"/>
+                      </a:solidFill>
+                      <a:miter lim="400000"/>
+                    </a:lnT>
+                    <a:lnB w="25400">
+                      <a:solidFill>
+                        <a:srgbClr val="000000"/>
+                      </a:solidFill>
+                      <a:miter lim="400000"/>
+                    </a:lnB>
+                  </a:tcPr>
+                </a:tc>
+                <a:tc>
+                  <a:txBody>
+                    <a:bodyPr/>
+                    <a:lstStyle/>
+                    <a:p>
+                      <a:pPr marR="40639" defTabSz="914400">
+                        <a:lnSpc>
+                          <a:spcPct val="90000"/>
+                        </a:lnSpc>
+                        <a:spcBef>
+                          <a:spcPts val="700"/>
+                        </a:spcBef>
+                        <a:tabLst>
+                          <a:tab pos="914400" algn="l"/>
+                        </a:tabLst>
+                        <a:defRPr sz="2500"/>
+                      </a:pPr>
+                    </a:p>
+                  </a:txBody>
+                  <a:tcPr marL="50800" marR="50800" marT="50800" marB="50800" anchor="ctr" anchorCtr="0" horzOverflow="overflow">
+                    <a:lnL w="25400">
+                      <a:solidFill>
+                        <a:srgbClr val="000000"/>
+                      </a:solidFill>
+                      <a:miter lim="400000"/>
+                    </a:lnL>
+                    <a:lnR w="25400">
+                      <a:solidFill>
+                        <a:srgbClr val="000000"/>
+                      </a:solidFill>
+                      <a:miter lim="400000"/>
+                    </a:lnR>
+                    <a:lnT w="25400">
+                      <a:solidFill>
+                        <a:srgbClr val="000000"/>
+                      </a:solidFill>
+                      <a:miter lim="400000"/>
+                    </a:lnT>
+                    <a:lnB w="25400">
+                      <a:solidFill>
+                        <a:srgbClr val="000000"/>
+                      </a:solidFill>
+                      <a:miter lim="400000"/>
+                    </a:lnB>
+                  </a:tcPr>
+                </a:tc>
+                <a:tc>
+                  <a:txBody>
+                    <a:bodyPr/>
+                    <a:lstStyle/>
+                    <a:p>
+                      <a:pPr marR="40639" defTabSz="914400">
+                        <a:lnSpc>
+                          <a:spcPct val="90000"/>
+                        </a:lnSpc>
+                        <a:spcBef>
+                          <a:spcPts val="700"/>
+                        </a:spcBef>
+                        <a:tabLst>
+                          <a:tab pos="914400" algn="l"/>
+                        </a:tabLst>
+                        <a:defRPr sz="2500"/>
+                      </a:pPr>
+                    </a:p>
+                  </a:txBody>
+                  <a:tcPr marL="50800" marR="50800" marT="50800" marB="50800" anchor="ctr" anchorCtr="0" horzOverflow="overflow">
+                    <a:lnL w="25400">
+                      <a:solidFill>
+                        <a:srgbClr val="000000"/>
+                      </a:solidFill>
+                      <a:miter lim="400000"/>
+                    </a:lnL>
+                    <a:lnR w="25400">
+                      <a:solidFill>
+                        <a:srgbClr val="000000"/>
+                      </a:solidFill>
+                      <a:miter lim="400000"/>
+                    </a:lnR>
+                    <a:lnT w="25400">
+                      <a:solidFill>
+                        <a:srgbClr val="000000"/>
+                      </a:solidFill>
+                      <a:miter lim="400000"/>
+                    </a:lnT>
+                    <a:lnB w="25400">
+                      <a:solidFill>
+                        <a:srgbClr val="000000"/>
+                      </a:solidFill>
+                      <a:miter lim="400000"/>
+                    </a:lnB>
+                  </a:tcPr>
+                </a:tc>
+                <a:tc>
+                  <a:txBody>
+                    <a:bodyPr/>
+                    <a:lstStyle/>
+                    <a:p>
+                      <a:pPr marR="40639" defTabSz="914400">
+                        <a:lnSpc>
+                          <a:spcPct val="90000"/>
+                        </a:lnSpc>
+                        <a:spcBef>
+                          <a:spcPts val="700"/>
+                        </a:spcBef>
+                        <a:tabLst>
+                          <a:tab pos="914400" algn="l"/>
+                        </a:tabLst>
+                        <a:defRPr sz="2500"/>
+                      </a:pPr>
+                    </a:p>
+                  </a:txBody>
+                  <a:tcPr marL="50800" marR="50800" marT="50800" marB="50800" anchor="ctr" anchorCtr="0" horzOverflow="overflow">
+                    <a:lnL w="25400">
+                      <a:solidFill>
+                        <a:srgbClr val="000000"/>
+                      </a:solidFill>
+                      <a:miter lim="400000"/>
+                    </a:lnL>
+                    <a:lnR w="25400">
+                      <a:solidFill>
+                        <a:srgbClr val="000000"/>
+                      </a:solidFill>
+                      <a:miter lim="400000"/>
+                    </a:lnR>
+                    <a:lnT w="25400">
+                      <a:solidFill>
+                        <a:srgbClr val="000000"/>
+                      </a:solidFill>
+                      <a:miter lim="400000"/>
+                    </a:lnT>
+                    <a:lnB w="25400">
+                      <a:solidFill>
+                        <a:srgbClr val="000000"/>
+                      </a:solidFill>
+                      <a:miter lim="400000"/>
+                    </a:lnB>
+                  </a:tcPr>
+                </a:tc>
+                <a:tc>
+                  <a:txBody>
+                    <a:bodyPr/>
+                    <a:lstStyle/>
+                    <a:p>
+                      <a:pPr marR="40639" defTabSz="914400">
+                        <a:lnSpc>
+                          <a:spcPct val="90000"/>
+                        </a:lnSpc>
+                        <a:spcBef>
+                          <a:spcPts val="700"/>
+                        </a:spcBef>
+                        <a:tabLst>
+                          <a:tab pos="914400" algn="l"/>
+                        </a:tabLst>
+                        <a:defRPr sz="2500"/>
+                      </a:pPr>
+                    </a:p>
+                  </a:txBody>
+                  <a:tcPr marL="50800" marR="50800" marT="50800" marB="50800" anchor="ctr" anchorCtr="0" horzOverflow="overflow">
+                    <a:lnL w="25400">
+                      <a:solidFill>
+                        <a:srgbClr val="000000"/>
+                      </a:solidFill>
+                      <a:miter lim="400000"/>
+                    </a:lnL>
+                    <a:lnR w="25400">
+                      <a:solidFill>
+                        <a:srgbClr val="000000"/>
+                      </a:solidFill>
+                      <a:miter lim="400000"/>
+                    </a:lnR>
+                    <a:lnT w="25400">
+                      <a:solidFill>
+                        <a:srgbClr val="000000"/>
+                      </a:solidFill>
+                      <a:miter lim="400000"/>
+                    </a:lnT>
+                    <a:lnB w="25400">
+                      <a:solidFill>
+                        <a:srgbClr val="000000"/>
+                      </a:solidFill>
+                      <a:miter lim="400000"/>
+                    </a:lnB>
+                  </a:tcPr>
+                </a:tc>
+                <a:tc>
+                  <a:txBody>
+                    <a:bodyPr/>
+                    <a:lstStyle/>
+                    <a:p>
+                      <a:pPr marR="40639" defTabSz="914400">
+                        <a:lnSpc>
+                          <a:spcPct val="90000"/>
+                        </a:lnSpc>
+                        <a:spcBef>
+                          <a:spcPts val="700"/>
+                        </a:spcBef>
+                        <a:tabLst>
+                          <a:tab pos="914400" algn="l"/>
+                        </a:tabLst>
+                        <a:defRPr sz="2500"/>
+                      </a:pPr>
+                    </a:p>
+                  </a:txBody>
+                  <a:tcPr marL="50800" marR="50800" marT="50800" marB="50800" anchor="ctr" anchorCtr="0" horzOverflow="overflow">
+                    <a:lnL w="25400">
+                      <a:solidFill>
+                        <a:srgbClr val="000000"/>
+                      </a:solidFill>
+                      <a:miter lim="400000"/>
+                    </a:lnL>
+                    <a:lnR w="25400">
+                      <a:solidFill>
+                        <a:srgbClr val="000000"/>
+                      </a:solidFill>
+                      <a:miter lim="400000"/>
+                    </a:lnR>
+                    <a:lnT w="25400">
+                      <a:solidFill>
+                        <a:srgbClr val="000000"/>
+                      </a:solidFill>
+                      <a:miter lim="400000"/>
+                    </a:lnT>
+                    <a:lnB w="25400">
+                      <a:solidFill>
+                        <a:srgbClr val="000000"/>
+                      </a:solidFill>
+                      <a:miter lim="400000"/>
+                    </a:lnB>
+                  </a:tcPr>
+                </a:tc>
+                <a:tc>
+                  <a:txBody>
+                    <a:bodyPr/>
+                    <a:lstStyle/>
+                    <a:p>
+                      <a:pPr marR="40639" defTabSz="914400">
+                        <a:lnSpc>
+                          <a:spcPct val="90000"/>
+                        </a:lnSpc>
+                        <a:spcBef>
+                          <a:spcPts val="700"/>
+                        </a:spcBef>
+                        <a:tabLst>
+                          <a:tab pos="914400" algn="l"/>
+                        </a:tabLst>
+                        <a:defRPr sz="2500"/>
+                      </a:pPr>
+                    </a:p>
+                  </a:txBody>
+                  <a:tcPr marL="50800" marR="50800" marT="50800" marB="50800" anchor="ctr" anchorCtr="0" horzOverflow="overflow">
+                    <a:lnL w="25400">
+                      <a:solidFill>
+                        <a:srgbClr val="000000"/>
+                      </a:solidFill>
+                      <a:miter lim="400000"/>
+                    </a:lnL>
+                    <a:lnR w="25400">
+                      <a:solidFill>
+                        <a:srgbClr val="000000"/>
+                      </a:solidFill>
+                      <a:miter lim="400000"/>
+                    </a:lnR>
+                    <a:lnT w="25400">
+                      <a:solidFill>
+                        <a:srgbClr val="000000"/>
+                      </a:solidFill>
+                      <a:miter lim="400000"/>
+                    </a:lnT>
+                    <a:lnB w="25400">
+                      <a:solidFill>
+                        <a:srgbClr val="000000"/>
+                      </a:solidFill>
+                      <a:miter lim="400000"/>
+                    </a:lnB>
+                  </a:tcPr>
+                </a:tc>
+                <a:tc>
+                  <a:txBody>
+                    <a:bodyPr/>
+                    <a:lstStyle/>
+                    <a:p>
+                      <a:pPr marR="40639" defTabSz="914400">
+                        <a:lnSpc>
+                          <a:spcPct val="90000"/>
+                        </a:lnSpc>
+                        <a:spcBef>
+                          <a:spcPts val="700"/>
+                        </a:spcBef>
+                        <a:tabLst>
+                          <a:tab pos="914400" algn="l"/>
+                        </a:tabLst>
+                        <a:defRPr sz="2500"/>
+                      </a:pPr>
+                    </a:p>
+                  </a:txBody>
+                  <a:tcPr marL="50800" marR="50800" marT="50800" marB="50800" anchor="ctr" anchorCtr="0" horzOverflow="overflow">
+                    <a:lnL w="25400">
+                      <a:solidFill>
+                        <a:srgbClr val="000000"/>
+                      </a:solidFill>
+                      <a:miter lim="400000"/>
+                    </a:lnL>
+                    <a:lnR w="25400">
+                      <a:solidFill>
+                        <a:srgbClr val="000000"/>
+                      </a:solidFill>
+                      <a:miter lim="400000"/>
+                    </a:lnR>
+                    <a:lnT w="25400">
+                      <a:solidFill>
+                        <a:srgbClr val="000000"/>
+                      </a:solidFill>
+                      <a:miter lim="400000"/>
+                    </a:lnT>
+                    <a:lnB w="25400">
+                      <a:solidFill>
+                        <a:srgbClr val="000000"/>
+                      </a:solidFill>
+                      <a:miter lim="400000"/>
+                    </a:lnB>
+                  </a:tcPr>
+                </a:tc>
+              </a:tr>
+              <a:tr h="670383">
+                <a:tc>
+                  <a:txBody>
+                    <a:bodyPr/>
+                    <a:lstStyle/>
+                    <a:p>
+                      <a:pPr marR="40639" defTabSz="914400">
+                        <a:lnSpc>
+                          <a:spcPct val="90000"/>
+                        </a:lnSpc>
+                        <a:spcBef>
+                          <a:spcPts val="700"/>
+                        </a:spcBef>
+                        <a:tabLst>
+                          <a:tab pos="914400" algn="l"/>
+                        </a:tabLst>
+                        <a:defRPr sz="2500"/>
+                      </a:pPr>
+                    </a:p>
+                  </a:txBody>
+                  <a:tcPr marL="50800" marR="50800" marT="50800" marB="50800" anchor="ctr" anchorCtr="0" horzOverflow="overflow">
+                    <a:lnL w="25400">
+                      <a:solidFill>
+                        <a:srgbClr val="000000"/>
+                      </a:solidFill>
+                      <a:miter lim="400000"/>
+                    </a:lnL>
+                    <a:lnR w="25400">
+                      <a:solidFill>
+                        <a:srgbClr val="000000"/>
+                      </a:solidFill>
+                      <a:miter lim="400000"/>
+                    </a:lnR>
+                    <a:lnT w="25400">
+                      <a:solidFill>
+                        <a:srgbClr val="000000"/>
+                      </a:solidFill>
+                      <a:miter lim="400000"/>
+                    </a:lnT>
+                    <a:lnB w="25400">
+                      <a:solidFill>
+                        <a:srgbClr val="000000"/>
+                      </a:solidFill>
+                      <a:miter lim="400000"/>
+                    </a:lnB>
+                  </a:tcPr>
+                </a:tc>
+                <a:tc>
+                  <a:txBody>
+                    <a:bodyPr/>
+                    <a:lstStyle/>
+                    <a:p>
+                      <a:pPr marR="40639" defTabSz="914400">
+                        <a:lnSpc>
+                          <a:spcPct val="90000"/>
+                        </a:lnSpc>
+                        <a:spcBef>
+                          <a:spcPts val="700"/>
+                        </a:spcBef>
+                        <a:tabLst>
+                          <a:tab pos="914400" algn="l"/>
+                        </a:tabLst>
+                        <a:defRPr sz="2500"/>
+                      </a:pPr>
+                    </a:p>
+                  </a:txBody>
+                  <a:tcPr marL="50800" marR="50800" marT="50800" marB="50800" anchor="ctr" anchorCtr="0" horzOverflow="overflow">
+                    <a:lnL w="25400">
+                      <a:solidFill>
+                        <a:srgbClr val="000000"/>
+                      </a:solidFill>
+                      <a:miter lim="400000"/>
+                    </a:lnL>
+                    <a:lnR w="25400">
+                      <a:solidFill>
+                        <a:srgbClr val="000000"/>
+                      </a:solidFill>
+                      <a:miter lim="400000"/>
+                    </a:lnR>
+                    <a:lnT w="25400">
+                      <a:solidFill>
+                        <a:srgbClr val="000000"/>
+                      </a:solidFill>
+                      <a:miter lim="400000"/>
+                    </a:lnT>
+                    <a:lnB w="25400">
+                      <a:solidFill>
+                        <a:srgbClr val="000000"/>
+                      </a:solidFill>
+                      <a:miter lim="400000"/>
+                    </a:lnB>
+                  </a:tcPr>
+                </a:tc>
+                <a:tc>
+                  <a:txBody>
+                    <a:bodyPr/>
+                    <a:lstStyle/>
+                    <a:p>
+                      <a:pPr marR="40639" defTabSz="914400">
+                        <a:lnSpc>
+                          <a:spcPct val="90000"/>
+                        </a:lnSpc>
+                        <a:spcBef>
+                          <a:spcPts val="700"/>
+                        </a:spcBef>
+                        <a:tabLst>
+                          <a:tab pos="914400" algn="l"/>
+                        </a:tabLst>
+                        <a:defRPr sz="2500"/>
+                      </a:pPr>
+                    </a:p>
+                  </a:txBody>
+                  <a:tcPr marL="50800" marR="50800" marT="50800" marB="50800" anchor="ctr" anchorCtr="0" horzOverflow="overflow">
+                    <a:lnL w="25400">
+                      <a:solidFill>
+                        <a:srgbClr val="000000"/>
+                      </a:solidFill>
+                      <a:miter lim="400000"/>
+                    </a:lnL>
+                    <a:lnR w="25400">
+                      <a:solidFill>
+                        <a:srgbClr val="000000"/>
+                      </a:solidFill>
+                      <a:miter lim="400000"/>
+                    </a:lnR>
+                    <a:lnT w="25400">
+                      <a:solidFill>
+                        <a:srgbClr val="000000"/>
+                      </a:solidFill>
+                      <a:miter lim="400000"/>
+                    </a:lnT>
+                    <a:lnB w="25400">
+                      <a:solidFill>
+                        <a:srgbClr val="000000"/>
+                      </a:solidFill>
+                      <a:miter lim="400000"/>
+                    </a:lnB>
+                  </a:tcPr>
+                </a:tc>
+                <a:tc>
+                  <a:txBody>
+                    <a:bodyPr/>
+                    <a:lstStyle/>
+                    <a:p>
+                      <a:pPr marR="40639" defTabSz="914400">
+                        <a:lnSpc>
+                          <a:spcPct val="90000"/>
+                        </a:lnSpc>
+                        <a:spcBef>
+                          <a:spcPts val="700"/>
+                        </a:spcBef>
+                        <a:tabLst>
+                          <a:tab pos="914400" algn="l"/>
+                        </a:tabLst>
+                        <a:defRPr b="1" sz="2500">
+                          <a:latin typeface="Gill Sans MT"/>
+                          <a:ea typeface="Gill Sans MT"/>
+                          <a:cs typeface="Gill Sans MT"/>
+                          <a:sym typeface="Gill Sans MT"/>
+                        </a:defRPr>
+                      </a:pPr>
+                    </a:p>
+                  </a:txBody>
+                  <a:tcPr marL="50800" marR="50800" marT="50800" marB="50800" anchor="ctr" anchorCtr="0" horzOverflow="overflow">
+                    <a:lnL w="25400">
+                      <a:solidFill>
+                        <a:srgbClr val="000000"/>
+                      </a:solidFill>
+                      <a:miter lim="400000"/>
+                    </a:lnL>
+                    <a:lnR w="25400">
+                      <a:solidFill>
+                        <a:srgbClr val="000000"/>
+                      </a:solidFill>
+                      <a:miter lim="400000"/>
+                    </a:lnR>
+                    <a:lnT w="25400">
+                      <a:solidFill>
+                        <a:srgbClr val="000000"/>
+                      </a:solidFill>
+                      <a:miter lim="400000"/>
+                    </a:lnT>
+                    <a:lnB w="25400">
+                      <a:solidFill>
+                        <a:srgbClr val="000000"/>
+                      </a:solidFill>
+                      <a:miter lim="400000"/>
+                    </a:lnB>
+                  </a:tcPr>
+                </a:tc>
+                <a:tc>
+                  <a:txBody>
+                    <a:bodyPr/>
+                    <a:lstStyle/>
+                    <a:p>
+                      <a:pPr marR="40639" defTabSz="914400">
+                        <a:lnSpc>
+                          <a:spcPct val="90000"/>
+                        </a:lnSpc>
+                        <a:spcBef>
+                          <a:spcPts val="700"/>
+                        </a:spcBef>
+                        <a:tabLst>
+                          <a:tab pos="914400" algn="l"/>
+                        </a:tabLst>
+                        <a:defRPr sz="2500"/>
+                      </a:pPr>
+                    </a:p>
+                  </a:txBody>
+                  <a:tcPr marL="50800" marR="50800" marT="50800" marB="50800" anchor="ctr" anchorCtr="0" horzOverflow="overflow">
+                    <a:lnL w="25400">
+                      <a:solidFill>
+                        <a:srgbClr val="000000"/>
+                      </a:solidFill>
+                      <a:miter lim="400000"/>
+                    </a:lnL>
+                    <a:lnR w="25400">
+                      <a:solidFill>
+                        <a:srgbClr val="000000"/>
+                      </a:solidFill>
+                      <a:miter lim="400000"/>
+                    </a:lnR>
+                    <a:lnT w="25400">
+                      <a:solidFill>
+                        <a:srgbClr val="000000"/>
+                      </a:solidFill>
+                      <a:miter lim="400000"/>
+                    </a:lnT>
+                    <a:lnB w="25400">
+                      <a:solidFill>
+                        <a:srgbClr val="000000"/>
+                      </a:solidFill>
+                      <a:miter lim="400000"/>
+                    </a:lnB>
+                  </a:tcPr>
+                </a:tc>
+                <a:tc>
+                  <a:txBody>
+                    <a:bodyPr/>
+                    <a:lstStyle/>
+                    <a:p>
+                      <a:pPr marR="40639" defTabSz="914400">
+                        <a:lnSpc>
+                          <a:spcPct val="90000"/>
+                        </a:lnSpc>
+                        <a:spcBef>
+                          <a:spcPts val="700"/>
+                        </a:spcBef>
+                        <a:tabLst>
+                          <a:tab pos="914400" algn="l"/>
+                        </a:tabLst>
+                        <a:defRPr sz="2500"/>
+                      </a:pPr>
+                    </a:p>
+                  </a:txBody>
+                  <a:tcPr marL="50800" marR="50800" marT="50800" marB="50800" anchor="ctr" anchorCtr="0" horzOverflow="overflow">
+                    <a:lnL w="25400">
+                      <a:solidFill>
+                        <a:srgbClr val="000000"/>
+                      </a:solidFill>
+                      <a:miter lim="400000"/>
+                    </a:lnL>
+                    <a:lnR w="25400">
+                      <a:solidFill>
+                        <a:srgbClr val="000000"/>
+                      </a:solidFill>
+                      <a:miter lim="400000"/>
+                    </a:lnR>
+                    <a:lnT w="25400">
+                      <a:solidFill>
+                        <a:srgbClr val="000000"/>
+                      </a:solidFill>
+                      <a:miter lim="400000"/>
+                    </a:lnT>
+                    <a:lnB w="25400">
+                      <a:solidFill>
+                        <a:srgbClr val="000000"/>
+                      </a:solidFill>
+                      <a:miter lim="400000"/>
+                    </a:lnB>
+                  </a:tcPr>
+                </a:tc>
+                <a:tc>
+                  <a:txBody>
+                    <a:bodyPr/>
+                    <a:lstStyle/>
+                    <a:p>
+                      <a:pPr marR="40639" defTabSz="914400">
+                        <a:lnSpc>
+                          <a:spcPct val="90000"/>
+                        </a:lnSpc>
+                        <a:spcBef>
+                          <a:spcPts val="700"/>
+                        </a:spcBef>
+                        <a:tabLst>
+                          <a:tab pos="914400" algn="l"/>
+                        </a:tabLst>
+                        <a:defRPr sz="2500"/>
+                      </a:pPr>
+                    </a:p>
+                  </a:txBody>
+                  <a:tcPr marL="50800" marR="50800" marT="50800" marB="50800" anchor="ctr" anchorCtr="0" horzOverflow="overflow">
+                    <a:lnL w="25400">
+                      <a:solidFill>
+                        <a:srgbClr val="000000"/>
+                      </a:solidFill>
+                      <a:miter lim="400000"/>
+                    </a:lnL>
+                    <a:lnR w="25400">
+                      <a:solidFill>
+                        <a:srgbClr val="000000"/>
+                      </a:solidFill>
+                      <a:miter lim="400000"/>
+                    </a:lnR>
+                    <a:lnT w="25400">
+                      <a:solidFill>
+                        <a:srgbClr val="000000"/>
+                      </a:solidFill>
+                      <a:miter lim="400000"/>
+                    </a:lnT>
+                    <a:lnB w="25400">
+                      <a:solidFill>
+                        <a:srgbClr val="000000"/>
+                      </a:solidFill>
+                      <a:miter lim="400000"/>
+                    </a:lnB>
+                  </a:tcPr>
+                </a:tc>
+                <a:tc>
+                  <a:txBody>
+                    <a:bodyPr/>
+                    <a:lstStyle/>
+                    <a:p>
+                      <a:pPr marR="40639" defTabSz="914400">
+                        <a:lnSpc>
+                          <a:spcPct val="90000"/>
+                        </a:lnSpc>
+                        <a:spcBef>
+                          <a:spcPts val="700"/>
+                        </a:spcBef>
+                        <a:tabLst>
+                          <a:tab pos="914400" algn="l"/>
+                        </a:tabLst>
+                        <a:defRPr sz="2500"/>
+                      </a:pPr>
+                    </a:p>
+                  </a:txBody>
+                  <a:tcPr marL="50800" marR="50800" marT="50800" marB="50800" anchor="ctr" anchorCtr="0" horzOverflow="overflow">
+                    <a:lnL w="25400">
+                      <a:solidFill>
+                        <a:srgbClr val="000000"/>
+                      </a:solidFill>
+                      <a:miter lim="400000"/>
+                    </a:lnL>
+                    <a:lnR w="25400">
+                      <a:solidFill>
+                        <a:srgbClr val="000000"/>
+                      </a:solidFill>
+                      <a:miter lim="400000"/>
+                    </a:lnR>
+                    <a:lnT w="25400">
+                      <a:solidFill>
+                        <a:srgbClr val="000000"/>
+                      </a:solidFill>
+                      <a:miter lim="400000"/>
+                    </a:lnT>
+                    <a:lnB w="25400">
+                      <a:solidFill>
+                        <a:srgbClr val="000000"/>
+                      </a:solidFill>
+                      <a:miter lim="400000"/>
+                    </a:lnB>
+                  </a:tcPr>
+                </a:tc>
+              </a:tr>
+              <a:tr h="670383">
+                <a:tc>
+                  <a:txBody>
+                    <a:bodyPr/>
+                    <a:lstStyle/>
+                    <a:p>
+                      <a:pPr marR="40639" defTabSz="914400">
+                        <a:lnSpc>
+                          <a:spcPct val="90000"/>
+                        </a:lnSpc>
+                        <a:spcBef>
+                          <a:spcPts val="700"/>
+                        </a:spcBef>
+                        <a:tabLst>
+                          <a:tab pos="914400" algn="l"/>
+                        </a:tabLst>
+                        <a:defRPr sz="2500"/>
+                      </a:pPr>
+                    </a:p>
+                  </a:txBody>
+                  <a:tcPr marL="50800" marR="50800" marT="50800" marB="50800" anchor="ctr" anchorCtr="0" horzOverflow="overflow">
+                    <a:lnL w="25400">
+                      <a:solidFill>
+                        <a:srgbClr val="000000"/>
+                      </a:solidFill>
+                      <a:miter lim="400000"/>
+                    </a:lnL>
+                    <a:lnR w="25400">
+                      <a:solidFill>
+                        <a:srgbClr val="000000"/>
+                      </a:solidFill>
+                      <a:miter lim="400000"/>
+                    </a:lnR>
+                    <a:lnT w="25400">
+                      <a:solidFill>
+                        <a:srgbClr val="000000"/>
+                      </a:solidFill>
+                      <a:miter lim="400000"/>
+                    </a:lnT>
+                    <a:lnB w="25400">
+                      <a:solidFill>
+                        <a:srgbClr val="000000"/>
+                      </a:solidFill>
+                      <a:miter lim="400000"/>
+                    </a:lnB>
+                  </a:tcPr>
+                </a:tc>
+                <a:tc>
+                  <a:txBody>
+                    <a:bodyPr/>
+                    <a:lstStyle/>
+                    <a:p>
+                      <a:pPr marR="40639" defTabSz="914400">
+                        <a:lnSpc>
+                          <a:spcPct val="90000"/>
+                        </a:lnSpc>
+                        <a:spcBef>
+                          <a:spcPts val="700"/>
+                        </a:spcBef>
+                        <a:tabLst>
+                          <a:tab pos="914400" algn="l"/>
+                        </a:tabLst>
+                        <a:defRPr sz="2500"/>
+                      </a:pPr>
+                    </a:p>
+                  </a:txBody>
+                  <a:tcPr marL="50800" marR="50800" marT="50800" marB="50800" anchor="ctr" anchorCtr="0" horzOverflow="overflow">
+                    <a:lnL w="25400">
+                      <a:solidFill>
+                        <a:srgbClr val="000000"/>
+                      </a:solidFill>
+                      <a:miter lim="400000"/>
+                    </a:lnL>
+                    <a:lnR w="25400">
+                      <a:solidFill>
+                        <a:srgbClr val="000000"/>
+                      </a:solidFill>
+                      <a:miter lim="400000"/>
+                    </a:lnR>
+                    <a:lnT w="25400">
+                      <a:solidFill>
+                        <a:srgbClr val="000000"/>
+                      </a:solidFill>
+                      <a:miter lim="400000"/>
+                    </a:lnT>
+                    <a:lnB w="25400">
+                      <a:solidFill>
+                        <a:srgbClr val="000000"/>
+                      </a:solidFill>
+                      <a:miter lim="400000"/>
+                    </a:lnB>
+                  </a:tcPr>
+                </a:tc>
+                <a:tc>
+                  <a:txBody>
+                    <a:bodyPr/>
+                    <a:lstStyle/>
+                    <a:p>
+                      <a:pPr marR="40639" defTabSz="914400">
+                        <a:lnSpc>
+                          <a:spcPct val="90000"/>
+                        </a:lnSpc>
+                        <a:spcBef>
+                          <a:spcPts val="700"/>
+                        </a:spcBef>
+                        <a:tabLst>
+                          <a:tab pos="914400" algn="l"/>
+                        </a:tabLst>
+                        <a:defRPr sz="2500"/>
+                      </a:pPr>
+                    </a:p>
+                  </a:txBody>
+                  <a:tcPr marL="50800" marR="50800" marT="50800" marB="50800" anchor="ctr" anchorCtr="0" horzOverflow="overflow">
+                    <a:lnL w="25400">
+                      <a:solidFill>
+                        <a:srgbClr val="000000"/>
+                      </a:solidFill>
+                      <a:miter lim="400000"/>
+                    </a:lnL>
+                    <a:lnR w="25400">
+                      <a:solidFill>
+                        <a:srgbClr val="000000"/>
+                      </a:solidFill>
+                      <a:miter lim="400000"/>
+                    </a:lnR>
+                    <a:lnT w="25400">
+                      <a:solidFill>
+                        <a:srgbClr val="000000"/>
+                      </a:solidFill>
+                      <a:miter lim="400000"/>
+                    </a:lnT>
+                    <a:lnB w="25400">
+                      <a:solidFill>
+                        <a:srgbClr val="000000"/>
+                      </a:solidFill>
+                      <a:miter lim="400000"/>
+                    </a:lnB>
+                  </a:tcPr>
+                </a:tc>
+                <a:tc>
+                  <a:txBody>
+                    <a:bodyPr/>
+                    <a:lstStyle/>
+                    <a:p>
+                      <a:pPr marR="40639" defTabSz="914400">
+                        <a:lnSpc>
+                          <a:spcPct val="90000"/>
+                        </a:lnSpc>
+                        <a:spcBef>
+                          <a:spcPts val="700"/>
+                        </a:spcBef>
+                        <a:tabLst>
+                          <a:tab pos="914400" algn="l"/>
+                        </a:tabLst>
+                        <a:defRPr sz="2500"/>
+                      </a:pPr>
+                    </a:p>
+                  </a:txBody>
+                  <a:tcPr marL="50800" marR="50800" marT="50800" marB="50800" anchor="ctr" anchorCtr="0" horzOverflow="overflow">
+                    <a:lnL w="25400">
+                      <a:solidFill>
+                        <a:srgbClr val="000000"/>
+                      </a:solidFill>
+                      <a:miter lim="400000"/>
+                    </a:lnL>
+                    <a:lnR w="25400">
+                      <a:solidFill>
+                        <a:srgbClr val="000000"/>
+                      </a:solidFill>
+                      <a:miter lim="400000"/>
+                    </a:lnR>
+                    <a:lnT w="25400">
+                      <a:solidFill>
+                        <a:srgbClr val="000000"/>
+                      </a:solidFill>
+                      <a:miter lim="400000"/>
+                    </a:lnT>
+                    <a:lnB w="25400">
+                      <a:solidFill>
+                        <a:srgbClr val="000000"/>
+                      </a:solidFill>
+                      <a:miter lim="400000"/>
+                    </a:lnB>
+                  </a:tcPr>
+                </a:tc>
+                <a:tc>
+                  <a:txBody>
+                    <a:bodyPr/>
+                    <a:lstStyle/>
+                    <a:p>
+                      <a:pPr marR="40639" defTabSz="914400">
+                        <a:lnSpc>
+                          <a:spcPct val="90000"/>
+                        </a:lnSpc>
+                        <a:spcBef>
+                          <a:spcPts val="700"/>
+                        </a:spcBef>
+                        <a:tabLst>
+                          <a:tab pos="914400" algn="l"/>
+                        </a:tabLst>
+                        <a:defRPr sz="2500"/>
+                      </a:pPr>
+                    </a:p>
+                  </a:txBody>
+                  <a:tcPr marL="50800" marR="50800" marT="50800" marB="50800" anchor="ctr" anchorCtr="0" horzOverflow="overflow">
+                    <a:lnL w="25400">
+                      <a:solidFill>
+                        <a:srgbClr val="000000"/>
+                      </a:solidFill>
+                      <a:miter lim="400000"/>
+                    </a:lnL>
+                    <a:lnR w="25400">
+                      <a:solidFill>
+                        <a:srgbClr val="000000"/>
+                      </a:solidFill>
+                      <a:miter lim="400000"/>
+                    </a:lnR>
+                    <a:lnT w="25400">
+                      <a:solidFill>
+                        <a:srgbClr val="000000"/>
+                      </a:solidFill>
+                      <a:miter lim="400000"/>
+                    </a:lnT>
+                    <a:lnB w="25400">
+                      <a:solidFill>
+                        <a:srgbClr val="000000"/>
+                      </a:solidFill>
+                      <a:miter lim="400000"/>
+                    </a:lnB>
+                  </a:tcPr>
+                </a:tc>
+                <a:tc>
+                  <a:txBody>
+                    <a:bodyPr/>
+                    <a:lstStyle/>
+                    <a:p>
+                      <a:pPr marR="40639" defTabSz="914400">
+                        <a:lnSpc>
+                          <a:spcPct val="90000"/>
+                        </a:lnSpc>
+                        <a:spcBef>
+                          <a:spcPts val="700"/>
+                        </a:spcBef>
+                        <a:tabLst>
+                          <a:tab pos="914400" algn="l"/>
+                        </a:tabLst>
+                        <a:defRPr sz="2500"/>
+                      </a:pPr>
+                    </a:p>
+                  </a:txBody>
+                  <a:tcPr marL="50800" marR="50800" marT="50800" marB="50800" anchor="ctr" anchorCtr="0" horzOverflow="overflow">
+                    <a:lnL w="25400">
+                      <a:solidFill>
+                        <a:srgbClr val="000000"/>
+                      </a:solidFill>
+                      <a:miter lim="400000"/>
+                    </a:lnL>
+                    <a:lnR w="25400">
+                      <a:solidFill>
+                        <a:srgbClr val="000000"/>
+                      </a:solidFill>
+                      <a:miter lim="400000"/>
+                    </a:lnR>
+                    <a:lnT w="25400">
+                      <a:solidFill>
+                        <a:srgbClr val="000000"/>
+                      </a:solidFill>
+                      <a:miter lim="400000"/>
+                    </a:lnT>
+                    <a:lnB w="25400">
+                      <a:solidFill>
+                        <a:srgbClr val="000000"/>
+                      </a:solidFill>
+                      <a:miter lim="400000"/>
+                    </a:lnB>
+                  </a:tcPr>
+                </a:tc>
+                <a:tc>
+                  <a:txBody>
+                    <a:bodyPr/>
+                    <a:lstStyle/>
+                    <a:p>
+                      <a:pPr marR="40639" defTabSz="914400">
+                        <a:lnSpc>
+                          <a:spcPct val="90000"/>
+                        </a:lnSpc>
+                        <a:spcBef>
+                          <a:spcPts val="700"/>
+                        </a:spcBef>
+                        <a:tabLst>
+                          <a:tab pos="914400" algn="l"/>
+                        </a:tabLst>
+                        <a:defRPr b="1" sz="2500">
+                          <a:latin typeface="Gill Sans MT"/>
+                          <a:ea typeface="Gill Sans MT"/>
+                          <a:cs typeface="Gill Sans MT"/>
+                          <a:sym typeface="Gill Sans MT"/>
+                        </a:defRPr>
+                      </a:pPr>
+                    </a:p>
+                  </a:txBody>
+                  <a:tcPr marL="50800" marR="50800" marT="50800" marB="50800" anchor="ctr" anchorCtr="0" horzOverflow="overflow">
+                    <a:lnL w="25400">
+                      <a:solidFill>
+                        <a:srgbClr val="000000"/>
+                      </a:solidFill>
+                      <a:miter lim="400000"/>
+                    </a:lnL>
+                    <a:lnR w="25400">
+                      <a:solidFill>
+                        <a:srgbClr val="000000"/>
+                      </a:solidFill>
+                      <a:miter lim="400000"/>
+                    </a:lnR>
+                    <a:lnT w="25400">
+                      <a:solidFill>
+                        <a:srgbClr val="000000"/>
+                      </a:solidFill>
+                      <a:miter lim="400000"/>
+                    </a:lnT>
+                    <a:lnB w="25400">
+                      <a:solidFill>
+                        <a:srgbClr val="000000"/>
+                      </a:solidFill>
+                      <a:miter lim="400000"/>
+                    </a:lnB>
+                  </a:tcPr>
+                </a:tc>
+                <a:tc>
+                  <a:txBody>
+                    <a:bodyPr/>
+                    <a:lstStyle/>
+                    <a:p>
+                      <a:pPr marR="40639" defTabSz="914400">
+                        <a:lnSpc>
+                          <a:spcPct val="90000"/>
+                        </a:lnSpc>
+                        <a:spcBef>
+                          <a:spcPts val="700"/>
+                        </a:spcBef>
+                        <a:tabLst>
+                          <a:tab pos="914400" algn="l"/>
+                        </a:tabLst>
+                        <a:defRPr sz="2500"/>
+                      </a:pPr>
+                    </a:p>
+                  </a:txBody>
+                  <a:tcPr marL="50800" marR="50800" marT="50800" marB="50800" anchor="ctr" anchorCtr="0" horzOverflow="overflow">
+                    <a:lnL w="25400">
+                      <a:solidFill>
+                        <a:srgbClr val="000000"/>
+                      </a:solidFill>
+                      <a:miter lim="400000"/>
+                    </a:lnL>
+                    <a:lnR w="25400">
+                      <a:solidFill>
+                        <a:srgbClr val="000000"/>
+                      </a:solidFill>
+                      <a:miter lim="400000"/>
+                    </a:lnR>
+                    <a:lnT w="25400">
+                      <a:solidFill>
+                        <a:srgbClr val="000000"/>
+                      </a:solidFill>
+                      <a:miter lim="400000"/>
+                    </a:lnT>
+                    <a:lnB w="25400">
+                      <a:solidFill>
+                        <a:srgbClr val="000000"/>
+                      </a:solidFill>
+                      <a:miter lim="400000"/>
+                    </a:lnB>
+                  </a:tcPr>
+                </a:tc>
+              </a:tr>
+              <a:tr h="670383">
+                <a:tc>
+                  <a:txBody>
+                    <a:bodyPr/>
+                    <a:lstStyle/>
+                    <a:p>
+                      <a:pPr marR="40639" defTabSz="914400">
+                        <a:lnSpc>
+                          <a:spcPct val="90000"/>
+                        </a:lnSpc>
+                        <a:spcBef>
+                          <a:spcPts val="700"/>
+                        </a:spcBef>
+                        <a:tabLst>
+                          <a:tab pos="914400" algn="l"/>
+                        </a:tabLst>
+                        <a:defRPr sz="2500"/>
+                      </a:pPr>
+                    </a:p>
+                  </a:txBody>
+                  <a:tcPr marL="50800" marR="50800" marT="50800" marB="50800" anchor="ctr" anchorCtr="0" horzOverflow="overflow">
+                    <a:lnL w="25400">
+                      <a:solidFill>
+                        <a:srgbClr val="000000"/>
+                      </a:solidFill>
+                      <a:miter lim="400000"/>
+                    </a:lnL>
+                    <a:lnR w="25400">
+                      <a:solidFill>
+                        <a:srgbClr val="000000"/>
+                      </a:solidFill>
+                      <a:miter lim="400000"/>
+                    </a:lnR>
+                    <a:lnT w="25400">
+                      <a:solidFill>
+                        <a:srgbClr val="000000"/>
+                      </a:solidFill>
+                      <a:miter lim="400000"/>
+                    </a:lnT>
+                    <a:lnB w="25400">
+                      <a:solidFill>
+                        <a:srgbClr val="000000"/>
+                      </a:solidFill>
+                      <a:miter lim="400000"/>
+                    </a:lnB>
+                  </a:tcPr>
+                </a:tc>
+                <a:tc>
+                  <a:txBody>
+                    <a:bodyPr/>
+                    <a:lstStyle/>
+                    <a:p>
+                      <a:pPr marR="40639" defTabSz="914400">
+                        <a:lnSpc>
+                          <a:spcPct val="90000"/>
+                        </a:lnSpc>
+                        <a:spcBef>
+                          <a:spcPts val="700"/>
+                        </a:spcBef>
+                        <a:tabLst>
+                          <a:tab pos="914400" algn="l"/>
+                        </a:tabLst>
+                        <a:defRPr sz="2500"/>
+                      </a:pPr>
+                    </a:p>
+                  </a:txBody>
+                  <a:tcPr marL="50800" marR="50800" marT="50800" marB="50800" anchor="ctr" anchorCtr="0" horzOverflow="overflow">
+                    <a:lnL w="25400">
+                      <a:solidFill>
+                        <a:srgbClr val="000000"/>
+                      </a:solidFill>
+                      <a:miter lim="400000"/>
+                    </a:lnL>
+                    <a:lnR w="25400">
+                      <a:solidFill>
+                        <a:srgbClr val="000000"/>
+                      </a:solidFill>
+                      <a:miter lim="400000"/>
+                    </a:lnR>
+                    <a:lnT w="25400">
+                      <a:solidFill>
+                        <a:srgbClr val="000000"/>
+                      </a:solidFill>
+                      <a:miter lim="400000"/>
+                    </a:lnT>
+                    <a:lnB w="25400">
+                      <a:solidFill>
+                        <a:srgbClr val="000000"/>
+                      </a:solidFill>
+                      <a:miter lim="400000"/>
+                    </a:lnB>
+                  </a:tcPr>
+                </a:tc>
+                <a:tc>
+                  <a:txBody>
+                    <a:bodyPr/>
+                    <a:lstStyle/>
+                    <a:p>
+                      <a:pPr marR="40639" defTabSz="914400">
+                        <a:lnSpc>
+                          <a:spcPct val="90000"/>
+                        </a:lnSpc>
+                        <a:spcBef>
+                          <a:spcPts val="700"/>
+                        </a:spcBef>
+                        <a:tabLst>
+                          <a:tab pos="914400" algn="l"/>
+                        </a:tabLst>
+                        <a:defRPr b="1" sz="2500">
+                          <a:latin typeface="Gill Sans MT"/>
+                          <a:ea typeface="Gill Sans MT"/>
+                          <a:cs typeface="Gill Sans MT"/>
+                          <a:sym typeface="Gill Sans MT"/>
+                        </a:defRPr>
+                      </a:pPr>
+                    </a:p>
+                  </a:txBody>
+                  <a:tcPr marL="50800" marR="50800" marT="50800" marB="50800" anchor="ctr" anchorCtr="0" horzOverflow="overflow">
+                    <a:lnL w="25400">
+                      <a:solidFill>
+                        <a:srgbClr val="000000"/>
+                      </a:solidFill>
+                      <a:miter lim="400000"/>
+                    </a:lnL>
+                    <a:lnR w="25400">
+                      <a:solidFill>
+                        <a:srgbClr val="000000"/>
+                      </a:solidFill>
+                      <a:miter lim="400000"/>
+                    </a:lnR>
+                    <a:lnT w="25400">
+                      <a:solidFill>
+                        <a:srgbClr val="000000"/>
+                      </a:solidFill>
+                      <a:miter lim="400000"/>
+                    </a:lnT>
+                    <a:lnB w="25400">
+                      <a:solidFill>
+                        <a:srgbClr val="000000"/>
+                      </a:solidFill>
+                      <a:miter lim="400000"/>
+                    </a:lnB>
+                  </a:tcPr>
+                </a:tc>
+                <a:tc>
+                  <a:txBody>
+                    <a:bodyPr/>
+                    <a:lstStyle/>
+                    <a:p>
+                      <a:pPr marR="40639" defTabSz="914400">
+                        <a:lnSpc>
+                          <a:spcPct val="90000"/>
+                        </a:lnSpc>
+                        <a:spcBef>
+                          <a:spcPts val="700"/>
+                        </a:spcBef>
+                        <a:tabLst>
+                          <a:tab pos="914400" algn="l"/>
+                        </a:tabLst>
+                        <a:defRPr sz="2500"/>
+                      </a:pPr>
+                    </a:p>
+                  </a:txBody>
+                  <a:tcPr marL="50800" marR="50800" marT="50800" marB="50800" anchor="ctr" anchorCtr="0" horzOverflow="overflow">
+                    <a:lnL w="25400">
+                      <a:solidFill>
+                        <a:srgbClr val="000000"/>
+                      </a:solidFill>
+                      <a:miter lim="400000"/>
+                    </a:lnL>
+                    <a:lnR w="25400">
+                      <a:solidFill>
+                        <a:srgbClr val="000000"/>
+                      </a:solidFill>
+                      <a:miter lim="400000"/>
+                    </a:lnR>
+                    <a:lnT w="25400">
+                      <a:solidFill>
+                        <a:srgbClr val="000000"/>
+                      </a:solidFill>
+                      <a:miter lim="400000"/>
+                    </a:lnT>
+                    <a:lnB w="25400">
+                      <a:solidFill>
+                        <a:srgbClr val="000000"/>
+                      </a:solidFill>
+                      <a:miter lim="400000"/>
+                    </a:lnB>
+                  </a:tcPr>
+                </a:tc>
+                <a:tc>
+                  <a:txBody>
+                    <a:bodyPr/>
+                    <a:lstStyle/>
+                    <a:p>
+                      <a:pPr marR="40639" defTabSz="914400">
+                        <a:lnSpc>
+                          <a:spcPct val="90000"/>
+                        </a:lnSpc>
+                        <a:spcBef>
+                          <a:spcPts val="700"/>
+                        </a:spcBef>
+                        <a:tabLst>
+                          <a:tab pos="914400" algn="l"/>
+                        </a:tabLst>
+                        <a:defRPr sz="2500"/>
+                      </a:pPr>
+                    </a:p>
+                  </a:txBody>
+                  <a:tcPr marL="50800" marR="50800" marT="50800" marB="50800" anchor="ctr" anchorCtr="0" horzOverflow="overflow">
+                    <a:lnL w="25400">
+                      <a:solidFill>
+                        <a:srgbClr val="000000"/>
+                      </a:solidFill>
+                      <a:miter lim="400000"/>
+                    </a:lnL>
+                    <a:lnR w="25400">
+                      <a:solidFill>
+                        <a:srgbClr val="000000"/>
+                      </a:solidFill>
+                      <a:miter lim="400000"/>
+                    </a:lnR>
+                    <a:lnT w="25400">
+                      <a:solidFill>
+                        <a:srgbClr val="000000"/>
+                      </a:solidFill>
+                      <a:miter lim="400000"/>
+                    </a:lnT>
+                    <a:lnB w="25400">
+                      <a:solidFill>
+                        <a:srgbClr val="000000"/>
+                      </a:solidFill>
+                      <a:miter lim="400000"/>
+                    </a:lnB>
+                  </a:tcPr>
+                </a:tc>
+                <a:tc>
+                  <a:txBody>
+                    <a:bodyPr/>
+                    <a:lstStyle/>
+                    <a:p>
+                      <a:pPr marR="40639" defTabSz="914400">
+                        <a:lnSpc>
+                          <a:spcPct val="90000"/>
+                        </a:lnSpc>
+                        <a:spcBef>
+                          <a:spcPts val="700"/>
+                        </a:spcBef>
+                        <a:tabLst>
+                          <a:tab pos="914400" algn="l"/>
+                        </a:tabLst>
+                        <a:defRPr sz="2500"/>
+                      </a:pPr>
+                    </a:p>
+                  </a:txBody>
+                  <a:tcPr marL="50800" marR="50800" marT="50800" marB="50800" anchor="ctr" anchorCtr="0" horzOverflow="overflow">
+                    <a:lnL w="25400">
+                      <a:solidFill>
+                        <a:srgbClr val="000000"/>
+                      </a:solidFill>
+                      <a:miter lim="400000"/>
+                    </a:lnL>
+                    <a:lnR w="25400">
+                      <a:solidFill>
+                        <a:srgbClr val="000000"/>
+                      </a:solidFill>
+                      <a:miter lim="400000"/>
+                    </a:lnR>
+                    <a:lnT w="25400">
+                      <a:solidFill>
+                        <a:srgbClr val="000000"/>
+                      </a:solidFill>
+                      <a:miter lim="400000"/>
+                    </a:lnT>
+                    <a:lnB w="25400">
+                      <a:solidFill>
+                        <a:srgbClr val="000000"/>
+                      </a:solidFill>
+                      <a:miter lim="400000"/>
+                    </a:lnB>
+                  </a:tcPr>
+                </a:tc>
+                <a:tc>
+                  <a:txBody>
+                    <a:bodyPr/>
+                    <a:lstStyle/>
+                    <a:p>
+                      <a:pPr marR="40639" defTabSz="914400">
+                        <a:lnSpc>
+                          <a:spcPct val="90000"/>
+                        </a:lnSpc>
+                        <a:spcBef>
+                          <a:spcPts val="700"/>
+                        </a:spcBef>
+                        <a:tabLst>
+                          <a:tab pos="914400" algn="l"/>
+                        </a:tabLst>
+                        <a:defRPr sz="2500"/>
+                      </a:pPr>
+                    </a:p>
+                  </a:txBody>
+                  <a:tcPr marL="50800" marR="50800" marT="50800" marB="50800" anchor="ctr" anchorCtr="0" horzOverflow="overflow">
+                    <a:lnL w="25400">
+                      <a:solidFill>
+                        <a:srgbClr val="000000"/>
+                      </a:solidFill>
+                      <a:miter lim="400000"/>
+                    </a:lnL>
+                    <a:lnR w="25400">
+                      <a:solidFill>
+                        <a:srgbClr val="000000"/>
+                      </a:solidFill>
+                      <a:miter lim="400000"/>
+                    </a:lnR>
+                    <a:lnT w="25400">
+                      <a:solidFill>
+                        <a:srgbClr val="000000"/>
+                      </a:solidFill>
+                      <a:miter lim="400000"/>
+                    </a:lnT>
+                    <a:lnB w="25400">
+                      <a:solidFill>
+                        <a:srgbClr val="000000"/>
+                      </a:solidFill>
+                      <a:miter lim="400000"/>
+                    </a:lnB>
+                  </a:tcPr>
+                </a:tc>
+                <a:tc>
+                  <a:txBody>
+                    <a:bodyPr/>
+                    <a:lstStyle/>
+                    <a:p>
+                      <a:pPr marR="40639" defTabSz="914400">
+                        <a:lnSpc>
+                          <a:spcPct val="90000"/>
+                        </a:lnSpc>
+                        <a:spcBef>
+                          <a:spcPts val="700"/>
+                        </a:spcBef>
+                        <a:tabLst>
+                          <a:tab pos="914400" algn="l"/>
+                        </a:tabLst>
+                        <a:defRPr sz="2500"/>
+                      </a:pPr>
+                    </a:p>
+                  </a:txBody>
+                  <a:tcPr marL="50800" marR="50800" marT="50800" marB="50800" anchor="ctr" anchorCtr="0" horzOverflow="overflow">
+                    <a:lnL w="25400">
+                      <a:solidFill>
+                        <a:srgbClr val="000000"/>
+                      </a:solidFill>
+                      <a:miter lim="400000"/>
+                    </a:lnL>
+                    <a:lnR w="25400">
+                      <a:solidFill>
+                        <a:srgbClr val="000000"/>
+                      </a:solidFill>
+                      <a:miter lim="400000"/>
+                    </a:lnR>
+                    <a:lnT w="25400">
+                      <a:solidFill>
+                        <a:srgbClr val="000000"/>
+                      </a:solidFill>
+                      <a:miter lim="400000"/>
+                    </a:lnT>
+                    <a:lnB w="25400">
+                      <a:solidFill>
+                        <a:srgbClr val="000000"/>
+                      </a:solidFill>
+                      <a:miter lim="400000"/>
+                    </a:lnB>
+                  </a:tcPr>
+                </a:tc>
+              </a:tr>
+              <a:tr h="670383">
+                <a:tc>
+                  <a:txBody>
+                    <a:bodyPr/>
+                    <a:lstStyle/>
+                    <a:p>
+                      <a:pPr marR="40639" defTabSz="914400">
+                        <a:lnSpc>
+                          <a:spcPct val="90000"/>
+                        </a:lnSpc>
+                        <a:spcBef>
+                          <a:spcPts val="700"/>
+                        </a:spcBef>
+                        <a:tabLst>
+                          <a:tab pos="914400" algn="l"/>
+                        </a:tabLst>
+                        <a:defRPr sz="2500"/>
+                      </a:pPr>
+                    </a:p>
+                  </a:txBody>
+                  <a:tcPr marL="50800" marR="50800" marT="50800" marB="50800" anchor="ctr" anchorCtr="0" horzOverflow="overflow">
+                    <a:lnL w="25400">
+                      <a:solidFill>
+                        <a:srgbClr val="000000"/>
+                      </a:solidFill>
+                      <a:miter lim="400000"/>
+                    </a:lnL>
+                    <a:lnR w="25400">
+                      <a:solidFill>
+                        <a:srgbClr val="000000"/>
+                      </a:solidFill>
+                      <a:miter lim="400000"/>
+                    </a:lnR>
+                    <a:lnT w="25400">
+                      <a:solidFill>
+                        <a:srgbClr val="000000"/>
+                      </a:solidFill>
+                      <a:miter lim="400000"/>
+                    </a:lnT>
+                    <a:lnB w="25400">
+                      <a:solidFill>
+                        <a:srgbClr val="000000"/>
+                      </a:solidFill>
+                      <a:miter lim="400000"/>
+                    </a:lnB>
+                  </a:tcPr>
+                </a:tc>
+                <a:tc>
+                  <a:txBody>
+                    <a:bodyPr/>
+                    <a:lstStyle/>
+                    <a:p>
+                      <a:pPr marR="40639" defTabSz="914400">
+                        <a:lnSpc>
+                          <a:spcPct val="90000"/>
+                        </a:lnSpc>
+                        <a:spcBef>
+                          <a:spcPts val="700"/>
+                        </a:spcBef>
+                        <a:tabLst>
+                          <a:tab pos="914400" algn="l"/>
+                        </a:tabLst>
+                        <a:defRPr sz="2500"/>
+                      </a:pPr>
+                    </a:p>
+                  </a:txBody>
+                  <a:tcPr marL="50800" marR="50800" marT="50800" marB="50800" anchor="ctr" anchorCtr="0" horzOverflow="overflow">
+                    <a:lnL w="25400">
+                      <a:solidFill>
+                        <a:srgbClr val="000000"/>
+                      </a:solidFill>
+                      <a:miter lim="400000"/>
+                    </a:lnL>
+                    <a:lnR w="25400">
+                      <a:solidFill>
+                        <a:srgbClr val="000000"/>
+                      </a:solidFill>
+                      <a:miter lim="400000"/>
+                    </a:lnR>
+                    <a:lnT w="25400">
+                      <a:solidFill>
+                        <a:srgbClr val="000000"/>
+                      </a:solidFill>
+                      <a:miter lim="400000"/>
+                    </a:lnT>
+                    <a:lnB w="25400">
+                      <a:solidFill>
+                        <a:srgbClr val="000000"/>
+                      </a:solidFill>
+                      <a:miter lim="400000"/>
+                    </a:lnB>
+                  </a:tcPr>
+                </a:tc>
+                <a:tc>
+                  <a:txBody>
+                    <a:bodyPr/>
+                    <a:lstStyle/>
+                    <a:p>
+                      <a:pPr marR="40639" defTabSz="914400">
+                        <a:lnSpc>
+                          <a:spcPct val="90000"/>
+                        </a:lnSpc>
+                        <a:spcBef>
+                          <a:spcPts val="700"/>
+                        </a:spcBef>
+                        <a:tabLst>
+                          <a:tab pos="914400" algn="l"/>
+                        </a:tabLst>
+                        <a:defRPr sz="2500"/>
+                      </a:pPr>
+                    </a:p>
+                  </a:txBody>
+                  <a:tcPr marL="50800" marR="50800" marT="50800" marB="50800" anchor="ctr" anchorCtr="0" horzOverflow="overflow">
+                    <a:lnL w="25400">
+                      <a:solidFill>
+                        <a:srgbClr val="000000"/>
+                      </a:solidFill>
+                      <a:miter lim="400000"/>
+                    </a:lnL>
+                    <a:lnR w="25400">
+                      <a:solidFill>
+                        <a:srgbClr val="000000"/>
+                      </a:solidFill>
+                      <a:miter lim="400000"/>
+                    </a:lnR>
+                    <a:lnT w="25400">
+                      <a:solidFill>
+                        <a:srgbClr val="000000"/>
+                      </a:solidFill>
+                      <a:miter lim="400000"/>
+                    </a:lnT>
+                    <a:lnB w="25400">
+                      <a:solidFill>
+                        <a:srgbClr val="000000"/>
+                      </a:solidFill>
+                      <a:miter lim="400000"/>
+                    </a:lnB>
+                  </a:tcPr>
+                </a:tc>
+                <a:tc>
+                  <a:txBody>
+                    <a:bodyPr/>
+                    <a:lstStyle/>
+                    <a:p>
+                      <a:pPr marR="40639" defTabSz="914400">
+                        <a:lnSpc>
+                          <a:spcPct val="90000"/>
+                        </a:lnSpc>
+                        <a:spcBef>
+                          <a:spcPts val="700"/>
+                        </a:spcBef>
+                        <a:tabLst>
+                          <a:tab pos="914400" algn="l"/>
+                        </a:tabLst>
+                        <a:defRPr sz="2500"/>
+                      </a:pPr>
+                    </a:p>
+                  </a:txBody>
+                  <a:tcPr marL="50800" marR="50800" marT="50800" marB="50800" anchor="ctr" anchorCtr="0" horzOverflow="overflow">
+                    <a:lnL w="25400">
+                      <a:solidFill>
+                        <a:srgbClr val="000000"/>
+                      </a:solidFill>
+                      <a:miter lim="400000"/>
+                    </a:lnL>
+                    <a:lnR w="25400">
+                      <a:solidFill>
+                        <a:srgbClr val="000000"/>
+                      </a:solidFill>
+                      <a:miter lim="400000"/>
+                    </a:lnR>
+                    <a:lnT w="25400">
+                      <a:solidFill>
+                        <a:srgbClr val="000000"/>
+                      </a:solidFill>
+                      <a:miter lim="400000"/>
+                    </a:lnT>
+                    <a:lnB w="25400">
+                      <a:solidFill>
+                        <a:srgbClr val="000000"/>
+                      </a:solidFill>
+                      <a:miter lim="400000"/>
+                    </a:lnB>
+                  </a:tcPr>
+                </a:tc>
+                <a:tc>
+                  <a:txBody>
+                    <a:bodyPr/>
+                    <a:lstStyle/>
+                    <a:p>
+                      <a:pPr marR="40639" defTabSz="914400">
+                        <a:lnSpc>
+                          <a:spcPct val="90000"/>
+                        </a:lnSpc>
+                        <a:spcBef>
+                          <a:spcPts val="700"/>
+                        </a:spcBef>
+                        <a:tabLst>
+                          <a:tab pos="914400" algn="l"/>
+                        </a:tabLst>
+                        <a:defRPr sz="2500"/>
+                      </a:pPr>
+                    </a:p>
+                  </a:txBody>
+                  <a:tcPr marL="50800" marR="50800" marT="50800" marB="50800" anchor="ctr" anchorCtr="0" horzOverflow="overflow">
+                    <a:lnL w="25400">
+                      <a:solidFill>
+                        <a:srgbClr val="000000"/>
+                      </a:solidFill>
+                      <a:miter lim="400000"/>
+                    </a:lnL>
+                    <a:lnR w="25400">
+                      <a:solidFill>
+                        <a:srgbClr val="000000"/>
+                      </a:solidFill>
+                      <a:miter lim="400000"/>
+                    </a:lnR>
+                    <a:lnT w="25400">
+                      <a:solidFill>
+                        <a:srgbClr val="000000"/>
+                      </a:solidFill>
+                      <a:miter lim="400000"/>
+                    </a:lnT>
+                    <a:lnB w="25400">
+                      <a:solidFill>
+                        <a:srgbClr val="000000"/>
+                      </a:solidFill>
+                      <a:miter lim="400000"/>
+                    </a:lnB>
+                  </a:tcPr>
+                </a:tc>
+                <a:tc>
+                  <a:txBody>
+                    <a:bodyPr/>
+                    <a:lstStyle/>
+                    <a:p>
+                      <a:pPr marR="40639" defTabSz="914400">
+                        <a:lnSpc>
+                          <a:spcPct val="90000"/>
+                        </a:lnSpc>
+                        <a:spcBef>
+                          <a:spcPts val="700"/>
+                        </a:spcBef>
+                        <a:tabLst>
+                          <a:tab pos="914400" algn="l"/>
+                        </a:tabLst>
+                        <a:defRPr b="1" sz="2500">
+                          <a:latin typeface="Gill Sans MT"/>
+                          <a:ea typeface="Gill Sans MT"/>
+                          <a:cs typeface="Gill Sans MT"/>
+                          <a:sym typeface="Gill Sans MT"/>
+                        </a:defRPr>
+                      </a:pPr>
+                    </a:p>
+                  </a:txBody>
+                  <a:tcPr marL="50800" marR="50800" marT="50800" marB="50800" anchor="ctr" anchorCtr="0" horzOverflow="overflow">
+                    <a:lnL w="25400">
+                      <a:solidFill>
+                        <a:srgbClr val="000000"/>
+                      </a:solidFill>
+                      <a:miter lim="400000"/>
+                    </a:lnL>
+                    <a:lnR w="25400">
+                      <a:solidFill>
+                        <a:srgbClr val="000000"/>
+                      </a:solidFill>
+                      <a:miter lim="400000"/>
+                    </a:lnR>
+                    <a:lnT w="25400">
+                      <a:solidFill>
+                        <a:srgbClr val="000000"/>
+                      </a:solidFill>
+                      <a:miter lim="400000"/>
+                    </a:lnT>
+                    <a:lnB w="25400">
+                      <a:solidFill>
+                        <a:srgbClr val="000000"/>
+                      </a:solidFill>
+                      <a:miter lim="400000"/>
+                    </a:lnB>
+                  </a:tcPr>
+                </a:tc>
+                <a:tc>
+                  <a:txBody>
+                    <a:bodyPr/>
+                    <a:lstStyle/>
+                    <a:p>
+                      <a:pPr marR="40639" defTabSz="914400">
+                        <a:lnSpc>
+                          <a:spcPct val="90000"/>
+                        </a:lnSpc>
+                        <a:spcBef>
+                          <a:spcPts val="700"/>
+                        </a:spcBef>
+                        <a:tabLst>
+                          <a:tab pos="914400" algn="l"/>
+                        </a:tabLst>
+                        <a:defRPr sz="2500"/>
+                      </a:pPr>
+                    </a:p>
+                  </a:txBody>
+                  <a:tcPr marL="50800" marR="50800" marT="50800" marB="50800" anchor="ctr" anchorCtr="0" horzOverflow="overflow">
+                    <a:lnL w="25400">
+                      <a:solidFill>
+                        <a:srgbClr val="000000"/>
+                      </a:solidFill>
+                      <a:miter lim="400000"/>
+                    </a:lnL>
+                    <a:lnR w="25400">
+                      <a:solidFill>
+                        <a:srgbClr val="000000"/>
+                      </a:solidFill>
+                      <a:miter lim="400000"/>
+                    </a:lnR>
+                    <a:lnT w="25400">
+                      <a:solidFill>
+                        <a:srgbClr val="000000"/>
+                      </a:solidFill>
+                      <a:miter lim="400000"/>
+                    </a:lnT>
+                    <a:lnB w="25400">
+                      <a:solidFill>
+                        <a:srgbClr val="000000"/>
+                      </a:solidFill>
+                      <a:miter lim="400000"/>
+                    </a:lnB>
+                  </a:tcPr>
+                </a:tc>
+                <a:tc>
+                  <a:txBody>
+                    <a:bodyPr/>
+                    <a:lstStyle/>
+                    <a:p>
+                      <a:pPr marR="40639" defTabSz="914400">
+                        <a:lnSpc>
+                          <a:spcPct val="90000"/>
+                        </a:lnSpc>
+                        <a:spcBef>
+                          <a:spcPts val="700"/>
+                        </a:spcBef>
+                        <a:tabLst>
+                          <a:tab pos="914400" algn="l"/>
+                        </a:tabLst>
+                        <a:defRPr sz="2500"/>
+                      </a:pPr>
+                    </a:p>
+                  </a:txBody>
+                  <a:tcPr marL="50800" marR="50800" marT="50800" marB="50800" anchor="ctr" anchorCtr="0" horzOverflow="overflow">
+                    <a:lnL w="25400">
+                      <a:solidFill>
+                        <a:srgbClr val="000000"/>
+                      </a:solidFill>
+                      <a:miter lim="400000"/>
+                    </a:lnL>
+                    <a:lnR w="25400">
+                      <a:solidFill>
+                        <a:srgbClr val="000000"/>
+                      </a:solidFill>
+                      <a:miter lim="400000"/>
+                    </a:lnR>
+                    <a:lnT w="25400">
+                      <a:solidFill>
+                        <a:srgbClr val="000000"/>
+                      </a:solidFill>
+                      <a:miter lim="400000"/>
+                    </a:lnT>
+                    <a:lnB w="25400">
+                      <a:solidFill>
+                        <a:srgbClr val="000000"/>
+                      </a:solidFill>
+                      <a:miter lim="400000"/>
+                    </a:lnB>
+                  </a:tcPr>
+                </a:tc>
+              </a:tr>
+              <a:tr h="670383">
+                <a:tc>
+                  <a:txBody>
+                    <a:bodyPr/>
+                    <a:lstStyle/>
+                    <a:p>
+                      <a:pPr marR="40639" defTabSz="914400">
+                        <a:lnSpc>
+                          <a:spcPct val="90000"/>
+                        </a:lnSpc>
+                        <a:spcBef>
+                          <a:spcPts val="700"/>
+                        </a:spcBef>
+                        <a:tabLst>
+                          <a:tab pos="914400" algn="l"/>
+                        </a:tabLst>
+                        <a:defRPr sz="2500"/>
+                      </a:pPr>
+                    </a:p>
+                  </a:txBody>
+                  <a:tcPr marL="50800" marR="50800" marT="50800" marB="50800" anchor="ctr" anchorCtr="0" horzOverflow="overflow">
+                    <a:lnL w="25400">
+                      <a:solidFill>
+                        <a:srgbClr val="000000"/>
+                      </a:solidFill>
+                      <a:miter lim="400000"/>
+                    </a:lnL>
+                    <a:lnR w="25400">
+                      <a:solidFill>
+                        <a:srgbClr val="000000"/>
+                      </a:solidFill>
+                      <a:miter lim="400000"/>
+                    </a:lnR>
+                    <a:lnT w="25400">
+                      <a:solidFill>
+                        <a:srgbClr val="000000"/>
+                      </a:solidFill>
+                      <a:miter lim="400000"/>
+                    </a:lnT>
+                    <a:lnB w="25400">
+                      <a:solidFill>
+                        <a:srgbClr val="000000"/>
+                      </a:solidFill>
+                      <a:miter lim="400000"/>
+                    </a:lnB>
+                  </a:tcPr>
+                </a:tc>
+                <a:tc>
+                  <a:txBody>
+                    <a:bodyPr/>
+                    <a:lstStyle/>
+                    <a:p>
+                      <a:pPr marR="40639" defTabSz="914400">
+                        <a:lnSpc>
+                          <a:spcPct val="90000"/>
+                        </a:lnSpc>
+                        <a:spcBef>
+                          <a:spcPts val="700"/>
+                        </a:spcBef>
+                        <a:tabLst>
+                          <a:tab pos="914400" algn="l"/>
+                        </a:tabLst>
+                        <a:defRPr b="1" sz="2500">
+                          <a:latin typeface="Gill Sans MT"/>
+                          <a:ea typeface="Gill Sans MT"/>
+                          <a:cs typeface="Gill Sans MT"/>
+                          <a:sym typeface="Gill Sans MT"/>
+                        </a:defRPr>
+                      </a:pPr>
+                    </a:p>
+                  </a:txBody>
+                  <a:tcPr marL="50800" marR="50800" marT="50800" marB="50800" anchor="ctr" anchorCtr="0" horzOverflow="overflow">
+                    <a:lnL w="25400">
+                      <a:solidFill>
+                        <a:srgbClr val="000000"/>
+                      </a:solidFill>
+                      <a:miter lim="400000"/>
+                    </a:lnL>
+                    <a:lnR w="25400">
+                      <a:solidFill>
+                        <a:srgbClr val="000000"/>
+                      </a:solidFill>
+                      <a:miter lim="400000"/>
+                    </a:lnR>
+                    <a:lnT w="25400">
+                      <a:solidFill>
+                        <a:srgbClr val="000000"/>
+                      </a:solidFill>
+                      <a:miter lim="400000"/>
+                    </a:lnT>
+                    <a:lnB w="25400">
+                      <a:solidFill>
+                        <a:srgbClr val="000000"/>
+                      </a:solidFill>
+                      <a:miter lim="400000"/>
+                    </a:lnB>
+                  </a:tcPr>
+                </a:tc>
+                <a:tc>
+                  <a:txBody>
+                    <a:bodyPr/>
+                    <a:lstStyle/>
+                    <a:p>
+                      <a:pPr marR="40639" defTabSz="914400">
+                        <a:lnSpc>
+                          <a:spcPct val="90000"/>
+                        </a:lnSpc>
+                        <a:spcBef>
+                          <a:spcPts val="700"/>
+                        </a:spcBef>
+                        <a:tabLst>
+                          <a:tab pos="914400" algn="l"/>
+                        </a:tabLst>
+                        <a:defRPr sz="2500"/>
+                      </a:pPr>
+                    </a:p>
+                  </a:txBody>
+                  <a:tcPr marL="50800" marR="50800" marT="50800" marB="50800" anchor="ctr" anchorCtr="0" horzOverflow="overflow">
+                    <a:lnL w="25400">
+                      <a:solidFill>
+                        <a:srgbClr val="000000"/>
+                      </a:solidFill>
+                      <a:miter lim="400000"/>
+                    </a:lnL>
+                    <a:lnR w="25400">
+                      <a:solidFill>
+                        <a:srgbClr val="000000"/>
+                      </a:solidFill>
+                      <a:miter lim="400000"/>
+                    </a:lnR>
+                    <a:lnT w="25400">
+                      <a:solidFill>
+                        <a:srgbClr val="000000"/>
+                      </a:solidFill>
+                      <a:miter lim="400000"/>
+                    </a:lnT>
+                    <a:lnB w="25400">
+                      <a:solidFill>
+                        <a:srgbClr val="000000"/>
+                      </a:solidFill>
+                      <a:miter lim="400000"/>
+                    </a:lnB>
+                  </a:tcPr>
+                </a:tc>
+                <a:tc>
+                  <a:txBody>
+                    <a:bodyPr/>
+                    <a:lstStyle/>
+                    <a:p>
+                      <a:pPr marR="40639" defTabSz="914400">
+                        <a:lnSpc>
+                          <a:spcPct val="90000"/>
+                        </a:lnSpc>
+                        <a:spcBef>
+                          <a:spcPts val="700"/>
+                        </a:spcBef>
+                        <a:tabLst>
+                          <a:tab pos="914400" algn="l"/>
+                        </a:tabLst>
+                        <a:defRPr sz="2500"/>
+                      </a:pPr>
+                    </a:p>
+                  </a:txBody>
+                  <a:tcPr marL="50800" marR="50800" marT="50800" marB="50800" anchor="ctr" anchorCtr="0" horzOverflow="overflow">
+                    <a:lnL w="25400">
+                      <a:solidFill>
+                        <a:srgbClr val="000000"/>
+                      </a:solidFill>
+                      <a:miter lim="400000"/>
+                    </a:lnL>
+                    <a:lnR w="25400">
+                      <a:solidFill>
+                        <a:srgbClr val="000000"/>
+                      </a:solidFill>
+                      <a:miter lim="400000"/>
+                    </a:lnR>
+                    <a:lnT w="25400">
+                      <a:solidFill>
+                        <a:srgbClr val="000000"/>
+                      </a:solidFill>
+                      <a:miter lim="400000"/>
+                    </a:lnT>
+                    <a:lnB w="25400">
+                      <a:solidFill>
+                        <a:srgbClr val="000000"/>
+                      </a:solidFill>
+                      <a:miter lim="400000"/>
+                    </a:lnB>
+                  </a:tcPr>
+                </a:tc>
+                <a:tc>
+                  <a:txBody>
+                    <a:bodyPr/>
+                    <a:lstStyle/>
+                    <a:p>
+                      <a:pPr marR="40639" defTabSz="914400">
+                        <a:lnSpc>
+                          <a:spcPct val="90000"/>
+                        </a:lnSpc>
+                        <a:spcBef>
+                          <a:spcPts val="700"/>
+                        </a:spcBef>
+                        <a:tabLst>
+                          <a:tab pos="914400" algn="l"/>
+                        </a:tabLst>
+                        <a:defRPr sz="2500"/>
+                      </a:pPr>
+                    </a:p>
+                  </a:txBody>
+                  <a:tcPr marL="50800" marR="50800" marT="50800" marB="50800" anchor="ctr" anchorCtr="0" horzOverflow="overflow">
+                    <a:lnL w="25400">
+                      <a:solidFill>
+                        <a:srgbClr val="000000"/>
+                      </a:solidFill>
+                      <a:miter lim="400000"/>
+                    </a:lnL>
+                    <a:lnR w="25400">
+                      <a:solidFill>
+                        <a:srgbClr val="000000"/>
+                      </a:solidFill>
+                      <a:miter lim="400000"/>
+                    </a:lnR>
+                    <a:lnT w="25400">
+                      <a:solidFill>
+                        <a:srgbClr val="000000"/>
+                      </a:solidFill>
+                      <a:miter lim="400000"/>
+                    </a:lnT>
+                    <a:lnB w="25400">
+                      <a:solidFill>
+                        <a:srgbClr val="000000"/>
+                      </a:solidFill>
+                      <a:miter lim="400000"/>
+                    </a:lnB>
+                  </a:tcPr>
+                </a:tc>
+                <a:tc>
+                  <a:txBody>
+                    <a:bodyPr/>
+                    <a:lstStyle/>
+                    <a:p>
+                      <a:pPr marR="40639" defTabSz="914400">
+                        <a:lnSpc>
+                          <a:spcPct val="90000"/>
+                        </a:lnSpc>
+                        <a:spcBef>
+                          <a:spcPts val="700"/>
+                        </a:spcBef>
+                        <a:tabLst>
+                          <a:tab pos="914400" algn="l"/>
+                        </a:tabLst>
+                        <a:defRPr sz="2500"/>
+                      </a:pPr>
+                    </a:p>
+                  </a:txBody>
+                  <a:tcPr marL="50800" marR="50800" marT="50800" marB="50800" anchor="ctr" anchorCtr="0" horzOverflow="overflow">
+                    <a:lnL w="25400">
+                      <a:solidFill>
+                        <a:srgbClr val="000000"/>
+                      </a:solidFill>
+                      <a:miter lim="400000"/>
+                    </a:lnL>
+                    <a:lnR w="25400">
+                      <a:solidFill>
+                        <a:srgbClr val="000000"/>
+                      </a:solidFill>
+                      <a:miter lim="400000"/>
+                    </a:lnR>
+                    <a:lnT w="25400">
+                      <a:solidFill>
+                        <a:srgbClr val="000000"/>
+                      </a:solidFill>
+                      <a:miter lim="400000"/>
+                    </a:lnT>
+                    <a:lnB w="25400">
+                      <a:solidFill>
+                        <a:srgbClr val="000000"/>
+                      </a:solidFill>
+                      <a:miter lim="400000"/>
+                    </a:lnB>
+                  </a:tcPr>
+                </a:tc>
+                <a:tc>
+                  <a:txBody>
+                    <a:bodyPr/>
+                    <a:lstStyle/>
+                    <a:p>
+                      <a:pPr marR="40639" defTabSz="914400">
+                        <a:lnSpc>
+                          <a:spcPct val="90000"/>
+                        </a:lnSpc>
+                        <a:spcBef>
+                          <a:spcPts val="700"/>
+                        </a:spcBef>
+                        <a:tabLst>
+                          <a:tab pos="914400" algn="l"/>
+                        </a:tabLst>
+                        <a:defRPr sz="2500"/>
+                      </a:pPr>
+                    </a:p>
+                  </a:txBody>
+                  <a:tcPr marL="50800" marR="50800" marT="50800" marB="50800" anchor="ctr" anchorCtr="0" horzOverflow="overflow">
+                    <a:lnL w="25400">
+                      <a:solidFill>
+                        <a:srgbClr val="000000"/>
+                      </a:solidFill>
+                      <a:miter lim="400000"/>
+                    </a:lnL>
+                    <a:lnR w="25400">
+                      <a:solidFill>
+                        <a:srgbClr val="000000"/>
+                      </a:solidFill>
+                      <a:miter lim="400000"/>
+                    </a:lnR>
+                    <a:lnT w="25400">
+                      <a:solidFill>
+                        <a:srgbClr val="000000"/>
+                      </a:solidFill>
+                      <a:miter lim="400000"/>
+                    </a:lnT>
+                    <a:lnB w="25400">
+                      <a:solidFill>
+                        <a:srgbClr val="000000"/>
+                      </a:solidFill>
+                      <a:miter lim="400000"/>
+                    </a:lnB>
+                  </a:tcPr>
+                </a:tc>
+                <a:tc>
+                  <a:txBody>
+                    <a:bodyPr/>
+                    <a:lstStyle/>
+                    <a:p>
+                      <a:pPr marR="40639" defTabSz="914400">
+                        <a:lnSpc>
+                          <a:spcPct val="90000"/>
+                        </a:lnSpc>
+                        <a:spcBef>
+                          <a:spcPts val="700"/>
+                        </a:spcBef>
+                        <a:tabLst>
+                          <a:tab pos="914400" algn="l"/>
+                        </a:tabLst>
+                        <a:defRPr sz="2500"/>
+                      </a:pPr>
+                    </a:p>
+                  </a:txBody>
+                  <a:tcPr marL="50800" marR="50800" marT="50800" marB="50800" anchor="ctr" anchorCtr="0" horzOverflow="overflow">
+                    <a:lnL w="25400">
+                      <a:solidFill>
+                        <a:srgbClr val="000000"/>
+                      </a:solidFill>
+                      <a:miter lim="400000"/>
+                    </a:lnL>
+                    <a:lnR w="25400">
+                      <a:solidFill>
+                        <a:srgbClr val="000000"/>
+                      </a:solidFill>
+                      <a:miter lim="400000"/>
+                    </a:lnR>
+                    <a:lnT w="25400">
+                      <a:solidFill>
+                        <a:srgbClr val="000000"/>
+                      </a:solidFill>
+                      <a:miter lim="400000"/>
+                    </a:lnT>
+                    <a:lnB w="25400">
+                      <a:solidFill>
+                        <a:srgbClr val="000000"/>
+                      </a:solidFill>
+                      <a:miter lim="400000"/>
+                    </a:lnB>
+                  </a:tcPr>
+                </a:tc>
+              </a:tr>
+              <a:tr h="670383">
+                <a:tc>
+                  <a:txBody>
+                    <a:bodyPr/>
+                    <a:lstStyle/>
+                    <a:p>
+                      <a:pPr marR="40639" defTabSz="914400">
+                        <a:lnSpc>
+                          <a:spcPct val="90000"/>
+                        </a:lnSpc>
+                        <a:spcBef>
+                          <a:spcPts val="700"/>
+                        </a:spcBef>
+                        <a:tabLst>
+                          <a:tab pos="914400" algn="l"/>
+                        </a:tabLst>
+                        <a:defRPr sz="2500"/>
+                      </a:pPr>
+                    </a:p>
+                  </a:txBody>
+                  <a:tcPr marL="50800" marR="50800" marT="50800" marB="50800" anchor="ctr" anchorCtr="0" horzOverflow="overflow">
+                    <a:lnL w="25400">
+                      <a:solidFill>
+                        <a:srgbClr val="000000"/>
+                      </a:solidFill>
+                      <a:miter lim="400000"/>
+                    </a:lnL>
+                    <a:lnR w="25400">
+                      <a:solidFill>
+                        <a:srgbClr val="000000"/>
+                      </a:solidFill>
+                      <a:miter lim="400000"/>
+                    </a:lnR>
+                    <a:lnT w="25400">
+                      <a:solidFill>
+                        <a:srgbClr val="000000"/>
+                      </a:solidFill>
+                      <a:miter lim="400000"/>
+                    </a:lnT>
+                    <a:lnB w="25400">
+                      <a:solidFill>
+                        <a:srgbClr val="000000"/>
+                      </a:solidFill>
+                      <a:miter lim="400000"/>
+                    </a:lnB>
+                  </a:tcPr>
+                </a:tc>
+                <a:tc>
+                  <a:txBody>
+                    <a:bodyPr/>
+                    <a:lstStyle/>
+                    <a:p>
+                      <a:pPr marR="40639" defTabSz="914400">
+                        <a:lnSpc>
+                          <a:spcPct val="90000"/>
+                        </a:lnSpc>
+                        <a:spcBef>
+                          <a:spcPts val="700"/>
+                        </a:spcBef>
+                        <a:tabLst>
+                          <a:tab pos="914400" algn="l"/>
+                        </a:tabLst>
+                        <a:defRPr sz="2500"/>
+                      </a:pPr>
+                    </a:p>
+                  </a:txBody>
+                  <a:tcPr marL="50800" marR="50800" marT="50800" marB="50800" anchor="ctr" anchorCtr="0" horzOverflow="overflow">
+                    <a:lnL w="25400">
+                      <a:solidFill>
+                        <a:srgbClr val="000000"/>
+                      </a:solidFill>
+                      <a:miter lim="400000"/>
+                    </a:lnL>
+                    <a:lnR w="25400">
+                      <a:solidFill>
+                        <a:srgbClr val="000000"/>
+                      </a:solidFill>
+                      <a:miter lim="400000"/>
+                    </a:lnR>
+                    <a:lnT w="25400">
+                      <a:solidFill>
+                        <a:srgbClr val="000000"/>
+                      </a:solidFill>
+                      <a:miter lim="400000"/>
+                    </a:lnT>
+                    <a:lnB w="25400">
+                      <a:solidFill>
+                        <a:srgbClr val="000000"/>
+                      </a:solidFill>
+                      <a:miter lim="400000"/>
+                    </a:lnB>
+                  </a:tcPr>
+                </a:tc>
+                <a:tc>
+                  <a:txBody>
+                    <a:bodyPr/>
+                    <a:lstStyle/>
+                    <a:p>
+                      <a:pPr marR="40639" defTabSz="914400">
+                        <a:lnSpc>
+                          <a:spcPct val="90000"/>
+                        </a:lnSpc>
+                        <a:spcBef>
+                          <a:spcPts val="700"/>
+                        </a:spcBef>
+                        <a:tabLst>
+                          <a:tab pos="914400" algn="l"/>
+                        </a:tabLst>
+                        <a:defRPr sz="2500"/>
+                      </a:pPr>
+                    </a:p>
+                  </a:txBody>
+                  <a:tcPr marL="50800" marR="50800" marT="50800" marB="50800" anchor="ctr" anchorCtr="0" horzOverflow="overflow">
+                    <a:lnL w="25400">
+                      <a:solidFill>
+                        <a:srgbClr val="000000"/>
+                      </a:solidFill>
+                      <a:miter lim="400000"/>
+                    </a:lnL>
+                    <a:lnR w="25400">
+                      <a:solidFill>
+                        <a:srgbClr val="000000"/>
+                      </a:solidFill>
+                      <a:miter lim="400000"/>
+                    </a:lnR>
+                    <a:lnT w="25400">
+                      <a:solidFill>
+                        <a:srgbClr val="000000"/>
+                      </a:solidFill>
+                      <a:miter lim="400000"/>
+                    </a:lnT>
+                    <a:lnB w="25400">
+                      <a:solidFill>
+                        <a:srgbClr val="000000"/>
+                      </a:solidFill>
+                      <a:miter lim="400000"/>
+                    </a:lnB>
+                  </a:tcPr>
+                </a:tc>
+                <a:tc>
+                  <a:txBody>
+                    <a:bodyPr/>
+                    <a:lstStyle/>
+                    <a:p>
+                      <a:pPr marR="40639" defTabSz="914400">
+                        <a:lnSpc>
+                          <a:spcPct val="90000"/>
+                        </a:lnSpc>
+                        <a:spcBef>
+                          <a:spcPts val="700"/>
+                        </a:spcBef>
+                        <a:tabLst>
+                          <a:tab pos="914400" algn="l"/>
+                        </a:tabLst>
+                        <a:defRPr sz="2500"/>
+                      </a:pPr>
+                    </a:p>
+                  </a:txBody>
+                  <a:tcPr marL="50800" marR="50800" marT="50800" marB="50800" anchor="ctr" anchorCtr="0" horzOverflow="overflow">
+                    <a:lnL w="25400">
+                      <a:solidFill>
+                        <a:srgbClr val="000000"/>
+                      </a:solidFill>
+                      <a:miter lim="400000"/>
+                    </a:lnL>
+                    <a:lnR w="25400">
+                      <a:solidFill>
+                        <a:srgbClr val="000000"/>
+                      </a:solidFill>
+                      <a:miter lim="400000"/>
+                    </a:lnR>
+                    <a:lnT w="25400">
+                      <a:solidFill>
+                        <a:srgbClr val="000000"/>
+                      </a:solidFill>
+                      <a:miter lim="400000"/>
+                    </a:lnT>
+                    <a:lnB w="25400">
+                      <a:solidFill>
+                        <a:srgbClr val="000000"/>
+                      </a:solidFill>
+                      <a:miter lim="400000"/>
+                    </a:lnB>
+                  </a:tcPr>
+                </a:tc>
+                <a:tc>
+                  <a:txBody>
+                    <a:bodyPr/>
+                    <a:lstStyle/>
+                    <a:p>
+                      <a:pPr marR="40639" defTabSz="914400">
+                        <a:lnSpc>
+                          <a:spcPct val="90000"/>
+                        </a:lnSpc>
+                        <a:spcBef>
+                          <a:spcPts val="700"/>
+                        </a:spcBef>
+                        <a:tabLst>
+                          <a:tab pos="914400" algn="l"/>
+                        </a:tabLst>
+                        <a:defRPr b="1" sz="2500">
+                          <a:latin typeface="Gill Sans MT"/>
+                          <a:ea typeface="Gill Sans MT"/>
+                          <a:cs typeface="Gill Sans MT"/>
+                          <a:sym typeface="Gill Sans MT"/>
+                        </a:defRPr>
+                      </a:pPr>
+                    </a:p>
+                  </a:txBody>
+                  <a:tcPr marL="50800" marR="50800" marT="50800" marB="50800" anchor="ctr" anchorCtr="0" horzOverflow="overflow">
+                    <a:lnL w="25400">
+                      <a:solidFill>
+                        <a:srgbClr val="000000"/>
+                      </a:solidFill>
+                      <a:miter lim="400000"/>
+                    </a:lnL>
+                    <a:lnR w="25400">
+                      <a:solidFill>
+                        <a:srgbClr val="000000"/>
+                      </a:solidFill>
+                      <a:miter lim="400000"/>
+                    </a:lnR>
+                    <a:lnT w="25400">
+                      <a:solidFill>
+                        <a:srgbClr val="000000"/>
+                      </a:solidFill>
+                      <a:miter lim="400000"/>
+                    </a:lnT>
+                    <a:lnB w="25400">
+                      <a:solidFill>
+                        <a:srgbClr val="000000"/>
+                      </a:solidFill>
+                      <a:miter lim="400000"/>
+                    </a:lnB>
+                  </a:tcPr>
+                </a:tc>
+                <a:tc>
+                  <a:txBody>
+                    <a:bodyPr/>
+                    <a:lstStyle/>
+                    <a:p>
+                      <a:pPr marR="40639" defTabSz="914400">
+                        <a:lnSpc>
+                          <a:spcPct val="90000"/>
+                        </a:lnSpc>
+                        <a:spcBef>
+                          <a:spcPts val="700"/>
+                        </a:spcBef>
+                        <a:tabLst>
+                          <a:tab pos="914400" algn="l"/>
+                        </a:tabLst>
+                        <a:defRPr sz="2500"/>
+                      </a:pPr>
+                    </a:p>
+                  </a:txBody>
+                  <a:tcPr marL="50800" marR="50800" marT="50800" marB="50800" anchor="ctr" anchorCtr="0" horzOverflow="overflow">
+                    <a:lnL w="25400">
+                      <a:solidFill>
+                        <a:srgbClr val="000000"/>
+                      </a:solidFill>
+                      <a:miter lim="400000"/>
+                    </a:lnL>
+                    <a:lnR w="25400">
+                      <a:solidFill>
+                        <a:srgbClr val="000000"/>
+                      </a:solidFill>
+                      <a:miter lim="400000"/>
+                    </a:lnR>
+                    <a:lnT w="25400">
+                      <a:solidFill>
+                        <a:srgbClr val="000000"/>
+                      </a:solidFill>
+                      <a:miter lim="400000"/>
+                    </a:lnT>
+                    <a:lnB w="25400">
+                      <a:solidFill>
+                        <a:srgbClr val="000000"/>
+                      </a:solidFill>
+                      <a:miter lim="400000"/>
+                    </a:lnB>
+                  </a:tcPr>
+                </a:tc>
+                <a:tc>
+                  <a:txBody>
+                    <a:bodyPr/>
+                    <a:lstStyle/>
+                    <a:p>
+                      <a:pPr marR="40639" defTabSz="914400">
+                        <a:lnSpc>
+                          <a:spcPct val="90000"/>
+                        </a:lnSpc>
+                        <a:spcBef>
+                          <a:spcPts val="700"/>
+                        </a:spcBef>
+                        <a:tabLst>
+                          <a:tab pos="914400" algn="l"/>
+                        </a:tabLst>
+                        <a:defRPr sz="2500"/>
+                      </a:pPr>
+                    </a:p>
+                  </a:txBody>
+                  <a:tcPr marL="50800" marR="50800" marT="50800" marB="50800" anchor="ctr" anchorCtr="0" horzOverflow="overflow">
+                    <a:lnL w="25400">
+                      <a:solidFill>
+                        <a:srgbClr val="000000"/>
+                      </a:solidFill>
+                      <a:miter lim="400000"/>
+                    </a:lnL>
+                    <a:lnR w="25400">
+                      <a:solidFill>
+                        <a:srgbClr val="000000"/>
+                      </a:solidFill>
+                      <a:miter lim="400000"/>
+                    </a:lnR>
+                    <a:lnT w="25400">
+                      <a:solidFill>
+                        <a:srgbClr val="000000"/>
+                      </a:solidFill>
+                      <a:miter lim="400000"/>
+                    </a:lnT>
+                    <a:lnB w="25400">
+                      <a:solidFill>
+                        <a:srgbClr val="000000"/>
+                      </a:solidFill>
+                      <a:miter lim="400000"/>
+                    </a:lnB>
+                  </a:tcPr>
+                </a:tc>
+                <a:tc>
+                  <a:txBody>
+                    <a:bodyPr/>
+                    <a:lstStyle/>
+                    <a:p>
+                      <a:pPr marR="40639" defTabSz="914400">
+                        <a:lnSpc>
+                          <a:spcPct val="90000"/>
+                        </a:lnSpc>
+                        <a:spcBef>
+                          <a:spcPts val="700"/>
+                        </a:spcBef>
+                        <a:tabLst>
+                          <a:tab pos="914400" algn="l"/>
+                        </a:tabLst>
+                        <a:defRPr sz="2500"/>
+                      </a:pPr>
+                    </a:p>
+                  </a:txBody>
+                  <a:tcPr marL="50800" marR="50800" marT="50800" marB="50800" anchor="ctr" anchorCtr="0" horzOverflow="overflow">
+                    <a:lnL w="25400">
+                      <a:solidFill>
+                        <a:srgbClr val="000000"/>
+                      </a:solidFill>
+                      <a:miter lim="400000"/>
+                    </a:lnL>
+                    <a:lnR w="25400">
+                      <a:solidFill>
+                        <a:srgbClr val="000000"/>
+                      </a:solidFill>
+                      <a:miter lim="400000"/>
+                    </a:lnR>
+                    <a:lnT w="25400">
+                      <a:solidFill>
+                        <a:srgbClr val="000000"/>
+                      </a:solidFill>
+                      <a:miter lim="400000"/>
+                    </a:lnT>
+                    <a:lnB w="25400">
+                      <a:solidFill>
+                        <a:srgbClr val="000000"/>
+                      </a:solidFill>
+                      <a:miter lim="400000"/>
+                    </a:lnB>
+                  </a:tcPr>
+                </a:tc>
+              </a:tr>
+              <a:tr h="670383">
+                <a:tc>
+                  <a:txBody>
+                    <a:bodyPr/>
+                    <a:lstStyle/>
+                    <a:p>
+                      <a:pPr marR="40639" defTabSz="914400">
+                        <a:lnSpc>
+                          <a:spcPct val="90000"/>
+                        </a:lnSpc>
+                        <a:spcBef>
+                          <a:spcPts val="700"/>
+                        </a:spcBef>
+                        <a:tabLst>
+                          <a:tab pos="914400" algn="l"/>
+                        </a:tabLst>
+                        <a:defRPr b="1" sz="2500">
+                          <a:latin typeface="Gill Sans MT"/>
+                          <a:ea typeface="Gill Sans MT"/>
+                          <a:cs typeface="Gill Sans MT"/>
+                          <a:sym typeface="Gill Sans MT"/>
+                        </a:defRPr>
+                      </a:pPr>
+                    </a:p>
+                  </a:txBody>
+                  <a:tcPr marL="50800" marR="50800" marT="50800" marB="50800" anchor="ctr" anchorCtr="0" horzOverflow="overflow">
+                    <a:lnL w="25400">
+                      <a:solidFill>
+                        <a:srgbClr val="000000"/>
+                      </a:solidFill>
+                      <a:miter lim="400000"/>
+                    </a:lnL>
+                    <a:lnR w="25400">
+                      <a:solidFill>
+                        <a:srgbClr val="000000"/>
+                      </a:solidFill>
+                      <a:miter lim="400000"/>
+                    </a:lnR>
+                    <a:lnT w="25400">
+                      <a:solidFill>
+                        <a:srgbClr val="000000"/>
+                      </a:solidFill>
+                      <a:miter lim="400000"/>
+                    </a:lnT>
+                    <a:lnB w="25400">
+                      <a:solidFill>
+                        <a:srgbClr val="000000"/>
+                      </a:solidFill>
+                      <a:miter lim="400000"/>
+                    </a:lnB>
+                  </a:tcPr>
+                </a:tc>
+                <a:tc>
+                  <a:txBody>
+                    <a:bodyPr/>
+                    <a:lstStyle/>
+                    <a:p>
+                      <a:pPr marR="40639" defTabSz="914400">
+                        <a:lnSpc>
+                          <a:spcPct val="90000"/>
+                        </a:lnSpc>
+                        <a:spcBef>
+                          <a:spcPts val="700"/>
+                        </a:spcBef>
+                        <a:tabLst>
+                          <a:tab pos="914400" algn="l"/>
+                        </a:tabLst>
+                        <a:defRPr sz="2500"/>
+                      </a:pPr>
+                    </a:p>
+                  </a:txBody>
+                  <a:tcPr marL="50800" marR="50800" marT="50800" marB="50800" anchor="ctr" anchorCtr="0" horzOverflow="overflow">
+                    <a:lnL w="25400">
+                      <a:solidFill>
+                        <a:srgbClr val="000000"/>
+                      </a:solidFill>
+                      <a:miter lim="400000"/>
+                    </a:lnL>
+                    <a:lnR w="25400">
+                      <a:solidFill>
+                        <a:srgbClr val="000000"/>
+                      </a:solidFill>
+                      <a:miter lim="400000"/>
+                    </a:lnR>
+                    <a:lnT w="25400">
+                      <a:solidFill>
+                        <a:srgbClr val="000000"/>
+                      </a:solidFill>
+                      <a:miter lim="400000"/>
+                    </a:lnT>
+                    <a:lnB w="25400">
+                      <a:solidFill>
+                        <a:srgbClr val="000000"/>
+                      </a:solidFill>
+                      <a:miter lim="400000"/>
+                    </a:lnB>
+                  </a:tcPr>
+                </a:tc>
+                <a:tc>
+                  <a:txBody>
+                    <a:bodyPr/>
+                    <a:lstStyle/>
+                    <a:p>
+                      <a:pPr marR="40639" defTabSz="914400">
+                        <a:lnSpc>
+                          <a:spcPct val="90000"/>
+                        </a:lnSpc>
+                        <a:spcBef>
+                          <a:spcPts val="700"/>
+                        </a:spcBef>
+                        <a:tabLst>
+                          <a:tab pos="914400" algn="l"/>
+                        </a:tabLst>
+                        <a:defRPr sz="2500"/>
+                      </a:pPr>
+                    </a:p>
+                  </a:txBody>
+                  <a:tcPr marL="50800" marR="50800" marT="50800" marB="50800" anchor="ctr" anchorCtr="0" horzOverflow="overflow">
+                    <a:lnL w="25400">
+                      <a:solidFill>
+                        <a:srgbClr val="000000"/>
+                      </a:solidFill>
+                      <a:miter lim="400000"/>
+                    </a:lnL>
+                    <a:lnR w="25400">
+                      <a:solidFill>
+                        <a:srgbClr val="000000"/>
+                      </a:solidFill>
+                      <a:miter lim="400000"/>
+                    </a:lnR>
+                    <a:lnT w="25400">
+                      <a:solidFill>
+                        <a:srgbClr val="000000"/>
+                      </a:solidFill>
+                      <a:miter lim="400000"/>
+                    </a:lnT>
+                    <a:lnB w="25400">
+                      <a:solidFill>
+                        <a:srgbClr val="000000"/>
+                      </a:solidFill>
+                      <a:miter lim="400000"/>
+                    </a:lnB>
+                  </a:tcPr>
+                </a:tc>
+                <a:tc>
+                  <a:txBody>
+                    <a:bodyPr/>
+                    <a:lstStyle/>
+                    <a:p>
+                      <a:pPr marR="40639" defTabSz="914400">
+                        <a:lnSpc>
+                          <a:spcPct val="90000"/>
+                        </a:lnSpc>
+                        <a:spcBef>
+                          <a:spcPts val="700"/>
+                        </a:spcBef>
+                        <a:tabLst>
+                          <a:tab pos="914400" algn="l"/>
+                        </a:tabLst>
+                        <a:defRPr sz="2500"/>
+                      </a:pPr>
+                    </a:p>
+                  </a:txBody>
+                  <a:tcPr marL="50800" marR="50800" marT="50800" marB="50800" anchor="ctr" anchorCtr="0" horzOverflow="overflow">
+                    <a:lnL w="25400">
+                      <a:solidFill>
+                        <a:srgbClr val="000000"/>
+                      </a:solidFill>
+                      <a:miter lim="400000"/>
+                    </a:lnL>
+                    <a:lnR w="25400">
+                      <a:solidFill>
+                        <a:srgbClr val="000000"/>
+                      </a:solidFill>
+                      <a:miter lim="400000"/>
+                    </a:lnR>
+                    <a:lnT w="25400">
+                      <a:solidFill>
+                        <a:srgbClr val="000000"/>
+                      </a:solidFill>
+                      <a:miter lim="400000"/>
+                    </a:lnT>
+                    <a:lnB w="25400">
+                      <a:solidFill>
+                        <a:srgbClr val="000000"/>
+                      </a:solidFill>
+                      <a:miter lim="400000"/>
+                    </a:lnB>
+                  </a:tcPr>
+                </a:tc>
+                <a:tc>
+                  <a:txBody>
+                    <a:bodyPr/>
+                    <a:lstStyle/>
+                    <a:p>
+                      <a:pPr marR="40639" defTabSz="914400">
+                        <a:lnSpc>
+                          <a:spcPct val="90000"/>
+                        </a:lnSpc>
+                        <a:spcBef>
+                          <a:spcPts val="700"/>
+                        </a:spcBef>
+                        <a:tabLst>
+                          <a:tab pos="914400" algn="l"/>
+                        </a:tabLst>
+                        <a:defRPr sz="2500"/>
+                      </a:pPr>
+                    </a:p>
+                  </a:txBody>
+                  <a:tcPr marL="50800" marR="50800" marT="50800" marB="50800" anchor="ctr" anchorCtr="0" horzOverflow="overflow">
+                    <a:lnL w="25400">
+                      <a:solidFill>
+                        <a:srgbClr val="000000"/>
+                      </a:solidFill>
+                      <a:miter lim="400000"/>
+                    </a:lnL>
+                    <a:lnR w="25400">
+                      <a:solidFill>
+                        <a:srgbClr val="000000"/>
+                      </a:solidFill>
+                      <a:miter lim="400000"/>
+                    </a:lnR>
+                    <a:lnT w="25400">
+                      <a:solidFill>
+                        <a:srgbClr val="000000"/>
+                      </a:solidFill>
+                      <a:miter lim="400000"/>
+                    </a:lnT>
+                    <a:lnB w="25400">
+                      <a:solidFill>
+                        <a:srgbClr val="000000"/>
+                      </a:solidFill>
+                      <a:miter lim="400000"/>
+                    </a:lnB>
+                  </a:tcPr>
+                </a:tc>
+                <a:tc>
+                  <a:txBody>
+                    <a:bodyPr/>
+                    <a:lstStyle/>
+                    <a:p>
+                      <a:pPr marR="40639" defTabSz="914400">
+                        <a:lnSpc>
+                          <a:spcPct val="90000"/>
+                        </a:lnSpc>
+                        <a:spcBef>
+                          <a:spcPts val="700"/>
+                        </a:spcBef>
+                        <a:tabLst>
+                          <a:tab pos="914400" algn="l"/>
+                        </a:tabLst>
+                        <a:defRPr sz="2500"/>
+                      </a:pPr>
+                    </a:p>
+                  </a:txBody>
+                  <a:tcPr marL="50800" marR="50800" marT="50800" marB="50800" anchor="ctr" anchorCtr="0" horzOverflow="overflow">
+                    <a:lnL w="25400">
+                      <a:solidFill>
+                        <a:srgbClr val="000000"/>
+                      </a:solidFill>
+                      <a:miter lim="400000"/>
+                    </a:lnL>
+                    <a:lnR w="25400">
+                      <a:solidFill>
+                        <a:srgbClr val="000000"/>
+                      </a:solidFill>
+                      <a:miter lim="400000"/>
+                    </a:lnR>
+                    <a:lnT w="25400">
+                      <a:solidFill>
+                        <a:srgbClr val="000000"/>
+                      </a:solidFill>
+                      <a:miter lim="400000"/>
+                    </a:lnT>
+                    <a:lnB w="25400">
+                      <a:solidFill>
+                        <a:srgbClr val="000000"/>
+                      </a:solidFill>
+                      <a:miter lim="400000"/>
+                    </a:lnB>
+                  </a:tcPr>
+                </a:tc>
+                <a:tc>
+                  <a:txBody>
+                    <a:bodyPr/>
+                    <a:lstStyle/>
+                    <a:p>
+                      <a:pPr marR="40639" defTabSz="914400">
+                        <a:lnSpc>
+                          <a:spcPct val="90000"/>
+                        </a:lnSpc>
+                        <a:spcBef>
+                          <a:spcPts val="700"/>
+                        </a:spcBef>
+                        <a:tabLst>
+                          <a:tab pos="914400" algn="l"/>
+                        </a:tabLst>
+                        <a:defRPr sz="2500"/>
+                      </a:pPr>
+                    </a:p>
+                  </a:txBody>
+                  <a:tcPr marL="50800" marR="50800" marT="50800" marB="50800" anchor="ctr" anchorCtr="0" horzOverflow="overflow">
+                    <a:lnL w="25400">
+                      <a:solidFill>
+                        <a:srgbClr val="000000"/>
+                      </a:solidFill>
+                      <a:miter lim="400000"/>
+                    </a:lnL>
+                    <a:lnR w="25400">
+                      <a:solidFill>
+                        <a:srgbClr val="000000"/>
+                      </a:solidFill>
+                      <a:miter lim="400000"/>
+                    </a:lnR>
+                    <a:lnT w="25400">
+                      <a:solidFill>
+                        <a:srgbClr val="000000"/>
+                      </a:solidFill>
+                      <a:miter lim="400000"/>
+                    </a:lnT>
+                    <a:lnB w="25400">
+                      <a:solidFill>
+                        <a:srgbClr val="000000"/>
+                      </a:solidFill>
+                      <a:miter lim="400000"/>
+                    </a:lnB>
+                  </a:tcPr>
+                </a:tc>
+                <a:tc>
+                  <a:txBody>
+                    <a:bodyPr/>
+                    <a:lstStyle/>
+                    <a:p>
+                      <a:pPr marR="40639" defTabSz="914400">
+                        <a:lnSpc>
+                          <a:spcPct val="90000"/>
+                        </a:lnSpc>
+                        <a:spcBef>
+                          <a:spcPts val="700"/>
+                        </a:spcBef>
+                        <a:tabLst>
+                          <a:tab pos="914400" algn="l"/>
+                        </a:tabLst>
+                        <a:defRPr sz="2500"/>
+                      </a:pPr>
+                    </a:p>
+                  </a:txBody>
+                  <a:tcPr marL="50800" marR="50800" marT="50800" marB="50800" anchor="ctr" anchorCtr="0" horzOverflow="overflow">
+                    <a:lnL w="25400">
+                      <a:solidFill>
+                        <a:srgbClr val="000000"/>
+                      </a:solidFill>
+                      <a:miter lim="400000"/>
+                    </a:lnL>
+                    <a:lnR w="25400">
+                      <a:solidFill>
+                        <a:srgbClr val="000000"/>
+                      </a:solidFill>
+                      <a:miter lim="400000"/>
+                    </a:lnR>
+                    <a:lnT w="25400">
+                      <a:solidFill>
+                        <a:srgbClr val="000000"/>
+                      </a:solidFill>
+                      <a:miter lim="400000"/>
+                    </a:lnT>
+                    <a:lnB w="25400">
+                      <a:solidFill>
+                        <a:srgbClr val="000000"/>
+                      </a:solidFill>
+                      <a:miter lim="400000"/>
+                    </a:lnB>
+                  </a:tcPr>
+                </a:tc>
+              </a:tr>
+            </a:tbl>
+          </a:graphicData>
+        </a:graphic>
+      </p:graphicFrame>
     </p:spTree>
   </p:cSld>
   <p:clrMapOvr>
@@ -26725,15 +29966,15 @@
     </p:tnLst>
     <p:bldLst>
       <p:bldP build="whole" bldLvl="1" animBg="1" rev="0" advAuto="0" spid="191" grpId="4"/>
+      <p:bldP build="whole" bldLvl="1" animBg="1" rev="0" advAuto="0" spid="196" grpId="9"/>
+      <p:bldP build="whole" bldLvl="1" animBg="1" rev="0" advAuto="0" spid="189" grpId="2"/>
+      <p:bldP build="whole" bldLvl="1" animBg="1" rev="0" advAuto="0" spid="188" grpId="1"/>
+      <p:bldP build="whole" bldLvl="1" animBg="1" rev="0" advAuto="0" spid="194" grpId="7"/>
       <p:bldP build="whole" bldLvl="1" animBg="1" rev="0" advAuto="0" spid="192" grpId="5"/>
       <p:bldP build="whole" bldLvl="1" animBg="1" rev="0" advAuto="0" spid="190" grpId="3"/>
-      <p:bldP build="whole" bldLvl="1" animBg="1" rev="0" advAuto="0" spid="196" grpId="9"/>
-      <p:bldP build="whole" bldLvl="1" animBg="1" rev="0" advAuto="0" spid="194" grpId="7"/>
+      <p:bldP build="whole" bldLvl="1" animBg="1" rev="0" advAuto="0" spid="171" grpId="10"/>
       <p:bldP build="whole" bldLvl="1" animBg="1" rev="0" advAuto="0" spid="195" grpId="8"/>
-      <p:bldP build="whole" bldLvl="1" animBg="1" rev="0" advAuto="0" spid="188" grpId="1"/>
       <p:bldP build="whole" bldLvl="1" animBg="1" rev="0" advAuto="0" spid="193" grpId="6"/>
-      <p:bldP build="whole" bldLvl="1" animBg="1" rev="0" advAuto="0" spid="171" grpId="10"/>
-      <p:bldP build="whole" bldLvl="1" animBg="1" rev="0" advAuto="0" spid="189" grpId="2"/>
     </p:bldLst>
   </p:timing>
 </p:sld>
@@ -26758,7 +29999,7 @@
       </p:grpSpPr>
       <p:sp>
         <p:nvSpPr>
-          <p:cNvPr id="198" name="8-Queens Problem: Soln 2"/>
+          <p:cNvPr id="199" name="8-Queens Problem: Soln 2"/>
           <p:cNvSpPr txBox="1"/>
           <p:nvPr>
             <p:ph type="title"/>
@@ -26795,7 +30036,7 @@
       </p:sp>
       <p:sp>
         <p:nvSpPr>
-          <p:cNvPr id="199" name="Slide Number"/>
+          <p:cNvPr id="200" name="Slide Number"/>
           <p:cNvSpPr txBox="1"/>
           <p:nvPr>
             <p:ph type="sldNum" sz="quarter" idx="2"/>
@@ -26822,7 +30063,7 @@
       </p:sp>
       <p:sp>
         <p:nvSpPr>
-          <p:cNvPr id="200" name="DAA/Dynamic Programming"/>
+          <p:cNvPr id="201" name="DAA/Dynamic Programming"/>
           <p:cNvSpPr txBox="1"/>
           <p:nvPr/>
         </p:nvSpPr>
@@ -26862,7 +30103,7 @@
       </p:sp>
       <p:sp>
         <p:nvSpPr>
-          <p:cNvPr id="201" name="RPR/"/>
+          <p:cNvPr id="202" name="RPR/"/>
           <p:cNvSpPr txBox="1"/>
           <p:nvPr/>
         </p:nvSpPr>
@@ -26902,7 +30143,7 @@
       </p:sp>
       <p:graphicFrame>
         <p:nvGraphicFramePr>
-          <p:cNvPr id="202" name="Table"/>
+          <p:cNvPr id="203" name="Table"/>
           <p:cNvGraphicFramePr/>
           <p:nvPr/>
         </p:nvGraphicFramePr>
@@ -29967,7 +33208,7 @@
       </p:graphicFrame>
       <p:sp>
         <p:nvSpPr>
-          <p:cNvPr id="203" name="c"/>
+          <p:cNvPr id="204" name="c"/>
           <p:cNvSpPr txBox="1"/>
           <p:nvPr/>
         </p:nvSpPr>
@@ -30012,7 +33253,7 @@
       </p:sp>
       <p:sp>
         <p:nvSpPr>
-          <p:cNvPr id="204" name="a"/>
+          <p:cNvPr id="205" name="a"/>
           <p:cNvSpPr txBox="1"/>
           <p:nvPr/>
         </p:nvSpPr>
@@ -30057,7 +33298,7 @@
       </p:sp>
       <p:sp>
         <p:nvSpPr>
-          <p:cNvPr id="205" name="b"/>
+          <p:cNvPr id="206" name="b"/>
           <p:cNvSpPr txBox="1"/>
           <p:nvPr/>
         </p:nvSpPr>
@@ -30102,7 +33343,7 @@
       </p:sp>
       <p:sp>
         <p:nvSpPr>
-          <p:cNvPr id="206" name="f"/>
+          <p:cNvPr id="207" name="f"/>
           <p:cNvSpPr txBox="1"/>
           <p:nvPr/>
         </p:nvSpPr>
@@ -30147,7 +33388,7 @@
       </p:sp>
       <p:sp>
         <p:nvSpPr>
-          <p:cNvPr id="207" name="e"/>
+          <p:cNvPr id="208" name="e"/>
           <p:cNvSpPr txBox="1"/>
           <p:nvPr/>
         </p:nvSpPr>
@@ -30192,7 +33433,7 @@
       </p:sp>
       <p:sp>
         <p:nvSpPr>
-          <p:cNvPr id="208" name="d"/>
+          <p:cNvPr id="209" name="d"/>
           <p:cNvSpPr txBox="1"/>
           <p:nvPr/>
         </p:nvSpPr>
@@ -30237,7 +33478,7 @@
       </p:sp>
       <p:sp>
         <p:nvSpPr>
-          <p:cNvPr id="209" name="h"/>
+          <p:cNvPr id="210" name="h"/>
           <p:cNvSpPr txBox="1"/>
           <p:nvPr/>
         </p:nvSpPr>
@@ -30282,7 +33523,7 @@
       </p:sp>
       <p:sp>
         <p:nvSpPr>
-          <p:cNvPr id="210" name="g"/>
+          <p:cNvPr id="211" name="g"/>
           <p:cNvSpPr txBox="1"/>
           <p:nvPr/>
         </p:nvSpPr>
@@ -30327,7 +33568,7 @@
       </p:sp>
       <p:sp>
         <p:nvSpPr>
-          <p:cNvPr id="211" name="1"/>
+          <p:cNvPr id="212" name="1"/>
           <p:cNvSpPr txBox="1"/>
           <p:nvPr/>
         </p:nvSpPr>
@@ -30372,7 +33613,7 @@
       </p:sp>
       <p:sp>
         <p:nvSpPr>
-          <p:cNvPr id="212" name="2"/>
+          <p:cNvPr id="213" name="2"/>
           <p:cNvSpPr txBox="1"/>
           <p:nvPr/>
         </p:nvSpPr>
@@ -30417,7 +33658,7 @@
       </p:sp>
       <p:sp>
         <p:nvSpPr>
-          <p:cNvPr id="213" name="3"/>
+          <p:cNvPr id="214" name="3"/>
           <p:cNvSpPr txBox="1"/>
           <p:nvPr/>
         </p:nvSpPr>
@@ -30462,7 +33703,7 @@
       </p:sp>
       <p:sp>
         <p:nvSpPr>
-          <p:cNvPr id="214" name="4"/>
+          <p:cNvPr id="215" name="4"/>
           <p:cNvSpPr txBox="1"/>
           <p:nvPr/>
         </p:nvSpPr>
@@ -30507,7 +33748,7 @@
       </p:sp>
       <p:sp>
         <p:nvSpPr>
-          <p:cNvPr id="215" name="5"/>
+          <p:cNvPr id="216" name="5"/>
           <p:cNvSpPr txBox="1"/>
           <p:nvPr/>
         </p:nvSpPr>
@@ -30552,7 +33793,7 @@
       </p:sp>
       <p:sp>
         <p:nvSpPr>
-          <p:cNvPr id="216" name="6"/>
+          <p:cNvPr id="217" name="6"/>
           <p:cNvSpPr txBox="1"/>
           <p:nvPr/>
         </p:nvSpPr>
@@ -30597,7 +33838,7 @@
       </p:sp>
       <p:sp>
         <p:nvSpPr>
-          <p:cNvPr id="217" name="7"/>
+          <p:cNvPr id="218" name="7"/>
           <p:cNvSpPr txBox="1"/>
           <p:nvPr/>
         </p:nvSpPr>
@@ -30642,7 +33883,7 @@
       </p:sp>
       <p:sp>
         <p:nvSpPr>
-          <p:cNvPr id="218" name="8"/>
+          <p:cNvPr id="219" name="8"/>
           <p:cNvSpPr txBox="1"/>
           <p:nvPr/>
         </p:nvSpPr>
@@ -30687,7 +33928,7 @@
       </p:sp>
       <p:sp>
         <p:nvSpPr>
-          <p:cNvPr id="219" name="Continuing further…"/>
+          <p:cNvPr id="220" name="Continuing further…"/>
           <p:cNvSpPr txBox="1"/>
           <p:nvPr/>
         </p:nvSpPr>
@@ -30756,7 +33997,7 @@
       </p:sp>
       <p:sp>
         <p:nvSpPr>
-          <p:cNvPr id="220" name="Q1"/>
+          <p:cNvPr id="221" name="Q1"/>
           <p:cNvSpPr txBox="1"/>
           <p:nvPr/>
         </p:nvSpPr>
@@ -30817,7 +34058,7 @@
       </p:sp>
       <p:sp>
         <p:nvSpPr>
-          <p:cNvPr id="221" name="Q2"/>
+          <p:cNvPr id="222" name="Q2"/>
           <p:cNvSpPr txBox="1"/>
           <p:nvPr/>
         </p:nvSpPr>
@@ -30878,7 +34119,7 @@
       </p:sp>
       <p:sp>
         <p:nvSpPr>
-          <p:cNvPr id="222" name="Q3"/>
+          <p:cNvPr id="223" name="Q3"/>
           <p:cNvSpPr txBox="1"/>
           <p:nvPr/>
         </p:nvSpPr>
@@ -30939,7 +34180,7 @@
       </p:sp>
       <p:sp>
         <p:nvSpPr>
-          <p:cNvPr id="223" name="Q4"/>
+          <p:cNvPr id="224" name="Q4"/>
           <p:cNvSpPr txBox="1"/>
           <p:nvPr/>
         </p:nvSpPr>
@@ -31000,7 +34241,7 @@
       </p:sp>
       <p:sp>
         <p:nvSpPr>
-          <p:cNvPr id="224" name="Q5"/>
+          <p:cNvPr id="225" name="Q5"/>
           <p:cNvSpPr txBox="1"/>
           <p:nvPr/>
         </p:nvSpPr>
@@ -31061,7 +34302,7 @@
       </p:sp>
       <p:sp>
         <p:nvSpPr>
-          <p:cNvPr id="225" name="Q6"/>
+          <p:cNvPr id="226" name="Q6"/>
           <p:cNvSpPr txBox="1"/>
           <p:nvPr/>
         </p:nvSpPr>
@@ -31122,7 +34363,7 @@
       </p:sp>
       <p:sp>
         <p:nvSpPr>
-          <p:cNvPr id="226" name="Q7"/>
+          <p:cNvPr id="227" name="Q7"/>
           <p:cNvSpPr txBox="1"/>
           <p:nvPr/>
         </p:nvSpPr>
@@ -31183,7 +34424,7 @@
       </p:sp>
       <p:sp>
         <p:nvSpPr>
-          <p:cNvPr id="227" name="Q8"/>
+          <p:cNvPr id="228" name="Q8"/>
           <p:cNvSpPr txBox="1"/>
           <p:nvPr/>
         </p:nvSpPr>
@@ -31244,7 +34485,7 @@
       </p:sp>
       <p:sp>
         <p:nvSpPr>
-          <p:cNvPr id="228" name="Line"/>
+          <p:cNvPr id="229" name="Line"/>
           <p:cNvSpPr/>
           <p:nvPr/>
         </p:nvSpPr>
@@ -31279,7 +34520,7 @@
       </p:sp>
       <p:sp>
         <p:nvSpPr>
-          <p:cNvPr id="229" name="Line"/>
+          <p:cNvPr id="230" name="Line"/>
           <p:cNvSpPr/>
           <p:nvPr/>
         </p:nvSpPr>
@@ -31314,7 +34555,7 @@
       </p:sp>
       <p:sp>
         <p:nvSpPr>
-          <p:cNvPr id="230" name="Line"/>
+          <p:cNvPr id="231" name="Line"/>
           <p:cNvSpPr/>
           <p:nvPr/>
         </p:nvSpPr>
@@ -31349,7 +34590,7 @@
       </p:sp>
       <p:sp>
         <p:nvSpPr>
-          <p:cNvPr id="231" name="Line"/>
+          <p:cNvPr id="232" name="Line"/>
           <p:cNvSpPr/>
           <p:nvPr/>
         </p:nvSpPr>
@@ -31383,7 +34624,7 @@
       </p:sp>
       <p:sp>
         <p:nvSpPr>
-          <p:cNvPr id="232" name="Line"/>
+          <p:cNvPr id="233" name="Line"/>
           <p:cNvSpPr/>
           <p:nvPr/>
         </p:nvSpPr>
@@ -31417,7 +34658,7 @@
       </p:sp>
       <p:sp>
         <p:nvSpPr>
-          <p:cNvPr id="233" name="Line"/>
+          <p:cNvPr id="234" name="Line"/>
           <p:cNvSpPr/>
           <p:nvPr/>
         </p:nvSpPr>
@@ -31451,7 +34692,7 @@
       </p:sp>
       <p:sp>
         <p:nvSpPr>
-          <p:cNvPr id="234" name="Line"/>
+          <p:cNvPr id="235" name="Line"/>
           <p:cNvSpPr/>
           <p:nvPr/>
         </p:nvSpPr>
@@ -31485,7 +34726,7 @@
       </p:sp>
       <p:sp>
         <p:nvSpPr>
-          <p:cNvPr id="235" name="Line"/>
+          <p:cNvPr id="236" name="Line"/>
           <p:cNvSpPr/>
           <p:nvPr/>
         </p:nvSpPr>
@@ -31520,7 +34761,7 @@
       </p:sp>
       <p:sp>
         <p:nvSpPr>
-          <p:cNvPr id="236" name="Line"/>
+          <p:cNvPr id="237" name="Line"/>
           <p:cNvSpPr/>
           <p:nvPr/>
         </p:nvSpPr>
@@ -31555,7 +34796,7 @@
       </p:sp>
       <p:sp>
         <p:nvSpPr>
-          <p:cNvPr id="237" name="Line"/>
+          <p:cNvPr id="238" name="Line"/>
           <p:cNvSpPr/>
           <p:nvPr/>
         </p:nvSpPr>
@@ -31590,7 +34831,7 @@
       </p:sp>
       <p:sp>
         <p:nvSpPr>
-          <p:cNvPr id="238" name="Line"/>
+          <p:cNvPr id="239" name="Line"/>
           <p:cNvSpPr/>
           <p:nvPr/>
         </p:nvSpPr>
@@ -31625,7 +34866,7 @@
       </p:sp>
       <p:sp>
         <p:nvSpPr>
-          <p:cNvPr id="239" name="Line"/>
+          <p:cNvPr id="240" name="Line"/>
           <p:cNvSpPr/>
           <p:nvPr/>
         </p:nvSpPr>
@@ -31660,7 +34901,7 @@
       </p:sp>
       <p:sp>
         <p:nvSpPr>
-          <p:cNvPr id="240" name="Line"/>
+          <p:cNvPr id="241" name="Line"/>
           <p:cNvSpPr/>
           <p:nvPr/>
         </p:nvSpPr>
@@ -31695,7 +34936,7 @@
       </p:sp>
       <p:sp>
         <p:nvSpPr>
-          <p:cNvPr id="241" name="Line"/>
+          <p:cNvPr id="242" name="Line"/>
           <p:cNvSpPr/>
           <p:nvPr/>
         </p:nvSpPr>
@@ -31730,7 +34971,7 @@
       </p:sp>
       <p:sp>
         <p:nvSpPr>
-          <p:cNvPr id="242" name="Line"/>
+          <p:cNvPr id="243" name="Line"/>
           <p:cNvSpPr/>
           <p:nvPr/>
         </p:nvSpPr>
@@ -31765,7 +35006,7 @@
       </p:sp>
       <p:sp>
         <p:nvSpPr>
-          <p:cNvPr id="243" name="Line"/>
+          <p:cNvPr id="244" name="Line"/>
           <p:cNvSpPr/>
           <p:nvPr/>
         </p:nvSpPr>
@@ -31799,7 +35040,7 @@
       </p:sp>
       <p:sp>
         <p:nvSpPr>
-          <p:cNvPr id="244" name="Line"/>
+          <p:cNvPr id="245" name="Line"/>
           <p:cNvSpPr/>
           <p:nvPr/>
         </p:nvSpPr>
@@ -31833,7 +35074,7 @@
       </p:sp>
       <p:sp>
         <p:nvSpPr>
-          <p:cNvPr id="245" name="Line"/>
+          <p:cNvPr id="246" name="Line"/>
           <p:cNvSpPr/>
           <p:nvPr/>
         </p:nvSpPr>
@@ -31867,7 +35108,7 @@
       </p:sp>
       <p:sp>
         <p:nvSpPr>
-          <p:cNvPr id="246" name="Line"/>
+          <p:cNvPr id="247" name="Line"/>
           <p:cNvSpPr/>
           <p:nvPr/>
         </p:nvSpPr>
@@ -31901,7 +35142,7 @@
       </p:sp>
       <p:sp>
         <p:nvSpPr>
-          <p:cNvPr id="247" name="Line"/>
+          <p:cNvPr id="248" name="Line"/>
           <p:cNvSpPr/>
           <p:nvPr/>
         </p:nvSpPr>
@@ -31936,7 +35177,7 @@
       </p:sp>
       <p:sp>
         <p:nvSpPr>
-          <p:cNvPr id="248" name="Line"/>
+          <p:cNvPr id="249" name="Line"/>
           <p:cNvSpPr/>
           <p:nvPr/>
         </p:nvSpPr>
@@ -31971,7 +35212,7 @@
       </p:sp>
       <p:sp>
         <p:nvSpPr>
-          <p:cNvPr id="249" name="Line"/>
+          <p:cNvPr id="250" name="Line"/>
           <p:cNvSpPr/>
           <p:nvPr/>
         </p:nvSpPr>
@@ -32006,7 +35247,7 @@
       </p:sp>
       <p:sp>
         <p:nvSpPr>
-          <p:cNvPr id="250" name="Line"/>
+          <p:cNvPr id="251" name="Line"/>
           <p:cNvSpPr/>
           <p:nvPr/>
         </p:nvSpPr>
@@ -32078,7 +35319,7 @@
                                       <p:cBhvr>
                                         <p:cTn id="6" fill="hold"/>
                                         <p:tgtEl>
-                                          <p:spTgt spid="219"/>
+                                          <p:spTgt spid="220"/>
                                         </p:tgtEl>
                                         <p:attrNameLst>
                                           <p:attrName>style.visibility</p:attrName>
@@ -32122,7 +35363,7 @@
                                       <p:cBhvr>
                                         <p:cTn id="10" fill="hold"/>
                                         <p:tgtEl>
-                                          <p:spTgt spid="220"/>
+                                          <p:spTgt spid="221"/>
                                         </p:tgtEl>
                                         <p:attrNameLst>
                                           <p:attrName>style.visibility</p:attrName>
@@ -32166,7 +35407,7 @@
                                       <p:cBhvr>
                                         <p:cTn id="14" fill="hold"/>
                                         <p:tgtEl>
-                                          <p:spTgt spid="230"/>
+                                          <p:spTgt spid="231"/>
                                         </p:tgtEl>
                                         <p:attrNameLst>
                                           <p:attrName>style.visibility</p:attrName>
@@ -32201,7 +35442,7 @@
                                       <p:cBhvr>
                                         <p:cTn id="17" fill="hold"/>
                                         <p:tgtEl>
-                                          <p:spTgt spid="228"/>
+                                          <p:spTgt spid="229"/>
                                         </p:tgtEl>
                                         <p:attrNameLst>
                                           <p:attrName>style.visibility</p:attrName>
@@ -32236,7 +35477,7 @@
                                       <p:cBhvr>
                                         <p:cTn id="20" fill="hold"/>
                                         <p:tgtEl>
-                                          <p:spTgt spid="229"/>
+                                          <p:spTgt spid="230"/>
                                         </p:tgtEl>
                                         <p:attrNameLst>
                                           <p:attrName>style.visibility</p:attrName>
@@ -32280,7 +35521,7 @@
                                       <p:cBhvr>
                                         <p:cTn id="24" fill="hold"/>
                                         <p:tgtEl>
-                                          <p:spTgt spid="221"/>
+                                          <p:spTgt spid="222"/>
                                         </p:tgtEl>
                                         <p:attrNameLst>
                                           <p:attrName>style.visibility</p:attrName>
@@ -32324,7 +35565,7 @@
                                       <p:cBhvr>
                                         <p:cTn id="28" fill="hold"/>
                                         <p:tgtEl>
-                                          <p:spTgt spid="233"/>
+                                          <p:spTgt spid="234"/>
                                         </p:tgtEl>
                                         <p:attrNameLst>
                                           <p:attrName>style.visibility</p:attrName>
@@ -32359,7 +35600,7 @@
                                       <p:cBhvr>
                                         <p:cTn id="31" fill="hold"/>
                                         <p:tgtEl>
-                                          <p:spTgt spid="232"/>
+                                          <p:spTgt spid="233"/>
                                         </p:tgtEl>
                                         <p:attrNameLst>
                                           <p:attrName>style.visibility</p:attrName>
@@ -32394,7 +35635,7 @@
                                       <p:cBhvr>
                                         <p:cTn id="34" fill="hold"/>
                                         <p:tgtEl>
-                                          <p:spTgt spid="231"/>
+                                          <p:spTgt spid="232"/>
                                         </p:tgtEl>
                                         <p:attrNameLst>
                                           <p:attrName>style.visibility</p:attrName>
@@ -32429,7 +35670,7 @@
                                       <p:cBhvr>
                                         <p:cTn id="37" fill="hold"/>
                                         <p:tgtEl>
-                                          <p:spTgt spid="234"/>
+                                          <p:spTgt spid="235"/>
                                         </p:tgtEl>
                                         <p:attrNameLst>
                                           <p:attrName>style.visibility</p:attrName>
@@ -32473,7 +35714,7 @@
                                       <p:cBhvr>
                                         <p:cTn id="41" fill="hold"/>
                                         <p:tgtEl>
-                                          <p:spTgt spid="222"/>
+                                          <p:spTgt spid="223"/>
                                         </p:tgtEl>
                                         <p:attrNameLst>
                                           <p:attrName>style.visibility</p:attrName>
@@ -32517,7 +35758,7 @@
                                       <p:cBhvr>
                                         <p:cTn id="45" fill="hold"/>
                                         <p:tgtEl>
-                                          <p:spTgt spid="236"/>
+                                          <p:spTgt spid="237"/>
                                         </p:tgtEl>
                                         <p:attrNameLst>
                                           <p:attrName>style.visibility</p:attrName>
@@ -32552,7 +35793,7 @@
                                       <p:cBhvr>
                                         <p:cTn id="48" fill="hold"/>
                                         <p:tgtEl>
-                                          <p:spTgt spid="237"/>
+                                          <p:spTgt spid="238"/>
                                         </p:tgtEl>
                                         <p:attrNameLst>
                                           <p:attrName>style.visibility</p:attrName>
@@ -32587,7 +35828,7 @@
                                       <p:cBhvr>
                                         <p:cTn id="51" fill="hold"/>
                                         <p:tgtEl>
-                                          <p:spTgt spid="238"/>
+                                          <p:spTgt spid="239"/>
                                         </p:tgtEl>
                                         <p:attrNameLst>
                                           <p:attrName>style.visibility</p:attrName>
@@ -32622,7 +35863,7 @@
                                       <p:cBhvr>
                                         <p:cTn id="54" fill="hold"/>
                                         <p:tgtEl>
-                                          <p:spTgt spid="235"/>
+                                          <p:spTgt spid="236"/>
                                         </p:tgtEl>
                                         <p:attrNameLst>
                                           <p:attrName>style.visibility</p:attrName>
@@ -32666,7 +35907,7 @@
                                       <p:cBhvr>
                                         <p:cTn id="58" fill="hold"/>
                                         <p:tgtEl>
-                                          <p:spTgt spid="223"/>
+                                          <p:spTgt spid="224"/>
                                         </p:tgtEl>
                                         <p:attrNameLst>
                                           <p:attrName>style.visibility</p:attrName>
@@ -32710,7 +35951,7 @@
                                       <p:cBhvr>
                                         <p:cTn id="62" fill="hold"/>
                                         <p:tgtEl>
-                                          <p:spTgt spid="239"/>
+                                          <p:spTgt spid="240"/>
                                         </p:tgtEl>
                                         <p:attrNameLst>
                                           <p:attrName>style.visibility</p:attrName>
@@ -32745,7 +35986,7 @@
                                       <p:cBhvr>
                                         <p:cTn id="65" fill="hold"/>
                                         <p:tgtEl>
-                                          <p:spTgt spid="241"/>
+                                          <p:spTgt spid="242"/>
                                         </p:tgtEl>
                                         <p:attrNameLst>
                                           <p:attrName>style.visibility</p:attrName>
@@ -32780,7 +36021,7 @@
                                       <p:cBhvr>
                                         <p:cTn id="68" fill="hold"/>
                                         <p:tgtEl>
-                                          <p:spTgt spid="242"/>
+                                          <p:spTgt spid="243"/>
                                         </p:tgtEl>
                                         <p:attrNameLst>
                                           <p:attrName>style.visibility</p:attrName>
@@ -32815,7 +36056,7 @@
                                       <p:cBhvr>
                                         <p:cTn id="71" fill="hold"/>
                                         <p:tgtEl>
-                                          <p:spTgt spid="240"/>
+                                          <p:spTgt spid="241"/>
                                         </p:tgtEl>
                                         <p:attrNameLst>
                                           <p:attrName>style.visibility</p:attrName>
@@ -32859,7 +36100,7 @@
                                       <p:cBhvr>
                                         <p:cTn id="75" fill="hold"/>
                                         <p:tgtEl>
-                                          <p:spTgt spid="224"/>
+                                          <p:spTgt spid="225"/>
                                         </p:tgtEl>
                                         <p:attrNameLst>
                                           <p:attrName>style.visibility</p:attrName>
@@ -32903,7 +36144,7 @@
                                       <p:cBhvr>
                                         <p:cTn id="79" fill="hold"/>
                                         <p:tgtEl>
-                                          <p:spTgt spid="243"/>
+                                          <p:spTgt spid="244"/>
                                         </p:tgtEl>
                                         <p:attrNameLst>
                                           <p:attrName>style.visibility</p:attrName>
@@ -32938,7 +36179,7 @@
                                       <p:cBhvr>
                                         <p:cTn id="82" fill="hold"/>
                                         <p:tgtEl>
-                                          <p:spTgt spid="246"/>
+                                          <p:spTgt spid="247"/>
                                         </p:tgtEl>
                                         <p:attrNameLst>
                                           <p:attrName>style.visibility</p:attrName>
@@ -32973,7 +36214,7 @@
                                       <p:cBhvr>
                                         <p:cTn id="85" fill="hold"/>
                                         <p:tgtEl>
-                                          <p:spTgt spid="244"/>
+                                          <p:spTgt spid="245"/>
                                         </p:tgtEl>
                                         <p:attrNameLst>
                                           <p:attrName>style.visibility</p:attrName>
@@ -33008,7 +36249,7 @@
                                       <p:cBhvr>
                                         <p:cTn id="88" fill="hold"/>
                                         <p:tgtEl>
-                                          <p:spTgt spid="245"/>
+                                          <p:spTgt spid="246"/>
                                         </p:tgtEl>
                                         <p:attrNameLst>
                                           <p:attrName>style.visibility</p:attrName>
@@ -33052,7 +36293,7 @@
                                       <p:cBhvr>
                                         <p:cTn id="92" fill="hold"/>
                                         <p:tgtEl>
-                                          <p:spTgt spid="225"/>
+                                          <p:spTgt spid="226"/>
                                         </p:tgtEl>
                                         <p:attrNameLst>
                                           <p:attrName>style.visibility</p:attrName>
@@ -33096,7 +36337,7 @@
                                       <p:cBhvr>
                                         <p:cTn id="96" fill="hold"/>
                                         <p:tgtEl>
-                                          <p:spTgt spid="247"/>
+                                          <p:spTgt spid="248"/>
                                         </p:tgtEl>
                                         <p:attrNameLst>
                                           <p:attrName>style.visibility</p:attrName>
@@ -33131,7 +36372,7 @@
                                       <p:cBhvr>
                                         <p:cTn id="99" fill="hold"/>
                                         <p:tgtEl>
-                                          <p:spTgt spid="250"/>
+                                          <p:spTgt spid="251"/>
                                         </p:tgtEl>
                                         <p:attrNameLst>
                                           <p:attrName>style.visibility</p:attrName>
@@ -33166,7 +36407,7 @@
                                       <p:cBhvr>
                                         <p:cTn id="102" fill="hold"/>
                                         <p:tgtEl>
-                                          <p:spTgt spid="248"/>
+                                          <p:spTgt spid="249"/>
                                         </p:tgtEl>
                                         <p:attrNameLst>
                                           <p:attrName>style.visibility</p:attrName>
@@ -33201,7 +36442,7 @@
                                       <p:cBhvr>
                                         <p:cTn id="105" fill="hold"/>
                                         <p:tgtEl>
-                                          <p:spTgt spid="249"/>
+                                          <p:spTgt spid="250"/>
                                         </p:tgtEl>
                                         <p:attrNameLst>
                                           <p:attrName>style.visibility</p:attrName>
@@ -33245,7 +36486,7 @@
                                       <p:cBhvr>
                                         <p:cTn id="109" fill="hold"/>
                                         <p:tgtEl>
-                                          <p:spTgt spid="226"/>
+                                          <p:spTgt spid="227"/>
                                         </p:tgtEl>
                                         <p:attrNameLst>
                                           <p:attrName>style.visibility</p:attrName>
@@ -33289,7 +36530,7 @@
                                       <p:cBhvr>
                                         <p:cTn id="113" fill="hold"/>
                                         <p:tgtEl>
-                                          <p:spTgt spid="227"/>
+                                          <p:spTgt spid="228"/>
                                         </p:tgtEl>
                                         <p:attrNameLst>
                                           <p:attrName>style.visibility</p:attrName>
@@ -33330,38 +36571,38 @@
       </p:par>
     </p:tnLst>
     <p:bldLst>
-      <p:bldP build="whole" bldLvl="1" animBg="1" rev="0" advAuto="0" spid="220" grpId="2"/>
-      <p:bldP build="whole" bldLvl="1" animBg="1" rev="0" advAuto="0" spid="225" grpId="26"/>
-      <p:bldP build="whole" bldLvl="1" animBg="1" rev="0" advAuto="0" spid="235" grpId="15"/>
-      <p:bldP build="whole" bldLvl="1" animBg="1" rev="0" advAuto="0" spid="247" grpId="27"/>
-      <p:bldP build="whole" bldLvl="1" animBg="1" rev="0" advAuto="0" spid="230" grpId="3"/>
-      <p:bldP build="whole" bldLvl="1" animBg="1" rev="0" advAuto="0" spid="226" grpId="31"/>
-      <p:bldP build="whole" bldLvl="1" animBg="1" rev="0" advAuto="0" spid="222" grpId="11"/>
-      <p:bldP build="whole" bldLvl="1" animBg="1" rev="0" advAuto="0" spid="236" grpId="12"/>
-      <p:bldP build="whole" bldLvl="1" animBg="1" rev="0" advAuto="0" spid="237" grpId="13"/>
-      <p:bldP build="whole" bldLvl="1" animBg="1" rev="0" advAuto="0" spid="238" grpId="14"/>
-      <p:bldP build="whole" bldLvl="1" animBg="1" rev="0" advAuto="0" spid="221" grpId="6"/>
-      <p:bldP build="whole" bldLvl="1" animBg="1" rev="0" advAuto="0" spid="239" grpId="17"/>
-      <p:bldP build="whole" bldLvl="1" animBg="1" rev="0" advAuto="0" spid="224" grpId="21"/>
-      <p:bldP build="whole" bldLvl="1" animBg="1" rev="0" advAuto="0" spid="240" grpId="20"/>
-      <p:bldP build="whole" bldLvl="1" animBg="1" rev="0" advAuto="0" spid="229" grpId="5"/>
-      <p:bldP build="whole" bldLvl="1" animBg="1" rev="0" advAuto="0" spid="250" grpId="28"/>
-      <p:bldP build="whole" bldLvl="1" animBg="1" rev="0" advAuto="0" spid="232" grpId="8"/>
-      <p:bldP build="whole" bldLvl="1" animBg="1" rev="0" advAuto="0" spid="223" grpId="16"/>
-      <p:bldP build="whole" bldLvl="1" animBg="1" rev="0" advAuto="0" spid="245" grpId="25"/>
-      <p:bldP build="whole" bldLvl="1" animBg="1" rev="0" advAuto="0" spid="242" grpId="19"/>
-      <p:bldP build="whole" bldLvl="1" animBg="1" rev="0" advAuto="0" spid="244" grpId="24"/>
-      <p:bldP build="whole" bldLvl="1" animBg="1" rev="0" advAuto="0" spid="234" grpId="10"/>
-      <p:bldP build="whole" bldLvl="1" animBg="1" rev="0" advAuto="0" spid="248" grpId="29"/>
-      <p:bldP build="whole" bldLvl="1" animBg="1" rev="0" advAuto="0" spid="249" grpId="30"/>
-      <p:bldP build="whole" bldLvl="1" animBg="1" rev="0" advAuto="0" spid="231" grpId="9"/>
-      <p:bldP build="whole" bldLvl="1" animBg="1" rev="0" advAuto="0" spid="233" grpId="7"/>
-      <p:bldP build="whole" bldLvl="1" animBg="1" rev="0" advAuto="0" spid="219" grpId="1"/>
-      <p:bldP build="whole" bldLvl="1" animBg="1" rev="0" advAuto="0" spid="246" grpId="23"/>
-      <p:bldP build="whole" bldLvl="1" animBg="1" rev="0" advAuto="0" spid="227" grpId="32"/>
-      <p:bldP build="whole" bldLvl="1" animBg="1" rev="0" advAuto="0" spid="241" grpId="18"/>
-      <p:bldP build="whole" bldLvl="1" animBg="1" rev="0" advAuto="0" spid="243" grpId="22"/>
-      <p:bldP build="whole" bldLvl="1" animBg="1" rev="0" advAuto="0" spid="228" grpId="4"/>
+      <p:bldP build="whole" bldLvl="1" animBg="1" rev="0" advAuto="0" spid="220" grpId="1"/>
+      <p:bldP build="whole" bldLvl="1" animBg="1" rev="0" advAuto="0" spid="232" grpId="9"/>
+      <p:bldP build="whole" bldLvl="1" animBg="1" rev="0" advAuto="0" spid="238" grpId="13"/>
+      <p:bldP build="whole" bldLvl="1" animBg="1" rev="0" advAuto="0" spid="223" grpId="11"/>
+      <p:bldP build="whole" bldLvl="1" animBg="1" rev="0" advAuto="0" spid="246" grpId="25"/>
+      <p:bldP build="whole" bldLvl="1" animBg="1" rev="0" advAuto="0" spid="230" grpId="5"/>
+      <p:bldP build="whole" bldLvl="1" animBg="1" rev="0" advAuto="0" spid="237" grpId="12"/>
+      <p:bldP build="whole" bldLvl="1" animBg="1" rev="0" advAuto="0" spid="239" grpId="14"/>
+      <p:bldP build="whole" bldLvl="1" animBg="1" rev="0" advAuto="0" spid="241" grpId="20"/>
+      <p:bldP build="whole" bldLvl="1" animBg="1" rev="0" advAuto="0" spid="244" grpId="22"/>
+      <p:bldP build="whole" bldLvl="1" animBg="1" rev="0" advAuto="0" spid="240" grpId="17"/>
+      <p:bldP build="whole" bldLvl="1" animBg="1" rev="0" advAuto="0" spid="249" grpId="29"/>
+      <p:bldP build="whole" bldLvl="1" animBg="1" rev="0" advAuto="0" spid="225" grpId="21"/>
+      <p:bldP build="whole" bldLvl="1" animBg="1" rev="0" advAuto="0" spid="229" grpId="4"/>
+      <p:bldP build="whole" bldLvl="1" animBg="1" rev="0" advAuto="0" spid="227" grpId="31"/>
+      <p:bldP build="whole" bldLvl="1" animBg="1" rev="0" advAuto="0" spid="228" grpId="32"/>
+      <p:bldP build="whole" bldLvl="1" animBg="1" rev="0" advAuto="0" spid="251" grpId="28"/>
+      <p:bldP build="whole" bldLvl="1" animBg="1" rev="0" advAuto="0" spid="248" grpId="27"/>
+      <p:bldP build="whole" bldLvl="1" animBg="1" rev="0" advAuto="0" spid="224" grpId="16"/>
+      <p:bldP build="whole" bldLvl="1" animBg="1" rev="0" advAuto="0" spid="247" grpId="23"/>
+      <p:bldP build="whole" bldLvl="1" animBg="1" rev="0" advAuto="0" spid="233" grpId="8"/>
+      <p:bldP build="whole" bldLvl="1" animBg="1" rev="0" advAuto="0" spid="235" grpId="10"/>
+      <p:bldP build="whole" bldLvl="1" animBg="1" rev="0" advAuto="0" spid="250" grpId="30"/>
+      <p:bldP build="whole" bldLvl="1" animBg="1" rev="0" advAuto="0" spid="231" grpId="3"/>
+      <p:bldP build="whole" bldLvl="1" animBg="1" rev="0" advAuto="0" spid="245" grpId="24"/>
+      <p:bldP build="whole" bldLvl="1" animBg="1" rev="0" advAuto="0" spid="242" grpId="18"/>
+      <p:bldP build="whole" bldLvl="1" animBg="1" rev="0" advAuto="0" spid="243" grpId="19"/>
+      <p:bldP build="whole" bldLvl="1" animBg="1" rev="0" advAuto="0" spid="226" grpId="26"/>
+      <p:bldP build="whole" bldLvl="1" animBg="1" rev="0" advAuto="0" spid="234" grpId="7"/>
+      <p:bldP build="whole" bldLvl="1" animBg="1" rev="0" advAuto="0" spid="222" grpId="6"/>
+      <p:bldP build="whole" bldLvl="1" animBg="1" rev="0" advAuto="0" spid="221" grpId="2"/>
+      <p:bldP build="whole" bldLvl="1" animBg="1" rev="0" advAuto="0" spid="236" grpId="15"/>
     </p:bldLst>
   </p:timing>
 </p:sld>
@@ -33386,7 +36627,7 @@
       </p:grpSpPr>
       <p:sp>
         <p:nvSpPr>
-          <p:cNvPr id="252" name="3-Color Problem"/>
+          <p:cNvPr id="253" name="3-Color Problem"/>
           <p:cNvSpPr txBox="1"/>
           <p:nvPr>
             <p:ph type="title"/>
@@ -33410,7 +36651,7 @@
       </p:sp>
       <p:sp>
         <p:nvSpPr>
-          <p:cNvPr id="253" name="Slide Number"/>
+          <p:cNvPr id="254" name="Slide Number"/>
           <p:cNvSpPr txBox="1"/>
           <p:nvPr>
             <p:ph type="sldNum" sz="quarter" idx="2"/>
@@ -33437,7 +36678,7 @@
       </p:sp>
       <p:sp>
         <p:nvSpPr>
-          <p:cNvPr id="254" name="DAA/Dynamic Programming"/>
+          <p:cNvPr id="255" name="DAA/Dynamic Programming"/>
           <p:cNvSpPr txBox="1"/>
           <p:nvPr/>
         </p:nvSpPr>
@@ -33477,7 +36718,7 @@
       </p:sp>
       <p:sp>
         <p:nvSpPr>
-          <p:cNvPr id="255" name="RPR/"/>
+          <p:cNvPr id="256" name="RPR/"/>
           <p:cNvSpPr txBox="1"/>
           <p:nvPr/>
         </p:nvSpPr>
@@ -33517,7 +36758,7 @@
       </p:sp>
       <p:sp>
         <p:nvSpPr>
-          <p:cNvPr id="256" name="Oval"/>
+          <p:cNvPr id="257" name="Oval"/>
           <p:cNvSpPr/>
           <p:nvPr/>
         </p:nvSpPr>
@@ -33545,7 +36786,7 @@
       </p:sp>
       <p:sp>
         <p:nvSpPr>
-          <p:cNvPr id="257" name="Oval"/>
+          <p:cNvPr id="258" name="Oval"/>
           <p:cNvSpPr/>
           <p:nvPr/>
         </p:nvSpPr>
@@ -33573,7 +36814,7 @@
       </p:sp>
       <p:sp>
         <p:nvSpPr>
-          <p:cNvPr id="258" name="Oval"/>
+          <p:cNvPr id="259" name="Oval"/>
           <p:cNvSpPr/>
           <p:nvPr/>
         </p:nvSpPr>
@@ -33601,7 +36842,7 @@
       </p:sp>
       <p:sp>
         <p:nvSpPr>
-          <p:cNvPr id="259" name="Oval"/>
+          <p:cNvPr id="260" name="Oval"/>
           <p:cNvSpPr/>
           <p:nvPr/>
         </p:nvSpPr>
@@ -33629,7 +36870,7 @@
       </p:sp>
       <p:sp>
         <p:nvSpPr>
-          <p:cNvPr id="260" name="Oval"/>
+          <p:cNvPr id="261" name="Oval"/>
           <p:cNvSpPr/>
           <p:nvPr/>
         </p:nvSpPr>
@@ -33657,7 +36898,7 @@
       </p:sp>
       <p:sp>
         <p:nvSpPr>
-          <p:cNvPr id="261" name="1"/>
+          <p:cNvPr id="262" name="1"/>
           <p:cNvSpPr txBox="1"/>
           <p:nvPr/>
         </p:nvSpPr>
@@ -33702,7 +36943,7 @@
       </p:sp>
       <p:sp>
         <p:nvSpPr>
-          <p:cNvPr id="262" name="2"/>
+          <p:cNvPr id="263" name="2"/>
           <p:cNvSpPr txBox="1"/>
           <p:nvPr/>
         </p:nvSpPr>
@@ -33747,7 +36988,7 @@
       </p:sp>
       <p:sp>
         <p:nvSpPr>
-          <p:cNvPr id="263" name="3"/>
+          <p:cNvPr id="264" name="3"/>
           <p:cNvSpPr txBox="1"/>
           <p:nvPr/>
         </p:nvSpPr>
@@ -33792,7 +37033,7 @@
       </p:sp>
       <p:sp>
         <p:nvSpPr>
-          <p:cNvPr id="264" name="4"/>
+          <p:cNvPr id="265" name="4"/>
           <p:cNvSpPr txBox="1"/>
           <p:nvPr/>
         </p:nvSpPr>
@@ -33837,7 +37078,7 @@
       </p:sp>
       <p:sp>
         <p:nvSpPr>
-          <p:cNvPr id="265" name="5"/>
+          <p:cNvPr id="266" name="5"/>
           <p:cNvSpPr txBox="1"/>
           <p:nvPr/>
         </p:nvSpPr>
@@ -33882,7 +37123,7 @@
       </p:sp>
       <p:sp>
         <p:nvSpPr>
-          <p:cNvPr id="266" name="Consider three colors are : Red, Blue, Yellow…"/>
+          <p:cNvPr id="267" name="Consider three colors are : Red, Blue, Yellow…"/>
           <p:cNvSpPr txBox="1"/>
           <p:nvPr/>
         </p:nvSpPr>
@@ -33938,7 +37179,7 @@
       </p:sp>
       <p:sp>
         <p:nvSpPr>
-          <p:cNvPr id="267" name="Line"/>
+          <p:cNvPr id="268" name="Line"/>
           <p:cNvSpPr/>
           <p:nvPr/>
         </p:nvSpPr>
@@ -33966,7 +37207,7 @@
       </p:sp>
       <p:sp>
         <p:nvSpPr>
-          <p:cNvPr id="268" name="Line"/>
+          <p:cNvPr id="269" name="Line"/>
           <p:cNvSpPr/>
           <p:nvPr/>
         </p:nvSpPr>
@@ -33994,7 +37235,7 @@
       </p:sp>
       <p:sp>
         <p:nvSpPr>
-          <p:cNvPr id="269" name="Line"/>
+          <p:cNvPr id="270" name="Line"/>
           <p:cNvSpPr/>
           <p:nvPr/>
         </p:nvSpPr>
@@ -34022,7 +37263,7 @@
       </p:sp>
       <p:sp>
         <p:nvSpPr>
-          <p:cNvPr id="270" name="Line"/>
+          <p:cNvPr id="271" name="Line"/>
           <p:cNvSpPr/>
           <p:nvPr/>
         </p:nvSpPr>
@@ -34050,7 +37291,7 @@
       </p:sp>
       <p:sp>
         <p:nvSpPr>
-          <p:cNvPr id="271" name="Line"/>
+          <p:cNvPr id="272" name="Line"/>
           <p:cNvSpPr/>
           <p:nvPr/>
         </p:nvSpPr>
@@ -34078,7 +37319,7 @@
       </p:sp>
       <p:sp>
         <p:nvSpPr>
-          <p:cNvPr id="272" name="Line"/>
+          <p:cNvPr id="273" name="Line"/>
           <p:cNvSpPr/>
           <p:nvPr/>
         </p:nvSpPr>
@@ -34106,7 +37347,7 @@
       </p:sp>
       <p:sp>
         <p:nvSpPr>
-          <p:cNvPr id="273" name="Line"/>
+          <p:cNvPr id="274" name="Line"/>
           <p:cNvSpPr/>
           <p:nvPr/>
         </p:nvSpPr>
@@ -34134,7 +37375,7 @@
       </p:sp>
       <p:sp>
         <p:nvSpPr>
-          <p:cNvPr id="274" name="Oval"/>
+          <p:cNvPr id="275" name="Oval"/>
           <p:cNvSpPr/>
           <p:nvPr/>
         </p:nvSpPr>
@@ -34165,7 +37406,7 @@
       </p:sp>
       <p:sp>
         <p:nvSpPr>
-          <p:cNvPr id="275" name="Oval"/>
+          <p:cNvPr id="276" name="Oval"/>
           <p:cNvSpPr/>
           <p:nvPr/>
         </p:nvSpPr>
@@ -34196,7 +37437,7 @@
       </p:sp>
       <p:sp>
         <p:nvSpPr>
-          <p:cNvPr id="276" name="Oval"/>
+          <p:cNvPr id="277" name="Oval"/>
           <p:cNvSpPr/>
           <p:nvPr/>
         </p:nvSpPr>
@@ -34227,7 +37468,7 @@
       </p:sp>
       <p:sp>
         <p:nvSpPr>
-          <p:cNvPr id="277" name="Oval"/>
+          <p:cNvPr id="278" name="Oval"/>
           <p:cNvSpPr/>
           <p:nvPr/>
         </p:nvSpPr>
@@ -34262,13 +37503,13 @@
       </p:sp>
       <p:sp>
         <p:nvSpPr>
-          <p:cNvPr id="278" name="Oval"/>
+          <p:cNvPr id="279" name="Oval"/>
           <p:cNvSpPr/>
           <p:nvPr/>
         </p:nvSpPr>
         <p:spPr>
           <a:xfrm>
-            <a:off x="1368731" y="1675402"/>
+            <a:off x="1368731" y="1624602"/>
             <a:ext cx="696080" cy="744190"/>
           </a:xfrm>
           <a:prstGeom prst="ellipse">
@@ -34297,7 +37538,7 @@
       </p:sp>
       <p:sp>
         <p:nvSpPr>
-          <p:cNvPr id="279" name="Oval"/>
+          <p:cNvPr id="280" name="Oval"/>
           <p:cNvSpPr/>
           <p:nvPr/>
         </p:nvSpPr>
@@ -34332,7 +37573,7 @@
       </p:sp>
       <p:sp>
         <p:nvSpPr>
-          <p:cNvPr id="280" name="Oval"/>
+          <p:cNvPr id="281" name="Oval"/>
           <p:cNvSpPr/>
           <p:nvPr/>
         </p:nvSpPr>
@@ -34363,7 +37604,7 @@
       </p:sp>
       <p:sp>
         <p:nvSpPr>
-          <p:cNvPr id="281" name="Can’t color node 5, so backtrack…"/>
+          <p:cNvPr id="282" name="Can’t color node 5, so backtrack…"/>
           <p:cNvSpPr txBox="1"/>
           <p:nvPr/>
         </p:nvSpPr>
@@ -34419,7 +37660,7 @@
       </p:sp>
       <p:sp>
         <p:nvSpPr>
-          <p:cNvPr id="282" name="Can’t color node 5, so backtrack…"/>
+          <p:cNvPr id="283" name="Can’t color node 5, so backtrack…"/>
           <p:cNvSpPr txBox="1"/>
           <p:nvPr/>
         </p:nvSpPr>
@@ -34488,13 +37729,13 @@
       </p:sp>
       <p:sp>
         <p:nvSpPr>
-          <p:cNvPr id="283" name="Oval"/>
+          <p:cNvPr id="284" name="Oval"/>
           <p:cNvSpPr/>
           <p:nvPr/>
         </p:nvSpPr>
         <p:spPr>
           <a:xfrm>
-            <a:off x="1368731" y="1646683"/>
+            <a:off x="1366757" y="1608583"/>
             <a:ext cx="696080" cy="744191"/>
           </a:xfrm>
           <a:prstGeom prst="ellipse">
@@ -34519,7 +37760,7 @@
       </p:sp>
       <p:sp>
         <p:nvSpPr>
-          <p:cNvPr id="284" name="Oval"/>
+          <p:cNvPr id="285" name="Oval"/>
           <p:cNvSpPr/>
           <p:nvPr/>
         </p:nvSpPr>
@@ -34550,7 +37791,7 @@
       </p:sp>
       <p:sp>
         <p:nvSpPr>
-          <p:cNvPr id="285" name="Solution: 1-R, 2-B, 3-Y, 4-B, 5-Y"/>
+          <p:cNvPr id="286" name="Solution: 1-R, 2-B, 3-R, 4-B, 5-Y"/>
           <p:cNvSpPr txBox="1"/>
           <p:nvPr/>
         </p:nvSpPr>
@@ -34598,14 +37839,14 @@
               <a:t>1</a:t>
             </a:r>
             <a:r>
-              <a:t>-R, 2-B, 3-Y, 4-B, 5-Y</a:t>
+              <a:t>-R, 2-B, 3-R, 4-B, 5-Y</a:t>
             </a:r>
           </a:p>
         </p:txBody>
       </p:sp>
       <p:sp>
         <p:nvSpPr>
-          <p:cNvPr id="286" name="Are there other solutions?"/>
+          <p:cNvPr id="287" name="Are there other solutions?"/>
           <p:cNvSpPr txBox="1"/>
           <p:nvPr/>
         </p:nvSpPr>
@@ -34650,7 +37891,7 @@
       </p:sp>
       <p:sp>
         <p:nvSpPr>
-          <p:cNvPr id="287" name="Oval"/>
+          <p:cNvPr id="288" name="Oval"/>
           <p:cNvSpPr/>
           <p:nvPr/>
         </p:nvSpPr>
@@ -34681,7 +37922,7 @@
       </p:sp>
       <p:sp>
         <p:nvSpPr>
-          <p:cNvPr id="288" name="Oval"/>
+          <p:cNvPr id="289" name="Oval"/>
           <p:cNvSpPr/>
           <p:nvPr/>
         </p:nvSpPr>
@@ -34716,7 +37957,7 @@
       </p:sp>
       <p:sp>
         <p:nvSpPr>
-          <p:cNvPr id="289" name="Oval"/>
+          <p:cNvPr id="290" name="Oval"/>
           <p:cNvSpPr/>
           <p:nvPr/>
         </p:nvSpPr>
@@ -34784,7 +38025,7 @@
                                       <p:cBhvr>
                                         <p:cTn id="6" fill="hold"/>
                                         <p:tgtEl>
-                                          <p:spTgt spid="266">
+                                          <p:spTgt spid="267">
                                             <p:bg/>
                                           </p:spTgt>
                                         </p:tgtEl>
@@ -34812,7 +38053,7 @@
                                       <p:cBhvr>
                                         <p:cTn id="8" fill="hold"/>
                                         <p:tgtEl>
-                                          <p:spTgt spid="266">
+                                          <p:spTgt spid="267">
                                             <p:txEl>
                                               <p:pRg st="0" end="0"/>
                                             </p:txEl>
@@ -34860,7 +38101,7 @@
                                       <p:cBhvr>
                                         <p:cTn id="12" fill="hold"/>
                                         <p:tgtEl>
-                                          <p:spTgt spid="288"/>
+                                          <p:spTgt spid="289"/>
                                         </p:tgtEl>
                                         <p:attrNameLst>
                                           <p:attrName>style.visibility</p:attrName>
@@ -34895,7 +38136,7 @@
                                       <p:cBhvr>
                                         <p:cTn id="15" fill="hold"/>
                                         <p:tgtEl>
-                                          <p:spTgt spid="287"/>
+                                          <p:spTgt spid="288"/>
                                         </p:tgtEl>
                                         <p:attrNameLst>
                                           <p:attrName>style.visibility</p:attrName>
@@ -34930,7 +38171,7 @@
                                       <p:cBhvr>
                                         <p:cTn id="18" fill="hold"/>
                                         <p:tgtEl>
-                                          <p:spTgt spid="289"/>
+                                          <p:spTgt spid="290"/>
                                         </p:tgtEl>
                                         <p:attrNameLst>
                                           <p:attrName>style.visibility</p:attrName>
@@ -34974,7 +38215,7 @@
                                       <p:cBhvr>
                                         <p:cTn id="22" fill="hold"/>
                                         <p:tgtEl>
-                                          <p:spTgt spid="266">
+                                          <p:spTgt spid="267">
                                             <p:txEl>
                                               <p:pRg st="1" end="1"/>
                                             </p:txEl>
@@ -35022,7 +38263,7 @@
                                       <p:cBhvr>
                                         <p:cTn id="26" fill="hold"/>
                                         <p:tgtEl>
-                                          <p:spTgt spid="279"/>
+                                          <p:spTgt spid="280"/>
                                         </p:tgtEl>
                                         <p:attrNameLst>
                                           <p:attrName>style.visibility</p:attrName>
@@ -35066,7 +38307,7 @@
                                       <p:cBhvr>
                                         <p:cTn id="30" fill="hold"/>
                                         <p:tgtEl>
-                                          <p:spTgt spid="280"/>
+                                          <p:spTgt spid="281"/>
                                         </p:tgtEl>
                                         <p:attrNameLst>
                                           <p:attrName>style.visibility</p:attrName>
@@ -35110,7 +38351,7 @@
                                       <p:cBhvr>
                                         <p:cTn id="34" fill="hold"/>
                                         <p:tgtEl>
-                                          <p:spTgt spid="275"/>
+                                          <p:spTgt spid="276"/>
                                         </p:tgtEl>
                                         <p:attrNameLst>
                                           <p:attrName>style.visibility</p:attrName>
@@ -35154,7 +38395,7 @@
                                       <p:cBhvr>
                                         <p:cTn id="38" fill="hold"/>
                                         <p:tgtEl>
-                                          <p:spTgt spid="278"/>
+                                          <p:spTgt spid="279"/>
                                         </p:tgtEl>
                                         <p:attrNameLst>
                                           <p:attrName>style.visibility</p:attrName>
@@ -35198,7 +38439,7 @@
                                       <p:cBhvr>
                                         <p:cTn id="42" fill="hold"/>
                                         <p:tgtEl>
-                                          <p:spTgt spid="281">
+                                          <p:spTgt spid="282">
                                             <p:bg/>
                                           </p:spTgt>
                                         </p:tgtEl>
@@ -35226,7 +38467,7 @@
                                       <p:cBhvr>
                                         <p:cTn id="44" fill="hold"/>
                                         <p:tgtEl>
-                                          <p:spTgt spid="281">
+                                          <p:spTgt spid="282">
                                             <p:txEl>
                                               <p:pRg st="0" end="0"/>
                                             </p:txEl>
@@ -35274,7 +38515,7 @@
                                       <p:cBhvr>
                                         <p:cTn id="48" fill="hold"/>
                                         <p:tgtEl>
-                                          <p:spTgt spid="281">
+                                          <p:spTgt spid="282">
                                             <p:txEl>
                                               <p:pRg st="1" end="1"/>
                                             </p:txEl>
@@ -35322,7 +38563,7 @@
                                       <p:cBhvr>
                                         <p:cTn id="52" dur="1000" fill="hold"/>
                                         <p:tgtEl>
-                                          <p:spTgt spid="278"/>
+                                          <p:spTgt spid="279"/>
                                         </p:tgtEl>
                                         <p:attrNameLst>
                                           <p:attrName>ppt_x</p:attrName>
@@ -35345,7 +38586,7 @@
                                       <p:cBhvr>
                                         <p:cTn id="53" dur="1000" fill="hold"/>
                                         <p:tgtEl>
-                                          <p:spTgt spid="278"/>
+                                          <p:spTgt spid="279"/>
                                         </p:tgtEl>
                                         <p:attrNameLst>
                                           <p:attrName>ppt_y</p:attrName>
@@ -35372,7 +38613,7 @@
                                           </p:stCondLst>
                                         </p:cTn>
                                         <p:tgtEl>
-                                          <p:spTgt spid="278"/>
+                                          <p:spTgt spid="279"/>
                                         </p:tgtEl>
                                         <p:attrNameLst>
                                           <p:attrName>style.visibility</p:attrName>
@@ -35416,7 +38657,7 @@
                                       <p:cBhvr>
                                         <p:cTn id="58" fill="hold"/>
                                         <p:tgtEl>
-                                          <p:spTgt spid="283"/>
+                                          <p:spTgt spid="284"/>
                                         </p:tgtEl>
                                         <p:attrNameLst>
                                           <p:attrName>style.visibility</p:attrName>
@@ -35460,7 +38701,7 @@
                                       <p:cBhvr>
                                         <p:cTn id="62" fill="hold"/>
                                         <p:tgtEl>
-                                          <p:spTgt spid="282">
+                                          <p:spTgt spid="283">
                                             <p:bg/>
                                           </p:spTgt>
                                         </p:tgtEl>
@@ -35488,7 +38729,7 @@
                                       <p:cBhvr>
                                         <p:cTn id="64" fill="hold"/>
                                         <p:tgtEl>
-                                          <p:spTgt spid="282">
+                                          <p:spTgt spid="283">
                                             <p:txEl>
                                               <p:pRg st="0" end="0"/>
                                             </p:txEl>
@@ -35536,7 +38777,7 @@
                                       <p:cBhvr>
                                         <p:cTn id="68" dur="1000" fill="hold"/>
                                         <p:tgtEl>
-                                          <p:spTgt spid="283"/>
+                                          <p:spTgt spid="284"/>
                                         </p:tgtEl>
                                         <p:attrNameLst>
                                           <p:attrName>ppt_x</p:attrName>
@@ -35559,7 +38800,7 @@
                                       <p:cBhvr>
                                         <p:cTn id="69" dur="1000" fill="hold"/>
                                         <p:tgtEl>
-                                          <p:spTgt spid="283"/>
+                                          <p:spTgt spid="284"/>
                                         </p:tgtEl>
                                         <p:attrNameLst>
                                           <p:attrName>ppt_y</p:attrName>
@@ -35586,7 +38827,7 @@
                                           </p:stCondLst>
                                         </p:cTn>
                                         <p:tgtEl>
-                                          <p:spTgt spid="283"/>
+                                          <p:spTgt spid="284"/>
                                         </p:tgtEl>
                                         <p:attrNameLst>
                                           <p:attrName>style.visibility</p:attrName>
@@ -35630,7 +38871,7 @@
                                       <p:cBhvr>
                                         <p:cTn id="74" fill="hold"/>
                                         <p:tgtEl>
-                                          <p:spTgt spid="282">
+                                          <p:spTgt spid="283">
                                             <p:txEl>
                                               <p:pRg st="1" end="1"/>
                                             </p:txEl>
@@ -35678,7 +38919,7 @@
                                       <p:cBhvr>
                                         <p:cTn id="78" fill="hold"/>
                                         <p:tgtEl>
-                                          <p:spTgt spid="282">
+                                          <p:spTgt spid="283">
                                             <p:txEl>
                                               <p:pRg st="2" end="2"/>
                                             </p:txEl>
@@ -35726,7 +38967,7 @@
                                       <p:cBhvr>
                                         <p:cTn id="82" dur="1000" fill="hold"/>
                                         <p:tgtEl>
-                                          <p:spTgt spid="275"/>
+                                          <p:spTgt spid="276"/>
                                         </p:tgtEl>
                                         <p:attrNameLst>
                                           <p:attrName>ppt_x</p:attrName>
@@ -35749,7 +38990,7 @@
                                       <p:cBhvr>
                                         <p:cTn id="83" dur="1000" fill="hold"/>
                                         <p:tgtEl>
-                                          <p:spTgt spid="275"/>
+                                          <p:spTgt spid="276"/>
                                         </p:tgtEl>
                                         <p:attrNameLst>
                                           <p:attrName>ppt_y</p:attrName>
@@ -35776,7 +39017,7 @@
                                           </p:stCondLst>
                                         </p:cTn>
                                         <p:tgtEl>
-                                          <p:spTgt spid="275"/>
+                                          <p:spTgt spid="276"/>
                                         </p:tgtEl>
                                         <p:attrNameLst>
                                           <p:attrName>style.visibility</p:attrName>
@@ -35820,7 +39061,7 @@
                                       <p:cBhvr>
                                         <p:cTn id="88" fill="hold"/>
                                         <p:tgtEl>
-                                          <p:spTgt spid="277"/>
+                                          <p:spTgt spid="278"/>
                                         </p:tgtEl>
                                         <p:attrNameLst>
                                           <p:attrName>style.visibility</p:attrName>
@@ -35864,7 +39105,7 @@
                                       <p:cBhvr>
                                         <p:cTn id="92" fill="hold"/>
                                         <p:tgtEl>
-                                          <p:spTgt spid="276"/>
+                                          <p:spTgt spid="277"/>
                                         </p:tgtEl>
                                         <p:attrNameLst>
                                           <p:attrName>style.visibility</p:attrName>
@@ -35908,7 +39149,7 @@
                                       <p:cBhvr>
                                         <p:cTn id="96" fill="hold"/>
                                         <p:tgtEl>
-                                          <p:spTgt spid="274"/>
+                                          <p:spTgt spid="275"/>
                                         </p:tgtEl>
                                         <p:attrNameLst>
                                           <p:attrName>style.visibility</p:attrName>
@@ -35952,7 +39193,7 @@
                                       <p:cBhvr>
                                         <p:cTn id="100" fill="hold"/>
                                         <p:tgtEl>
-                                          <p:spTgt spid="284"/>
+                                          <p:spTgt spid="285"/>
                                         </p:tgtEl>
                                         <p:attrNameLst>
                                           <p:attrName>style.visibility</p:attrName>
@@ -35996,7 +39237,7 @@
                                       <p:cBhvr>
                                         <p:cTn id="104" fill="hold"/>
                                         <p:tgtEl>
-                                          <p:spTgt spid="285">
+                                          <p:spTgt spid="286">
                                             <p:bg/>
                                           </p:spTgt>
                                         </p:tgtEl>
@@ -36024,7 +39265,7 @@
                                       <p:cBhvr>
                                         <p:cTn id="106" fill="hold"/>
                                         <p:tgtEl>
-                                          <p:spTgt spid="285">
+                                          <p:spTgt spid="286">
                                             <p:txEl>
                                               <p:pRg st="0" end="0"/>
                                             </p:txEl>
@@ -36072,7 +39313,7 @@
                                       <p:cBhvr>
                                         <p:cTn id="110" fill="hold"/>
                                         <p:tgtEl>
-                                          <p:spTgt spid="286">
+                                          <p:spTgt spid="287">
                                             <p:bg/>
                                           </p:spTgt>
                                         </p:tgtEl>
@@ -36100,7 +39341,7 @@
                                       <p:cBhvr>
                                         <p:cTn id="112" fill="hold"/>
                                         <p:tgtEl>
-                                          <p:spTgt spid="286">
+                                          <p:spTgt spid="287">
                                             <p:txEl>
                                               <p:pRg st="0" end="0"/>
                                             </p:txEl>
@@ -36145,26 +39386,26 @@
       </p:par>
     </p:tnLst>
     <p:bldLst>
-      <p:bldP build="whole" bldLvl="1" animBg="1" rev="0" advAuto="0" spid="283" grpId="11"/>
-      <p:bldP build="whole" bldLvl="1" animBg="1" rev="0" advAuto="0" spid="283" grpId="13"/>
-      <p:bldP build="whole" bldLvl="1" animBg="1" rev="0" advAuto="0" spid="280" grpId="6"/>
-      <p:bldP build="p" bldLvl="5" animBg="1" rev="0" advAuto="0" spid="266" grpId="1"/>
-      <p:bldP build="whole" bldLvl="1" animBg="1" rev="0" advAuto="0" spid="289" grpId="4"/>
-      <p:bldP build="whole" bldLvl="1" animBg="1" rev="0" advAuto="0" spid="279" grpId="5"/>
-      <p:bldP build="whole" bldLvl="1" animBg="1" rev="0" advAuto="0" spid="275" grpId="7"/>
-      <p:bldP build="p" bldLvl="5" animBg="1" rev="0" advAuto="0" spid="286" grpId="20"/>
-      <p:bldP build="whole" bldLvl="1" animBg="1" rev="0" advAuto="0" spid="284" grpId="18"/>
-      <p:bldP build="p" bldLvl="5" animBg="1" rev="0" advAuto="0" spid="281" grpId="9"/>
-      <p:bldP build="p" bldLvl="5" animBg="1" rev="0" advAuto="0" spid="285" grpId="19"/>
-      <p:bldP build="whole" bldLvl="1" animBg="1" rev="0" advAuto="0" spid="275" grpId="14"/>
-      <p:bldP build="whole" bldLvl="1" animBg="1" rev="0" advAuto="0" spid="288" grpId="2"/>
-      <p:bldP build="whole" bldLvl="1" animBg="1" rev="0" advAuto="0" spid="287" grpId="3"/>
-      <p:bldP build="whole" bldLvl="1" animBg="1" rev="0" advAuto="0" spid="276" grpId="16"/>
-      <p:bldP build="whole" bldLvl="1" animBg="1" rev="0" advAuto="0" spid="278" grpId="8"/>
-      <p:bldP build="whole" bldLvl="1" animBg="1" rev="0" advAuto="0" spid="278" grpId="10"/>
-      <p:bldP build="p" bldLvl="5" animBg="1" rev="0" advAuto="0" spid="282" grpId="12"/>
-      <p:bldP build="whole" bldLvl="1" animBg="1" rev="0" advAuto="0" spid="274" grpId="17"/>
-      <p:bldP build="whole" bldLvl="1" animBg="1" rev="0" advAuto="0" spid="277" grpId="15"/>
+      <p:bldP build="whole" bldLvl="1" animBg="1" rev="0" advAuto="0" spid="290" grpId="4"/>
+      <p:bldP build="p" bldLvl="5" animBg="1" rev="0" advAuto="0" spid="282" grpId="9"/>
+      <p:bldP build="whole" bldLvl="1" animBg="1" rev="0" advAuto="0" spid="275" grpId="17"/>
+      <p:bldP build="whole" bldLvl="1" animBg="1" rev="0" advAuto="0" spid="277" grpId="16"/>
+      <p:bldP build="whole" bldLvl="1" animBg="1" rev="0" advAuto="0" spid="276" grpId="7"/>
+      <p:bldP build="whole" bldLvl="1" animBg="1" rev="0" advAuto="0" spid="276" grpId="14"/>
+      <p:bldP build="whole" bldLvl="1" animBg="1" rev="0" advAuto="0" spid="281" grpId="6"/>
+      <p:bldP build="p" bldLvl="5" animBg="1" rev="0" advAuto="0" spid="283" grpId="12"/>
+      <p:bldP build="p" bldLvl="5" animBg="1" rev="0" advAuto="0" spid="286" grpId="19"/>
+      <p:bldP build="whole" bldLvl="1" animBg="1" rev="0" advAuto="0" spid="285" grpId="18"/>
+      <p:bldP build="whole" bldLvl="1" animBg="1" rev="0" advAuto="0" spid="284" grpId="11"/>
+      <p:bldP build="whole" bldLvl="1" animBg="1" rev="0" advAuto="0" spid="284" grpId="13"/>
+      <p:bldP build="p" bldLvl="5" animBg="1" rev="0" advAuto="0" spid="287" grpId="20"/>
+      <p:bldP build="whole" bldLvl="1" animBg="1" rev="0" advAuto="0" spid="278" grpId="15"/>
+      <p:bldP build="whole" bldLvl="1" animBg="1" rev="0" advAuto="0" spid="280" grpId="5"/>
+      <p:bldP build="p" bldLvl="5" animBg="1" rev="0" advAuto="0" spid="267" grpId="1"/>
+      <p:bldP build="whole" bldLvl="1" animBg="1" rev="0" advAuto="0" spid="289" grpId="2"/>
+      <p:bldP build="whole" bldLvl="1" animBg="1" rev="0" advAuto="0" spid="279" grpId="8"/>
+      <p:bldP build="whole" bldLvl="1" animBg="1" rev="0" advAuto="0" spid="279" grpId="10"/>
+      <p:bldP build="whole" bldLvl="1" animBg="1" rev="0" advAuto="0" spid="288" grpId="3"/>
     </p:bldLst>
   </p:timing>
 </p:sld>
@@ -36189,7 +39430,7 @@
       </p:grpSpPr>
       <p:sp>
         <p:nvSpPr>
-          <p:cNvPr id="291" name="Sum of Subset Problem"/>
+          <p:cNvPr id="292" name="Sum of Subset Problem"/>
           <p:cNvSpPr txBox="1"/>
           <p:nvPr>
             <p:ph type="title"/>
@@ -36213,7 +39454,7 @@
       </p:sp>
       <p:sp>
         <p:nvSpPr>
-          <p:cNvPr id="292" name="Given a set S of numbers and a value m,…"/>
+          <p:cNvPr id="293" name="Given a set S of numbers and a value m,…"/>
           <p:cNvSpPr txBox="1"/>
           <p:nvPr>
             <p:ph type="body" idx="1"/>
@@ -36454,7 +39695,7 @@
       </p:sp>
       <p:sp>
         <p:nvSpPr>
-          <p:cNvPr id="293" name="Slide Number"/>
+          <p:cNvPr id="294" name="Slide Number"/>
           <p:cNvSpPr txBox="1"/>
           <p:nvPr>
             <p:ph type="sldNum" sz="quarter" idx="2"/>
@@ -36481,7 +39722,7 @@
       </p:sp>
       <p:sp>
         <p:nvSpPr>
-          <p:cNvPr id="294" name="DAA/Dynamic Programming"/>
+          <p:cNvPr id="295" name="DAA/Dynamic Programming"/>
           <p:cNvSpPr txBox="1"/>
           <p:nvPr/>
         </p:nvSpPr>
@@ -36521,7 +39762,7 @@
       </p:sp>
       <p:sp>
         <p:nvSpPr>
-          <p:cNvPr id="295" name="RPR/"/>
+          <p:cNvPr id="296" name="RPR/"/>
           <p:cNvSpPr txBox="1"/>
           <p:nvPr/>
         </p:nvSpPr>
@@ -36598,7 +39839,7 @@
                                       <p:cBhvr>
                                         <p:cTn id="6" fill="hold"/>
                                         <p:tgtEl>
-                                          <p:spTgt spid="292">
+                                          <p:spTgt spid="293">
                                             <p:bg/>
                                           </p:spTgt>
                                         </p:tgtEl>
@@ -36626,7 +39867,7 @@
                                       <p:cBhvr>
                                         <p:cTn id="8" fill="hold"/>
                                         <p:tgtEl>
-                                          <p:spTgt spid="292">
+                                          <p:spTgt spid="293">
                                             <p:txEl>
                                               <p:pRg st="0" end="0"/>
                                             </p:txEl>
@@ -36674,7 +39915,7 @@
                                       <p:cBhvr>
                                         <p:cTn id="12" fill="hold"/>
                                         <p:tgtEl>
-                                          <p:spTgt spid="292">
+                                          <p:spTgt spid="293">
                                             <p:txEl>
                                               <p:pRg st="1" end="1"/>
                                             </p:txEl>
@@ -36722,7 +39963,7 @@
                                       <p:cBhvr>
                                         <p:cTn id="16" fill="hold"/>
                                         <p:tgtEl>
-                                          <p:spTgt spid="292">
+                                          <p:spTgt spid="293">
                                             <p:txEl>
                                               <p:pRg st="2" end="2"/>
                                             </p:txEl>
@@ -36770,7 +40011,7 @@
                                       <p:cBhvr>
                                         <p:cTn id="20" fill="hold"/>
                                         <p:tgtEl>
-                                          <p:spTgt spid="292">
+                                          <p:spTgt spid="293">
                                             <p:txEl>
                                               <p:pRg st="3" end="3"/>
                                             </p:txEl>
@@ -36818,7 +40059,7 @@
                                       <p:cBhvr>
                                         <p:cTn id="24" fill="hold"/>
                                         <p:tgtEl>
-                                          <p:spTgt spid="292">
+                                          <p:spTgt spid="293">
                                             <p:txEl>
                                               <p:pRg st="4" end="4"/>
                                             </p:txEl>
@@ -36866,7 +40107,7 @@
                                       <p:cBhvr>
                                         <p:cTn id="28" fill="hold"/>
                                         <p:tgtEl>
-                                          <p:spTgt spid="292">
+                                          <p:spTgt spid="293">
                                             <p:txEl>
                                               <p:pRg st="5" end="5"/>
                                             </p:txEl>
@@ -36914,7 +40155,7 @@
                                       <p:cBhvr>
                                         <p:cTn id="32" fill="hold"/>
                                         <p:tgtEl>
-                                          <p:spTgt spid="292">
+                                          <p:spTgt spid="293">
                                             <p:txEl>
                                               <p:pRg st="6" end="6"/>
                                             </p:txEl>
@@ -36962,7 +40203,7 @@
                                       <p:cBhvr>
                                         <p:cTn id="36" fill="hold"/>
                                         <p:tgtEl>
-                                          <p:spTgt spid="292">
+                                          <p:spTgt spid="293">
                                             <p:txEl>
                                               <p:pRg st="7" end="7"/>
                                             </p:txEl>
@@ -37007,7 +40248,7 @@
       </p:par>
     </p:tnLst>
     <p:bldLst>
-      <p:bldP build="p" bldLvl="5" animBg="1" rev="0" advAuto="0" spid="292" grpId="1"/>
+      <p:bldP build="p" bldLvl="5" animBg="1" rev="0" advAuto="0" spid="293" grpId="1"/>
     </p:bldLst>
   </p:timing>
 </p:sld>

--- a/Slides-RPR/2019-H1-DAA-L41-BackTrack-Intro.pptx
+++ b/Slides-RPR/2019-H1-DAA-L41-BackTrack-Intro.pptx
@@ -7805,16 +7805,22 @@
               <a:t>Sec </a:t>
             </a:r>
             <a:r>
+              <a:rPr b="1" u="sng">
+                <a:latin typeface="Courier New"/>
+                <a:ea typeface="Courier New"/>
+                <a:cs typeface="Courier New"/>
+                <a:sym typeface="Courier New"/>
+              </a:rPr>
+              <a:t>7.</a:t>
+            </a:r>
+            <a:r>
               <a:rPr>
                 <a:latin typeface="Courier New"/>
                 <a:ea typeface="Courier New"/>
                 <a:cs typeface="Courier New"/>
                 <a:sym typeface="Courier New"/>
               </a:rPr>
-              <a:t>5.1,5.2,5.4,5.8,5.9</a:t>
-            </a:r>
-            <a:r>
-              <a:t> </a:t>
+              <a:t>1,7.2,7.3,7.4,7.5,8.2,11.1</a:t>
             </a:r>
           </a:p>
           <a:p>
@@ -7847,10 +7853,7 @@
                 <a:cs typeface="Courier New"/>
                 <a:sym typeface="Courier New"/>
               </a:rPr>
-              <a:t>8.2-8.4</a:t>
-            </a:r>
-            <a:r>
-              <a:t> </a:t>
+              <a:t>12.1,12.2</a:t>
             </a:r>
           </a:p>
           <a:p>
@@ -16276,50 +16279,50 @@
       </p:par>
     </p:tnLst>
     <p:bldLst>
+      <p:bldP build="whole" bldLvl="1" animBg="1" rev="0" advAuto="0" spid="97" grpId="40"/>
+      <p:bldP build="whole" bldLvl="1" animBg="1" rev="0" advAuto="0" spid="87" grpId="6"/>
+      <p:bldP build="whole" bldLvl="1" animBg="1" rev="0" advAuto="0" spid="86" grpId="4"/>
+      <p:bldP build="whole" bldLvl="1" animBg="1" rev="0" advAuto="0" spid="104" grpId="30"/>
+      <p:bldP build="whole" bldLvl="1" animBg="1" rev="0" advAuto="0" spid="84" grpId="3"/>
+      <p:bldP build="whole" bldLvl="1" animBg="1" rev="0" advAuto="0" spid="112" grpId="25"/>
+      <p:bldP build="whole" bldLvl="1" animBg="1" rev="0" advAuto="0" spid="89" grpId="13"/>
+      <p:bldP build="whole" bldLvl="1" animBg="1" rev="0" advAuto="0" spid="101" grpId="35"/>
+      <p:bldP build="whole" bldLvl="1" animBg="1" rev="0" advAuto="0" spid="99" grpId="37"/>
+      <p:bldP build="whole" bldLvl="1" animBg="1" rev="0" advAuto="0" spid="112" grpId="33"/>
+      <p:bldP build="whole" bldLvl="1" animBg="1" rev="0" advAuto="0" spid="103" grpId="29"/>
+      <p:bldP build="whole" bldLvl="1" animBg="1" rev="0" advAuto="0" spid="105" grpId="32"/>
+      <p:bldP build="whole" bldLvl="1" animBg="1" rev="0" advAuto="0" spid="92" grpId="14"/>
+      <p:bldP build="whole" bldLvl="1" animBg="1" rev="0" advAuto="0" spid="115" grpId="43"/>
+      <p:bldP build="whole" bldLvl="1" animBg="1" rev="0" advAuto="0" spid="109" grpId="10"/>
+      <p:bldP build="whole" bldLvl="1" animBg="1" rev="0" advAuto="0" spid="100" grpId="23"/>
+      <p:bldP build="whole" bldLvl="1" animBg="1" rev="0" advAuto="0" spid="90" grpId="12"/>
+      <p:bldP build="whole" bldLvl="1" animBg="1" rev="0" advAuto="0" spid="93" grpId="17"/>
+      <p:bldP build="whole" bldLvl="1" animBg="1" rev="0" advAuto="0" spid="117" grpId="45"/>
       <p:bldP build="whole" bldLvl="1" animBg="1" rev="0" advAuto="0" spid="102" grpId="26"/>
+      <p:bldP build="whole" bldLvl="1" animBg="1" rev="0" advAuto="0" spid="111" grpId="20"/>
+      <p:bldP build="whole" bldLvl="1" animBg="1" rev="0" advAuto="0" spid="100" grpId="39"/>
+      <p:bldP build="whole" bldLvl="1" animBg="1" rev="0" advAuto="0" spid="116" grpId="44"/>
+      <p:bldP build="whole" bldLvl="1" animBg="1" rev="0" advAuto="0" spid="108" grpId="5"/>
+      <p:bldP build="whole" bldLvl="1" animBg="1" rev="0" advAuto="0" spid="98" grpId="22"/>
+      <p:bldP build="whole" bldLvl="1" animBg="1" rev="0" advAuto="0" spid="110" grpId="15"/>
+      <p:bldP build="whole" bldLvl="1" animBg="1" rev="0" advAuto="0" spid="85" grpId="7"/>
+      <p:bldP build="whole" bldLvl="1" animBg="1" rev="0" advAuto="0" spid="102" grpId="34"/>
+      <p:bldP build="whole" bldLvl="1" animBg="1" rev="0" advAuto="0" spid="106" grpId="36"/>
+      <p:bldP build="whole" bldLvl="1" animBg="1" rev="0" advAuto="0" spid="82" grpId="2"/>
+      <p:bldP build="whole" bldLvl="1" animBg="1" rev="0" advAuto="0" spid="94" grpId="19"/>
+      <p:bldP build="whole" bldLvl="1" animBg="1" rev="0" advAuto="0" spid="97" grpId="24"/>
+      <p:bldP build="whole" bldLvl="1" animBg="1" rev="0" advAuto="0" spid="98" grpId="38"/>
+      <p:bldP build="whole" bldLvl="1" animBg="1" rev="0" advAuto="0" spid="107" grpId="1"/>
       <p:bldP build="whole" bldLvl="1" animBg="1" rev="0" advAuto="0" spid="88" grpId="9"/>
-      <p:bldP build="whole" bldLvl="1" animBg="1" rev="0" advAuto="0" spid="97" grpId="24"/>
-      <p:bldP build="whole" bldLvl="1" animBg="1" rev="0" advAuto="0" spid="109" grpId="10"/>
-      <p:bldP build="whole" bldLvl="1" animBg="1" rev="0" advAuto="0" spid="89" grpId="13"/>
-      <p:bldP build="whole" bldLvl="1" animBg="1" rev="0" advAuto="0" spid="112" grpId="33"/>
-      <p:bldP build="whole" bldLvl="1" animBg="1" rev="0" advAuto="0" spid="98" grpId="38"/>
-      <p:bldP build="whole" bldLvl="1" animBg="1" rev="0" advAuto="0" spid="111" grpId="20"/>
-      <p:bldP build="whole" bldLvl="1" animBg="1" rev="0" advAuto="0" spid="107" grpId="1"/>
-      <p:bldP build="whole" bldLvl="1" animBg="1" rev="0" advAuto="0" spid="90" grpId="12"/>
-      <p:bldP build="whole" bldLvl="1" animBg="1" rev="0" advAuto="0" spid="102" grpId="34"/>
       <p:bldP build="whole" bldLvl="1" animBg="1" rev="0" advAuto="0" spid="114" grpId="42"/>
-      <p:bldP build="whole" bldLvl="1" animBg="1" rev="0" advAuto="0" spid="116" grpId="44"/>
-      <p:bldP build="whole" bldLvl="1" animBg="1" rev="0" advAuto="0" spid="106" grpId="36"/>
+      <p:bldP build="whole" bldLvl="1" animBg="1" rev="0" advAuto="0" spid="83" grpId="8"/>
+      <p:bldP build="whole" bldLvl="1" animBg="1" rev="0" advAuto="0" spid="96" grpId="16"/>
+      <p:bldP build="whole" bldLvl="1" animBg="1" rev="0" advAuto="0" spid="99" grpId="21"/>
+      <p:bldP build="whole" bldLvl="1" animBg="1" rev="0" advAuto="0" spid="95" grpId="18"/>
+      <p:bldP build="whole" bldLvl="1" animBg="1" rev="0" advAuto="0" spid="91" grpId="11"/>
+      <p:bldP build="whole" bldLvl="1" animBg="1" rev="0" advAuto="0" spid="113" grpId="28"/>
       <p:bldP build="whole" bldLvl="1" animBg="1" rev="0" advAuto="0" spid="101" grpId="27"/>
-      <p:bldP build="whole" bldLvl="1" animBg="1" rev="0" advAuto="0" spid="97" grpId="40"/>
-      <p:bldP build="whole" bldLvl="1" animBg="1" rev="0" advAuto="0" spid="95" grpId="18"/>
-      <p:bldP build="whole" bldLvl="1" animBg="1" rev="0" advAuto="0" spid="101" grpId="35"/>
-      <p:bldP build="whole" bldLvl="1" animBg="1" rev="0" advAuto="0" spid="83" grpId="8"/>
-      <p:bldP build="whole" bldLvl="1" animBg="1" rev="0" advAuto="0" spid="84" grpId="3"/>
-      <p:bldP build="whole" bldLvl="1" animBg="1" rev="0" advAuto="0" spid="117" grpId="45"/>
-      <p:bldP build="whole" bldLvl="1" animBg="1" rev="0" advAuto="0" spid="100" grpId="23"/>
-      <p:bldP build="whole" bldLvl="1" animBg="1" rev="0" advAuto="0" spid="110" grpId="15"/>
-      <p:bldP build="whole" bldLvl="1" animBg="1" rev="0" advAuto="0" spid="105" grpId="32"/>
-      <p:bldP build="whole" bldLvl="1" animBg="1" rev="0" advAuto="0" spid="96" grpId="16"/>
       <p:bldP build="whole" bldLvl="1" animBg="1" rev="0" advAuto="0" spid="113" grpId="31"/>
-      <p:bldP build="whole" bldLvl="1" animBg="1" rev="0" advAuto="0" spid="92" grpId="14"/>
-      <p:bldP build="whole" bldLvl="1" animBg="1" rev="0" advAuto="0" spid="113" grpId="28"/>
-      <p:bldP build="whole" bldLvl="1" animBg="1" rev="0" advAuto="0" spid="115" grpId="43"/>
-      <p:bldP build="whole" bldLvl="1" animBg="1" rev="0" advAuto="0" spid="99" grpId="21"/>
-      <p:bldP build="whole" bldLvl="1" animBg="1" rev="0" advAuto="0" spid="103" grpId="29"/>
-      <p:bldP build="whole" bldLvl="1" animBg="1" rev="0" advAuto="0" spid="104" grpId="30"/>
-      <p:bldP build="whole" bldLvl="1" animBg="1" rev="0" advAuto="0" spid="87" grpId="6"/>
-      <p:bldP build="whole" bldLvl="1" animBg="1" rev="0" advAuto="0" spid="100" grpId="39"/>
-      <p:bldP build="whole" bldLvl="1" animBg="1" rev="0" advAuto="0" spid="82" grpId="2"/>
-      <p:bldP build="whole" bldLvl="1" animBg="1" rev="0" advAuto="0" spid="91" grpId="11"/>
-      <p:bldP build="whole" bldLvl="1" animBg="1" rev="0" advAuto="0" spid="85" grpId="7"/>
-      <p:bldP build="whole" bldLvl="1" animBg="1" rev="0" advAuto="0" spid="93" grpId="17"/>
-      <p:bldP build="whole" bldLvl="1" animBg="1" rev="0" advAuto="0" spid="98" grpId="22"/>
-      <p:bldP build="whole" bldLvl="1" animBg="1" rev="0" advAuto="0" spid="94" grpId="19"/>
-      <p:bldP build="whole" bldLvl="1" animBg="1" rev="0" advAuto="0" spid="86" grpId="4"/>
-      <p:bldP build="whole" bldLvl="1" animBg="1" rev="0" advAuto="0" spid="99" grpId="37"/>
-      <p:bldP build="whole" bldLvl="1" animBg="1" rev="0" advAuto="0" spid="108" grpId="5"/>
-      <p:bldP build="whole" bldLvl="1" animBg="1" rev="0" advAuto="0" spid="112" grpId="25"/>
     </p:bldLst>
   </p:timing>
 </p:sld>
@@ -21577,11 +21580,11 @@
       </p:par>
     </p:tnLst>
     <p:bldLst>
-      <p:bldP build="whole" bldLvl="1" animBg="1" rev="0" advAuto="0" spid="164" grpId="4"/>
-      <p:bldP build="whole" bldLvl="1" animBg="1" rev="0" advAuto="0" spid="156" grpId="1"/>
-      <p:bldP build="whole" bldLvl="1" animBg="1" rev="0" advAuto="0" spid="163" grpId="3"/>
       <p:bldP build="whole" bldLvl="1" animBg="1" rev="0" advAuto="0" spid="162" grpId="2"/>
       <p:bldP build="whole" bldLvl="1" animBg="1" rev="0" advAuto="0" spid="165" grpId="5"/>
+      <p:bldP build="whole" bldLvl="1" animBg="1" rev="0" advAuto="0" spid="163" grpId="3"/>
+      <p:bldP build="whole" bldLvl="1" animBg="1" rev="0" advAuto="0" spid="156" grpId="1"/>
+      <p:bldP build="whole" bldLvl="1" animBg="1" rev="0" advAuto="0" spid="164" grpId="4"/>
     </p:bldLst>
   </p:timing>
 </p:sld>
@@ -29965,16 +29968,16 @@
       </p:par>
     </p:tnLst>
     <p:bldLst>
+      <p:bldP build="whole" bldLvl="1" animBg="1" rev="0" advAuto="0" spid="194" grpId="7"/>
+      <p:bldP build="whole" bldLvl="1" animBg="1" rev="0" advAuto="0" spid="189" grpId="2"/>
       <p:bldP build="whole" bldLvl="1" animBg="1" rev="0" advAuto="0" spid="191" grpId="4"/>
+      <p:bldP build="whole" bldLvl="1" animBg="1" rev="0" advAuto="0" spid="192" grpId="5"/>
+      <p:bldP build="whole" bldLvl="1" animBg="1" rev="0" advAuto="0" spid="193" grpId="6"/>
+      <p:bldP build="whole" bldLvl="1" animBg="1" rev="0" advAuto="0" spid="195" grpId="8"/>
+      <p:bldP build="whole" bldLvl="1" animBg="1" rev="0" advAuto="0" spid="188" grpId="1"/>
+      <p:bldP build="whole" bldLvl="1" animBg="1" rev="0" advAuto="0" spid="190" grpId="3"/>
       <p:bldP build="whole" bldLvl="1" animBg="1" rev="0" advAuto="0" spid="196" grpId="9"/>
-      <p:bldP build="whole" bldLvl="1" animBg="1" rev="0" advAuto="0" spid="189" grpId="2"/>
-      <p:bldP build="whole" bldLvl="1" animBg="1" rev="0" advAuto="0" spid="188" grpId="1"/>
-      <p:bldP build="whole" bldLvl="1" animBg="1" rev="0" advAuto="0" spid="194" grpId="7"/>
-      <p:bldP build="whole" bldLvl="1" animBg="1" rev="0" advAuto="0" spid="192" grpId="5"/>
-      <p:bldP build="whole" bldLvl="1" animBg="1" rev="0" advAuto="0" spid="190" grpId="3"/>
       <p:bldP build="whole" bldLvl="1" animBg="1" rev="0" advAuto="0" spid="171" grpId="10"/>
-      <p:bldP build="whole" bldLvl="1" animBg="1" rev="0" advAuto="0" spid="195" grpId="8"/>
-      <p:bldP build="whole" bldLvl="1" animBg="1" rev="0" advAuto="0" spid="193" grpId="6"/>
     </p:bldLst>
   </p:timing>
 </p:sld>
@@ -36571,38 +36574,38 @@
       </p:par>
     </p:tnLst>
     <p:bldLst>
+      <p:bldP build="whole" bldLvl="1" animBg="1" rev="0" advAuto="0" spid="226" grpId="26"/>
+      <p:bldP build="whole" bldLvl="1" animBg="1" rev="0" advAuto="0" spid="228" grpId="32"/>
+      <p:bldP build="whole" bldLvl="1" animBg="1" rev="0" advAuto="0" spid="224" grpId="16"/>
+      <p:bldP build="whole" bldLvl="1" animBg="1" rev="0" advAuto="0" spid="241" grpId="20"/>
+      <p:bldP build="whole" bldLvl="1" animBg="1" rev="0" advAuto="0" spid="251" grpId="28"/>
+      <p:bldP build="whole" bldLvl="1" animBg="1" rev="0" advAuto="0" spid="247" grpId="23"/>
+      <p:bldP build="whole" bldLvl="1" animBg="1" rev="0" advAuto="0" spid="237" grpId="12"/>
+      <p:bldP build="whole" bldLvl="1" animBg="1" rev="0" advAuto="0" spid="240" grpId="17"/>
+      <p:bldP build="whole" bldLvl="1" animBg="1" rev="0" advAuto="0" spid="222" grpId="6"/>
+      <p:bldP build="whole" bldLvl="1" animBg="1" rev="0" advAuto="0" spid="225" grpId="21"/>
+      <p:bldP build="whole" bldLvl="1" animBg="1" rev="0" advAuto="0" spid="221" grpId="2"/>
+      <p:bldP build="whole" bldLvl="1" animBg="1" rev="0" advAuto="0" spid="244" grpId="22"/>
+      <p:bldP build="whole" bldLvl="1" animBg="1" rev="0" advAuto="0" spid="246" grpId="25"/>
+      <p:bldP build="whole" bldLvl="1" animBg="1" rev="0" advAuto="0" spid="223" grpId="11"/>
+      <p:bldP build="whole" bldLvl="1" animBg="1" rev="0" advAuto="0" spid="235" grpId="10"/>
+      <p:bldP build="whole" bldLvl="1" animBg="1" rev="0" advAuto="0" spid="230" grpId="5"/>
+      <p:bldP build="whole" bldLvl="1" animBg="1" rev="0" advAuto="0" spid="232" grpId="9"/>
+      <p:bldP build="whole" bldLvl="1" animBg="1" rev="0" advAuto="0" spid="248" grpId="27"/>
+      <p:bldP build="whole" bldLvl="1" animBg="1" rev="0" advAuto="0" spid="249" grpId="29"/>
+      <p:bldP build="whole" bldLvl="1" animBg="1" rev="0" advAuto="0" spid="245" grpId="24"/>
+      <p:bldP build="whole" bldLvl="1" animBg="1" rev="0" advAuto="0" spid="250" grpId="30"/>
+      <p:bldP build="whole" bldLvl="1" animBg="1" rev="0" advAuto="0" spid="236" grpId="15"/>
+      <p:bldP build="whole" bldLvl="1" animBg="1" rev="0" advAuto="0" spid="227" grpId="31"/>
+      <p:bldP build="whole" bldLvl="1" animBg="1" rev="0" advAuto="0" spid="243" grpId="19"/>
+      <p:bldP build="whole" bldLvl="1" animBg="1" rev="0" advAuto="0" spid="229" grpId="4"/>
+      <p:bldP build="whole" bldLvl="1" animBg="1" rev="0" advAuto="0" spid="233" grpId="8"/>
       <p:bldP build="whole" bldLvl="1" animBg="1" rev="0" advAuto="0" spid="220" grpId="1"/>
-      <p:bldP build="whole" bldLvl="1" animBg="1" rev="0" advAuto="0" spid="232" grpId="9"/>
+      <p:bldP build="whole" bldLvl="1" animBg="1" rev="0" advAuto="0" spid="239" grpId="14"/>
+      <p:bldP build="whole" bldLvl="1" animBg="1" rev="0" advAuto="0" spid="231" grpId="3"/>
       <p:bldP build="whole" bldLvl="1" animBg="1" rev="0" advAuto="0" spid="238" grpId="13"/>
-      <p:bldP build="whole" bldLvl="1" animBg="1" rev="0" advAuto="0" spid="223" grpId="11"/>
-      <p:bldP build="whole" bldLvl="1" animBg="1" rev="0" advAuto="0" spid="246" grpId="25"/>
-      <p:bldP build="whole" bldLvl="1" animBg="1" rev="0" advAuto="0" spid="230" grpId="5"/>
-      <p:bldP build="whole" bldLvl="1" animBg="1" rev="0" advAuto="0" spid="237" grpId="12"/>
-      <p:bldP build="whole" bldLvl="1" animBg="1" rev="0" advAuto="0" spid="239" grpId="14"/>
-      <p:bldP build="whole" bldLvl="1" animBg="1" rev="0" advAuto="0" spid="241" grpId="20"/>
-      <p:bldP build="whole" bldLvl="1" animBg="1" rev="0" advAuto="0" spid="244" grpId="22"/>
-      <p:bldP build="whole" bldLvl="1" animBg="1" rev="0" advAuto="0" spid="240" grpId="17"/>
-      <p:bldP build="whole" bldLvl="1" animBg="1" rev="0" advAuto="0" spid="249" grpId="29"/>
-      <p:bldP build="whole" bldLvl="1" animBg="1" rev="0" advAuto="0" spid="225" grpId="21"/>
-      <p:bldP build="whole" bldLvl="1" animBg="1" rev="0" advAuto="0" spid="229" grpId="4"/>
-      <p:bldP build="whole" bldLvl="1" animBg="1" rev="0" advAuto="0" spid="227" grpId="31"/>
-      <p:bldP build="whole" bldLvl="1" animBg="1" rev="0" advAuto="0" spid="228" grpId="32"/>
-      <p:bldP build="whole" bldLvl="1" animBg="1" rev="0" advAuto="0" spid="251" grpId="28"/>
-      <p:bldP build="whole" bldLvl="1" animBg="1" rev="0" advAuto="0" spid="248" grpId="27"/>
-      <p:bldP build="whole" bldLvl="1" animBg="1" rev="0" advAuto="0" spid="224" grpId="16"/>
-      <p:bldP build="whole" bldLvl="1" animBg="1" rev="0" advAuto="0" spid="247" grpId="23"/>
-      <p:bldP build="whole" bldLvl="1" animBg="1" rev="0" advAuto="0" spid="233" grpId="8"/>
-      <p:bldP build="whole" bldLvl="1" animBg="1" rev="0" advAuto="0" spid="235" grpId="10"/>
-      <p:bldP build="whole" bldLvl="1" animBg="1" rev="0" advAuto="0" spid="250" grpId="30"/>
-      <p:bldP build="whole" bldLvl="1" animBg="1" rev="0" advAuto="0" spid="231" grpId="3"/>
-      <p:bldP build="whole" bldLvl="1" animBg="1" rev="0" advAuto="0" spid="245" grpId="24"/>
       <p:bldP build="whole" bldLvl="1" animBg="1" rev="0" advAuto="0" spid="242" grpId="18"/>
-      <p:bldP build="whole" bldLvl="1" animBg="1" rev="0" advAuto="0" spid="243" grpId="19"/>
-      <p:bldP build="whole" bldLvl="1" animBg="1" rev="0" advAuto="0" spid="226" grpId="26"/>
       <p:bldP build="whole" bldLvl="1" animBg="1" rev="0" advAuto="0" spid="234" grpId="7"/>
-      <p:bldP build="whole" bldLvl="1" animBg="1" rev="0" advAuto="0" spid="222" grpId="6"/>
-      <p:bldP build="whole" bldLvl="1" animBg="1" rev="0" advAuto="0" spid="221" grpId="2"/>
-      <p:bldP build="whole" bldLvl="1" animBg="1" rev="0" advAuto="0" spid="236" grpId="15"/>
     </p:bldLst>
   </p:timing>
 </p:sld>
@@ -39386,26 +39389,26 @@
       </p:par>
     </p:tnLst>
     <p:bldLst>
-      <p:bldP build="whole" bldLvl="1" animBg="1" rev="0" advAuto="0" spid="290" grpId="4"/>
-      <p:bldP build="p" bldLvl="5" animBg="1" rev="0" advAuto="0" spid="282" grpId="9"/>
-      <p:bldP build="whole" bldLvl="1" animBg="1" rev="0" advAuto="0" spid="275" grpId="17"/>
-      <p:bldP build="whole" bldLvl="1" animBg="1" rev="0" advAuto="0" spid="277" grpId="16"/>
-      <p:bldP build="whole" bldLvl="1" animBg="1" rev="0" advAuto="0" spid="276" grpId="7"/>
-      <p:bldP build="whole" bldLvl="1" animBg="1" rev="0" advAuto="0" spid="276" grpId="14"/>
-      <p:bldP build="whole" bldLvl="1" animBg="1" rev="0" advAuto="0" spid="281" grpId="6"/>
-      <p:bldP build="p" bldLvl="5" animBg="1" rev="0" advAuto="0" spid="283" grpId="12"/>
       <p:bldP build="p" bldLvl="5" animBg="1" rev="0" advAuto="0" spid="286" grpId="19"/>
       <p:bldP build="whole" bldLvl="1" animBg="1" rev="0" advAuto="0" spid="285" grpId="18"/>
+      <p:bldP build="p" bldLvl="5" animBg="1" rev="0" advAuto="0" spid="287" grpId="20"/>
+      <p:bldP build="whole" bldLvl="1" animBg="1" rev="0" advAuto="0" spid="288" grpId="3"/>
+      <p:bldP build="p" bldLvl="5" animBg="1" rev="0" advAuto="0" spid="283" grpId="12"/>
+      <p:bldP build="whole" bldLvl="1" animBg="1" rev="0" advAuto="0" spid="278" grpId="15"/>
       <p:bldP build="whole" bldLvl="1" animBg="1" rev="0" advAuto="0" spid="284" grpId="11"/>
+      <p:bldP build="whole" bldLvl="1" animBg="1" rev="0" advAuto="0" spid="276" grpId="7"/>
       <p:bldP build="whole" bldLvl="1" animBg="1" rev="0" advAuto="0" spid="284" grpId="13"/>
-      <p:bldP build="p" bldLvl="5" animBg="1" rev="0" advAuto="0" spid="287" grpId="20"/>
-      <p:bldP build="whole" bldLvl="1" animBg="1" rev="0" advAuto="0" spid="278" grpId="15"/>
+      <p:bldP build="whole" bldLvl="1" animBg="1" rev="0" advAuto="0" spid="290" grpId="4"/>
+      <p:bldP build="whole" bldLvl="1" animBg="1" rev="0" advAuto="0" spid="289" grpId="2"/>
+      <p:bldP build="p" bldLvl="5" animBg="1" rev="0" advAuto="0" spid="282" grpId="9"/>
       <p:bldP build="whole" bldLvl="1" animBg="1" rev="0" advAuto="0" spid="280" grpId="5"/>
+      <p:bldP build="whole" bldLvl="1" animBg="1" rev="0" advAuto="0" spid="276" grpId="14"/>
+      <p:bldP build="whole" bldLvl="1" animBg="1" rev="0" advAuto="0" spid="277" grpId="16"/>
+      <p:bldP build="whole" bldLvl="1" animBg="1" rev="0" advAuto="0" spid="275" grpId="17"/>
+      <p:bldP build="whole" bldLvl="1" animBg="1" rev="0" advAuto="0" spid="279" grpId="8"/>
       <p:bldP build="p" bldLvl="5" animBg="1" rev="0" advAuto="0" spid="267" grpId="1"/>
-      <p:bldP build="whole" bldLvl="1" animBg="1" rev="0" advAuto="0" spid="289" grpId="2"/>
-      <p:bldP build="whole" bldLvl="1" animBg="1" rev="0" advAuto="0" spid="279" grpId="8"/>
       <p:bldP build="whole" bldLvl="1" animBg="1" rev="0" advAuto="0" spid="279" grpId="10"/>
-      <p:bldP build="whole" bldLvl="1" animBg="1" rev="0" advAuto="0" spid="288" grpId="3"/>
+      <p:bldP build="whole" bldLvl="1" animBg="1" rev="0" advAuto="0" spid="281" grpId="6"/>
     </p:bldLst>
   </p:timing>
 </p:sld>

--- a/Slides-RPR/2019-H1-DAA-L41-BackTrack-Intro.pptx
+++ b/Slides-RPR/2019-H1-DAA-L41-BackTrack-Intro.pptx
@@ -1112,47 +1112,7 @@
       </p:sp>
       <p:sp>
         <p:nvSpPr>
-          <p:cNvPr id="5" name="DAA/Dynamic Programming"/>
-          <p:cNvSpPr txBox="1"/>
-          <p:nvPr/>
-        </p:nvSpPr>
-        <p:spPr>
-          <a:xfrm>
-            <a:off x="423212" y="6963885"/>
-            <a:ext cx="3769679" cy="431552"/>
-          </a:xfrm>
-          <a:prstGeom prst="rect">
-            <a:avLst/>
-          </a:prstGeom>
-          <a:ln w="12700">
-            <a:miter lim="400000"/>
-          </a:ln>
-          <a:extLst>
-            <a:ext uri="{C572A759-6A51-4108-AA02-DFA0A04FC94B}">
-              <ma14:wrappingTextBoxFlag xmlns:ma14="http://schemas.microsoft.com/office/mac/drawingml/2011/main" val="1"/>
-            </a:ext>
-          </a:extLst>
-        </p:spPr>
-        <p:txBody>
-          <a:bodyPr wrap="none" lIns="50800" tIns="50800" rIns="50800" bIns="50800" anchor="ctr">
-            <a:spAutoFit/>
-          </a:bodyPr>
-          <a:lstStyle>
-            <a:lvl1pPr>
-              <a:defRPr sz="2400"/>
-            </a:lvl1pPr>
-          </a:lstStyle>
-          <a:p>
-            <a:pPr/>
-            <a:r>
-              <a:t>DAA/Dynamic Programming</a:t>
-            </a:r>
-          </a:p>
-        </p:txBody>
-      </p:sp>
-      <p:sp>
-        <p:nvSpPr>
-          <p:cNvPr id="6" name="RPR/"/>
+          <p:cNvPr id="5" name="RPR/"/>
           <p:cNvSpPr txBox="1"/>
           <p:nvPr/>
         </p:nvSpPr>
@@ -1186,6 +1146,46 @@
             <a:pPr/>
             <a:r>
               <a:t>RPR/</a:t>
+            </a:r>
+          </a:p>
+        </p:txBody>
+      </p:sp>
+      <p:sp>
+        <p:nvSpPr>
+          <p:cNvPr id="6" name="DAA/Backtracking, Branch&amp;Bound, NP-Complete"/>
+          <p:cNvSpPr txBox="1"/>
+          <p:nvPr/>
+        </p:nvSpPr>
+        <p:spPr>
+          <a:xfrm>
+            <a:off x="215739" y="6963885"/>
+            <a:ext cx="6436083" cy="431552"/>
+          </a:xfrm>
+          <a:prstGeom prst="rect">
+            <a:avLst/>
+          </a:prstGeom>
+          <a:ln w="12700">
+            <a:miter lim="400000"/>
+          </a:ln>
+          <a:extLst>
+            <a:ext uri="{C572A759-6A51-4108-AA02-DFA0A04FC94B}">
+              <ma14:wrappingTextBoxFlag xmlns:ma14="http://schemas.microsoft.com/office/mac/drawingml/2011/main" val="1"/>
+            </a:ext>
+          </a:extLst>
+        </p:spPr>
+        <p:txBody>
+          <a:bodyPr wrap="none" lIns="50800" tIns="50800" rIns="50800" bIns="50800" anchor="ctr">
+            <a:spAutoFit/>
+          </a:bodyPr>
+          <a:lstStyle>
+            <a:lvl1pPr>
+              <a:defRPr sz="2400"/>
+            </a:lvl1pPr>
+          </a:lstStyle>
+          <a:p>
+            <a:pPr/>
+            <a:r>
+              <a:t>DAA/Backtracking, Branch&amp;Bound, NP-Complete</a:t>
             </a:r>
           </a:p>
         </p:txBody>
@@ -2226,47 +2226,7 @@
       </p:sp>
       <p:sp>
         <p:nvSpPr>
-          <p:cNvPr id="43" name="DAA/Dynamic Programming"/>
-          <p:cNvSpPr txBox="1"/>
-          <p:nvPr/>
-        </p:nvSpPr>
-        <p:spPr>
-          <a:xfrm>
-            <a:off x="423212" y="6963885"/>
-            <a:ext cx="3769679" cy="431552"/>
-          </a:xfrm>
-          <a:prstGeom prst="rect">
-            <a:avLst/>
-          </a:prstGeom>
-          <a:ln w="12700">
-            <a:miter lim="400000"/>
-          </a:ln>
-          <a:extLst>
-            <a:ext uri="{C572A759-6A51-4108-AA02-DFA0A04FC94B}">
-              <ma14:wrappingTextBoxFlag xmlns:ma14="http://schemas.microsoft.com/office/mac/drawingml/2011/main" val="1"/>
-            </a:ext>
-          </a:extLst>
-        </p:spPr>
-        <p:txBody>
-          <a:bodyPr wrap="none" lIns="50800" tIns="50800" rIns="50800" bIns="50800" anchor="ctr">
-            <a:spAutoFit/>
-          </a:bodyPr>
-          <a:lstStyle>
-            <a:lvl1pPr>
-              <a:defRPr sz="2400"/>
-            </a:lvl1pPr>
-          </a:lstStyle>
-          <a:p>
-            <a:pPr/>
-            <a:r>
-              <a:t>DAA/Dynamic Programming</a:t>
-            </a:r>
-          </a:p>
-        </p:txBody>
-      </p:sp>
-      <p:sp>
-        <p:nvSpPr>
-          <p:cNvPr id="44" name="RPR/"/>
+          <p:cNvPr id="43" name="RPR/"/>
           <p:cNvSpPr txBox="1"/>
           <p:nvPr/>
         </p:nvSpPr>
@@ -2306,7 +2266,7 @@
       </p:sp>
       <p:sp>
         <p:nvSpPr>
-          <p:cNvPr id="45" name="Dr. Ram P Rustagi…"/>
+          <p:cNvPr id="44" name="Dr. Ram P Rustagi…"/>
           <p:cNvSpPr txBox="1"/>
           <p:nvPr>
             <p:ph type="body" sz="quarter" idx="1"/>
@@ -2451,6 +2411,46 @@
           </a:p>
         </p:txBody>
       </p:sp>
+      <p:sp>
+        <p:nvSpPr>
+          <p:cNvPr id="45" name="DAA/Backtracking, Branch&amp;Bound, NP-Complete"/>
+          <p:cNvSpPr txBox="1"/>
+          <p:nvPr/>
+        </p:nvSpPr>
+        <p:spPr>
+          <a:xfrm>
+            <a:off x="215739" y="6963885"/>
+            <a:ext cx="6436083" cy="431552"/>
+          </a:xfrm>
+          <a:prstGeom prst="rect">
+            <a:avLst/>
+          </a:prstGeom>
+          <a:ln w="12700">
+            <a:miter lim="400000"/>
+          </a:ln>
+          <a:extLst>
+            <a:ext uri="{C572A759-6A51-4108-AA02-DFA0A04FC94B}">
+              <ma14:wrappingTextBoxFlag xmlns:ma14="http://schemas.microsoft.com/office/mac/drawingml/2011/main" val="1"/>
+            </a:ext>
+          </a:extLst>
+        </p:spPr>
+        <p:txBody>
+          <a:bodyPr wrap="none" lIns="50800" tIns="50800" rIns="50800" bIns="50800" anchor="ctr">
+            <a:spAutoFit/>
+          </a:bodyPr>
+          <a:lstStyle>
+            <a:lvl1pPr>
+              <a:defRPr sz="2400"/>
+            </a:lvl1pPr>
+          </a:lstStyle>
+          <a:p>
+            <a:pPr/>
+            <a:r>
+              <a:t>DAA/Backtracking, Branch&amp;Bound, NP-Complete</a:t>
+            </a:r>
+          </a:p>
+        </p:txBody>
+      </p:sp>
     </p:spTree>
   </p:cSld>
   <p:clrMapOvr>
@@ -2771,47 +2771,7 @@
       </p:sp>
       <p:sp>
         <p:nvSpPr>
-          <p:cNvPr id="301" name="DAA/Dynamic Programming"/>
-          <p:cNvSpPr txBox="1"/>
-          <p:nvPr/>
-        </p:nvSpPr>
-        <p:spPr>
-          <a:xfrm>
-            <a:off x="423212" y="6963885"/>
-            <a:ext cx="3769679" cy="431552"/>
-          </a:xfrm>
-          <a:prstGeom prst="rect">
-            <a:avLst/>
-          </a:prstGeom>
-          <a:ln w="12700">
-            <a:miter lim="400000"/>
-          </a:ln>
-          <a:extLst>
-            <a:ext uri="{C572A759-6A51-4108-AA02-DFA0A04FC94B}">
-              <ma14:wrappingTextBoxFlag xmlns:ma14="http://schemas.microsoft.com/office/mac/drawingml/2011/main" val="1"/>
-            </a:ext>
-          </a:extLst>
-        </p:spPr>
-        <p:txBody>
-          <a:bodyPr wrap="none" lIns="50800" tIns="50800" rIns="50800" bIns="50800" anchor="ctr">
-            <a:spAutoFit/>
-          </a:bodyPr>
-          <a:lstStyle>
-            <a:lvl1pPr>
-              <a:defRPr sz="2400"/>
-            </a:lvl1pPr>
-          </a:lstStyle>
-          <a:p>
-            <a:pPr/>
-            <a:r>
-              <a:t>DAA/Dynamic Programming</a:t>
-            </a:r>
-          </a:p>
-        </p:txBody>
-      </p:sp>
-      <p:sp>
-        <p:nvSpPr>
-          <p:cNvPr id="302" name="RPR/"/>
+          <p:cNvPr id="301" name="RPR/"/>
           <p:cNvSpPr txBox="1"/>
           <p:nvPr/>
         </p:nvSpPr>
@@ -2845,6 +2805,46 @@
             <a:pPr/>
             <a:r>
               <a:t>RPR/</a:t>
+            </a:r>
+          </a:p>
+        </p:txBody>
+      </p:sp>
+      <p:sp>
+        <p:nvSpPr>
+          <p:cNvPr id="302" name="DAA/Backtracking, Branch&amp;Bound, NP-Complete"/>
+          <p:cNvSpPr txBox="1"/>
+          <p:nvPr/>
+        </p:nvSpPr>
+        <p:spPr>
+          <a:xfrm>
+            <a:off x="215739" y="6963885"/>
+            <a:ext cx="6436083" cy="431552"/>
+          </a:xfrm>
+          <a:prstGeom prst="rect">
+            <a:avLst/>
+          </a:prstGeom>
+          <a:ln w="12700">
+            <a:miter lim="400000"/>
+          </a:ln>
+          <a:extLst>
+            <a:ext uri="{C572A759-6A51-4108-AA02-DFA0A04FC94B}">
+              <ma14:wrappingTextBoxFlag xmlns:ma14="http://schemas.microsoft.com/office/mac/drawingml/2011/main" val="1"/>
+            </a:ext>
+          </a:extLst>
+        </p:spPr>
+        <p:txBody>
+          <a:bodyPr wrap="none" lIns="50800" tIns="50800" rIns="50800" bIns="50800" anchor="ctr">
+            <a:spAutoFit/>
+          </a:bodyPr>
+          <a:lstStyle>
+            <a:lvl1pPr>
+              <a:defRPr sz="2400"/>
+            </a:lvl1pPr>
+          </a:lstStyle>
+          <a:p>
+            <a:pPr/>
+            <a:r>
+              <a:t>DAA/Backtracking, Branch&amp;Bound, NP-Complete</a:t>
             </a:r>
           </a:p>
         </p:txBody>
@@ -3733,47 +3733,7 @@
       </p:sp>
       <p:sp>
         <p:nvSpPr>
-          <p:cNvPr id="307" name="DAA/Dynamic Programming"/>
-          <p:cNvSpPr txBox="1"/>
-          <p:nvPr/>
-        </p:nvSpPr>
-        <p:spPr>
-          <a:xfrm>
-            <a:off x="423212" y="6963885"/>
-            <a:ext cx="3769679" cy="431552"/>
-          </a:xfrm>
-          <a:prstGeom prst="rect">
-            <a:avLst/>
-          </a:prstGeom>
-          <a:ln w="12700">
-            <a:miter lim="400000"/>
-          </a:ln>
-          <a:extLst>
-            <a:ext uri="{C572A759-6A51-4108-AA02-DFA0A04FC94B}">
-              <ma14:wrappingTextBoxFlag xmlns:ma14="http://schemas.microsoft.com/office/mac/drawingml/2011/main" val="1"/>
-            </a:ext>
-          </a:extLst>
-        </p:spPr>
-        <p:txBody>
-          <a:bodyPr wrap="none" lIns="50800" tIns="50800" rIns="50800" bIns="50800" anchor="ctr">
-            <a:spAutoFit/>
-          </a:bodyPr>
-          <a:lstStyle>
-            <a:lvl1pPr>
-              <a:defRPr sz="2400"/>
-            </a:lvl1pPr>
-          </a:lstStyle>
-          <a:p>
-            <a:pPr/>
-            <a:r>
-              <a:t>DAA/Dynamic Programming</a:t>
-            </a:r>
-          </a:p>
-        </p:txBody>
-      </p:sp>
-      <p:sp>
-        <p:nvSpPr>
-          <p:cNvPr id="308" name="RPR/"/>
+          <p:cNvPr id="307" name="RPR/"/>
           <p:cNvSpPr txBox="1"/>
           <p:nvPr/>
         </p:nvSpPr>
@@ -3807,6 +3767,46 @@
             <a:pPr/>
             <a:r>
               <a:t>RPR/</a:t>
+            </a:r>
+          </a:p>
+        </p:txBody>
+      </p:sp>
+      <p:sp>
+        <p:nvSpPr>
+          <p:cNvPr id="308" name="DAA/Backtracking, Branch&amp;Bound, NP-Complete"/>
+          <p:cNvSpPr txBox="1"/>
+          <p:nvPr/>
+        </p:nvSpPr>
+        <p:spPr>
+          <a:xfrm>
+            <a:off x="215739" y="6963885"/>
+            <a:ext cx="6436083" cy="431552"/>
+          </a:xfrm>
+          <a:prstGeom prst="rect">
+            <a:avLst/>
+          </a:prstGeom>
+          <a:ln w="12700">
+            <a:miter lim="400000"/>
+          </a:ln>
+          <a:extLst>
+            <a:ext uri="{C572A759-6A51-4108-AA02-DFA0A04FC94B}">
+              <ma14:wrappingTextBoxFlag xmlns:ma14="http://schemas.microsoft.com/office/mac/drawingml/2011/main" val="1"/>
+            </a:ext>
+          </a:extLst>
+        </p:spPr>
+        <p:txBody>
+          <a:bodyPr wrap="none" lIns="50800" tIns="50800" rIns="50800" bIns="50800" anchor="ctr">
+            <a:spAutoFit/>
+          </a:bodyPr>
+          <a:lstStyle>
+            <a:lvl1pPr>
+              <a:defRPr sz="2400"/>
+            </a:lvl1pPr>
+          </a:lstStyle>
+          <a:p>
+            <a:pPr/>
+            <a:r>
+              <a:t>DAA/Backtracking, Branch&amp;Bound, NP-Complete</a:t>
             </a:r>
           </a:p>
         </p:txBody>
@@ -5026,47 +5026,7 @@
       </p:sp>
       <p:sp>
         <p:nvSpPr>
-          <p:cNvPr id="313" name="DAA/Dynamic Programming"/>
-          <p:cNvSpPr txBox="1"/>
-          <p:nvPr/>
-        </p:nvSpPr>
-        <p:spPr>
-          <a:xfrm>
-            <a:off x="423212" y="6963885"/>
-            <a:ext cx="3769679" cy="431552"/>
-          </a:xfrm>
-          <a:prstGeom prst="rect">
-            <a:avLst/>
-          </a:prstGeom>
-          <a:ln w="12700">
-            <a:miter lim="400000"/>
-          </a:ln>
-          <a:extLst>
-            <a:ext uri="{C572A759-6A51-4108-AA02-DFA0A04FC94B}">
-              <ma14:wrappingTextBoxFlag xmlns:ma14="http://schemas.microsoft.com/office/mac/drawingml/2011/main" val="1"/>
-            </a:ext>
-          </a:extLst>
-        </p:spPr>
-        <p:txBody>
-          <a:bodyPr wrap="none" lIns="50800" tIns="50800" rIns="50800" bIns="50800" anchor="ctr">
-            <a:spAutoFit/>
-          </a:bodyPr>
-          <a:lstStyle>
-            <a:lvl1pPr>
-              <a:defRPr sz="2400"/>
-            </a:lvl1pPr>
-          </a:lstStyle>
-          <a:p>
-            <a:pPr/>
-            <a:r>
-              <a:t>DAA/Dynamic Programming</a:t>
-            </a:r>
-          </a:p>
-        </p:txBody>
-      </p:sp>
-      <p:sp>
-        <p:nvSpPr>
-          <p:cNvPr id="314" name="RPR/"/>
+          <p:cNvPr id="313" name="RPR/"/>
           <p:cNvSpPr txBox="1"/>
           <p:nvPr/>
         </p:nvSpPr>
@@ -5100,6 +5060,46 @@
             <a:pPr/>
             <a:r>
               <a:t>RPR/</a:t>
+            </a:r>
+          </a:p>
+        </p:txBody>
+      </p:sp>
+      <p:sp>
+        <p:nvSpPr>
+          <p:cNvPr id="314" name="DAA/Backtracking, Branch&amp;Bound, NP-Complete"/>
+          <p:cNvSpPr txBox="1"/>
+          <p:nvPr/>
+        </p:nvSpPr>
+        <p:spPr>
+          <a:xfrm>
+            <a:off x="215739" y="6963885"/>
+            <a:ext cx="6436083" cy="431552"/>
+          </a:xfrm>
+          <a:prstGeom prst="rect">
+            <a:avLst/>
+          </a:prstGeom>
+          <a:ln w="12700">
+            <a:miter lim="400000"/>
+          </a:ln>
+          <a:extLst>
+            <a:ext uri="{C572A759-6A51-4108-AA02-DFA0A04FC94B}">
+              <ma14:wrappingTextBoxFlag xmlns:ma14="http://schemas.microsoft.com/office/mac/drawingml/2011/main" val="1"/>
+            </a:ext>
+          </a:extLst>
+        </p:spPr>
+        <p:txBody>
+          <a:bodyPr wrap="none" lIns="50800" tIns="50800" rIns="50800" bIns="50800" anchor="ctr">
+            <a:spAutoFit/>
+          </a:bodyPr>
+          <a:lstStyle>
+            <a:lvl1pPr>
+              <a:defRPr sz="2400"/>
+            </a:lvl1pPr>
+          </a:lstStyle>
+          <a:p>
+            <a:pPr/>
+            <a:r>
+              <a:t>DAA/Backtracking, Branch&amp;Bound, NP-Complete</a:t>
             </a:r>
           </a:p>
         </p:txBody>
@@ -6309,47 +6309,7 @@
       </p:sp>
       <p:sp>
         <p:nvSpPr>
-          <p:cNvPr id="319" name="DAA/Dynamic Programming"/>
-          <p:cNvSpPr txBox="1"/>
-          <p:nvPr/>
-        </p:nvSpPr>
-        <p:spPr>
-          <a:xfrm>
-            <a:off x="423212" y="6963885"/>
-            <a:ext cx="3769679" cy="431552"/>
-          </a:xfrm>
-          <a:prstGeom prst="rect">
-            <a:avLst/>
-          </a:prstGeom>
-          <a:ln w="12700">
-            <a:miter lim="400000"/>
-          </a:ln>
-          <a:extLst>
-            <a:ext uri="{C572A759-6A51-4108-AA02-DFA0A04FC94B}">
-              <ma14:wrappingTextBoxFlag xmlns:ma14="http://schemas.microsoft.com/office/mac/drawingml/2011/main" val="1"/>
-            </a:ext>
-          </a:extLst>
-        </p:spPr>
-        <p:txBody>
-          <a:bodyPr wrap="none" lIns="50800" tIns="50800" rIns="50800" bIns="50800" anchor="ctr">
-            <a:spAutoFit/>
-          </a:bodyPr>
-          <a:lstStyle>
-            <a:lvl1pPr>
-              <a:defRPr sz="2400"/>
-            </a:lvl1pPr>
-          </a:lstStyle>
-          <a:p>
-            <a:pPr/>
-            <a:r>
-              <a:t>DAA/Dynamic Programming</a:t>
-            </a:r>
-          </a:p>
-        </p:txBody>
-      </p:sp>
-      <p:sp>
-        <p:nvSpPr>
-          <p:cNvPr id="320" name="RPR/"/>
+          <p:cNvPr id="319" name="RPR/"/>
           <p:cNvSpPr txBox="1"/>
           <p:nvPr/>
         </p:nvSpPr>
@@ -6383,6 +6343,46 @@
             <a:pPr/>
             <a:r>
               <a:t>RPR/</a:t>
+            </a:r>
+          </a:p>
+        </p:txBody>
+      </p:sp>
+      <p:sp>
+        <p:nvSpPr>
+          <p:cNvPr id="320" name="DAA/Backtracking, Branch&amp;Bound, NP-Complete"/>
+          <p:cNvSpPr txBox="1"/>
+          <p:nvPr/>
+        </p:nvSpPr>
+        <p:spPr>
+          <a:xfrm>
+            <a:off x="215739" y="6963885"/>
+            <a:ext cx="6436083" cy="431552"/>
+          </a:xfrm>
+          <a:prstGeom prst="rect">
+            <a:avLst/>
+          </a:prstGeom>
+          <a:ln w="12700">
+            <a:miter lim="400000"/>
+          </a:ln>
+          <a:extLst>
+            <a:ext uri="{C572A759-6A51-4108-AA02-DFA0A04FC94B}">
+              <ma14:wrappingTextBoxFlag xmlns:ma14="http://schemas.microsoft.com/office/mac/drawingml/2011/main" val="1"/>
+            </a:ext>
+          </a:extLst>
+        </p:spPr>
+        <p:txBody>
+          <a:bodyPr wrap="none" lIns="50800" tIns="50800" rIns="50800" bIns="50800" anchor="ctr">
+            <a:spAutoFit/>
+          </a:bodyPr>
+          <a:lstStyle>
+            <a:lvl1pPr>
+              <a:defRPr sz="2400"/>
+            </a:lvl1pPr>
+          </a:lstStyle>
+          <a:p>
+            <a:pPr/>
+            <a:r>
+              <a:t>DAA/Backtracking, Branch&amp;Bound, NP-Complete</a:t>
             </a:r>
           </a:p>
         </p:txBody>
@@ -7538,47 +7538,7 @@
       </p:sp>
       <p:sp>
         <p:nvSpPr>
-          <p:cNvPr id="325" name="DAA/Dynamic Programming"/>
-          <p:cNvSpPr txBox="1"/>
-          <p:nvPr/>
-        </p:nvSpPr>
-        <p:spPr>
-          <a:xfrm>
-            <a:off x="423212" y="6963885"/>
-            <a:ext cx="3769679" cy="431552"/>
-          </a:xfrm>
-          <a:prstGeom prst="rect">
-            <a:avLst/>
-          </a:prstGeom>
-          <a:ln w="12700">
-            <a:miter lim="400000"/>
-          </a:ln>
-          <a:extLst>
-            <a:ext uri="{C572A759-6A51-4108-AA02-DFA0A04FC94B}">
-              <ma14:wrappingTextBoxFlag xmlns:ma14="http://schemas.microsoft.com/office/mac/drawingml/2011/main" val="1"/>
-            </a:ext>
-          </a:extLst>
-        </p:spPr>
-        <p:txBody>
-          <a:bodyPr wrap="none" lIns="50800" tIns="50800" rIns="50800" bIns="50800" anchor="ctr">
-            <a:spAutoFit/>
-          </a:bodyPr>
-          <a:lstStyle>
-            <a:lvl1pPr>
-              <a:defRPr sz="2400"/>
-            </a:lvl1pPr>
-          </a:lstStyle>
-          <a:p>
-            <a:pPr/>
-            <a:r>
-              <a:t>DAA/Dynamic Programming</a:t>
-            </a:r>
-          </a:p>
-        </p:txBody>
-      </p:sp>
-      <p:sp>
-        <p:nvSpPr>
-          <p:cNvPr id="326" name="RPR/"/>
+          <p:cNvPr id="325" name="RPR/"/>
           <p:cNvSpPr txBox="1"/>
           <p:nvPr/>
         </p:nvSpPr>
@@ -7612,6 +7572,46 @@
             <a:pPr/>
             <a:r>
               <a:t>RPR/</a:t>
+            </a:r>
+          </a:p>
+        </p:txBody>
+      </p:sp>
+      <p:sp>
+        <p:nvSpPr>
+          <p:cNvPr id="326" name="DAA/Backtracking, Branch&amp;Bound, NP-Complete"/>
+          <p:cNvSpPr txBox="1"/>
+          <p:nvPr/>
+        </p:nvSpPr>
+        <p:spPr>
+          <a:xfrm>
+            <a:off x="215739" y="6963885"/>
+            <a:ext cx="6436083" cy="431552"/>
+          </a:xfrm>
+          <a:prstGeom prst="rect">
+            <a:avLst/>
+          </a:prstGeom>
+          <a:ln w="12700">
+            <a:miter lim="400000"/>
+          </a:ln>
+          <a:extLst>
+            <a:ext uri="{C572A759-6A51-4108-AA02-DFA0A04FC94B}">
+              <ma14:wrappingTextBoxFlag xmlns:ma14="http://schemas.microsoft.com/office/mac/drawingml/2011/main" val="1"/>
+            </a:ext>
+          </a:extLst>
+        </p:spPr>
+        <p:txBody>
+          <a:bodyPr wrap="none" lIns="50800" tIns="50800" rIns="50800" bIns="50800" anchor="ctr">
+            <a:spAutoFit/>
+          </a:bodyPr>
+          <a:lstStyle>
+            <a:lvl1pPr>
+              <a:defRPr sz="2400"/>
+            </a:lvl1pPr>
+          </a:lstStyle>
+          <a:p>
+            <a:pPr/>
+            <a:r>
+              <a:t>DAA/Backtracking, Branch&amp;Bound, NP-Complete</a:t>
             </a:r>
           </a:p>
         </p:txBody>
@@ -8104,47 +8104,7 @@
       </p:sp>
       <p:sp>
         <p:nvSpPr>
-          <p:cNvPr id="331" name="DAA/Dynamic Programming"/>
-          <p:cNvSpPr txBox="1"/>
-          <p:nvPr/>
-        </p:nvSpPr>
-        <p:spPr>
-          <a:xfrm>
-            <a:off x="423212" y="6963885"/>
-            <a:ext cx="3769679" cy="431552"/>
-          </a:xfrm>
-          <a:prstGeom prst="rect">
-            <a:avLst/>
-          </a:prstGeom>
-          <a:ln w="12700">
-            <a:miter lim="400000"/>
-          </a:ln>
-          <a:extLst>
-            <a:ext uri="{C572A759-6A51-4108-AA02-DFA0A04FC94B}">
-              <ma14:wrappingTextBoxFlag xmlns:ma14="http://schemas.microsoft.com/office/mac/drawingml/2011/main" val="1"/>
-            </a:ext>
-          </a:extLst>
-        </p:spPr>
-        <p:txBody>
-          <a:bodyPr wrap="none" lIns="50800" tIns="50800" rIns="50800" bIns="50800" anchor="ctr">
-            <a:spAutoFit/>
-          </a:bodyPr>
-          <a:lstStyle>
-            <a:lvl1pPr>
-              <a:defRPr sz="2400"/>
-            </a:lvl1pPr>
-          </a:lstStyle>
-          <a:p>
-            <a:pPr/>
-            <a:r>
-              <a:t>DAA/Dynamic Programming</a:t>
-            </a:r>
-          </a:p>
-        </p:txBody>
-      </p:sp>
-      <p:sp>
-        <p:nvSpPr>
-          <p:cNvPr id="332" name="RPR/"/>
+          <p:cNvPr id="331" name="RPR/"/>
           <p:cNvSpPr txBox="1"/>
           <p:nvPr/>
         </p:nvSpPr>
@@ -8178,6 +8138,46 @@
             <a:pPr/>
             <a:r>
               <a:t>RPR/</a:t>
+            </a:r>
+          </a:p>
+        </p:txBody>
+      </p:sp>
+      <p:sp>
+        <p:nvSpPr>
+          <p:cNvPr id="332" name="DAA/Backtracking, Branch&amp;Bound, NP-Complete"/>
+          <p:cNvSpPr txBox="1"/>
+          <p:nvPr/>
+        </p:nvSpPr>
+        <p:spPr>
+          <a:xfrm>
+            <a:off x="215739" y="6963885"/>
+            <a:ext cx="6436083" cy="431552"/>
+          </a:xfrm>
+          <a:prstGeom prst="rect">
+            <a:avLst/>
+          </a:prstGeom>
+          <a:ln w="12700">
+            <a:miter lim="400000"/>
+          </a:ln>
+          <a:extLst>
+            <a:ext uri="{C572A759-6A51-4108-AA02-DFA0A04FC94B}">
+              <ma14:wrappingTextBoxFlag xmlns:ma14="http://schemas.microsoft.com/office/mac/drawingml/2011/main" val="1"/>
+            </a:ext>
+          </a:extLst>
+        </p:spPr>
+        <p:txBody>
+          <a:bodyPr wrap="none" lIns="50800" tIns="50800" rIns="50800" bIns="50800" anchor="ctr">
+            <a:spAutoFit/>
+          </a:bodyPr>
+          <a:lstStyle>
+            <a:lvl1pPr>
+              <a:defRPr sz="2400"/>
+            </a:lvl1pPr>
+          </a:lstStyle>
+          <a:p>
+            <a:pPr/>
+            <a:r>
+              <a:t>DAA/Backtracking, Branch&amp;Bound, NP-Complete</a:t>
             </a:r>
           </a:p>
         </p:txBody>
@@ -8785,47 +8785,7 @@
       </p:sp>
       <p:sp>
         <p:nvSpPr>
-          <p:cNvPr id="50" name="DAA/Dynamic Programming"/>
-          <p:cNvSpPr txBox="1"/>
-          <p:nvPr/>
-        </p:nvSpPr>
-        <p:spPr>
-          <a:xfrm>
-            <a:off x="423212" y="6963885"/>
-            <a:ext cx="3769679" cy="431552"/>
-          </a:xfrm>
-          <a:prstGeom prst="rect">
-            <a:avLst/>
-          </a:prstGeom>
-          <a:ln w="12700">
-            <a:miter lim="400000"/>
-          </a:ln>
-          <a:extLst>
-            <a:ext uri="{C572A759-6A51-4108-AA02-DFA0A04FC94B}">
-              <ma14:wrappingTextBoxFlag xmlns:ma14="http://schemas.microsoft.com/office/mac/drawingml/2011/main" val="1"/>
-            </a:ext>
-          </a:extLst>
-        </p:spPr>
-        <p:txBody>
-          <a:bodyPr wrap="none" lIns="50800" tIns="50800" rIns="50800" bIns="50800" anchor="ctr">
-            <a:spAutoFit/>
-          </a:bodyPr>
-          <a:lstStyle>
-            <a:lvl1pPr>
-              <a:defRPr sz="2400"/>
-            </a:lvl1pPr>
-          </a:lstStyle>
-          <a:p>
-            <a:pPr/>
-            <a:r>
-              <a:t>DAA/Dynamic Programming</a:t>
-            </a:r>
-          </a:p>
-        </p:txBody>
-      </p:sp>
-      <p:sp>
-        <p:nvSpPr>
-          <p:cNvPr id="51" name="RPR/"/>
+          <p:cNvPr id="50" name="RPR/"/>
           <p:cNvSpPr txBox="1"/>
           <p:nvPr/>
         </p:nvSpPr>
@@ -8859,6 +8819,46 @@
             <a:pPr/>
             <a:r>
               <a:t>RPR/</a:t>
+            </a:r>
+          </a:p>
+        </p:txBody>
+      </p:sp>
+      <p:sp>
+        <p:nvSpPr>
+          <p:cNvPr id="51" name="DAA/Backtracking, Branch&amp;Bound, NP-Complete"/>
+          <p:cNvSpPr txBox="1"/>
+          <p:nvPr/>
+        </p:nvSpPr>
+        <p:spPr>
+          <a:xfrm>
+            <a:off x="215739" y="6963885"/>
+            <a:ext cx="6436083" cy="431552"/>
+          </a:xfrm>
+          <a:prstGeom prst="rect">
+            <a:avLst/>
+          </a:prstGeom>
+          <a:ln w="12700">
+            <a:miter lim="400000"/>
+          </a:ln>
+          <a:extLst>
+            <a:ext uri="{C572A759-6A51-4108-AA02-DFA0A04FC94B}">
+              <ma14:wrappingTextBoxFlag xmlns:ma14="http://schemas.microsoft.com/office/mac/drawingml/2011/main" val="1"/>
+            </a:ext>
+          </a:extLst>
+        </p:spPr>
+        <p:txBody>
+          <a:bodyPr wrap="none" lIns="50800" tIns="50800" rIns="50800" bIns="50800" anchor="ctr">
+            <a:spAutoFit/>
+          </a:bodyPr>
+          <a:lstStyle>
+            <a:lvl1pPr>
+              <a:defRPr sz="2400"/>
+            </a:lvl1pPr>
+          </a:lstStyle>
+          <a:p>
+            <a:pPr/>
+            <a:r>
+              <a:t>DAA/Backtracking, Branch&amp;Bound, NP-Complete</a:t>
             </a:r>
           </a:p>
         </p:txBody>
@@ -8953,47 +8953,7 @@
       </p:sp>
       <p:sp>
         <p:nvSpPr>
-          <p:cNvPr id="55" name="DAA/Dynamic Programming"/>
-          <p:cNvSpPr txBox="1"/>
-          <p:nvPr/>
-        </p:nvSpPr>
-        <p:spPr>
-          <a:xfrm>
-            <a:off x="423212" y="6963885"/>
-            <a:ext cx="3769679" cy="431552"/>
-          </a:xfrm>
-          <a:prstGeom prst="rect">
-            <a:avLst/>
-          </a:prstGeom>
-          <a:ln w="12700">
-            <a:miter lim="400000"/>
-          </a:ln>
-          <a:extLst>
-            <a:ext uri="{C572A759-6A51-4108-AA02-DFA0A04FC94B}">
-              <ma14:wrappingTextBoxFlag xmlns:ma14="http://schemas.microsoft.com/office/mac/drawingml/2011/main" val="1"/>
-            </a:ext>
-          </a:extLst>
-        </p:spPr>
-        <p:txBody>
-          <a:bodyPr wrap="none" lIns="50800" tIns="50800" rIns="50800" bIns="50800" anchor="ctr">
-            <a:spAutoFit/>
-          </a:bodyPr>
-          <a:lstStyle>
-            <a:lvl1pPr>
-              <a:defRPr sz="2400"/>
-            </a:lvl1pPr>
-          </a:lstStyle>
-          <a:p>
-            <a:pPr/>
-            <a:r>
-              <a:t>DAA/Dynamic Programming</a:t>
-            </a:r>
-          </a:p>
-        </p:txBody>
-      </p:sp>
-      <p:sp>
-        <p:nvSpPr>
-          <p:cNvPr id="56" name="RPR/"/>
+          <p:cNvPr id="55" name="RPR/"/>
           <p:cNvSpPr txBox="1"/>
           <p:nvPr/>
         </p:nvSpPr>
@@ -9027,6 +8987,46 @@
             <a:pPr/>
             <a:r>
               <a:t>RPR/</a:t>
+            </a:r>
+          </a:p>
+        </p:txBody>
+      </p:sp>
+      <p:sp>
+        <p:nvSpPr>
+          <p:cNvPr id="56" name="DAA/Backtracking, Branch&amp;Bound, NP-Complete"/>
+          <p:cNvSpPr txBox="1"/>
+          <p:nvPr/>
+        </p:nvSpPr>
+        <p:spPr>
+          <a:xfrm>
+            <a:off x="215739" y="6963885"/>
+            <a:ext cx="6436083" cy="431552"/>
+          </a:xfrm>
+          <a:prstGeom prst="rect">
+            <a:avLst/>
+          </a:prstGeom>
+          <a:ln w="12700">
+            <a:miter lim="400000"/>
+          </a:ln>
+          <a:extLst>
+            <a:ext uri="{C572A759-6A51-4108-AA02-DFA0A04FC94B}">
+              <ma14:wrappingTextBoxFlag xmlns:ma14="http://schemas.microsoft.com/office/mac/drawingml/2011/main" val="1"/>
+            </a:ext>
+          </a:extLst>
+        </p:spPr>
+        <p:txBody>
+          <a:bodyPr wrap="none" lIns="50800" tIns="50800" rIns="50800" bIns="50800" anchor="ctr">
+            <a:spAutoFit/>
+          </a:bodyPr>
+          <a:lstStyle>
+            <a:lvl1pPr>
+              <a:defRPr sz="2400"/>
+            </a:lvl1pPr>
+          </a:lstStyle>
+          <a:p>
+            <a:pPr/>
+            <a:r>
+              <a:t>DAA/Backtracking, Branch&amp;Bound, NP-Complete</a:t>
             </a:r>
           </a:p>
         </p:txBody>
@@ -9193,47 +9193,7 @@
       </p:sp>
       <p:sp>
         <p:nvSpPr>
-          <p:cNvPr id="62" name="DAA/Dynamic Programming"/>
-          <p:cNvSpPr txBox="1"/>
-          <p:nvPr/>
-        </p:nvSpPr>
-        <p:spPr>
-          <a:xfrm>
-            <a:off x="423212" y="6963885"/>
-            <a:ext cx="3769679" cy="431552"/>
-          </a:xfrm>
-          <a:prstGeom prst="rect">
-            <a:avLst/>
-          </a:prstGeom>
-          <a:ln w="12700">
-            <a:miter lim="400000"/>
-          </a:ln>
-          <a:extLst>
-            <a:ext uri="{C572A759-6A51-4108-AA02-DFA0A04FC94B}">
-              <ma14:wrappingTextBoxFlag xmlns:ma14="http://schemas.microsoft.com/office/mac/drawingml/2011/main" val="1"/>
-            </a:ext>
-          </a:extLst>
-        </p:spPr>
-        <p:txBody>
-          <a:bodyPr wrap="none" lIns="50800" tIns="50800" rIns="50800" bIns="50800" anchor="ctr">
-            <a:spAutoFit/>
-          </a:bodyPr>
-          <a:lstStyle>
-            <a:lvl1pPr>
-              <a:defRPr sz="2400"/>
-            </a:lvl1pPr>
-          </a:lstStyle>
-          <a:p>
-            <a:pPr/>
-            <a:r>
-              <a:t>DAA/Dynamic Programming</a:t>
-            </a:r>
-          </a:p>
-        </p:txBody>
-      </p:sp>
-      <p:sp>
-        <p:nvSpPr>
-          <p:cNvPr id="63" name="RPR/"/>
+          <p:cNvPr id="62" name="RPR/"/>
           <p:cNvSpPr txBox="1"/>
           <p:nvPr/>
         </p:nvSpPr>
@@ -9267,6 +9227,46 @@
             <a:pPr/>
             <a:r>
               <a:t>RPR/</a:t>
+            </a:r>
+          </a:p>
+        </p:txBody>
+      </p:sp>
+      <p:sp>
+        <p:nvSpPr>
+          <p:cNvPr id="63" name="DAA/Backtracking, Branch&amp;Bound, NP-Complete"/>
+          <p:cNvSpPr txBox="1"/>
+          <p:nvPr/>
+        </p:nvSpPr>
+        <p:spPr>
+          <a:xfrm>
+            <a:off x="215739" y="6963885"/>
+            <a:ext cx="6436083" cy="431552"/>
+          </a:xfrm>
+          <a:prstGeom prst="rect">
+            <a:avLst/>
+          </a:prstGeom>
+          <a:ln w="12700">
+            <a:miter lim="400000"/>
+          </a:ln>
+          <a:extLst>
+            <a:ext uri="{C572A759-6A51-4108-AA02-DFA0A04FC94B}">
+              <ma14:wrappingTextBoxFlag xmlns:ma14="http://schemas.microsoft.com/office/mac/drawingml/2011/main" val="1"/>
+            </a:ext>
+          </a:extLst>
+        </p:spPr>
+        <p:txBody>
+          <a:bodyPr wrap="none" lIns="50800" tIns="50800" rIns="50800" bIns="50800" anchor="ctr">
+            <a:spAutoFit/>
+          </a:bodyPr>
+          <a:lstStyle>
+            <a:lvl1pPr>
+              <a:defRPr sz="2400"/>
+            </a:lvl1pPr>
+          </a:lstStyle>
+          <a:p>
+            <a:pPr/>
+            <a:r>
+              <a:t>DAA/Backtracking, Branch&amp;Bound, NP-Complete</a:t>
             </a:r>
           </a:p>
         </p:txBody>
@@ -9703,47 +9703,7 @@
       </p:sp>
       <p:sp>
         <p:nvSpPr>
-          <p:cNvPr id="67" name="DAA/Dynamic Programming"/>
-          <p:cNvSpPr txBox="1"/>
-          <p:nvPr/>
-        </p:nvSpPr>
-        <p:spPr>
-          <a:xfrm>
-            <a:off x="423212" y="6963885"/>
-            <a:ext cx="3769679" cy="431552"/>
-          </a:xfrm>
-          <a:prstGeom prst="rect">
-            <a:avLst/>
-          </a:prstGeom>
-          <a:ln w="12700">
-            <a:miter lim="400000"/>
-          </a:ln>
-          <a:extLst>
-            <a:ext uri="{C572A759-6A51-4108-AA02-DFA0A04FC94B}">
-              <ma14:wrappingTextBoxFlag xmlns:ma14="http://schemas.microsoft.com/office/mac/drawingml/2011/main" val="1"/>
-            </a:ext>
-          </a:extLst>
-        </p:spPr>
-        <p:txBody>
-          <a:bodyPr wrap="none" lIns="50800" tIns="50800" rIns="50800" bIns="50800" anchor="ctr">
-            <a:spAutoFit/>
-          </a:bodyPr>
-          <a:lstStyle>
-            <a:lvl1pPr>
-              <a:defRPr sz="2400"/>
-            </a:lvl1pPr>
-          </a:lstStyle>
-          <a:p>
-            <a:pPr/>
-            <a:r>
-              <a:t>DAA/Dynamic Programming</a:t>
-            </a:r>
-          </a:p>
-        </p:txBody>
-      </p:sp>
-      <p:sp>
-        <p:nvSpPr>
-          <p:cNvPr id="68" name="RPR/"/>
+          <p:cNvPr id="67" name="RPR/"/>
           <p:cNvSpPr txBox="1"/>
           <p:nvPr/>
         </p:nvSpPr>
@@ -9777,6 +9737,46 @@
             <a:pPr/>
             <a:r>
               <a:t>RPR/</a:t>
+            </a:r>
+          </a:p>
+        </p:txBody>
+      </p:sp>
+      <p:sp>
+        <p:nvSpPr>
+          <p:cNvPr id="68" name="DAA/Backtracking, Branch&amp;Bound, NP-Complete"/>
+          <p:cNvSpPr txBox="1"/>
+          <p:nvPr/>
+        </p:nvSpPr>
+        <p:spPr>
+          <a:xfrm>
+            <a:off x="215739" y="6963885"/>
+            <a:ext cx="6436083" cy="431552"/>
+          </a:xfrm>
+          <a:prstGeom prst="rect">
+            <a:avLst/>
+          </a:prstGeom>
+          <a:ln w="12700">
+            <a:miter lim="400000"/>
+          </a:ln>
+          <a:extLst>
+            <a:ext uri="{C572A759-6A51-4108-AA02-DFA0A04FC94B}">
+              <ma14:wrappingTextBoxFlag xmlns:ma14="http://schemas.microsoft.com/office/mac/drawingml/2011/main" val="1"/>
+            </a:ext>
+          </a:extLst>
+        </p:spPr>
+        <p:txBody>
+          <a:bodyPr wrap="none" lIns="50800" tIns="50800" rIns="50800" bIns="50800" anchor="ctr">
+            <a:spAutoFit/>
+          </a:bodyPr>
+          <a:lstStyle>
+            <a:lvl1pPr>
+              <a:defRPr sz="2400"/>
+            </a:lvl1pPr>
+          </a:lstStyle>
+          <a:p>
+            <a:pPr/>
+            <a:r>
+              <a:t>DAA/Backtracking, Branch&amp;Bound, NP-Complete</a:t>
             </a:r>
           </a:p>
         </p:txBody>
@@ -17321,50 +17321,50 @@
       </p:par>
     </p:tnLst>
     <p:bldLst>
+      <p:bldP build="whole" bldLvl="1" animBg="1" rev="0" advAuto="0" spid="115" grpId="10"/>
+      <p:bldP build="whole" bldLvl="1" animBg="1" rev="0" advAuto="0" spid="123" grpId="45"/>
+      <p:bldP build="whole" bldLvl="1" animBg="1" rev="0" advAuto="0" spid="94" grpId="9"/>
+      <p:bldP build="whole" bldLvl="1" animBg="1" rev="0" advAuto="0" spid="111" grpId="32"/>
+      <p:bldP build="whole" bldLvl="1" animBg="1" rev="0" advAuto="0" spid="106" grpId="39"/>
+      <p:bldP build="whole" bldLvl="1" animBg="1" rev="0" advAuto="0" spid="104" grpId="22"/>
+      <p:bldP build="whole" bldLvl="1" animBg="1" rev="0" advAuto="0" spid="118" grpId="25"/>
+      <p:bldP build="whole" bldLvl="1" animBg="1" rev="0" advAuto="0" spid="119" grpId="28"/>
+      <p:bldP build="whole" bldLvl="1" animBg="1" rev="0" advAuto="0" spid="99" grpId="17"/>
+      <p:bldP build="whole" bldLvl="1" animBg="1" rev="0" advAuto="0" spid="107" grpId="27"/>
+      <p:bldP build="whole" bldLvl="1" animBg="1" rev="0" advAuto="0" spid="119" grpId="31"/>
+      <p:bldP build="whole" bldLvl="1" animBg="1" rev="0" advAuto="0" spid="102" grpId="16"/>
+      <p:bldP build="whole" bldLvl="1" animBg="1" rev="0" advAuto="0" spid="90" grpId="3"/>
+      <p:bldP build="whole" bldLvl="1" animBg="1" rev="0" advAuto="0" spid="92" grpId="4"/>
+      <p:bldP build="whole" bldLvl="1" animBg="1" rev="0" advAuto="0" spid="118" grpId="33"/>
+      <p:bldP build="whole" bldLvl="1" animBg="1" rev="0" advAuto="0" spid="101" grpId="18"/>
+      <p:bldP build="whole" bldLvl="1" animBg="1" rev="0" advAuto="0" spid="96" grpId="12"/>
+      <p:bldP build="whole" bldLvl="1" animBg="1" rev="0" advAuto="0" spid="105" grpId="21"/>
+      <p:bldP build="whole" bldLvl="1" animBg="1" rev="0" advAuto="0" spid="108" grpId="26"/>
+      <p:bldP build="whole" bldLvl="1" animBg="1" rev="0" advAuto="0" spid="95" grpId="13"/>
+      <p:bldP build="whole" bldLvl="1" animBg="1" rev="0" advAuto="0" spid="117" grpId="20"/>
+      <p:bldP build="whole" bldLvl="1" animBg="1" rev="0" advAuto="0" spid="88" grpId="2"/>
+      <p:bldP build="whole" bldLvl="1" animBg="1" rev="0" advAuto="0" spid="110" grpId="30"/>
       <p:bldP build="whole" bldLvl="1" animBg="1" rev="0" advAuto="0" spid="93" grpId="6"/>
-      <p:bldP build="whole" bldLvl="1" animBg="1" rev="0" advAuto="0" spid="92" grpId="4"/>
-      <p:bldP build="whole" bldLvl="1" animBg="1" rev="0" advAuto="0" spid="106" grpId="39"/>
-      <p:bldP build="whole" bldLvl="1" animBg="1" rev="0" advAuto="0" spid="115" grpId="10"/>
-      <p:bldP build="whole" bldLvl="1" animBg="1" rev="0" advAuto="0" spid="113" grpId="1"/>
-      <p:bldP build="whole" bldLvl="1" animBg="1" rev="0" advAuto="0" spid="112" grpId="36"/>
-      <p:bldP build="whole" bldLvl="1" animBg="1" rev="0" advAuto="0" spid="104" grpId="38"/>
-      <p:bldP build="whole" bldLvl="1" animBg="1" rev="0" advAuto="0" spid="107" grpId="27"/>
-      <p:bldP build="whole" bldLvl="1" animBg="1" rev="0" advAuto="0" spid="108" grpId="26"/>
-      <p:bldP build="whole" bldLvl="1" animBg="1" rev="0" advAuto="0" spid="105" grpId="21"/>
-      <p:bldP build="whole" bldLvl="1" animBg="1" rev="0" advAuto="0" spid="119" grpId="28"/>
-      <p:bldP build="whole" bldLvl="1" animBg="1" rev="0" advAuto="0" spid="103" grpId="24"/>
-      <p:bldP build="whole" bldLvl="1" animBg="1" rev="0" advAuto="0" spid="98" grpId="14"/>
-      <p:bldP build="whole" bldLvl="1" animBg="1" rev="0" advAuto="0" spid="119" grpId="31"/>
+      <p:bldP build="whole" bldLvl="1" animBg="1" rev="0" advAuto="0" spid="109" grpId="29"/>
+      <p:bldP build="whole" bldLvl="1" animBg="1" rev="0" advAuto="0" spid="89" grpId="8"/>
+      <p:bldP build="whole" bldLvl="1" animBg="1" rev="0" advAuto="0" spid="114" grpId="5"/>
       <p:bldP build="whole" bldLvl="1" animBg="1" rev="0" advAuto="0" spid="108" grpId="34"/>
       <p:bldP build="whole" bldLvl="1" animBg="1" rev="0" advAuto="0" spid="107" grpId="35"/>
+      <p:bldP build="whole" bldLvl="1" animBg="1" rev="0" advAuto="0" spid="113" grpId="1"/>
+      <p:bldP build="whole" bldLvl="1" animBg="1" rev="0" advAuto="0" spid="116" grpId="15"/>
+      <p:bldP build="whole" bldLvl="1" animBg="1" rev="0" advAuto="0" spid="97" grpId="11"/>
+      <p:bldP build="whole" bldLvl="1" animBg="1" rev="0" advAuto="0" spid="112" grpId="36"/>
+      <p:bldP build="whole" bldLvl="1" animBg="1" rev="0" advAuto="0" spid="105" grpId="37"/>
+      <p:bldP build="whole" bldLvl="1" animBg="1" rev="0" advAuto="0" spid="98" grpId="14"/>
+      <p:bldP build="whole" bldLvl="1" animBg="1" rev="0" advAuto="0" spid="91" grpId="7"/>
+      <p:bldP build="whole" bldLvl="1" animBg="1" rev="0" advAuto="0" spid="104" grpId="38"/>
       <p:bldP build="whole" bldLvl="1" animBg="1" rev="0" advAuto="0" spid="120" grpId="42"/>
+      <p:bldP build="whole" bldLvl="1" animBg="1" rev="0" advAuto="0" spid="121" grpId="43"/>
+      <p:bldP build="whole" bldLvl="1" animBg="1" rev="0" advAuto="0" spid="103" grpId="24"/>
       <p:bldP build="whole" bldLvl="1" animBg="1" rev="0" advAuto="0" spid="122" grpId="44"/>
-      <p:bldP build="whole" bldLvl="1" animBg="1" rev="0" advAuto="0" spid="111" grpId="32"/>
-      <p:bldP build="whole" bldLvl="1" animBg="1" rev="0" advAuto="0" spid="123" grpId="45"/>
-      <p:bldP build="whole" bldLvl="1" animBg="1" rev="0" advAuto="0" spid="99" grpId="17"/>
-      <p:bldP build="whole" bldLvl="1" animBg="1" rev="0" advAuto="0" spid="94" grpId="9"/>
-      <p:bldP build="whole" bldLvl="1" animBg="1" rev="0" advAuto="0" spid="95" grpId="13"/>
-      <p:bldP build="whole" bldLvl="1" animBg="1" rev="0" advAuto="0" spid="118" grpId="25"/>
-      <p:bldP build="whole" bldLvl="1" animBg="1" rev="0" advAuto="0" spid="97" grpId="11"/>
-      <p:bldP build="whole" bldLvl="1" animBg="1" rev="0" advAuto="0" spid="101" grpId="18"/>
-      <p:bldP build="whole" bldLvl="1" animBg="1" rev="0" advAuto="0" spid="89" grpId="8"/>
-      <p:bldP build="whole" bldLvl="1" animBg="1" rev="0" advAuto="0" spid="102" grpId="16"/>
       <p:bldP build="whole" bldLvl="1" animBg="1" rev="0" advAuto="0" spid="100" grpId="19"/>
-      <p:bldP build="whole" bldLvl="1" animBg="1" rev="0" advAuto="0" spid="118" grpId="33"/>
-      <p:bldP build="whole" bldLvl="1" animBg="1" rev="0" advAuto="0" spid="105" grpId="37"/>
+      <p:bldP build="whole" bldLvl="1" animBg="1" rev="0" advAuto="0" spid="106" grpId="23"/>
       <p:bldP build="whole" bldLvl="1" animBg="1" rev="0" advAuto="0" spid="103" grpId="40"/>
-      <p:bldP build="whole" bldLvl="1" animBg="1" rev="0" advAuto="0" spid="116" grpId="15"/>
-      <p:bldP build="whole" bldLvl="1" animBg="1" rev="0" advAuto="0" spid="88" grpId="2"/>
-      <p:bldP build="whole" bldLvl="1" animBg="1" rev="0" advAuto="0" spid="121" grpId="43"/>
-      <p:bldP build="whole" bldLvl="1" animBg="1" rev="0" advAuto="0" spid="106" grpId="23"/>
-      <p:bldP build="whole" bldLvl="1" animBg="1" rev="0" advAuto="0" spid="109" grpId="29"/>
-      <p:bldP build="whole" bldLvl="1" animBg="1" rev="0" advAuto="0" spid="110" grpId="30"/>
-      <p:bldP build="whole" bldLvl="1" animBg="1" rev="0" advAuto="0" spid="91" grpId="7"/>
-      <p:bldP build="whole" bldLvl="1" animBg="1" rev="0" advAuto="0" spid="90" grpId="3"/>
-      <p:bldP build="whole" bldLvl="1" animBg="1" rev="0" advAuto="0" spid="96" grpId="12"/>
-      <p:bldP build="whole" bldLvl="1" animBg="1" rev="0" advAuto="0" spid="104" grpId="22"/>
-      <p:bldP build="whole" bldLvl="1" animBg="1" rev="0" advAuto="0" spid="114" grpId="5"/>
-      <p:bldP build="whole" bldLvl="1" animBg="1" rev="0" advAuto="0" spid="117" grpId="20"/>
     </p:bldLst>
   </p:timing>
 </p:sld>
@@ -17444,47 +17444,7 @@
       </p:sp>
       <p:sp>
         <p:nvSpPr>
-          <p:cNvPr id="127" name="DAA/Dynamic Programming"/>
-          <p:cNvSpPr txBox="1"/>
-          <p:nvPr/>
-        </p:nvSpPr>
-        <p:spPr>
-          <a:xfrm>
-            <a:off x="423212" y="6963885"/>
-            <a:ext cx="3769679" cy="431552"/>
-          </a:xfrm>
-          <a:prstGeom prst="rect">
-            <a:avLst/>
-          </a:prstGeom>
-          <a:ln w="12700">
-            <a:miter lim="400000"/>
-          </a:ln>
-          <a:extLst>
-            <a:ext uri="{C572A759-6A51-4108-AA02-DFA0A04FC94B}">
-              <ma14:wrappingTextBoxFlag xmlns:ma14="http://schemas.microsoft.com/office/mac/drawingml/2011/main" val="1"/>
-            </a:ext>
-          </a:extLst>
-        </p:spPr>
-        <p:txBody>
-          <a:bodyPr wrap="none" lIns="50800" tIns="50800" rIns="50800" bIns="50800" anchor="ctr">
-            <a:spAutoFit/>
-          </a:bodyPr>
-          <a:lstStyle>
-            <a:lvl1pPr>
-              <a:defRPr sz="2400"/>
-            </a:lvl1pPr>
-          </a:lstStyle>
-          <a:p>
-            <a:pPr/>
-            <a:r>
-              <a:t>DAA/Dynamic Programming</a:t>
-            </a:r>
-          </a:p>
-        </p:txBody>
-      </p:sp>
-      <p:sp>
-        <p:nvSpPr>
-          <p:cNvPr id="128" name="RPR/"/>
+          <p:cNvPr id="127" name="RPR/"/>
           <p:cNvSpPr txBox="1"/>
           <p:nvPr/>
         </p:nvSpPr>
@@ -17518,6 +17478,46 @@
             <a:pPr/>
             <a:r>
               <a:t>RPR/</a:t>
+            </a:r>
+          </a:p>
+        </p:txBody>
+      </p:sp>
+      <p:sp>
+        <p:nvSpPr>
+          <p:cNvPr id="128" name="DAA/Backtracking, Branch&amp;Bound, NP-Complete"/>
+          <p:cNvSpPr txBox="1"/>
+          <p:nvPr/>
+        </p:nvSpPr>
+        <p:spPr>
+          <a:xfrm>
+            <a:off x="215739" y="6963885"/>
+            <a:ext cx="6436083" cy="431552"/>
+          </a:xfrm>
+          <a:prstGeom prst="rect">
+            <a:avLst/>
+          </a:prstGeom>
+          <a:ln w="12700">
+            <a:miter lim="400000"/>
+          </a:ln>
+          <a:extLst>
+            <a:ext uri="{C572A759-6A51-4108-AA02-DFA0A04FC94B}">
+              <ma14:wrappingTextBoxFlag xmlns:ma14="http://schemas.microsoft.com/office/mac/drawingml/2011/main" val="1"/>
+            </a:ext>
+          </a:extLst>
+        </p:spPr>
+        <p:txBody>
+          <a:bodyPr wrap="none" lIns="50800" tIns="50800" rIns="50800" bIns="50800" anchor="ctr">
+            <a:spAutoFit/>
+          </a:bodyPr>
+          <a:lstStyle>
+            <a:lvl1pPr>
+              <a:defRPr sz="2400"/>
+            </a:lvl1pPr>
+          </a:lstStyle>
+          <a:p>
+            <a:pPr/>
+            <a:r>
+              <a:t>DAA/Backtracking, Branch&amp;Bound, NP-Complete</a:t>
             </a:r>
           </a:p>
         </p:txBody>
@@ -22624,8 +22624,8 @@
     <p:bldLst>
       <p:bldP build="whole" bldLvl="1" animBg="1" rev="0" advAuto="0" spid="169" grpId="3"/>
       <p:bldP build="whole" bldLvl="1" animBg="1" rev="0" advAuto="0" spid="162" grpId="1"/>
+      <p:bldP build="whole" bldLvl="1" animBg="1" rev="0" advAuto="0" spid="171" grpId="5"/>
       <p:bldP build="whole" bldLvl="1" animBg="1" rev="0" advAuto="0" spid="170" grpId="4"/>
-      <p:bldP build="whole" bldLvl="1" animBg="1" rev="0" advAuto="0" spid="171" grpId="5"/>
       <p:bldP build="whole" bldLvl="1" animBg="1" rev="0" advAuto="0" spid="168" grpId="2"/>
     </p:bldLst>
   </p:timing>
@@ -22706,47 +22706,7 @@
       </p:sp>
       <p:sp>
         <p:nvSpPr>
-          <p:cNvPr id="175" name="DAA/Dynamic Programming"/>
-          <p:cNvSpPr txBox="1"/>
-          <p:nvPr/>
-        </p:nvSpPr>
-        <p:spPr>
-          <a:xfrm>
-            <a:off x="423212" y="6963885"/>
-            <a:ext cx="3769679" cy="431552"/>
-          </a:xfrm>
-          <a:prstGeom prst="rect">
-            <a:avLst/>
-          </a:prstGeom>
-          <a:ln w="12700">
-            <a:miter lim="400000"/>
-          </a:ln>
-          <a:extLst>
-            <a:ext uri="{C572A759-6A51-4108-AA02-DFA0A04FC94B}">
-              <ma14:wrappingTextBoxFlag xmlns:ma14="http://schemas.microsoft.com/office/mac/drawingml/2011/main" val="1"/>
-            </a:ext>
-          </a:extLst>
-        </p:spPr>
-        <p:txBody>
-          <a:bodyPr wrap="none" lIns="50800" tIns="50800" rIns="50800" bIns="50800" anchor="ctr">
-            <a:spAutoFit/>
-          </a:bodyPr>
-          <a:lstStyle>
-            <a:lvl1pPr>
-              <a:defRPr sz="2400"/>
-            </a:lvl1pPr>
-          </a:lstStyle>
-          <a:p>
-            <a:pPr/>
-            <a:r>
-              <a:t>DAA/Dynamic Programming</a:t>
-            </a:r>
-          </a:p>
-        </p:txBody>
-      </p:sp>
-      <p:sp>
-        <p:nvSpPr>
-          <p:cNvPr id="176" name="RPR/"/>
+          <p:cNvPr id="175" name="RPR/"/>
           <p:cNvSpPr txBox="1"/>
           <p:nvPr/>
         </p:nvSpPr>
@@ -22780,6 +22740,46 @@
             <a:pPr/>
             <a:r>
               <a:t>RPR/</a:t>
+            </a:r>
+          </a:p>
+        </p:txBody>
+      </p:sp>
+      <p:sp>
+        <p:nvSpPr>
+          <p:cNvPr id="176" name="DAA/Backtracking, Branch&amp;Bound, NP-Complete"/>
+          <p:cNvSpPr txBox="1"/>
+          <p:nvPr/>
+        </p:nvSpPr>
+        <p:spPr>
+          <a:xfrm>
+            <a:off x="215739" y="6963885"/>
+            <a:ext cx="6436083" cy="431552"/>
+          </a:xfrm>
+          <a:prstGeom prst="rect">
+            <a:avLst/>
+          </a:prstGeom>
+          <a:ln w="12700">
+            <a:miter lim="400000"/>
+          </a:ln>
+          <a:extLst>
+            <a:ext uri="{C572A759-6A51-4108-AA02-DFA0A04FC94B}">
+              <ma14:wrappingTextBoxFlag xmlns:ma14="http://schemas.microsoft.com/office/mac/drawingml/2011/main" val="1"/>
+            </a:ext>
+          </a:extLst>
+        </p:spPr>
+        <p:txBody>
+          <a:bodyPr wrap="none" lIns="50800" tIns="50800" rIns="50800" bIns="50800" anchor="ctr">
+            <a:spAutoFit/>
+          </a:bodyPr>
+          <a:lstStyle>
+            <a:lvl1pPr>
+              <a:defRPr sz="2400"/>
+            </a:lvl1pPr>
+          </a:lstStyle>
+          <a:p>
+            <a:pPr/>
+            <a:r>
+              <a:t>DAA/Backtracking, Branch&amp;Bound, NP-Complete</a:t>
             </a:r>
           </a:p>
         </p:txBody>
@@ -31002,16 +31002,16 @@
       </p:par>
     </p:tnLst>
     <p:bldLst>
+      <p:bldP build="whole" bldLvl="1" animBg="1" rev="0" advAuto="0" spid="195" grpId="2"/>
       <p:bldP build="whole" bldLvl="1" animBg="1" rev="0" advAuto="0" spid="199" grpId="6"/>
+      <p:bldP build="whole" bldLvl="1" animBg="1" rev="0" advAuto="0" spid="201" grpId="8"/>
+      <p:bldP build="whole" bldLvl="1" animBg="1" rev="0" advAuto="0" spid="196" grpId="3"/>
+      <p:bldP build="whole" bldLvl="1" animBg="1" rev="0" advAuto="0" spid="200" grpId="7"/>
       <p:bldP build="whole" bldLvl="1" animBg="1" rev="0" advAuto="0" spid="197" grpId="4"/>
+      <p:bldP build="whole" bldLvl="1" animBg="1" rev="0" advAuto="0" spid="177" grpId="10"/>
       <p:bldP build="whole" bldLvl="1" animBg="1" rev="0" advAuto="0" spid="194" grpId="1"/>
-      <p:bldP build="whole" bldLvl="1" animBg="1" rev="0" advAuto="0" spid="177" grpId="10"/>
       <p:bldP build="whole" bldLvl="1" animBg="1" rev="0" advAuto="0" spid="198" grpId="5"/>
-      <p:bldP build="whole" bldLvl="1" animBg="1" rev="0" advAuto="0" spid="200" grpId="7"/>
-      <p:bldP build="whole" bldLvl="1" animBg="1" rev="0" advAuto="0" spid="201" grpId="8"/>
       <p:bldP build="whole" bldLvl="1" animBg="1" rev="0" advAuto="0" spid="202" grpId="9"/>
-      <p:bldP build="whole" bldLvl="1" animBg="1" rev="0" advAuto="0" spid="196" grpId="3"/>
-      <p:bldP build="whole" bldLvl="1" animBg="1" rev="0" advAuto="0" spid="195" grpId="2"/>
     </p:bldLst>
   </p:timing>
 </p:sld>
@@ -31100,47 +31100,7 @@
       </p:sp>
       <p:sp>
         <p:nvSpPr>
-          <p:cNvPr id="207" name="DAA/Dynamic Programming"/>
-          <p:cNvSpPr txBox="1"/>
-          <p:nvPr/>
-        </p:nvSpPr>
-        <p:spPr>
-          <a:xfrm>
-            <a:off x="423212" y="6963885"/>
-            <a:ext cx="3769679" cy="431552"/>
-          </a:xfrm>
-          <a:prstGeom prst="rect">
-            <a:avLst/>
-          </a:prstGeom>
-          <a:ln w="12700">
-            <a:miter lim="400000"/>
-          </a:ln>
-          <a:extLst>
-            <a:ext uri="{C572A759-6A51-4108-AA02-DFA0A04FC94B}">
-              <ma14:wrappingTextBoxFlag xmlns:ma14="http://schemas.microsoft.com/office/mac/drawingml/2011/main" val="1"/>
-            </a:ext>
-          </a:extLst>
-        </p:spPr>
-        <p:txBody>
-          <a:bodyPr wrap="none" lIns="50800" tIns="50800" rIns="50800" bIns="50800" anchor="ctr">
-            <a:spAutoFit/>
-          </a:bodyPr>
-          <a:lstStyle>
-            <a:lvl1pPr>
-              <a:defRPr sz="2400"/>
-            </a:lvl1pPr>
-          </a:lstStyle>
-          <a:p>
-            <a:pPr/>
-            <a:r>
-              <a:t>DAA/Dynamic Programming</a:t>
-            </a:r>
-          </a:p>
-        </p:txBody>
-      </p:sp>
-      <p:sp>
-        <p:nvSpPr>
-          <p:cNvPr id="208" name="RPR/"/>
+          <p:cNvPr id="207" name="RPR/"/>
           <p:cNvSpPr txBox="1"/>
           <p:nvPr/>
         </p:nvSpPr>
@@ -31174,6 +31134,46 @@
             <a:pPr/>
             <a:r>
               <a:t>RPR/</a:t>
+            </a:r>
+          </a:p>
+        </p:txBody>
+      </p:sp>
+      <p:sp>
+        <p:nvSpPr>
+          <p:cNvPr id="208" name="DAA/Backtracking, Branch&amp;Bound, NP-Complete"/>
+          <p:cNvSpPr txBox="1"/>
+          <p:nvPr/>
+        </p:nvSpPr>
+        <p:spPr>
+          <a:xfrm>
+            <a:off x="215739" y="6963885"/>
+            <a:ext cx="6436083" cy="431552"/>
+          </a:xfrm>
+          <a:prstGeom prst="rect">
+            <a:avLst/>
+          </a:prstGeom>
+          <a:ln w="12700">
+            <a:miter lim="400000"/>
+          </a:ln>
+          <a:extLst>
+            <a:ext uri="{C572A759-6A51-4108-AA02-DFA0A04FC94B}">
+              <ma14:wrappingTextBoxFlag xmlns:ma14="http://schemas.microsoft.com/office/mac/drawingml/2011/main" val="1"/>
+            </a:ext>
+          </a:extLst>
+        </p:spPr>
+        <p:txBody>
+          <a:bodyPr wrap="none" lIns="50800" tIns="50800" rIns="50800" bIns="50800" anchor="ctr">
+            <a:spAutoFit/>
+          </a:bodyPr>
+          <a:lstStyle>
+            <a:lvl1pPr>
+              <a:defRPr sz="2400"/>
+            </a:lvl1pPr>
+          </a:lstStyle>
+          <a:p>
+            <a:pPr/>
+            <a:r>
+              <a:t>DAA/Backtracking, Branch&amp;Bound, NP-Complete</a:t>
             </a:r>
           </a:p>
         </p:txBody>
@@ -37608,38 +37608,38 @@
       </p:par>
     </p:tnLst>
     <p:bldLst>
-      <p:bldP build="whole" bldLvl="1" animBg="1" rev="0" advAuto="0" spid="252" grpId="25"/>
-      <p:bldP build="whole" bldLvl="1" animBg="1" rev="0" advAuto="0" spid="247" grpId="20"/>
-      <p:bldP build="whole" bldLvl="1" animBg="1" rev="0" advAuto="0" spid="241" grpId="10"/>
+      <p:bldP build="whole" bldLvl="1" animBg="1" rev="0" advAuto="0" spid="226" grpId="1"/>
+      <p:bldP build="whole" bldLvl="1" animBg="1" rev="0" advAuto="0" spid="233" grpId="31"/>
+      <p:bldP build="whole" bldLvl="1" animBg="1" rev="0" advAuto="0" spid="245" grpId="14"/>
+      <p:bldP build="whole" bldLvl="1" animBg="1" rev="0" advAuto="0" spid="251" grpId="24"/>
+      <p:bldP build="whole" bldLvl="1" animBg="1" rev="0" advAuto="0" spid="239" grpId="8"/>
+      <p:bldP build="whole" bldLvl="1" animBg="1" rev="0" advAuto="0" spid="240" grpId="7"/>
       <p:bldP build="whole" bldLvl="1" animBg="1" rev="0" advAuto="0" spid="246" grpId="17"/>
-      <p:bldP build="whole" bldLvl="1" animBg="1" rev="0" advAuto="0" spid="254" grpId="27"/>
-      <p:bldP build="whole" bldLvl="1" animBg="1" rev="0" advAuto="0" spid="229" grpId="11"/>
+      <p:bldP build="whole" bldLvl="1" animBg="1" rev="0" advAuto="0" spid="255" grpId="29"/>
+      <p:bldP build="whole" bldLvl="1" animBg="1" rev="0" advAuto="0" spid="256" grpId="30"/>
+      <p:bldP build="whole" bldLvl="1" animBg="1" rev="0" advAuto="0" spid="227" grpId="2"/>
       <p:bldP build="whole" bldLvl="1" animBg="1" rev="0" advAuto="0" spid="235" grpId="4"/>
       <p:bldP build="whole" bldLvl="1" animBg="1" rev="0" advAuto="0" spid="257" grpId="28"/>
-      <p:bldP build="whole" bldLvl="1" animBg="1" rev="0" advAuto="0" spid="256" grpId="30"/>
+      <p:bldP build="whole" bldLvl="1" animBg="1" rev="0" advAuto="0" spid="236" grpId="5"/>
+      <p:bldP build="whole" bldLvl="1" animBg="1" rev="0" advAuto="0" spid="238" grpId="9"/>
+      <p:bldP build="whole" bldLvl="1" animBg="1" rev="0" advAuto="0" spid="253" grpId="23"/>
       <p:bldP build="whole" bldLvl="1" animBg="1" rev="0" advAuto="0" spid="248" grpId="18"/>
+      <p:bldP build="whole" bldLvl="1" animBg="1" rev="0" advAuto="0" spid="241" grpId="10"/>
+      <p:bldP build="whole" bldLvl="1" animBg="1" rev="0" advAuto="0" spid="228" grpId="6"/>
+      <p:bldP build="whole" bldLvl="1" animBg="1" rev="0" advAuto="0" spid="247" grpId="20"/>
+      <p:bldP build="whole" bldLvl="1" animBg="1" rev="0" advAuto="0" spid="237" grpId="3"/>
+      <p:bldP build="whole" bldLvl="1" animBg="1" rev="0" advAuto="0" spid="249" grpId="19"/>
+      <p:bldP build="whole" bldLvl="1" animBg="1" rev="0" advAuto="0" spid="232" grpId="26"/>
+      <p:bldP build="whole" bldLvl="1" animBg="1" rev="0" advAuto="0" spid="234" grpId="32"/>
+      <p:bldP build="whole" bldLvl="1" animBg="1" rev="0" advAuto="0" spid="252" grpId="25"/>
+      <p:bldP build="whole" bldLvl="1" animBg="1" rev="0" advAuto="0" spid="242" grpId="15"/>
+      <p:bldP build="whole" bldLvl="1" animBg="1" rev="0" advAuto="0" spid="254" grpId="27"/>
+      <p:bldP build="whole" bldLvl="1" animBg="1" rev="0" advAuto="0" spid="244" grpId="13"/>
+      <p:bldP build="whole" bldLvl="1" animBg="1" rev="0" advAuto="0" spid="229" grpId="11"/>
+      <p:bldP build="whole" bldLvl="1" animBg="1" rev="0" advAuto="0" spid="250" grpId="22"/>
       <p:bldP build="whole" bldLvl="1" animBg="1" rev="0" advAuto="0" spid="230" grpId="16"/>
-      <p:bldP build="whole" bldLvl="1" animBg="1" rev="0" advAuto="0" spid="232" grpId="26"/>
       <p:bldP build="whole" bldLvl="1" animBg="1" rev="0" advAuto="0" spid="243" grpId="12"/>
       <p:bldP build="whole" bldLvl="1" animBg="1" rev="0" advAuto="0" spid="231" grpId="21"/>
-      <p:bldP build="whole" bldLvl="1" animBg="1" rev="0" advAuto="0" spid="242" grpId="15"/>
-      <p:bldP build="whole" bldLvl="1" animBg="1" rev="0" advAuto="0" spid="239" grpId="8"/>
-      <p:bldP build="whole" bldLvl="1" animBg="1" rev="0" advAuto="0" spid="233" grpId="31"/>
-      <p:bldP build="whole" bldLvl="1" animBg="1" rev="0" advAuto="0" spid="226" grpId="1"/>
-      <p:bldP build="whole" bldLvl="1" animBg="1" rev="0" advAuto="0" spid="249" grpId="19"/>
-      <p:bldP build="whole" bldLvl="1" animBg="1" rev="0" advAuto="0" spid="234" grpId="32"/>
-      <p:bldP build="whole" bldLvl="1" animBg="1" rev="0" advAuto="0" spid="237" grpId="3"/>
-      <p:bldP build="whole" bldLvl="1" animBg="1" rev="0" advAuto="0" spid="240" grpId="7"/>
-      <p:bldP build="whole" bldLvl="1" animBg="1" rev="0" advAuto="0" spid="250" grpId="22"/>
-      <p:bldP build="whole" bldLvl="1" animBg="1" rev="0" advAuto="0" spid="251" grpId="24"/>
-      <p:bldP build="whole" bldLvl="1" animBg="1" rev="0" advAuto="0" spid="244" grpId="13"/>
-      <p:bldP build="whole" bldLvl="1" animBg="1" rev="0" advAuto="0" spid="245" grpId="14"/>
-      <p:bldP build="whole" bldLvl="1" animBg="1" rev="0" advAuto="0" spid="227" grpId="2"/>
-      <p:bldP build="whole" bldLvl="1" animBg="1" rev="0" advAuto="0" spid="255" grpId="29"/>
-      <p:bldP build="whole" bldLvl="1" animBg="1" rev="0" advAuto="0" spid="228" grpId="6"/>
-      <p:bldP build="whole" bldLvl="1" animBg="1" rev="0" advAuto="0" spid="238" grpId="9"/>
-      <p:bldP build="whole" bldLvl="1" animBg="1" rev="0" advAuto="0" spid="236" grpId="5"/>
-      <p:bldP build="whole" bldLvl="1" animBg="1" rev="0" advAuto="0" spid="253" grpId="23"/>
     </p:bldLst>
   </p:timing>
 </p:sld>
@@ -37715,47 +37715,7 @@
       </p:sp>
       <p:sp>
         <p:nvSpPr>
-          <p:cNvPr id="261" name="DAA/Dynamic Programming"/>
-          <p:cNvSpPr txBox="1"/>
-          <p:nvPr/>
-        </p:nvSpPr>
-        <p:spPr>
-          <a:xfrm>
-            <a:off x="423212" y="6963885"/>
-            <a:ext cx="3769679" cy="431552"/>
-          </a:xfrm>
-          <a:prstGeom prst="rect">
-            <a:avLst/>
-          </a:prstGeom>
-          <a:ln w="12700">
-            <a:miter lim="400000"/>
-          </a:ln>
-          <a:extLst>
-            <a:ext uri="{C572A759-6A51-4108-AA02-DFA0A04FC94B}">
-              <ma14:wrappingTextBoxFlag xmlns:ma14="http://schemas.microsoft.com/office/mac/drawingml/2011/main" val="1"/>
-            </a:ext>
-          </a:extLst>
-        </p:spPr>
-        <p:txBody>
-          <a:bodyPr wrap="none" lIns="50800" tIns="50800" rIns="50800" bIns="50800" anchor="ctr">
-            <a:spAutoFit/>
-          </a:bodyPr>
-          <a:lstStyle>
-            <a:lvl1pPr>
-              <a:defRPr sz="2400"/>
-            </a:lvl1pPr>
-          </a:lstStyle>
-          <a:p>
-            <a:pPr/>
-            <a:r>
-              <a:t>DAA/Dynamic Programming</a:t>
-            </a:r>
-          </a:p>
-        </p:txBody>
-      </p:sp>
-      <p:sp>
-        <p:nvSpPr>
-          <p:cNvPr id="262" name="RPR/"/>
+          <p:cNvPr id="261" name="RPR/"/>
           <p:cNvSpPr txBox="1"/>
           <p:nvPr/>
         </p:nvSpPr>
@@ -37789,6 +37749,46 @@
             <a:pPr/>
             <a:r>
               <a:t>RPR/</a:t>
+            </a:r>
+          </a:p>
+        </p:txBody>
+      </p:sp>
+      <p:sp>
+        <p:nvSpPr>
+          <p:cNvPr id="262" name="DAA/Backtracking, Branch&amp;Bound, NP-Complete"/>
+          <p:cNvSpPr txBox="1"/>
+          <p:nvPr/>
+        </p:nvSpPr>
+        <p:spPr>
+          <a:xfrm>
+            <a:off x="215739" y="6963885"/>
+            <a:ext cx="6436083" cy="431552"/>
+          </a:xfrm>
+          <a:prstGeom prst="rect">
+            <a:avLst/>
+          </a:prstGeom>
+          <a:ln w="12700">
+            <a:miter lim="400000"/>
+          </a:ln>
+          <a:extLst>
+            <a:ext uri="{C572A759-6A51-4108-AA02-DFA0A04FC94B}">
+              <ma14:wrappingTextBoxFlag xmlns:ma14="http://schemas.microsoft.com/office/mac/drawingml/2011/main" val="1"/>
+            </a:ext>
+          </a:extLst>
+        </p:spPr>
+        <p:txBody>
+          <a:bodyPr wrap="none" lIns="50800" tIns="50800" rIns="50800" bIns="50800" anchor="ctr">
+            <a:spAutoFit/>
+          </a:bodyPr>
+          <a:lstStyle>
+            <a:lvl1pPr>
+              <a:defRPr sz="2400"/>
+            </a:lvl1pPr>
+          </a:lstStyle>
+          <a:p>
+            <a:pPr/>
+            <a:r>
+              <a:t>DAA/Backtracking, Branch&amp;Bound, NP-Complete</a:t>
             </a:r>
           </a:p>
         </p:txBody>
@@ -40423,26 +40423,26 @@
       </p:par>
     </p:tnLst>
     <p:bldLst>
+      <p:bldP build="whole" bldLvl="1" animBg="1" rev="0" advAuto="0" spid="296" grpId="4"/>
+      <p:bldP build="whole" bldLvl="1" animBg="1" rev="0" advAuto="0" spid="295" grpId="2"/>
+      <p:bldP build="whole" bldLvl="1" animBg="1" rev="0" advAuto="0" spid="287" grpId="6"/>
+      <p:bldP build="p" bldLvl="5" animBg="1" rev="0" advAuto="0" spid="273" grpId="1"/>
+      <p:bldP build="whole" bldLvl="1" animBg="1" rev="0" advAuto="0" spid="282" grpId="14"/>
+      <p:bldP build="whole" bldLvl="1" animBg="1" rev="0" advAuto="0" spid="291" grpId="18"/>
+      <p:bldP build="p" bldLvl="5" animBg="1" rev="0" advAuto="0" spid="288" grpId="9"/>
+      <p:bldP build="whole" bldLvl="1" animBg="1" rev="0" advAuto="0" spid="281" grpId="17"/>
+      <p:bldP build="p" bldLvl="5" animBg="1" rev="0" advAuto="0" spid="292" grpId="19"/>
+      <p:bldP build="whole" bldLvl="1" animBg="1" rev="0" advAuto="0" spid="285" grpId="8"/>
+      <p:bldP build="p" bldLvl="5" animBg="1" rev="0" advAuto="0" spid="289" grpId="12"/>
       <p:bldP build="whole" bldLvl="1" animBg="1" rev="0" advAuto="0" spid="285" grpId="10"/>
+      <p:bldP build="whole" bldLvl="1" animBg="1" rev="0" advAuto="0" spid="294" grpId="3"/>
       <p:bldP build="whole" bldLvl="1" animBg="1" rev="0" advAuto="0" spid="284" grpId="15"/>
-      <p:bldP build="whole" bldLvl="1" animBg="1" rev="0" advAuto="0" spid="282" grpId="7"/>
-      <p:bldP build="whole" bldLvl="1" animBg="1" rev="0" advAuto="0" spid="281" grpId="17"/>
-      <p:bldP build="whole" bldLvl="1" animBg="1" rev="0" advAuto="0" spid="282" grpId="14"/>
-      <p:bldP build="whole" bldLvl="1" animBg="1" rev="0" advAuto="0" spid="287" grpId="6"/>
+      <p:bldP build="whole" bldLvl="1" animBg="1" rev="0" advAuto="0" spid="283" grpId="16"/>
       <p:bldP build="whole" bldLvl="1" animBg="1" rev="0" advAuto="0" spid="286" grpId="5"/>
       <p:bldP build="p" bldLvl="5" animBg="1" rev="0" advAuto="0" spid="293" grpId="20"/>
-      <p:bldP build="whole" bldLvl="1" animBg="1" rev="0" advAuto="0" spid="291" grpId="18"/>
       <p:bldP build="whole" bldLvl="1" animBg="1" rev="0" advAuto="0" spid="290" grpId="11"/>
-      <p:bldP build="whole" bldLvl="1" animBg="1" rev="0" advAuto="0" spid="296" grpId="4"/>
       <p:bldP build="whole" bldLvl="1" animBg="1" rev="0" advAuto="0" spid="290" grpId="13"/>
-      <p:bldP build="p" bldLvl="5" animBg="1" rev="0" advAuto="0" spid="292" grpId="19"/>
-      <p:bldP build="whole" bldLvl="1" animBg="1" rev="0" advAuto="0" spid="294" grpId="3"/>
-      <p:bldP build="whole" bldLvl="1" animBg="1" rev="0" advAuto="0" spid="283" grpId="16"/>
-      <p:bldP build="whole" bldLvl="1" animBg="1" rev="0" advAuto="0" spid="285" grpId="8"/>
-      <p:bldP build="p" bldLvl="5" animBg="1" rev="0" advAuto="0" spid="273" grpId="1"/>
-      <p:bldP build="p" bldLvl="5" animBg="1" rev="0" advAuto="0" spid="289" grpId="12"/>
-      <p:bldP build="p" bldLvl="5" animBg="1" rev="0" advAuto="0" spid="288" grpId="9"/>
-      <p:bldP build="whole" bldLvl="1" animBg="1" rev="0" advAuto="0" spid="295" grpId="2"/>
+      <p:bldP build="whole" bldLvl="1" animBg="1" rev="0" advAuto="0" spid="282" grpId="7"/>
     </p:bldLst>
   </p:timing>
 </p:sld>

--- a/Slides-RPR/2019-H1-DAA-L41-BackTrack-Intro.pptx
+++ b/Slides-RPR/2019-H1-DAA-L41-BackTrack-Intro.pptx
@@ -23,6 +23,7 @@
     <p:sldId id="268" r:id="rId20"/>
     <p:sldId id="269" r:id="rId21"/>
     <p:sldId id="270" r:id="rId22"/>
+    <p:sldId id="271" r:id="rId23"/>
   </p:sldIdLst>
   <p:sldSz cx="10160000" cy="7620000"/>
   <p:notesSz cx="6858000" cy="9144000"/>
@@ -2698,7 +2699,7 @@
                 <a:cs typeface="Courier New"/>
                 <a:sym typeface="Courier New"/>
               </a:rPr>
-              <a:t> = {11,23,7}</a:t>
+              <a:t> = {11,13,7}</a:t>
             </a:r>
             <a:endParaRPr>
               <a:latin typeface="Courier New"/>
@@ -5817,13 +5818,17 @@
       </p:grpSpPr>
       <p:sp>
         <p:nvSpPr>
-          <p:cNvPr id="316" name="Backtracking: Sum of Subsets"/>
+          <p:cNvPr id="316" name="8-Queens Problem"/>
           <p:cNvSpPr txBox="1"/>
           <p:nvPr>
             <p:ph type="title"/>
           </p:nvPr>
         </p:nvSpPr>
         <p:spPr>
+          <a:xfrm>
+            <a:off x="1464419" y="-63963"/>
+            <a:ext cx="8636001" cy="952501"/>
+          </a:xfrm>
           <a:prstGeom prst="rect">
             <a:avLst/>
           </a:prstGeom>
@@ -5834,455 +5839,14 @@
           <a:p>
             <a:pPr/>
             <a:r>
-              <a:t>Backtracking: Sum of Subsets</a:t>
+              <a:t>8-Queens Problem</a:t>
             </a:r>
           </a:p>
         </p:txBody>
       </p:sp>
       <p:sp>
         <p:nvSpPr>
-          <p:cNvPr id="317" name="Problem: S={11,13,24,7}, and m=31…"/>
-          <p:cNvSpPr txBox="1"/>
-          <p:nvPr>
-            <p:ph type="body" idx="1"/>
-          </p:nvPr>
-        </p:nvSpPr>
-        <p:spPr>
-          <a:prstGeom prst="rect">
-            <a:avLst/>
-          </a:prstGeom>
-        </p:spPr>
-        <p:txBody>
-          <a:bodyPr/>
-          <a:lstStyle/>
-          <a:p>
-            <a:pPr>
-              <a:spcBef>
-                <a:spcPts val="200"/>
-              </a:spcBef>
-              <a:defRPr sz="3000"/>
-            </a:pPr>
-            <a:r>
-              <a:t>Problem: </a:t>
-            </a:r>
-            <a:r>
-              <a:rPr>
-                <a:latin typeface="Courier New"/>
-                <a:ea typeface="Courier New"/>
-                <a:cs typeface="Courier New"/>
-                <a:sym typeface="Courier New"/>
-              </a:rPr>
-              <a:t>S={11,13,24,7},</a:t>
-            </a:r>
-            <a:r>
-              <a:t> and </a:t>
-            </a:r>
-            <a:r>
-              <a:rPr>
-                <a:latin typeface="Courier New"/>
-                <a:ea typeface="Courier New"/>
-                <a:cs typeface="Courier New"/>
-                <a:sym typeface="Courier New"/>
-              </a:rPr>
-              <a:t>m=31</a:t>
-            </a:r>
-          </a:p>
-          <a:p>
-            <a:pPr>
-              <a:spcBef>
-                <a:spcPts val="200"/>
-              </a:spcBef>
-              <a:defRPr sz="3000"/>
-            </a:pPr>
-            <a:r>
-              <a:t>Solution approach </a:t>
-            </a:r>
-            <a:r>
-              <a:rPr>
-                <a:latin typeface="Courier New"/>
-                <a:ea typeface="Courier New"/>
-                <a:cs typeface="Courier New"/>
-                <a:sym typeface="Courier New"/>
-              </a:rPr>
-              <a:t>1</a:t>
-            </a:r>
-            <a:r>
-              <a:t> :</a:t>
-            </a:r>
-          </a:p>
-          <a:p>
-            <a:pPr lvl="1" marL="738187" indent="-342900">
-              <a:spcBef>
-                <a:spcPts val="200"/>
-              </a:spcBef>
-              <a:buChar char="•"/>
-            </a:pPr>
-            <a:r>
-              <a:t>Consider 4-tuple </a:t>
-            </a:r>
-            <a:r>
-              <a:rPr>
-                <a:latin typeface="Courier New"/>
-                <a:ea typeface="Courier New"/>
-                <a:cs typeface="Courier New"/>
-                <a:sym typeface="Courier New"/>
-              </a:rPr>
-              <a:t>{x</a:t>
-            </a:r>
-            <a:r>
-              <a:rPr baseline="-5999">
-                <a:latin typeface="Courier New"/>
-                <a:ea typeface="Courier New"/>
-                <a:cs typeface="Courier New"/>
-                <a:sym typeface="Courier New"/>
-              </a:rPr>
-              <a:t>1</a:t>
-            </a:r>
-            <a:r>
-              <a:rPr>
-                <a:latin typeface="Courier New"/>
-                <a:ea typeface="Courier New"/>
-                <a:cs typeface="Courier New"/>
-                <a:sym typeface="Courier New"/>
-              </a:rPr>
-              <a:t>,x</a:t>
-            </a:r>
-            <a:r>
-              <a:rPr baseline="-5999">
-                <a:latin typeface="Courier New"/>
-                <a:ea typeface="Courier New"/>
-                <a:cs typeface="Courier New"/>
-                <a:sym typeface="Courier New"/>
-              </a:rPr>
-              <a:t>2</a:t>
-            </a:r>
-            <a:r>
-              <a:rPr>
-                <a:latin typeface="Courier New"/>
-                <a:ea typeface="Courier New"/>
-                <a:cs typeface="Courier New"/>
-                <a:sym typeface="Courier New"/>
-              </a:rPr>
-              <a:t>,x</a:t>
-            </a:r>
-            <a:r>
-              <a:rPr baseline="-5999">
-                <a:latin typeface="Courier New"/>
-                <a:ea typeface="Courier New"/>
-                <a:cs typeface="Courier New"/>
-                <a:sym typeface="Courier New"/>
-              </a:rPr>
-              <a:t>3</a:t>
-            </a:r>
-            <a:r>
-              <a:rPr>
-                <a:latin typeface="Courier New"/>
-                <a:ea typeface="Courier New"/>
-                <a:cs typeface="Courier New"/>
-                <a:sym typeface="Courier New"/>
-              </a:rPr>
-              <a:t>,x</a:t>
-            </a:r>
-            <a:r>
-              <a:rPr baseline="-5999">
-                <a:latin typeface="Courier New"/>
-                <a:ea typeface="Courier New"/>
-                <a:cs typeface="Courier New"/>
-                <a:sym typeface="Courier New"/>
-              </a:rPr>
-              <a:t>4</a:t>
-            </a:r>
-            <a:r>
-              <a:rPr>
-                <a:latin typeface="Courier New"/>
-                <a:ea typeface="Courier New"/>
-                <a:cs typeface="Courier New"/>
-                <a:sym typeface="Courier New"/>
-              </a:rPr>
-              <a:t>}</a:t>
-            </a:r>
-          </a:p>
-          <a:p>
-            <a:pPr lvl="2" marL="1195387" indent="-342900">
-              <a:spcBef>
-                <a:spcPts val="200"/>
-              </a:spcBef>
-              <a:defRPr sz="3000"/>
-            </a:pPr>
-            <a:r>
-              <a:t>where, </a:t>
-            </a:r>
-            <a:r>
-              <a:rPr>
-                <a:latin typeface="Courier New"/>
-                <a:ea typeface="Courier New"/>
-                <a:cs typeface="Courier New"/>
-                <a:sym typeface="Courier New"/>
-              </a:rPr>
-              <a:t>x</a:t>
-            </a:r>
-            <a:r>
-              <a:rPr baseline="-5999">
-                <a:latin typeface="Courier New"/>
-                <a:ea typeface="Courier New"/>
-                <a:cs typeface="Courier New"/>
-                <a:sym typeface="Courier New"/>
-              </a:rPr>
-              <a:t>i</a:t>
-            </a:r>
-            <a:r>
-              <a:rPr baseline="-5999"/>
-              <a:t> </a:t>
-            </a:r>
-            <a:r>
-              <a:rPr sz="2300">
-                <a:latin typeface="Symbol"/>
-                <a:ea typeface="Symbol"/>
-                <a:cs typeface="Symbol"/>
-                <a:sym typeface="Symbol"/>
-              </a:rPr>
-              <a:t>Î </a:t>
-            </a:r>
-            <a:r>
-              <a:rPr>
-                <a:latin typeface="Courier New"/>
-                <a:ea typeface="Courier New"/>
-                <a:cs typeface="Courier New"/>
-                <a:sym typeface="Courier New"/>
-              </a:rPr>
-              <a:t>S</a:t>
-            </a:r>
-            <a:r>
-              <a:rPr baseline="-5999" sz="2300">
-                <a:latin typeface="Courier New"/>
-                <a:ea typeface="Courier New"/>
-                <a:cs typeface="Courier New"/>
-                <a:sym typeface="Courier New"/>
-              </a:rPr>
-              <a:t>i</a:t>
-            </a:r>
-            <a:r>
-              <a:rPr sz="2800">
-                <a:latin typeface="Courier New"/>
-                <a:ea typeface="Courier New"/>
-                <a:cs typeface="Courier New"/>
-                <a:sym typeface="Courier New"/>
-              </a:rPr>
-              <a:t>={0,1}</a:t>
-            </a:r>
-            <a:endParaRPr sz="2800">
-              <a:latin typeface="Courier New"/>
-              <a:ea typeface="Courier New"/>
-              <a:cs typeface="Courier New"/>
-              <a:sym typeface="Courier New"/>
-            </a:endParaRPr>
-          </a:p>
-          <a:p>
-            <a:pPr lvl="2" marL="1172527" indent="-320039">
-              <a:spcBef>
-                <a:spcPts val="200"/>
-              </a:spcBef>
-              <a:defRPr sz="3000">
-                <a:latin typeface="Gill Sans MT"/>
-                <a:ea typeface="Gill Sans MT"/>
-                <a:cs typeface="Gill Sans MT"/>
-                <a:sym typeface="Gill Sans MT"/>
-              </a:defRPr>
-            </a:pPr>
-            <a:r>
-              <a:rPr sz="2800"/>
-              <a:t>Size of solution space: </a:t>
-            </a:r>
-            <a:r>
-              <a:rPr sz="2800">
-                <a:latin typeface="Courier New"/>
-                <a:ea typeface="Courier New"/>
-                <a:cs typeface="Courier New"/>
-                <a:sym typeface="Courier New"/>
-              </a:rPr>
-              <a:t>2</a:t>
-            </a:r>
-            <a:r>
-              <a:rPr baseline="31999" sz="2800">
-                <a:latin typeface="Courier New"/>
-                <a:ea typeface="Courier New"/>
-                <a:cs typeface="Courier New"/>
-                <a:sym typeface="Courier New"/>
-              </a:rPr>
-              <a:t>n</a:t>
-            </a:r>
-            <a:endParaRPr sz="2800"/>
-          </a:p>
-          <a:p>
-            <a:pPr lvl="1" marL="715327" indent="-320039">
-              <a:spcBef>
-                <a:spcPts val="200"/>
-              </a:spcBef>
-              <a:buChar char="•"/>
-              <a:defRPr>
-                <a:latin typeface="Gill Sans MT"/>
-                <a:ea typeface="Gill Sans MT"/>
-                <a:cs typeface="Gill Sans MT"/>
-                <a:sym typeface="Gill Sans MT"/>
-              </a:defRPr>
-            </a:pPr>
-            <a:r>
-              <a:rPr sz="2800"/>
-              <a:t>possible solutions</a:t>
-            </a:r>
-            <a:endParaRPr sz="2800"/>
-          </a:p>
-          <a:p>
-            <a:pPr lvl="2" marL="1172527" indent="-320039">
-              <a:spcBef>
-                <a:spcPts val="200"/>
-              </a:spcBef>
-              <a:defRPr sz="3000">
-                <a:latin typeface="Courier New"/>
-                <a:ea typeface="Courier New"/>
-                <a:cs typeface="Courier New"/>
-                <a:sym typeface="Courier New"/>
-              </a:defRPr>
-            </a:pPr>
-            <a:r>
-              <a:rPr sz="2800"/>
-              <a:t>{1,1,0,1}</a:t>
-            </a:r>
-            <a:endParaRPr sz="2800"/>
-          </a:p>
-          <a:p>
-            <a:pPr lvl="2" marL="1172527" indent="-320039">
-              <a:spcBef>
-                <a:spcPts val="200"/>
-              </a:spcBef>
-              <a:defRPr sz="3000">
-                <a:latin typeface="Courier New"/>
-                <a:ea typeface="Courier New"/>
-                <a:cs typeface="Courier New"/>
-                <a:sym typeface="Courier New"/>
-              </a:defRPr>
-            </a:pPr>
-            <a:r>
-              <a:rPr sz="2800"/>
-              <a:t>{0,0,1,1}</a:t>
-            </a:r>
-            <a:endParaRPr sz="2800"/>
-          </a:p>
-          <a:p>
-            <a:pPr marL="359727" indent="-320039">
-              <a:spcBef>
-                <a:spcPts val="200"/>
-              </a:spcBef>
-              <a:defRPr sz="3000">
-                <a:latin typeface="Gill Sans MT"/>
-                <a:ea typeface="Gill Sans MT"/>
-                <a:cs typeface="Gill Sans MT"/>
-                <a:sym typeface="Gill Sans MT"/>
-              </a:defRPr>
-            </a:pPr>
-            <a:r>
-              <a:rPr sz="2800"/>
-              <a:t>Solution approach 2</a:t>
-            </a:r>
-            <a:endParaRPr sz="2800"/>
-          </a:p>
-          <a:p>
-            <a:pPr lvl="1" marL="715327" indent="-320039">
-              <a:spcBef>
-                <a:spcPts val="200"/>
-              </a:spcBef>
-              <a:buChar char="•"/>
-              <a:defRPr>
-                <a:latin typeface="Gill Sans MT"/>
-                <a:ea typeface="Gill Sans MT"/>
-                <a:cs typeface="Gill Sans MT"/>
-                <a:sym typeface="Gill Sans MT"/>
-              </a:defRPr>
-            </a:pPr>
-            <a:r>
-              <a:rPr sz="2800"/>
-              <a:t>Solution contains the index values of elements.</a:t>
-            </a:r>
-            <a:endParaRPr sz="2800"/>
-          </a:p>
-          <a:p>
-            <a:pPr lvl="1" marL="715327" indent="-320039">
-              <a:spcBef>
-                <a:spcPts val="200"/>
-              </a:spcBef>
-              <a:buChar char="•"/>
-              <a:defRPr>
-                <a:latin typeface="Gill Sans MT"/>
-                <a:ea typeface="Gill Sans MT"/>
-                <a:cs typeface="Gill Sans MT"/>
-                <a:sym typeface="Gill Sans MT"/>
-              </a:defRPr>
-            </a:pPr>
-            <a:r>
-              <a:rPr sz="2800"/>
-              <a:t>Solution is a vector of varying dimensions</a:t>
-            </a:r>
-            <a:endParaRPr sz="2800"/>
-          </a:p>
-          <a:p>
-            <a:pPr lvl="1" marL="715327" indent="-320039">
-              <a:spcBef>
-                <a:spcPts val="200"/>
-              </a:spcBef>
-              <a:buChar char="•"/>
-              <a:defRPr>
-                <a:latin typeface="Gill Sans MT"/>
-                <a:ea typeface="Gill Sans MT"/>
-                <a:cs typeface="Gill Sans MT"/>
-                <a:sym typeface="Gill Sans MT"/>
-              </a:defRPr>
-            </a:pPr>
-            <a:r>
-              <a:rPr sz="2800"/>
-              <a:t>Possible solutions</a:t>
-            </a:r>
-            <a:endParaRPr sz="2800"/>
-          </a:p>
-          <a:p>
-            <a:pPr lvl="2" marL="1172527" indent="-320039">
-              <a:spcBef>
-                <a:spcPts val="200"/>
-              </a:spcBef>
-              <a:defRPr sz="3000">
-                <a:latin typeface="Courier New"/>
-                <a:ea typeface="Courier New"/>
-                <a:cs typeface="Courier New"/>
-                <a:sym typeface="Courier New"/>
-              </a:defRPr>
-            </a:pPr>
-            <a:r>
-              <a:rPr sz="2800"/>
-              <a:t>(1,2,4)</a:t>
-            </a:r>
-            <a:endParaRPr sz="2800"/>
-          </a:p>
-          <a:p>
-            <a:pPr lvl="2" marL="1172527" indent="-320039">
-              <a:spcBef>
-                <a:spcPts val="200"/>
-              </a:spcBef>
-              <a:defRPr sz="3000">
-                <a:latin typeface="Courier New"/>
-                <a:ea typeface="Courier New"/>
-                <a:cs typeface="Courier New"/>
-                <a:sym typeface="Courier New"/>
-              </a:defRPr>
-            </a:pPr>
-            <a:r>
-              <a:rPr sz="2800"/>
-              <a:t>(3,4)</a:t>
-            </a:r>
-          </a:p>
-        </p:txBody>
-      </p:sp>
-      <p:sp>
-        <p:nvSpPr>
-          <p:cNvPr id="318" name="Slide Number"/>
+          <p:cNvPr id="317" name="Slide Number"/>
           <p:cNvSpPr txBox="1"/>
           <p:nvPr>
             <p:ph type="sldNum" sz="quarter" idx="2"/>
@@ -6309,7 +5873,7 @@
       </p:sp>
       <p:sp>
         <p:nvSpPr>
-          <p:cNvPr id="319" name="RPR/"/>
+          <p:cNvPr id="318" name="RPR/"/>
           <p:cNvSpPr txBox="1"/>
           <p:nvPr/>
         </p:nvSpPr>
@@ -6349,7 +5913,7 @@
       </p:sp>
       <p:sp>
         <p:nvSpPr>
-          <p:cNvPr id="320" name="DAA/Backtracking, Branch&amp;Bound, NP-Complete"/>
+          <p:cNvPr id="319" name="DAA/Backtracking, Branch&amp;Bound, NP-Complete"/>
           <p:cNvSpPr txBox="1"/>
           <p:nvPr/>
         </p:nvSpPr>
@@ -6383,6 +5947,4297 @@
             <a:pPr/>
             <a:r>
               <a:t>DAA/Backtracking, Branch&amp;Bound, NP-Complete</a:t>
+            </a:r>
+          </a:p>
+        </p:txBody>
+      </p:sp>
+      <p:sp>
+        <p:nvSpPr>
+          <p:cNvPr id="320" name="c"/>
+          <p:cNvSpPr txBox="1"/>
+          <p:nvPr/>
+        </p:nvSpPr>
+        <p:spPr>
+          <a:xfrm>
+            <a:off x="2481673" y="6476584"/>
+            <a:ext cx="310689" cy="508001"/>
+          </a:xfrm>
+          <a:prstGeom prst="rect">
+            <a:avLst/>
+          </a:prstGeom>
+          <a:ln w="12700">
+            <a:miter lim="400000"/>
+          </a:ln>
+          <a:extLst>
+            <a:ext uri="{C572A759-6A51-4108-AA02-DFA0A04FC94B}">
+              <ma14:wrappingTextBoxFlag xmlns:ma14="http://schemas.microsoft.com/office/mac/drawingml/2011/main" val="1"/>
+            </a:ext>
+          </a:extLst>
+        </p:spPr>
+        <p:txBody>
+          <a:bodyPr wrap="none" lIns="50800" tIns="50800" rIns="50800" bIns="50800" anchor="ctr">
+            <a:spAutoFit/>
+          </a:bodyPr>
+          <a:lstStyle>
+            <a:lvl1pPr>
+              <a:defRPr sz="2800">
+                <a:latin typeface="Gill Sans MT"/>
+                <a:ea typeface="Gill Sans MT"/>
+                <a:cs typeface="Gill Sans MT"/>
+                <a:sym typeface="Gill Sans MT"/>
+              </a:defRPr>
+            </a:lvl1pPr>
+          </a:lstStyle>
+          <a:p>
+            <a:pPr/>
+            <a:r>
+              <a:t>c</a:t>
+            </a:r>
+          </a:p>
+        </p:txBody>
+      </p:sp>
+      <p:sp>
+        <p:nvSpPr>
+          <p:cNvPr id="321" name="a"/>
+          <p:cNvSpPr txBox="1"/>
+          <p:nvPr/>
+        </p:nvSpPr>
+        <p:spPr>
+          <a:xfrm>
+            <a:off x="1104148" y="6476584"/>
+            <a:ext cx="306696" cy="508001"/>
+          </a:xfrm>
+          <a:prstGeom prst="rect">
+            <a:avLst/>
+          </a:prstGeom>
+          <a:ln w="12700">
+            <a:miter lim="400000"/>
+          </a:ln>
+          <a:extLst>
+            <a:ext uri="{C572A759-6A51-4108-AA02-DFA0A04FC94B}">
+              <ma14:wrappingTextBoxFlag xmlns:ma14="http://schemas.microsoft.com/office/mac/drawingml/2011/main" val="1"/>
+            </a:ext>
+          </a:extLst>
+        </p:spPr>
+        <p:txBody>
+          <a:bodyPr wrap="none" lIns="50800" tIns="50800" rIns="50800" bIns="50800" anchor="ctr">
+            <a:spAutoFit/>
+          </a:bodyPr>
+          <a:lstStyle>
+            <a:lvl1pPr>
+              <a:defRPr sz="2800">
+                <a:latin typeface="Gill Sans MT"/>
+                <a:ea typeface="Gill Sans MT"/>
+                <a:cs typeface="Gill Sans MT"/>
+                <a:sym typeface="Gill Sans MT"/>
+              </a:defRPr>
+            </a:lvl1pPr>
+          </a:lstStyle>
+          <a:p>
+            <a:pPr/>
+            <a:r>
+              <a:t>a</a:t>
+            </a:r>
+          </a:p>
+        </p:txBody>
+      </p:sp>
+      <p:sp>
+        <p:nvSpPr>
+          <p:cNvPr id="322" name="b"/>
+          <p:cNvSpPr txBox="1"/>
+          <p:nvPr/>
+        </p:nvSpPr>
+        <p:spPr>
+          <a:xfrm>
+            <a:off x="1779888" y="6476584"/>
+            <a:ext cx="332741" cy="508001"/>
+          </a:xfrm>
+          <a:prstGeom prst="rect">
+            <a:avLst/>
+          </a:prstGeom>
+          <a:ln w="12700">
+            <a:miter lim="400000"/>
+          </a:ln>
+          <a:extLst>
+            <a:ext uri="{C572A759-6A51-4108-AA02-DFA0A04FC94B}">
+              <ma14:wrappingTextBoxFlag xmlns:ma14="http://schemas.microsoft.com/office/mac/drawingml/2011/main" val="1"/>
+            </a:ext>
+          </a:extLst>
+        </p:spPr>
+        <p:txBody>
+          <a:bodyPr wrap="none" lIns="50800" tIns="50800" rIns="50800" bIns="50800" anchor="ctr">
+            <a:spAutoFit/>
+          </a:bodyPr>
+          <a:lstStyle>
+            <a:lvl1pPr>
+              <a:defRPr sz="2800">
+                <a:latin typeface="Gill Sans MT"/>
+                <a:ea typeface="Gill Sans MT"/>
+                <a:cs typeface="Gill Sans MT"/>
+                <a:sym typeface="Gill Sans MT"/>
+              </a:defRPr>
+            </a:lvl1pPr>
+          </a:lstStyle>
+          <a:p>
+            <a:pPr/>
+            <a:r>
+              <a:t>b</a:t>
+            </a:r>
+          </a:p>
+        </p:txBody>
+      </p:sp>
+      <p:sp>
+        <p:nvSpPr>
+          <p:cNvPr id="323" name="f"/>
+          <p:cNvSpPr txBox="1"/>
+          <p:nvPr/>
+        </p:nvSpPr>
+        <p:spPr>
+          <a:xfrm>
+            <a:off x="4546397" y="6476584"/>
+            <a:ext cx="243841" cy="508001"/>
+          </a:xfrm>
+          <a:prstGeom prst="rect">
+            <a:avLst/>
+          </a:prstGeom>
+          <a:ln w="12700">
+            <a:miter lim="400000"/>
+          </a:ln>
+          <a:extLst>
+            <a:ext uri="{C572A759-6A51-4108-AA02-DFA0A04FC94B}">
+              <ma14:wrappingTextBoxFlag xmlns:ma14="http://schemas.microsoft.com/office/mac/drawingml/2011/main" val="1"/>
+            </a:ext>
+          </a:extLst>
+        </p:spPr>
+        <p:txBody>
+          <a:bodyPr wrap="none" lIns="50800" tIns="50800" rIns="50800" bIns="50800" anchor="ctr">
+            <a:spAutoFit/>
+          </a:bodyPr>
+          <a:lstStyle>
+            <a:lvl1pPr>
+              <a:defRPr sz="2800">
+                <a:latin typeface="Gill Sans MT"/>
+                <a:ea typeface="Gill Sans MT"/>
+                <a:cs typeface="Gill Sans MT"/>
+                <a:sym typeface="Gill Sans MT"/>
+              </a:defRPr>
+            </a:lvl1pPr>
+          </a:lstStyle>
+          <a:p>
+            <a:pPr/>
+            <a:r>
+              <a:t>f</a:t>
+            </a:r>
+          </a:p>
+        </p:txBody>
+      </p:sp>
+      <p:sp>
+        <p:nvSpPr>
+          <p:cNvPr id="324" name="e"/>
+          <p:cNvSpPr txBox="1"/>
+          <p:nvPr/>
+        </p:nvSpPr>
+        <p:spPr>
+          <a:xfrm>
+            <a:off x="3863191" y="6476584"/>
+            <a:ext cx="325275" cy="508001"/>
+          </a:xfrm>
+          <a:prstGeom prst="rect">
+            <a:avLst/>
+          </a:prstGeom>
+          <a:ln w="12700">
+            <a:miter lim="400000"/>
+          </a:ln>
+          <a:extLst>
+            <a:ext uri="{C572A759-6A51-4108-AA02-DFA0A04FC94B}">
+              <ma14:wrappingTextBoxFlag xmlns:ma14="http://schemas.microsoft.com/office/mac/drawingml/2011/main" val="1"/>
+            </a:ext>
+          </a:extLst>
+        </p:spPr>
+        <p:txBody>
+          <a:bodyPr wrap="none" lIns="50800" tIns="50800" rIns="50800" bIns="50800" anchor="ctr">
+            <a:spAutoFit/>
+          </a:bodyPr>
+          <a:lstStyle>
+            <a:lvl1pPr>
+              <a:defRPr sz="2800">
+                <a:latin typeface="Gill Sans MT"/>
+                <a:ea typeface="Gill Sans MT"/>
+                <a:cs typeface="Gill Sans MT"/>
+                <a:sym typeface="Gill Sans MT"/>
+              </a:defRPr>
+            </a:lvl1pPr>
+          </a:lstStyle>
+          <a:p>
+            <a:pPr/>
+            <a:r>
+              <a:t>e</a:t>
+            </a:r>
+          </a:p>
+        </p:txBody>
+      </p:sp>
+      <p:sp>
+        <p:nvSpPr>
+          <p:cNvPr id="325" name="d"/>
+          <p:cNvSpPr txBox="1"/>
+          <p:nvPr/>
+        </p:nvSpPr>
+        <p:spPr>
+          <a:xfrm>
+            <a:off x="3161406" y="6476584"/>
+            <a:ext cx="336214" cy="508001"/>
+          </a:xfrm>
+          <a:prstGeom prst="rect">
+            <a:avLst/>
+          </a:prstGeom>
+          <a:ln w="12700">
+            <a:miter lim="400000"/>
+          </a:ln>
+          <a:extLst>
+            <a:ext uri="{C572A759-6A51-4108-AA02-DFA0A04FC94B}">
+              <ma14:wrappingTextBoxFlag xmlns:ma14="http://schemas.microsoft.com/office/mac/drawingml/2011/main" val="1"/>
+            </a:ext>
+          </a:extLst>
+        </p:spPr>
+        <p:txBody>
+          <a:bodyPr wrap="none" lIns="50800" tIns="50800" rIns="50800" bIns="50800" anchor="ctr">
+            <a:spAutoFit/>
+          </a:bodyPr>
+          <a:lstStyle>
+            <a:lvl1pPr>
+              <a:defRPr sz="2800">
+                <a:latin typeface="Gill Sans MT"/>
+                <a:ea typeface="Gill Sans MT"/>
+                <a:cs typeface="Gill Sans MT"/>
+                <a:sym typeface="Gill Sans MT"/>
+              </a:defRPr>
+            </a:lvl1pPr>
+          </a:lstStyle>
+          <a:p>
+            <a:pPr/>
+            <a:r>
+              <a:t>d</a:t>
+            </a:r>
+          </a:p>
+        </p:txBody>
+      </p:sp>
+      <p:sp>
+        <p:nvSpPr>
+          <p:cNvPr id="326" name="h"/>
+          <p:cNvSpPr txBox="1"/>
+          <p:nvPr/>
+        </p:nvSpPr>
+        <p:spPr>
+          <a:xfrm>
+            <a:off x="5933446" y="6476584"/>
+            <a:ext cx="332741" cy="508001"/>
+          </a:xfrm>
+          <a:prstGeom prst="rect">
+            <a:avLst/>
+          </a:prstGeom>
+          <a:ln w="12700">
+            <a:miter lim="400000"/>
+          </a:ln>
+          <a:extLst>
+            <a:ext uri="{C572A759-6A51-4108-AA02-DFA0A04FC94B}">
+              <ma14:wrappingTextBoxFlag xmlns:ma14="http://schemas.microsoft.com/office/mac/drawingml/2011/main" val="1"/>
+            </a:ext>
+          </a:extLst>
+        </p:spPr>
+        <p:txBody>
+          <a:bodyPr wrap="none" lIns="50800" tIns="50800" rIns="50800" bIns="50800" anchor="ctr">
+            <a:spAutoFit/>
+          </a:bodyPr>
+          <a:lstStyle>
+            <a:lvl1pPr>
+              <a:defRPr sz="2800">
+                <a:latin typeface="Gill Sans MT"/>
+                <a:ea typeface="Gill Sans MT"/>
+                <a:cs typeface="Gill Sans MT"/>
+                <a:sym typeface="Gill Sans MT"/>
+              </a:defRPr>
+            </a:lvl1pPr>
+          </a:lstStyle>
+          <a:p>
+            <a:pPr/>
+            <a:r>
+              <a:t>h</a:t>
+            </a:r>
+          </a:p>
+        </p:txBody>
+      </p:sp>
+      <p:sp>
+        <p:nvSpPr>
+          <p:cNvPr id="327" name="g"/>
+          <p:cNvSpPr txBox="1"/>
+          <p:nvPr/>
+        </p:nvSpPr>
+        <p:spPr>
+          <a:xfrm>
+            <a:off x="5208494" y="6476584"/>
+            <a:ext cx="306696" cy="508001"/>
+          </a:xfrm>
+          <a:prstGeom prst="rect">
+            <a:avLst/>
+          </a:prstGeom>
+          <a:ln w="12700">
+            <a:miter lim="400000"/>
+          </a:ln>
+          <a:extLst>
+            <a:ext uri="{C572A759-6A51-4108-AA02-DFA0A04FC94B}">
+              <ma14:wrappingTextBoxFlag xmlns:ma14="http://schemas.microsoft.com/office/mac/drawingml/2011/main" val="1"/>
+            </a:ext>
+          </a:extLst>
+        </p:spPr>
+        <p:txBody>
+          <a:bodyPr wrap="none" lIns="50800" tIns="50800" rIns="50800" bIns="50800" anchor="ctr">
+            <a:spAutoFit/>
+          </a:bodyPr>
+          <a:lstStyle>
+            <a:lvl1pPr>
+              <a:defRPr sz="2800">
+                <a:latin typeface="Gill Sans MT"/>
+                <a:ea typeface="Gill Sans MT"/>
+                <a:cs typeface="Gill Sans MT"/>
+                <a:sym typeface="Gill Sans MT"/>
+              </a:defRPr>
+            </a:lvl1pPr>
+          </a:lstStyle>
+          <a:p>
+            <a:pPr/>
+            <a:r>
+              <a:t>g</a:t>
+            </a:r>
+          </a:p>
+        </p:txBody>
+      </p:sp>
+      <p:sp>
+        <p:nvSpPr>
+          <p:cNvPr id="328" name="1"/>
+          <p:cNvSpPr txBox="1"/>
+          <p:nvPr/>
+        </p:nvSpPr>
+        <p:spPr>
+          <a:xfrm>
+            <a:off x="525113" y="6000081"/>
+            <a:ext cx="338582" cy="484499"/>
+          </a:xfrm>
+          <a:prstGeom prst="rect">
+            <a:avLst/>
+          </a:prstGeom>
+          <a:ln w="12700">
+            <a:miter lim="400000"/>
+          </a:ln>
+          <a:extLst>
+            <a:ext uri="{C572A759-6A51-4108-AA02-DFA0A04FC94B}">
+              <ma14:wrappingTextBoxFlag xmlns:ma14="http://schemas.microsoft.com/office/mac/drawingml/2011/main" val="1"/>
+            </a:ext>
+          </a:extLst>
+        </p:spPr>
+        <p:txBody>
+          <a:bodyPr wrap="none" lIns="50800" tIns="50800" rIns="50800" bIns="50800" anchor="ctr">
+            <a:spAutoFit/>
+          </a:bodyPr>
+          <a:lstStyle>
+            <a:lvl1pPr>
+              <a:defRPr sz="2600">
+                <a:latin typeface="Arial"/>
+                <a:ea typeface="Arial"/>
+                <a:cs typeface="Arial"/>
+                <a:sym typeface="Arial"/>
+              </a:defRPr>
+            </a:lvl1pPr>
+          </a:lstStyle>
+          <a:p>
+            <a:pPr/>
+            <a:r>
+              <a:t>1</a:t>
+            </a:r>
+          </a:p>
+        </p:txBody>
+      </p:sp>
+      <p:sp>
+        <p:nvSpPr>
+          <p:cNvPr id="329" name="2"/>
+          <p:cNvSpPr txBox="1"/>
+          <p:nvPr/>
+        </p:nvSpPr>
+        <p:spPr>
+          <a:xfrm>
+            <a:off x="525113" y="5395429"/>
+            <a:ext cx="338582" cy="484498"/>
+          </a:xfrm>
+          <a:prstGeom prst="rect">
+            <a:avLst/>
+          </a:prstGeom>
+          <a:ln w="12700">
+            <a:miter lim="400000"/>
+          </a:ln>
+          <a:extLst>
+            <a:ext uri="{C572A759-6A51-4108-AA02-DFA0A04FC94B}">
+              <ma14:wrappingTextBoxFlag xmlns:ma14="http://schemas.microsoft.com/office/mac/drawingml/2011/main" val="1"/>
+            </a:ext>
+          </a:extLst>
+        </p:spPr>
+        <p:txBody>
+          <a:bodyPr wrap="none" lIns="50800" tIns="50800" rIns="50800" bIns="50800" anchor="ctr">
+            <a:spAutoFit/>
+          </a:bodyPr>
+          <a:lstStyle>
+            <a:lvl1pPr>
+              <a:defRPr sz="2600">
+                <a:latin typeface="Arial"/>
+                <a:ea typeface="Arial"/>
+                <a:cs typeface="Arial"/>
+                <a:sym typeface="Arial"/>
+              </a:defRPr>
+            </a:lvl1pPr>
+          </a:lstStyle>
+          <a:p>
+            <a:pPr/>
+            <a:r>
+              <a:t>2</a:t>
+            </a:r>
+          </a:p>
+        </p:txBody>
+      </p:sp>
+      <p:sp>
+        <p:nvSpPr>
+          <p:cNvPr id="330" name="3"/>
+          <p:cNvSpPr txBox="1"/>
+          <p:nvPr/>
+        </p:nvSpPr>
+        <p:spPr>
+          <a:xfrm>
+            <a:off x="525113" y="4663776"/>
+            <a:ext cx="338582" cy="484498"/>
+          </a:xfrm>
+          <a:prstGeom prst="rect">
+            <a:avLst/>
+          </a:prstGeom>
+          <a:ln w="12700">
+            <a:miter lim="400000"/>
+          </a:ln>
+          <a:extLst>
+            <a:ext uri="{C572A759-6A51-4108-AA02-DFA0A04FC94B}">
+              <ma14:wrappingTextBoxFlag xmlns:ma14="http://schemas.microsoft.com/office/mac/drawingml/2011/main" val="1"/>
+            </a:ext>
+          </a:extLst>
+        </p:spPr>
+        <p:txBody>
+          <a:bodyPr wrap="none" lIns="50800" tIns="50800" rIns="50800" bIns="50800" anchor="ctr">
+            <a:spAutoFit/>
+          </a:bodyPr>
+          <a:lstStyle>
+            <a:lvl1pPr>
+              <a:defRPr sz="2600">
+                <a:latin typeface="Arial"/>
+                <a:ea typeface="Arial"/>
+                <a:cs typeface="Arial"/>
+                <a:sym typeface="Arial"/>
+              </a:defRPr>
+            </a:lvl1pPr>
+          </a:lstStyle>
+          <a:p>
+            <a:pPr/>
+            <a:r>
+              <a:t>3</a:t>
+            </a:r>
+          </a:p>
+        </p:txBody>
+      </p:sp>
+      <p:sp>
+        <p:nvSpPr>
+          <p:cNvPr id="331" name="4"/>
+          <p:cNvSpPr txBox="1"/>
+          <p:nvPr/>
+        </p:nvSpPr>
+        <p:spPr>
+          <a:xfrm>
+            <a:off x="525113" y="3932123"/>
+            <a:ext cx="338582" cy="484498"/>
+          </a:xfrm>
+          <a:prstGeom prst="rect">
+            <a:avLst/>
+          </a:prstGeom>
+          <a:ln w="12700">
+            <a:miter lim="400000"/>
+          </a:ln>
+          <a:extLst>
+            <a:ext uri="{C572A759-6A51-4108-AA02-DFA0A04FC94B}">
+              <ma14:wrappingTextBoxFlag xmlns:ma14="http://schemas.microsoft.com/office/mac/drawingml/2011/main" val="1"/>
+            </a:ext>
+          </a:extLst>
+        </p:spPr>
+        <p:txBody>
+          <a:bodyPr wrap="none" lIns="50800" tIns="50800" rIns="50800" bIns="50800" anchor="ctr">
+            <a:spAutoFit/>
+          </a:bodyPr>
+          <a:lstStyle>
+            <a:lvl1pPr>
+              <a:defRPr sz="2600">
+                <a:latin typeface="Arial"/>
+                <a:ea typeface="Arial"/>
+                <a:cs typeface="Arial"/>
+                <a:sym typeface="Arial"/>
+              </a:defRPr>
+            </a:lvl1pPr>
+          </a:lstStyle>
+          <a:p>
+            <a:pPr/>
+            <a:r>
+              <a:t>4</a:t>
+            </a:r>
+          </a:p>
+        </p:txBody>
+      </p:sp>
+      <p:sp>
+        <p:nvSpPr>
+          <p:cNvPr id="332" name="5"/>
+          <p:cNvSpPr txBox="1"/>
+          <p:nvPr/>
+        </p:nvSpPr>
+        <p:spPr>
+          <a:xfrm>
+            <a:off x="525113" y="3327470"/>
+            <a:ext cx="338582" cy="484498"/>
+          </a:xfrm>
+          <a:prstGeom prst="rect">
+            <a:avLst/>
+          </a:prstGeom>
+          <a:ln w="12700">
+            <a:miter lim="400000"/>
+          </a:ln>
+          <a:extLst>
+            <a:ext uri="{C572A759-6A51-4108-AA02-DFA0A04FC94B}">
+              <ma14:wrappingTextBoxFlag xmlns:ma14="http://schemas.microsoft.com/office/mac/drawingml/2011/main" val="1"/>
+            </a:ext>
+          </a:extLst>
+        </p:spPr>
+        <p:txBody>
+          <a:bodyPr wrap="none" lIns="50800" tIns="50800" rIns="50800" bIns="50800" anchor="ctr">
+            <a:spAutoFit/>
+          </a:bodyPr>
+          <a:lstStyle>
+            <a:lvl1pPr>
+              <a:defRPr sz="2600">
+                <a:latin typeface="Arial"/>
+                <a:ea typeface="Arial"/>
+                <a:cs typeface="Arial"/>
+                <a:sym typeface="Arial"/>
+              </a:defRPr>
+            </a:lvl1pPr>
+          </a:lstStyle>
+          <a:p>
+            <a:pPr/>
+            <a:r>
+              <a:t>5</a:t>
+            </a:r>
+          </a:p>
+        </p:txBody>
+      </p:sp>
+      <p:sp>
+        <p:nvSpPr>
+          <p:cNvPr id="333" name="6"/>
+          <p:cNvSpPr txBox="1"/>
+          <p:nvPr/>
+        </p:nvSpPr>
+        <p:spPr>
+          <a:xfrm>
+            <a:off x="525113" y="2626294"/>
+            <a:ext cx="338582" cy="484499"/>
+          </a:xfrm>
+          <a:prstGeom prst="rect">
+            <a:avLst/>
+          </a:prstGeom>
+          <a:ln w="12700">
+            <a:miter lim="400000"/>
+          </a:ln>
+          <a:extLst>
+            <a:ext uri="{C572A759-6A51-4108-AA02-DFA0A04FC94B}">
+              <ma14:wrappingTextBoxFlag xmlns:ma14="http://schemas.microsoft.com/office/mac/drawingml/2011/main" val="1"/>
+            </a:ext>
+          </a:extLst>
+        </p:spPr>
+        <p:txBody>
+          <a:bodyPr wrap="none" lIns="50800" tIns="50800" rIns="50800" bIns="50800" anchor="ctr">
+            <a:spAutoFit/>
+          </a:bodyPr>
+          <a:lstStyle>
+            <a:lvl1pPr>
+              <a:defRPr sz="2600">
+                <a:latin typeface="Arial"/>
+                <a:ea typeface="Arial"/>
+                <a:cs typeface="Arial"/>
+                <a:sym typeface="Arial"/>
+              </a:defRPr>
+            </a:lvl1pPr>
+          </a:lstStyle>
+          <a:p>
+            <a:pPr/>
+            <a:r>
+              <a:t>6</a:t>
+            </a:r>
+          </a:p>
+        </p:txBody>
+      </p:sp>
+      <p:sp>
+        <p:nvSpPr>
+          <p:cNvPr id="334" name="7"/>
+          <p:cNvSpPr txBox="1"/>
+          <p:nvPr/>
+        </p:nvSpPr>
+        <p:spPr>
+          <a:xfrm>
+            <a:off x="509169" y="1991164"/>
+            <a:ext cx="338583" cy="484498"/>
+          </a:xfrm>
+          <a:prstGeom prst="rect">
+            <a:avLst/>
+          </a:prstGeom>
+          <a:ln w="12700">
+            <a:miter lim="400000"/>
+          </a:ln>
+          <a:extLst>
+            <a:ext uri="{C572A759-6A51-4108-AA02-DFA0A04FC94B}">
+              <ma14:wrappingTextBoxFlag xmlns:ma14="http://schemas.microsoft.com/office/mac/drawingml/2011/main" val="1"/>
+            </a:ext>
+          </a:extLst>
+        </p:spPr>
+        <p:txBody>
+          <a:bodyPr wrap="none" lIns="50800" tIns="50800" rIns="50800" bIns="50800" anchor="ctr">
+            <a:spAutoFit/>
+          </a:bodyPr>
+          <a:lstStyle>
+            <a:lvl1pPr>
+              <a:defRPr sz="2600">
+                <a:latin typeface="Arial"/>
+                <a:ea typeface="Arial"/>
+                <a:cs typeface="Arial"/>
+                <a:sym typeface="Arial"/>
+              </a:defRPr>
+            </a:lvl1pPr>
+          </a:lstStyle>
+          <a:p>
+            <a:pPr/>
+            <a:r>
+              <a:t>7</a:t>
+            </a:r>
+          </a:p>
+        </p:txBody>
+      </p:sp>
+      <p:sp>
+        <p:nvSpPr>
+          <p:cNvPr id="335" name="8"/>
+          <p:cNvSpPr txBox="1"/>
+          <p:nvPr/>
+        </p:nvSpPr>
+        <p:spPr>
+          <a:xfrm>
+            <a:off x="525113" y="1320466"/>
+            <a:ext cx="338582" cy="484499"/>
+          </a:xfrm>
+          <a:prstGeom prst="rect">
+            <a:avLst/>
+          </a:prstGeom>
+          <a:ln w="12700">
+            <a:miter lim="400000"/>
+          </a:ln>
+          <a:extLst>
+            <a:ext uri="{C572A759-6A51-4108-AA02-DFA0A04FC94B}">
+              <ma14:wrappingTextBoxFlag xmlns:ma14="http://schemas.microsoft.com/office/mac/drawingml/2011/main" val="1"/>
+            </a:ext>
+          </a:extLst>
+        </p:spPr>
+        <p:txBody>
+          <a:bodyPr wrap="none" lIns="50800" tIns="50800" rIns="50800" bIns="50800" anchor="ctr">
+            <a:spAutoFit/>
+          </a:bodyPr>
+          <a:lstStyle>
+            <a:lvl1pPr>
+              <a:defRPr sz="2600">
+                <a:latin typeface="Arial"/>
+                <a:ea typeface="Arial"/>
+                <a:cs typeface="Arial"/>
+                <a:sym typeface="Arial"/>
+              </a:defRPr>
+            </a:lvl1pPr>
+          </a:lstStyle>
+          <a:p>
+            <a:pPr/>
+            <a:r>
+              <a:t>8</a:t>
+            </a:r>
+          </a:p>
+        </p:txBody>
+      </p:sp>
+      <p:sp>
+        <p:nvSpPr>
+          <p:cNvPr id="336" name="Q1"/>
+          <p:cNvSpPr txBox="1"/>
+          <p:nvPr/>
+        </p:nvSpPr>
+        <p:spPr>
+          <a:xfrm>
+            <a:off x="1129580" y="4671074"/>
+            <a:ext cx="509833" cy="469901"/>
+          </a:xfrm>
+          <a:prstGeom prst="rect">
+            <a:avLst/>
+          </a:prstGeom>
+          <a:ln w="12700">
+            <a:miter lim="400000"/>
+          </a:ln>
+          <a:extLst>
+            <a:ext uri="{C572A759-6A51-4108-AA02-DFA0A04FC94B}">
+              <ma14:wrappingTextBoxFlag xmlns:ma14="http://schemas.microsoft.com/office/mac/drawingml/2011/main" val="1"/>
+            </a:ext>
+          </a:extLst>
+        </p:spPr>
+        <p:txBody>
+          <a:bodyPr wrap="none" lIns="50800" tIns="50800" rIns="50800" bIns="50800" anchor="ctr">
+            <a:spAutoFit/>
+          </a:bodyPr>
+          <a:lstStyle/>
+          <a:p>
+            <a:pPr marL="0" algn="ctr">
+              <a:lnSpc>
+                <a:spcPct val="90000"/>
+              </a:lnSpc>
+              <a:spcBef>
+                <a:spcPts val="700"/>
+              </a:spcBef>
+              <a:tabLst>
+                <a:tab pos="914400" algn="l"/>
+              </a:tabLst>
+              <a:defRPr b="1" sz="2500">
+                <a:latin typeface="Gill Sans MT"/>
+                <a:ea typeface="Gill Sans MT"/>
+                <a:cs typeface="Gill Sans MT"/>
+                <a:sym typeface="Gill Sans MT"/>
+              </a:defRPr>
+            </a:pPr>
+            <a:r>
+              <a:t>Q</a:t>
+            </a:r>
+            <a:r>
+              <a:rPr baseline="-5999">
+                <a:latin typeface="Arial"/>
+                <a:ea typeface="Arial"/>
+                <a:cs typeface="Arial"/>
+                <a:sym typeface="Arial"/>
+              </a:rPr>
+              <a:t>1</a:t>
+            </a:r>
+          </a:p>
+        </p:txBody>
+      </p:sp>
+      <p:sp>
+        <p:nvSpPr>
+          <p:cNvPr id="337" name="Q2"/>
+          <p:cNvSpPr txBox="1"/>
+          <p:nvPr/>
+        </p:nvSpPr>
+        <p:spPr>
+          <a:xfrm>
+            <a:off x="1691342" y="3334768"/>
+            <a:ext cx="509833" cy="469901"/>
+          </a:xfrm>
+          <a:prstGeom prst="rect">
+            <a:avLst/>
+          </a:prstGeom>
+          <a:ln w="12700">
+            <a:miter lim="400000"/>
+          </a:ln>
+          <a:extLst>
+            <a:ext uri="{C572A759-6A51-4108-AA02-DFA0A04FC94B}">
+              <ma14:wrappingTextBoxFlag xmlns:ma14="http://schemas.microsoft.com/office/mac/drawingml/2011/main" val="1"/>
+            </a:ext>
+          </a:extLst>
+        </p:spPr>
+        <p:txBody>
+          <a:bodyPr wrap="none" lIns="50800" tIns="50800" rIns="50800" bIns="50800" anchor="ctr">
+            <a:spAutoFit/>
+          </a:bodyPr>
+          <a:lstStyle/>
+          <a:p>
+            <a:pPr marL="0" algn="ctr">
+              <a:lnSpc>
+                <a:spcPct val="90000"/>
+              </a:lnSpc>
+              <a:spcBef>
+                <a:spcPts val="700"/>
+              </a:spcBef>
+              <a:tabLst>
+                <a:tab pos="914400" algn="l"/>
+              </a:tabLst>
+              <a:defRPr b="1" sz="2500">
+                <a:latin typeface="Gill Sans MT"/>
+                <a:ea typeface="Gill Sans MT"/>
+                <a:cs typeface="Gill Sans MT"/>
+                <a:sym typeface="Gill Sans MT"/>
+              </a:defRPr>
+            </a:pPr>
+            <a:r>
+              <a:t>Q</a:t>
+            </a:r>
+            <a:r>
+              <a:rPr baseline="-5999">
+                <a:latin typeface="Arial"/>
+                <a:ea typeface="Arial"/>
+                <a:cs typeface="Arial"/>
+                <a:sym typeface="Arial"/>
+              </a:rPr>
+              <a:t>2</a:t>
+            </a:r>
+          </a:p>
+        </p:txBody>
+      </p:sp>
+      <p:sp>
+        <p:nvSpPr>
+          <p:cNvPr id="338" name="Q3"/>
+          <p:cNvSpPr txBox="1"/>
+          <p:nvPr/>
+        </p:nvSpPr>
+        <p:spPr>
+          <a:xfrm>
+            <a:off x="2382101" y="5402727"/>
+            <a:ext cx="509833" cy="469901"/>
+          </a:xfrm>
+          <a:prstGeom prst="rect">
+            <a:avLst/>
+          </a:prstGeom>
+          <a:ln w="12700">
+            <a:miter lim="400000"/>
+          </a:ln>
+          <a:extLst>
+            <a:ext uri="{C572A759-6A51-4108-AA02-DFA0A04FC94B}">
+              <ma14:wrappingTextBoxFlag xmlns:ma14="http://schemas.microsoft.com/office/mac/drawingml/2011/main" val="1"/>
+            </a:ext>
+          </a:extLst>
+        </p:spPr>
+        <p:txBody>
+          <a:bodyPr wrap="none" lIns="50800" tIns="50800" rIns="50800" bIns="50800" anchor="ctr">
+            <a:spAutoFit/>
+          </a:bodyPr>
+          <a:lstStyle/>
+          <a:p>
+            <a:pPr marL="0" algn="ctr">
+              <a:lnSpc>
+                <a:spcPct val="90000"/>
+              </a:lnSpc>
+              <a:spcBef>
+                <a:spcPts val="700"/>
+              </a:spcBef>
+              <a:tabLst>
+                <a:tab pos="914400" algn="l"/>
+              </a:tabLst>
+              <a:defRPr b="1" sz="2500">
+                <a:latin typeface="Gill Sans MT"/>
+                <a:ea typeface="Gill Sans MT"/>
+                <a:cs typeface="Gill Sans MT"/>
+                <a:sym typeface="Gill Sans MT"/>
+              </a:defRPr>
+            </a:pPr>
+            <a:r>
+              <a:t>Q</a:t>
+            </a:r>
+            <a:r>
+              <a:rPr baseline="-5999">
+                <a:latin typeface="Arial"/>
+                <a:ea typeface="Arial"/>
+                <a:cs typeface="Arial"/>
+                <a:sym typeface="Arial"/>
+              </a:rPr>
+              <a:t>3</a:t>
+            </a:r>
+          </a:p>
+        </p:txBody>
+      </p:sp>
+      <p:sp>
+        <p:nvSpPr>
+          <p:cNvPr id="339" name="Q4"/>
+          <p:cNvSpPr txBox="1"/>
+          <p:nvPr/>
+        </p:nvSpPr>
+        <p:spPr>
+          <a:xfrm>
+            <a:off x="3074596" y="1327765"/>
+            <a:ext cx="509833" cy="469901"/>
+          </a:xfrm>
+          <a:prstGeom prst="rect">
+            <a:avLst/>
+          </a:prstGeom>
+          <a:ln w="12700">
+            <a:miter lim="400000"/>
+          </a:ln>
+          <a:extLst>
+            <a:ext uri="{C572A759-6A51-4108-AA02-DFA0A04FC94B}">
+              <ma14:wrappingTextBoxFlag xmlns:ma14="http://schemas.microsoft.com/office/mac/drawingml/2011/main" val="1"/>
+            </a:ext>
+          </a:extLst>
+        </p:spPr>
+        <p:txBody>
+          <a:bodyPr wrap="none" lIns="50800" tIns="50800" rIns="50800" bIns="50800" anchor="ctr">
+            <a:spAutoFit/>
+          </a:bodyPr>
+          <a:lstStyle/>
+          <a:p>
+            <a:pPr marL="0" algn="ctr">
+              <a:lnSpc>
+                <a:spcPct val="90000"/>
+              </a:lnSpc>
+              <a:spcBef>
+                <a:spcPts val="700"/>
+              </a:spcBef>
+              <a:tabLst>
+                <a:tab pos="914400" algn="l"/>
+              </a:tabLst>
+              <a:defRPr b="1" sz="2500">
+                <a:latin typeface="Gill Sans MT"/>
+                <a:ea typeface="Gill Sans MT"/>
+                <a:cs typeface="Gill Sans MT"/>
+                <a:sym typeface="Gill Sans MT"/>
+              </a:defRPr>
+            </a:pPr>
+            <a:r>
+              <a:t>Q</a:t>
+            </a:r>
+            <a:r>
+              <a:rPr baseline="-5999">
+                <a:latin typeface="Arial"/>
+                <a:ea typeface="Arial"/>
+                <a:cs typeface="Arial"/>
+                <a:sym typeface="Arial"/>
+              </a:rPr>
+              <a:t>4</a:t>
+            </a:r>
+          </a:p>
+        </p:txBody>
+      </p:sp>
+      <p:sp>
+        <p:nvSpPr>
+          <p:cNvPr id="340" name="Q5"/>
+          <p:cNvSpPr txBox="1"/>
+          <p:nvPr/>
+        </p:nvSpPr>
+        <p:spPr>
+          <a:xfrm>
+            <a:off x="3745512" y="6007380"/>
+            <a:ext cx="509833" cy="469901"/>
+          </a:xfrm>
+          <a:prstGeom prst="rect">
+            <a:avLst/>
+          </a:prstGeom>
+          <a:ln w="12700">
+            <a:miter lim="400000"/>
+          </a:ln>
+          <a:extLst>
+            <a:ext uri="{C572A759-6A51-4108-AA02-DFA0A04FC94B}">
+              <ma14:wrappingTextBoxFlag xmlns:ma14="http://schemas.microsoft.com/office/mac/drawingml/2011/main" val="1"/>
+            </a:ext>
+          </a:extLst>
+        </p:spPr>
+        <p:txBody>
+          <a:bodyPr wrap="none" lIns="50800" tIns="50800" rIns="50800" bIns="50800" anchor="ctr">
+            <a:spAutoFit/>
+          </a:bodyPr>
+          <a:lstStyle/>
+          <a:p>
+            <a:pPr marL="0" algn="ctr">
+              <a:lnSpc>
+                <a:spcPct val="90000"/>
+              </a:lnSpc>
+              <a:spcBef>
+                <a:spcPts val="700"/>
+              </a:spcBef>
+              <a:tabLst>
+                <a:tab pos="914400" algn="l"/>
+              </a:tabLst>
+              <a:defRPr b="1" sz="2500">
+                <a:latin typeface="Gill Sans MT"/>
+                <a:ea typeface="Gill Sans MT"/>
+                <a:cs typeface="Gill Sans MT"/>
+                <a:sym typeface="Gill Sans MT"/>
+              </a:defRPr>
+            </a:pPr>
+            <a:r>
+              <a:t>Q</a:t>
+            </a:r>
+            <a:r>
+              <a:rPr baseline="-5999">
+                <a:latin typeface="Arial"/>
+                <a:ea typeface="Arial"/>
+                <a:cs typeface="Arial"/>
+                <a:sym typeface="Arial"/>
+              </a:rPr>
+              <a:t>5</a:t>
+            </a:r>
+          </a:p>
+        </p:txBody>
+      </p:sp>
+      <p:sp>
+        <p:nvSpPr>
+          <p:cNvPr id="341" name="Q6"/>
+          <p:cNvSpPr txBox="1"/>
+          <p:nvPr/>
+        </p:nvSpPr>
+        <p:spPr>
+          <a:xfrm>
+            <a:off x="4413401" y="1998463"/>
+            <a:ext cx="509833" cy="469901"/>
+          </a:xfrm>
+          <a:prstGeom prst="rect">
+            <a:avLst/>
+          </a:prstGeom>
+          <a:ln w="12700">
+            <a:miter lim="400000"/>
+          </a:ln>
+          <a:extLst>
+            <a:ext uri="{C572A759-6A51-4108-AA02-DFA0A04FC94B}">
+              <ma14:wrappingTextBoxFlag xmlns:ma14="http://schemas.microsoft.com/office/mac/drawingml/2011/main" val="1"/>
+            </a:ext>
+          </a:extLst>
+        </p:spPr>
+        <p:txBody>
+          <a:bodyPr wrap="none" lIns="50800" tIns="50800" rIns="50800" bIns="50800" anchor="ctr">
+            <a:spAutoFit/>
+          </a:bodyPr>
+          <a:lstStyle/>
+          <a:p>
+            <a:pPr marL="0" algn="ctr">
+              <a:lnSpc>
+                <a:spcPct val="90000"/>
+              </a:lnSpc>
+              <a:spcBef>
+                <a:spcPts val="700"/>
+              </a:spcBef>
+              <a:tabLst>
+                <a:tab pos="914400" algn="l"/>
+              </a:tabLst>
+              <a:defRPr b="1" sz="2500">
+                <a:latin typeface="Gill Sans MT"/>
+                <a:ea typeface="Gill Sans MT"/>
+                <a:cs typeface="Gill Sans MT"/>
+                <a:sym typeface="Gill Sans MT"/>
+              </a:defRPr>
+            </a:pPr>
+            <a:r>
+              <a:t>Q</a:t>
+            </a:r>
+            <a:r>
+              <a:rPr baseline="-5999">
+                <a:latin typeface="Arial"/>
+                <a:ea typeface="Arial"/>
+                <a:cs typeface="Arial"/>
+                <a:sym typeface="Arial"/>
+              </a:rPr>
+              <a:t>6</a:t>
+            </a:r>
+          </a:p>
+        </p:txBody>
+      </p:sp>
+      <p:sp>
+        <p:nvSpPr>
+          <p:cNvPr id="342" name="Q7"/>
+          <p:cNvSpPr txBox="1"/>
+          <p:nvPr/>
+        </p:nvSpPr>
+        <p:spPr>
+          <a:xfrm>
+            <a:off x="5106926" y="3939421"/>
+            <a:ext cx="509832" cy="469901"/>
+          </a:xfrm>
+          <a:prstGeom prst="rect">
+            <a:avLst/>
+          </a:prstGeom>
+          <a:ln w="12700">
+            <a:miter lim="400000"/>
+          </a:ln>
+          <a:extLst>
+            <a:ext uri="{C572A759-6A51-4108-AA02-DFA0A04FC94B}">
+              <ma14:wrappingTextBoxFlag xmlns:ma14="http://schemas.microsoft.com/office/mac/drawingml/2011/main" val="1"/>
+            </a:ext>
+          </a:extLst>
+        </p:spPr>
+        <p:txBody>
+          <a:bodyPr wrap="none" lIns="50800" tIns="50800" rIns="50800" bIns="50800" anchor="ctr">
+            <a:spAutoFit/>
+          </a:bodyPr>
+          <a:lstStyle/>
+          <a:p>
+            <a:pPr marL="0" algn="ctr">
+              <a:lnSpc>
+                <a:spcPct val="90000"/>
+              </a:lnSpc>
+              <a:spcBef>
+                <a:spcPts val="700"/>
+              </a:spcBef>
+              <a:tabLst>
+                <a:tab pos="914400" algn="l"/>
+              </a:tabLst>
+              <a:defRPr b="1" sz="2500">
+                <a:latin typeface="Gill Sans MT"/>
+                <a:ea typeface="Gill Sans MT"/>
+                <a:cs typeface="Gill Sans MT"/>
+                <a:sym typeface="Gill Sans MT"/>
+              </a:defRPr>
+            </a:pPr>
+            <a:r>
+              <a:t>Q</a:t>
+            </a:r>
+            <a:r>
+              <a:rPr baseline="-5999">
+                <a:latin typeface="Arial"/>
+                <a:ea typeface="Arial"/>
+                <a:cs typeface="Arial"/>
+                <a:sym typeface="Arial"/>
+              </a:rPr>
+              <a:t>7</a:t>
+            </a:r>
+          </a:p>
+        </p:txBody>
+      </p:sp>
+      <p:sp>
+        <p:nvSpPr>
+          <p:cNvPr id="343" name="Q8"/>
+          <p:cNvSpPr txBox="1"/>
+          <p:nvPr/>
+        </p:nvSpPr>
+        <p:spPr>
+          <a:xfrm>
+            <a:off x="5723022" y="2633593"/>
+            <a:ext cx="509832" cy="469901"/>
+          </a:xfrm>
+          <a:prstGeom prst="rect">
+            <a:avLst/>
+          </a:prstGeom>
+          <a:ln w="12700">
+            <a:miter lim="400000"/>
+          </a:ln>
+          <a:extLst>
+            <a:ext uri="{C572A759-6A51-4108-AA02-DFA0A04FC94B}">
+              <ma14:wrappingTextBoxFlag xmlns:ma14="http://schemas.microsoft.com/office/mac/drawingml/2011/main" val="1"/>
+            </a:ext>
+          </a:extLst>
+        </p:spPr>
+        <p:txBody>
+          <a:bodyPr wrap="none" lIns="50800" tIns="50800" rIns="50800" bIns="50800" anchor="ctr">
+            <a:spAutoFit/>
+          </a:bodyPr>
+          <a:lstStyle/>
+          <a:p>
+            <a:pPr marL="0" algn="ctr">
+              <a:lnSpc>
+                <a:spcPct val="90000"/>
+              </a:lnSpc>
+              <a:spcBef>
+                <a:spcPts val="700"/>
+              </a:spcBef>
+              <a:tabLst>
+                <a:tab pos="914400" algn="l"/>
+              </a:tabLst>
+              <a:defRPr b="1" sz="2500">
+                <a:latin typeface="Gill Sans MT"/>
+                <a:ea typeface="Gill Sans MT"/>
+                <a:cs typeface="Gill Sans MT"/>
+                <a:sym typeface="Gill Sans MT"/>
+              </a:defRPr>
+            </a:pPr>
+            <a:r>
+              <a:t>Q</a:t>
+            </a:r>
+            <a:r>
+              <a:rPr baseline="-5999">
+                <a:latin typeface="Arial"/>
+                <a:ea typeface="Arial"/>
+                <a:cs typeface="Arial"/>
+                <a:sym typeface="Arial"/>
+              </a:rPr>
+              <a:t>8</a:t>
+            </a:r>
+          </a:p>
+        </p:txBody>
+      </p:sp>
+      <p:graphicFrame>
+        <p:nvGraphicFramePr>
+          <p:cNvPr id="344" name="Table"/>
+          <p:cNvGraphicFramePr/>
+          <p:nvPr/>
+        </p:nvGraphicFramePr>
+        <p:xfrm>
+          <a:off x="1036350" y="1244678"/>
+          <a:ext cx="5396490" cy="5391642"/>
+        </p:xfrm>
+        <a:graphic xmlns:a="http://schemas.openxmlformats.org/drawingml/2006/main">
+          <a:graphicData uri="http://schemas.openxmlformats.org/drawingml/2006/table">
+            <a:tbl>
+              <a:tblPr firstCol="0" firstRow="0" lastCol="0" lastRow="0" bandCol="0" bandRow="0" rtl="0">
+                <a:tableStyleId>{8F44A2F1-9E1F-4B54-A3A2-5F16C0AD49E2}</a:tableStyleId>
+              </a:tblPr>
+              <a:tblGrid>
+                <a:gridCol w="670989"/>
+                <a:gridCol w="670989"/>
+                <a:gridCol w="670989"/>
+                <a:gridCol w="670989"/>
+                <a:gridCol w="670989"/>
+                <a:gridCol w="670989"/>
+                <a:gridCol w="670989"/>
+                <a:gridCol w="670989"/>
+              </a:tblGrid>
+              <a:tr h="670383">
+                <a:tc>
+                  <a:txBody>
+                    <a:bodyPr/>
+                    <a:lstStyle/>
+                    <a:p>
+                      <a:pPr marR="40639" defTabSz="914400">
+                        <a:lnSpc>
+                          <a:spcPct val="90000"/>
+                        </a:lnSpc>
+                        <a:spcBef>
+                          <a:spcPts val="700"/>
+                        </a:spcBef>
+                        <a:tabLst>
+                          <a:tab pos="914400" algn="l"/>
+                        </a:tabLst>
+                        <a:defRPr sz="2500"/>
+                      </a:pPr>
+                    </a:p>
+                  </a:txBody>
+                  <a:tcPr marL="50800" marR="50800" marT="50800" marB="50800" anchor="ctr" anchorCtr="0" horzOverflow="overflow">
+                    <a:lnL w="25400">
+                      <a:solidFill>
+                        <a:srgbClr val="000000"/>
+                      </a:solidFill>
+                      <a:miter lim="400000"/>
+                    </a:lnL>
+                    <a:lnR w="25400">
+                      <a:solidFill>
+                        <a:srgbClr val="000000"/>
+                      </a:solidFill>
+                      <a:miter lim="400000"/>
+                    </a:lnR>
+                    <a:lnT w="25400">
+                      <a:solidFill>
+                        <a:srgbClr val="000000"/>
+                      </a:solidFill>
+                      <a:miter lim="400000"/>
+                    </a:lnT>
+                    <a:lnB w="25400">
+                      <a:solidFill>
+                        <a:srgbClr val="000000"/>
+                      </a:solidFill>
+                      <a:miter lim="400000"/>
+                    </a:lnB>
+                  </a:tcPr>
+                </a:tc>
+                <a:tc>
+                  <a:txBody>
+                    <a:bodyPr/>
+                    <a:lstStyle/>
+                    <a:p>
+                      <a:pPr marR="40639" defTabSz="914400">
+                        <a:lnSpc>
+                          <a:spcPct val="90000"/>
+                        </a:lnSpc>
+                        <a:spcBef>
+                          <a:spcPts val="700"/>
+                        </a:spcBef>
+                        <a:tabLst>
+                          <a:tab pos="914400" algn="l"/>
+                        </a:tabLst>
+                        <a:defRPr sz="2500"/>
+                      </a:pPr>
+                    </a:p>
+                  </a:txBody>
+                  <a:tcPr marL="50800" marR="50800" marT="50800" marB="50800" anchor="ctr" anchorCtr="0" horzOverflow="overflow">
+                    <a:lnL w="25400">
+                      <a:solidFill>
+                        <a:srgbClr val="000000"/>
+                      </a:solidFill>
+                      <a:miter lim="400000"/>
+                    </a:lnL>
+                    <a:lnR w="25400">
+                      <a:solidFill>
+                        <a:srgbClr val="000000"/>
+                      </a:solidFill>
+                      <a:miter lim="400000"/>
+                    </a:lnR>
+                    <a:lnT w="25400">
+                      <a:solidFill>
+                        <a:srgbClr val="000000"/>
+                      </a:solidFill>
+                      <a:miter lim="400000"/>
+                    </a:lnT>
+                    <a:lnB w="25400">
+                      <a:solidFill>
+                        <a:srgbClr val="000000"/>
+                      </a:solidFill>
+                      <a:miter lim="400000"/>
+                    </a:lnB>
+                  </a:tcPr>
+                </a:tc>
+                <a:tc>
+                  <a:txBody>
+                    <a:bodyPr/>
+                    <a:lstStyle/>
+                    <a:p>
+                      <a:pPr marR="40639" defTabSz="914400">
+                        <a:lnSpc>
+                          <a:spcPct val="90000"/>
+                        </a:lnSpc>
+                        <a:spcBef>
+                          <a:spcPts val="700"/>
+                        </a:spcBef>
+                        <a:tabLst>
+                          <a:tab pos="914400" algn="l"/>
+                        </a:tabLst>
+                        <a:defRPr sz="2500"/>
+                      </a:pPr>
+                    </a:p>
+                  </a:txBody>
+                  <a:tcPr marL="50800" marR="50800" marT="50800" marB="50800" anchor="ctr" anchorCtr="0" horzOverflow="overflow">
+                    <a:lnL w="25400">
+                      <a:solidFill>
+                        <a:srgbClr val="000000"/>
+                      </a:solidFill>
+                      <a:miter lim="400000"/>
+                    </a:lnL>
+                    <a:lnR w="25400">
+                      <a:solidFill>
+                        <a:srgbClr val="000000"/>
+                      </a:solidFill>
+                      <a:miter lim="400000"/>
+                    </a:lnR>
+                    <a:lnT w="25400">
+                      <a:solidFill>
+                        <a:srgbClr val="000000"/>
+                      </a:solidFill>
+                      <a:miter lim="400000"/>
+                    </a:lnT>
+                    <a:lnB w="25400">
+                      <a:solidFill>
+                        <a:srgbClr val="000000"/>
+                      </a:solidFill>
+                      <a:miter lim="400000"/>
+                    </a:lnB>
+                  </a:tcPr>
+                </a:tc>
+                <a:tc>
+                  <a:txBody>
+                    <a:bodyPr/>
+                    <a:lstStyle/>
+                    <a:p>
+                      <a:pPr marR="40639" defTabSz="914400">
+                        <a:lnSpc>
+                          <a:spcPct val="90000"/>
+                        </a:lnSpc>
+                        <a:spcBef>
+                          <a:spcPts val="700"/>
+                        </a:spcBef>
+                        <a:tabLst>
+                          <a:tab pos="914400" algn="l"/>
+                        </a:tabLst>
+                        <a:defRPr sz="2500"/>
+                      </a:pPr>
+                    </a:p>
+                  </a:txBody>
+                  <a:tcPr marL="50800" marR="50800" marT="50800" marB="50800" anchor="ctr" anchorCtr="0" horzOverflow="overflow">
+                    <a:lnL w="25400">
+                      <a:solidFill>
+                        <a:srgbClr val="000000"/>
+                      </a:solidFill>
+                      <a:miter lim="400000"/>
+                    </a:lnL>
+                    <a:lnR w="25400">
+                      <a:solidFill>
+                        <a:srgbClr val="000000"/>
+                      </a:solidFill>
+                      <a:miter lim="400000"/>
+                    </a:lnR>
+                    <a:lnT w="25400">
+                      <a:solidFill>
+                        <a:srgbClr val="000000"/>
+                      </a:solidFill>
+                      <a:miter lim="400000"/>
+                    </a:lnT>
+                    <a:lnB w="25400">
+                      <a:solidFill>
+                        <a:srgbClr val="000000"/>
+                      </a:solidFill>
+                      <a:miter lim="400000"/>
+                    </a:lnB>
+                  </a:tcPr>
+                </a:tc>
+                <a:tc>
+                  <a:txBody>
+                    <a:bodyPr/>
+                    <a:lstStyle/>
+                    <a:p>
+                      <a:pPr marR="40639" defTabSz="914400">
+                        <a:lnSpc>
+                          <a:spcPct val="90000"/>
+                        </a:lnSpc>
+                        <a:spcBef>
+                          <a:spcPts val="700"/>
+                        </a:spcBef>
+                        <a:tabLst>
+                          <a:tab pos="914400" algn="l"/>
+                        </a:tabLst>
+                        <a:defRPr sz="2500"/>
+                      </a:pPr>
+                    </a:p>
+                  </a:txBody>
+                  <a:tcPr marL="50800" marR="50800" marT="50800" marB="50800" anchor="ctr" anchorCtr="0" horzOverflow="overflow">
+                    <a:lnL w="25400">
+                      <a:solidFill>
+                        <a:srgbClr val="000000"/>
+                      </a:solidFill>
+                      <a:miter lim="400000"/>
+                    </a:lnL>
+                    <a:lnR w="25400">
+                      <a:solidFill>
+                        <a:srgbClr val="000000"/>
+                      </a:solidFill>
+                      <a:miter lim="400000"/>
+                    </a:lnR>
+                    <a:lnT w="25400">
+                      <a:solidFill>
+                        <a:srgbClr val="000000"/>
+                      </a:solidFill>
+                      <a:miter lim="400000"/>
+                    </a:lnT>
+                    <a:lnB w="25400">
+                      <a:solidFill>
+                        <a:srgbClr val="000000"/>
+                      </a:solidFill>
+                      <a:miter lim="400000"/>
+                    </a:lnB>
+                  </a:tcPr>
+                </a:tc>
+                <a:tc>
+                  <a:txBody>
+                    <a:bodyPr/>
+                    <a:lstStyle/>
+                    <a:p>
+                      <a:pPr marR="40639" defTabSz="914400">
+                        <a:lnSpc>
+                          <a:spcPct val="90000"/>
+                        </a:lnSpc>
+                        <a:spcBef>
+                          <a:spcPts val="700"/>
+                        </a:spcBef>
+                        <a:tabLst>
+                          <a:tab pos="914400" algn="l"/>
+                        </a:tabLst>
+                        <a:defRPr sz="2500"/>
+                      </a:pPr>
+                    </a:p>
+                  </a:txBody>
+                  <a:tcPr marL="50800" marR="50800" marT="50800" marB="50800" anchor="ctr" anchorCtr="0" horzOverflow="overflow">
+                    <a:lnL w="25400">
+                      <a:solidFill>
+                        <a:srgbClr val="000000"/>
+                      </a:solidFill>
+                      <a:miter lim="400000"/>
+                    </a:lnL>
+                    <a:lnR w="25400">
+                      <a:solidFill>
+                        <a:srgbClr val="000000"/>
+                      </a:solidFill>
+                      <a:miter lim="400000"/>
+                    </a:lnR>
+                    <a:lnT w="25400">
+                      <a:solidFill>
+                        <a:srgbClr val="000000"/>
+                      </a:solidFill>
+                      <a:miter lim="400000"/>
+                    </a:lnT>
+                    <a:lnB w="25400">
+                      <a:solidFill>
+                        <a:srgbClr val="000000"/>
+                      </a:solidFill>
+                      <a:miter lim="400000"/>
+                    </a:lnB>
+                  </a:tcPr>
+                </a:tc>
+                <a:tc>
+                  <a:txBody>
+                    <a:bodyPr/>
+                    <a:lstStyle/>
+                    <a:p>
+                      <a:pPr marR="40639" defTabSz="914400">
+                        <a:lnSpc>
+                          <a:spcPct val="90000"/>
+                        </a:lnSpc>
+                        <a:spcBef>
+                          <a:spcPts val="700"/>
+                        </a:spcBef>
+                        <a:tabLst>
+                          <a:tab pos="914400" algn="l"/>
+                        </a:tabLst>
+                        <a:defRPr sz="2500"/>
+                      </a:pPr>
+                    </a:p>
+                  </a:txBody>
+                  <a:tcPr marL="50800" marR="50800" marT="50800" marB="50800" anchor="ctr" anchorCtr="0" horzOverflow="overflow">
+                    <a:lnL w="25400">
+                      <a:solidFill>
+                        <a:srgbClr val="000000"/>
+                      </a:solidFill>
+                      <a:miter lim="400000"/>
+                    </a:lnL>
+                    <a:lnR w="25400">
+                      <a:solidFill>
+                        <a:srgbClr val="000000"/>
+                      </a:solidFill>
+                      <a:miter lim="400000"/>
+                    </a:lnR>
+                    <a:lnT w="25400">
+                      <a:solidFill>
+                        <a:srgbClr val="000000"/>
+                      </a:solidFill>
+                      <a:miter lim="400000"/>
+                    </a:lnT>
+                    <a:lnB w="25400">
+                      <a:solidFill>
+                        <a:srgbClr val="000000"/>
+                      </a:solidFill>
+                      <a:miter lim="400000"/>
+                    </a:lnB>
+                  </a:tcPr>
+                </a:tc>
+                <a:tc>
+                  <a:txBody>
+                    <a:bodyPr/>
+                    <a:lstStyle/>
+                    <a:p>
+                      <a:pPr marR="40639" defTabSz="914400">
+                        <a:lnSpc>
+                          <a:spcPct val="90000"/>
+                        </a:lnSpc>
+                        <a:spcBef>
+                          <a:spcPts val="700"/>
+                        </a:spcBef>
+                        <a:tabLst>
+                          <a:tab pos="914400" algn="l"/>
+                        </a:tabLst>
+                        <a:defRPr sz="2500"/>
+                      </a:pPr>
+                    </a:p>
+                  </a:txBody>
+                  <a:tcPr marL="50800" marR="50800" marT="50800" marB="50800" anchor="ctr" anchorCtr="0" horzOverflow="overflow">
+                    <a:lnL w="25400">
+                      <a:solidFill>
+                        <a:srgbClr val="000000"/>
+                      </a:solidFill>
+                      <a:miter lim="400000"/>
+                    </a:lnL>
+                    <a:lnR w="25400">
+                      <a:solidFill>
+                        <a:srgbClr val="000000"/>
+                      </a:solidFill>
+                      <a:miter lim="400000"/>
+                    </a:lnR>
+                    <a:lnT w="25400">
+                      <a:solidFill>
+                        <a:srgbClr val="000000"/>
+                      </a:solidFill>
+                      <a:miter lim="400000"/>
+                    </a:lnT>
+                    <a:lnB w="25400">
+                      <a:solidFill>
+                        <a:srgbClr val="000000"/>
+                      </a:solidFill>
+                      <a:miter lim="400000"/>
+                    </a:lnB>
+                  </a:tcPr>
+                </a:tc>
+              </a:tr>
+              <a:tr h="670383">
+                <a:tc>
+                  <a:txBody>
+                    <a:bodyPr/>
+                    <a:lstStyle/>
+                    <a:p>
+                      <a:pPr marR="40639" defTabSz="914400">
+                        <a:lnSpc>
+                          <a:spcPct val="90000"/>
+                        </a:lnSpc>
+                        <a:spcBef>
+                          <a:spcPts val="700"/>
+                        </a:spcBef>
+                        <a:tabLst>
+                          <a:tab pos="914400" algn="l"/>
+                        </a:tabLst>
+                        <a:defRPr sz="2500"/>
+                      </a:pPr>
+                    </a:p>
+                  </a:txBody>
+                  <a:tcPr marL="50800" marR="50800" marT="50800" marB="50800" anchor="ctr" anchorCtr="0" horzOverflow="overflow">
+                    <a:lnL w="25400">
+                      <a:solidFill>
+                        <a:srgbClr val="000000"/>
+                      </a:solidFill>
+                      <a:miter lim="400000"/>
+                    </a:lnL>
+                    <a:lnR w="25400">
+                      <a:solidFill>
+                        <a:srgbClr val="000000"/>
+                      </a:solidFill>
+                      <a:miter lim="400000"/>
+                    </a:lnR>
+                    <a:lnT w="25400">
+                      <a:solidFill>
+                        <a:srgbClr val="000000"/>
+                      </a:solidFill>
+                      <a:miter lim="400000"/>
+                    </a:lnT>
+                    <a:lnB w="25400">
+                      <a:solidFill>
+                        <a:srgbClr val="000000"/>
+                      </a:solidFill>
+                      <a:miter lim="400000"/>
+                    </a:lnB>
+                  </a:tcPr>
+                </a:tc>
+                <a:tc>
+                  <a:txBody>
+                    <a:bodyPr/>
+                    <a:lstStyle/>
+                    <a:p>
+                      <a:pPr marR="40639" defTabSz="914400">
+                        <a:lnSpc>
+                          <a:spcPct val="90000"/>
+                        </a:lnSpc>
+                        <a:spcBef>
+                          <a:spcPts val="700"/>
+                        </a:spcBef>
+                        <a:tabLst>
+                          <a:tab pos="914400" algn="l"/>
+                        </a:tabLst>
+                        <a:defRPr sz="2500"/>
+                      </a:pPr>
+                    </a:p>
+                  </a:txBody>
+                  <a:tcPr marL="50800" marR="50800" marT="50800" marB="50800" anchor="ctr" anchorCtr="0" horzOverflow="overflow">
+                    <a:lnL w="25400">
+                      <a:solidFill>
+                        <a:srgbClr val="000000"/>
+                      </a:solidFill>
+                      <a:miter lim="400000"/>
+                    </a:lnL>
+                    <a:lnR w="25400">
+                      <a:solidFill>
+                        <a:srgbClr val="000000"/>
+                      </a:solidFill>
+                      <a:miter lim="400000"/>
+                    </a:lnR>
+                    <a:lnT w="25400">
+                      <a:solidFill>
+                        <a:srgbClr val="000000"/>
+                      </a:solidFill>
+                      <a:miter lim="400000"/>
+                    </a:lnT>
+                    <a:lnB w="25400">
+                      <a:solidFill>
+                        <a:srgbClr val="000000"/>
+                      </a:solidFill>
+                      <a:miter lim="400000"/>
+                    </a:lnB>
+                  </a:tcPr>
+                </a:tc>
+                <a:tc>
+                  <a:txBody>
+                    <a:bodyPr/>
+                    <a:lstStyle/>
+                    <a:p>
+                      <a:pPr marR="40639" defTabSz="914400">
+                        <a:lnSpc>
+                          <a:spcPct val="90000"/>
+                        </a:lnSpc>
+                        <a:spcBef>
+                          <a:spcPts val="700"/>
+                        </a:spcBef>
+                        <a:tabLst>
+                          <a:tab pos="914400" algn="l"/>
+                        </a:tabLst>
+                        <a:defRPr sz="2500"/>
+                      </a:pPr>
+                    </a:p>
+                  </a:txBody>
+                  <a:tcPr marL="50800" marR="50800" marT="50800" marB="50800" anchor="ctr" anchorCtr="0" horzOverflow="overflow">
+                    <a:lnL w="25400">
+                      <a:solidFill>
+                        <a:srgbClr val="000000"/>
+                      </a:solidFill>
+                      <a:miter lim="400000"/>
+                    </a:lnL>
+                    <a:lnR w="25400">
+                      <a:solidFill>
+                        <a:srgbClr val="000000"/>
+                      </a:solidFill>
+                      <a:miter lim="400000"/>
+                    </a:lnR>
+                    <a:lnT w="25400">
+                      <a:solidFill>
+                        <a:srgbClr val="000000"/>
+                      </a:solidFill>
+                      <a:miter lim="400000"/>
+                    </a:lnT>
+                    <a:lnB w="25400">
+                      <a:solidFill>
+                        <a:srgbClr val="000000"/>
+                      </a:solidFill>
+                      <a:miter lim="400000"/>
+                    </a:lnB>
+                  </a:tcPr>
+                </a:tc>
+                <a:tc>
+                  <a:txBody>
+                    <a:bodyPr/>
+                    <a:lstStyle/>
+                    <a:p>
+                      <a:pPr marR="40639" defTabSz="914400">
+                        <a:lnSpc>
+                          <a:spcPct val="90000"/>
+                        </a:lnSpc>
+                        <a:spcBef>
+                          <a:spcPts val="700"/>
+                        </a:spcBef>
+                        <a:tabLst>
+                          <a:tab pos="914400" algn="l"/>
+                        </a:tabLst>
+                        <a:defRPr b="1" sz="2500">
+                          <a:latin typeface="Gill Sans MT"/>
+                          <a:ea typeface="Gill Sans MT"/>
+                          <a:cs typeface="Gill Sans MT"/>
+                          <a:sym typeface="Gill Sans MT"/>
+                        </a:defRPr>
+                      </a:pPr>
+                    </a:p>
+                  </a:txBody>
+                  <a:tcPr marL="50800" marR="50800" marT="50800" marB="50800" anchor="ctr" anchorCtr="0" horzOverflow="overflow">
+                    <a:lnL w="25400">
+                      <a:solidFill>
+                        <a:srgbClr val="000000"/>
+                      </a:solidFill>
+                      <a:miter lim="400000"/>
+                    </a:lnL>
+                    <a:lnR w="25400">
+                      <a:solidFill>
+                        <a:srgbClr val="000000"/>
+                      </a:solidFill>
+                      <a:miter lim="400000"/>
+                    </a:lnR>
+                    <a:lnT w="25400">
+                      <a:solidFill>
+                        <a:srgbClr val="000000"/>
+                      </a:solidFill>
+                      <a:miter lim="400000"/>
+                    </a:lnT>
+                    <a:lnB w="25400">
+                      <a:solidFill>
+                        <a:srgbClr val="000000"/>
+                      </a:solidFill>
+                      <a:miter lim="400000"/>
+                    </a:lnB>
+                  </a:tcPr>
+                </a:tc>
+                <a:tc>
+                  <a:txBody>
+                    <a:bodyPr/>
+                    <a:lstStyle/>
+                    <a:p>
+                      <a:pPr marR="40639" defTabSz="914400">
+                        <a:lnSpc>
+                          <a:spcPct val="90000"/>
+                        </a:lnSpc>
+                        <a:spcBef>
+                          <a:spcPts val="700"/>
+                        </a:spcBef>
+                        <a:tabLst>
+                          <a:tab pos="914400" algn="l"/>
+                        </a:tabLst>
+                        <a:defRPr sz="2500"/>
+                      </a:pPr>
+                    </a:p>
+                  </a:txBody>
+                  <a:tcPr marL="50800" marR="50800" marT="50800" marB="50800" anchor="ctr" anchorCtr="0" horzOverflow="overflow">
+                    <a:lnL w="25400">
+                      <a:solidFill>
+                        <a:srgbClr val="000000"/>
+                      </a:solidFill>
+                      <a:miter lim="400000"/>
+                    </a:lnL>
+                    <a:lnR w="25400">
+                      <a:solidFill>
+                        <a:srgbClr val="000000"/>
+                      </a:solidFill>
+                      <a:miter lim="400000"/>
+                    </a:lnR>
+                    <a:lnT w="25400">
+                      <a:solidFill>
+                        <a:srgbClr val="000000"/>
+                      </a:solidFill>
+                      <a:miter lim="400000"/>
+                    </a:lnT>
+                    <a:lnB w="25400">
+                      <a:solidFill>
+                        <a:srgbClr val="000000"/>
+                      </a:solidFill>
+                      <a:miter lim="400000"/>
+                    </a:lnB>
+                  </a:tcPr>
+                </a:tc>
+                <a:tc>
+                  <a:txBody>
+                    <a:bodyPr/>
+                    <a:lstStyle/>
+                    <a:p>
+                      <a:pPr marR="40639" defTabSz="914400">
+                        <a:lnSpc>
+                          <a:spcPct val="90000"/>
+                        </a:lnSpc>
+                        <a:spcBef>
+                          <a:spcPts val="700"/>
+                        </a:spcBef>
+                        <a:tabLst>
+                          <a:tab pos="914400" algn="l"/>
+                        </a:tabLst>
+                        <a:defRPr sz="2500"/>
+                      </a:pPr>
+                    </a:p>
+                  </a:txBody>
+                  <a:tcPr marL="50800" marR="50800" marT="50800" marB="50800" anchor="ctr" anchorCtr="0" horzOverflow="overflow">
+                    <a:lnL w="25400">
+                      <a:solidFill>
+                        <a:srgbClr val="000000"/>
+                      </a:solidFill>
+                      <a:miter lim="400000"/>
+                    </a:lnL>
+                    <a:lnR w="25400">
+                      <a:solidFill>
+                        <a:srgbClr val="000000"/>
+                      </a:solidFill>
+                      <a:miter lim="400000"/>
+                    </a:lnR>
+                    <a:lnT w="25400">
+                      <a:solidFill>
+                        <a:srgbClr val="000000"/>
+                      </a:solidFill>
+                      <a:miter lim="400000"/>
+                    </a:lnT>
+                    <a:lnB w="25400">
+                      <a:solidFill>
+                        <a:srgbClr val="000000"/>
+                      </a:solidFill>
+                      <a:miter lim="400000"/>
+                    </a:lnB>
+                  </a:tcPr>
+                </a:tc>
+                <a:tc>
+                  <a:txBody>
+                    <a:bodyPr/>
+                    <a:lstStyle/>
+                    <a:p>
+                      <a:pPr marR="40639" defTabSz="914400">
+                        <a:lnSpc>
+                          <a:spcPct val="90000"/>
+                        </a:lnSpc>
+                        <a:spcBef>
+                          <a:spcPts val="700"/>
+                        </a:spcBef>
+                        <a:tabLst>
+                          <a:tab pos="914400" algn="l"/>
+                        </a:tabLst>
+                        <a:defRPr sz="2500"/>
+                      </a:pPr>
+                    </a:p>
+                  </a:txBody>
+                  <a:tcPr marL="50800" marR="50800" marT="50800" marB="50800" anchor="ctr" anchorCtr="0" horzOverflow="overflow">
+                    <a:lnL w="25400">
+                      <a:solidFill>
+                        <a:srgbClr val="000000"/>
+                      </a:solidFill>
+                      <a:miter lim="400000"/>
+                    </a:lnL>
+                    <a:lnR w="25400">
+                      <a:solidFill>
+                        <a:srgbClr val="000000"/>
+                      </a:solidFill>
+                      <a:miter lim="400000"/>
+                    </a:lnR>
+                    <a:lnT w="25400">
+                      <a:solidFill>
+                        <a:srgbClr val="000000"/>
+                      </a:solidFill>
+                      <a:miter lim="400000"/>
+                    </a:lnT>
+                    <a:lnB w="25400">
+                      <a:solidFill>
+                        <a:srgbClr val="000000"/>
+                      </a:solidFill>
+                      <a:miter lim="400000"/>
+                    </a:lnB>
+                  </a:tcPr>
+                </a:tc>
+                <a:tc>
+                  <a:txBody>
+                    <a:bodyPr/>
+                    <a:lstStyle/>
+                    <a:p>
+                      <a:pPr marR="40639" defTabSz="914400">
+                        <a:lnSpc>
+                          <a:spcPct val="90000"/>
+                        </a:lnSpc>
+                        <a:spcBef>
+                          <a:spcPts val="700"/>
+                        </a:spcBef>
+                        <a:tabLst>
+                          <a:tab pos="914400" algn="l"/>
+                        </a:tabLst>
+                        <a:defRPr sz="2500"/>
+                      </a:pPr>
+                    </a:p>
+                  </a:txBody>
+                  <a:tcPr marL="50800" marR="50800" marT="50800" marB="50800" anchor="ctr" anchorCtr="0" horzOverflow="overflow">
+                    <a:lnL w="25400">
+                      <a:solidFill>
+                        <a:srgbClr val="000000"/>
+                      </a:solidFill>
+                      <a:miter lim="400000"/>
+                    </a:lnL>
+                    <a:lnR w="25400">
+                      <a:solidFill>
+                        <a:srgbClr val="000000"/>
+                      </a:solidFill>
+                      <a:miter lim="400000"/>
+                    </a:lnR>
+                    <a:lnT w="25400">
+                      <a:solidFill>
+                        <a:srgbClr val="000000"/>
+                      </a:solidFill>
+                      <a:miter lim="400000"/>
+                    </a:lnT>
+                    <a:lnB w="25400">
+                      <a:solidFill>
+                        <a:srgbClr val="000000"/>
+                      </a:solidFill>
+                      <a:miter lim="400000"/>
+                    </a:lnB>
+                  </a:tcPr>
+                </a:tc>
+              </a:tr>
+              <a:tr h="670383">
+                <a:tc>
+                  <a:txBody>
+                    <a:bodyPr/>
+                    <a:lstStyle/>
+                    <a:p>
+                      <a:pPr marR="40639" defTabSz="914400">
+                        <a:lnSpc>
+                          <a:spcPct val="90000"/>
+                        </a:lnSpc>
+                        <a:spcBef>
+                          <a:spcPts val="700"/>
+                        </a:spcBef>
+                        <a:tabLst>
+                          <a:tab pos="914400" algn="l"/>
+                        </a:tabLst>
+                        <a:defRPr sz="2500"/>
+                      </a:pPr>
+                    </a:p>
+                  </a:txBody>
+                  <a:tcPr marL="50800" marR="50800" marT="50800" marB="50800" anchor="ctr" anchorCtr="0" horzOverflow="overflow">
+                    <a:lnL w="25400">
+                      <a:solidFill>
+                        <a:srgbClr val="000000"/>
+                      </a:solidFill>
+                      <a:miter lim="400000"/>
+                    </a:lnL>
+                    <a:lnR w="25400">
+                      <a:solidFill>
+                        <a:srgbClr val="000000"/>
+                      </a:solidFill>
+                      <a:miter lim="400000"/>
+                    </a:lnR>
+                    <a:lnT w="25400">
+                      <a:solidFill>
+                        <a:srgbClr val="000000"/>
+                      </a:solidFill>
+                      <a:miter lim="400000"/>
+                    </a:lnT>
+                    <a:lnB w="25400">
+                      <a:solidFill>
+                        <a:srgbClr val="000000"/>
+                      </a:solidFill>
+                      <a:miter lim="400000"/>
+                    </a:lnB>
+                  </a:tcPr>
+                </a:tc>
+                <a:tc>
+                  <a:txBody>
+                    <a:bodyPr/>
+                    <a:lstStyle/>
+                    <a:p>
+                      <a:pPr marR="40639" defTabSz="914400">
+                        <a:lnSpc>
+                          <a:spcPct val="90000"/>
+                        </a:lnSpc>
+                        <a:spcBef>
+                          <a:spcPts val="700"/>
+                        </a:spcBef>
+                        <a:tabLst>
+                          <a:tab pos="914400" algn="l"/>
+                        </a:tabLst>
+                        <a:defRPr sz="2500"/>
+                      </a:pPr>
+                    </a:p>
+                  </a:txBody>
+                  <a:tcPr marL="50800" marR="50800" marT="50800" marB="50800" anchor="ctr" anchorCtr="0" horzOverflow="overflow">
+                    <a:lnL w="25400">
+                      <a:solidFill>
+                        <a:srgbClr val="000000"/>
+                      </a:solidFill>
+                      <a:miter lim="400000"/>
+                    </a:lnL>
+                    <a:lnR w="25400">
+                      <a:solidFill>
+                        <a:srgbClr val="000000"/>
+                      </a:solidFill>
+                      <a:miter lim="400000"/>
+                    </a:lnR>
+                    <a:lnT w="25400">
+                      <a:solidFill>
+                        <a:srgbClr val="000000"/>
+                      </a:solidFill>
+                      <a:miter lim="400000"/>
+                    </a:lnT>
+                    <a:lnB w="25400">
+                      <a:solidFill>
+                        <a:srgbClr val="000000"/>
+                      </a:solidFill>
+                      <a:miter lim="400000"/>
+                    </a:lnB>
+                  </a:tcPr>
+                </a:tc>
+                <a:tc>
+                  <a:txBody>
+                    <a:bodyPr/>
+                    <a:lstStyle/>
+                    <a:p>
+                      <a:pPr marR="40639" defTabSz="914400">
+                        <a:lnSpc>
+                          <a:spcPct val="90000"/>
+                        </a:lnSpc>
+                        <a:spcBef>
+                          <a:spcPts val="700"/>
+                        </a:spcBef>
+                        <a:tabLst>
+                          <a:tab pos="914400" algn="l"/>
+                        </a:tabLst>
+                        <a:defRPr sz="2500"/>
+                      </a:pPr>
+                    </a:p>
+                  </a:txBody>
+                  <a:tcPr marL="50800" marR="50800" marT="50800" marB="50800" anchor="ctr" anchorCtr="0" horzOverflow="overflow">
+                    <a:lnL w="25400">
+                      <a:solidFill>
+                        <a:srgbClr val="000000"/>
+                      </a:solidFill>
+                      <a:miter lim="400000"/>
+                    </a:lnL>
+                    <a:lnR w="25400">
+                      <a:solidFill>
+                        <a:srgbClr val="000000"/>
+                      </a:solidFill>
+                      <a:miter lim="400000"/>
+                    </a:lnR>
+                    <a:lnT w="25400">
+                      <a:solidFill>
+                        <a:srgbClr val="000000"/>
+                      </a:solidFill>
+                      <a:miter lim="400000"/>
+                    </a:lnT>
+                    <a:lnB w="25400">
+                      <a:solidFill>
+                        <a:srgbClr val="000000"/>
+                      </a:solidFill>
+                      <a:miter lim="400000"/>
+                    </a:lnB>
+                  </a:tcPr>
+                </a:tc>
+                <a:tc>
+                  <a:txBody>
+                    <a:bodyPr/>
+                    <a:lstStyle/>
+                    <a:p>
+                      <a:pPr marR="40639" defTabSz="914400">
+                        <a:lnSpc>
+                          <a:spcPct val="90000"/>
+                        </a:lnSpc>
+                        <a:spcBef>
+                          <a:spcPts val="700"/>
+                        </a:spcBef>
+                        <a:tabLst>
+                          <a:tab pos="914400" algn="l"/>
+                        </a:tabLst>
+                        <a:defRPr sz="2500"/>
+                      </a:pPr>
+                    </a:p>
+                  </a:txBody>
+                  <a:tcPr marL="50800" marR="50800" marT="50800" marB="50800" anchor="ctr" anchorCtr="0" horzOverflow="overflow">
+                    <a:lnL w="25400">
+                      <a:solidFill>
+                        <a:srgbClr val="000000"/>
+                      </a:solidFill>
+                      <a:miter lim="400000"/>
+                    </a:lnL>
+                    <a:lnR w="25400">
+                      <a:solidFill>
+                        <a:srgbClr val="000000"/>
+                      </a:solidFill>
+                      <a:miter lim="400000"/>
+                    </a:lnR>
+                    <a:lnT w="25400">
+                      <a:solidFill>
+                        <a:srgbClr val="000000"/>
+                      </a:solidFill>
+                      <a:miter lim="400000"/>
+                    </a:lnT>
+                    <a:lnB w="25400">
+                      <a:solidFill>
+                        <a:srgbClr val="000000"/>
+                      </a:solidFill>
+                      <a:miter lim="400000"/>
+                    </a:lnB>
+                  </a:tcPr>
+                </a:tc>
+                <a:tc>
+                  <a:txBody>
+                    <a:bodyPr/>
+                    <a:lstStyle/>
+                    <a:p>
+                      <a:pPr marR="40639" defTabSz="914400">
+                        <a:lnSpc>
+                          <a:spcPct val="90000"/>
+                        </a:lnSpc>
+                        <a:spcBef>
+                          <a:spcPts val="700"/>
+                        </a:spcBef>
+                        <a:tabLst>
+                          <a:tab pos="914400" algn="l"/>
+                        </a:tabLst>
+                        <a:defRPr sz="2500"/>
+                      </a:pPr>
+                    </a:p>
+                  </a:txBody>
+                  <a:tcPr marL="50800" marR="50800" marT="50800" marB="50800" anchor="ctr" anchorCtr="0" horzOverflow="overflow">
+                    <a:lnL w="25400">
+                      <a:solidFill>
+                        <a:srgbClr val="000000"/>
+                      </a:solidFill>
+                      <a:miter lim="400000"/>
+                    </a:lnL>
+                    <a:lnR w="25400">
+                      <a:solidFill>
+                        <a:srgbClr val="000000"/>
+                      </a:solidFill>
+                      <a:miter lim="400000"/>
+                    </a:lnR>
+                    <a:lnT w="25400">
+                      <a:solidFill>
+                        <a:srgbClr val="000000"/>
+                      </a:solidFill>
+                      <a:miter lim="400000"/>
+                    </a:lnT>
+                    <a:lnB w="25400">
+                      <a:solidFill>
+                        <a:srgbClr val="000000"/>
+                      </a:solidFill>
+                      <a:miter lim="400000"/>
+                    </a:lnB>
+                  </a:tcPr>
+                </a:tc>
+                <a:tc>
+                  <a:txBody>
+                    <a:bodyPr/>
+                    <a:lstStyle/>
+                    <a:p>
+                      <a:pPr marR="40639" defTabSz="914400">
+                        <a:lnSpc>
+                          <a:spcPct val="90000"/>
+                        </a:lnSpc>
+                        <a:spcBef>
+                          <a:spcPts val="700"/>
+                        </a:spcBef>
+                        <a:tabLst>
+                          <a:tab pos="914400" algn="l"/>
+                        </a:tabLst>
+                        <a:defRPr sz="2500"/>
+                      </a:pPr>
+                    </a:p>
+                  </a:txBody>
+                  <a:tcPr marL="50800" marR="50800" marT="50800" marB="50800" anchor="ctr" anchorCtr="0" horzOverflow="overflow">
+                    <a:lnL w="25400">
+                      <a:solidFill>
+                        <a:srgbClr val="000000"/>
+                      </a:solidFill>
+                      <a:miter lim="400000"/>
+                    </a:lnL>
+                    <a:lnR w="25400">
+                      <a:solidFill>
+                        <a:srgbClr val="000000"/>
+                      </a:solidFill>
+                      <a:miter lim="400000"/>
+                    </a:lnR>
+                    <a:lnT w="25400">
+                      <a:solidFill>
+                        <a:srgbClr val="000000"/>
+                      </a:solidFill>
+                      <a:miter lim="400000"/>
+                    </a:lnT>
+                    <a:lnB w="25400">
+                      <a:solidFill>
+                        <a:srgbClr val="000000"/>
+                      </a:solidFill>
+                      <a:miter lim="400000"/>
+                    </a:lnB>
+                  </a:tcPr>
+                </a:tc>
+                <a:tc>
+                  <a:txBody>
+                    <a:bodyPr/>
+                    <a:lstStyle/>
+                    <a:p>
+                      <a:pPr marR="40639" defTabSz="914400">
+                        <a:lnSpc>
+                          <a:spcPct val="90000"/>
+                        </a:lnSpc>
+                        <a:spcBef>
+                          <a:spcPts val="700"/>
+                        </a:spcBef>
+                        <a:tabLst>
+                          <a:tab pos="914400" algn="l"/>
+                        </a:tabLst>
+                        <a:defRPr b="1" sz="2500">
+                          <a:latin typeface="Gill Sans MT"/>
+                          <a:ea typeface="Gill Sans MT"/>
+                          <a:cs typeface="Gill Sans MT"/>
+                          <a:sym typeface="Gill Sans MT"/>
+                        </a:defRPr>
+                      </a:pPr>
+                    </a:p>
+                  </a:txBody>
+                  <a:tcPr marL="50800" marR="50800" marT="50800" marB="50800" anchor="ctr" anchorCtr="0" horzOverflow="overflow">
+                    <a:lnL w="25400">
+                      <a:solidFill>
+                        <a:srgbClr val="000000"/>
+                      </a:solidFill>
+                      <a:miter lim="400000"/>
+                    </a:lnL>
+                    <a:lnR w="25400">
+                      <a:solidFill>
+                        <a:srgbClr val="000000"/>
+                      </a:solidFill>
+                      <a:miter lim="400000"/>
+                    </a:lnR>
+                    <a:lnT w="25400">
+                      <a:solidFill>
+                        <a:srgbClr val="000000"/>
+                      </a:solidFill>
+                      <a:miter lim="400000"/>
+                    </a:lnT>
+                    <a:lnB w="25400">
+                      <a:solidFill>
+                        <a:srgbClr val="000000"/>
+                      </a:solidFill>
+                      <a:miter lim="400000"/>
+                    </a:lnB>
+                  </a:tcPr>
+                </a:tc>
+                <a:tc>
+                  <a:txBody>
+                    <a:bodyPr/>
+                    <a:lstStyle/>
+                    <a:p>
+                      <a:pPr marR="40639" defTabSz="914400">
+                        <a:lnSpc>
+                          <a:spcPct val="90000"/>
+                        </a:lnSpc>
+                        <a:spcBef>
+                          <a:spcPts val="700"/>
+                        </a:spcBef>
+                        <a:tabLst>
+                          <a:tab pos="914400" algn="l"/>
+                        </a:tabLst>
+                        <a:defRPr sz="2500"/>
+                      </a:pPr>
+                    </a:p>
+                  </a:txBody>
+                  <a:tcPr marL="50800" marR="50800" marT="50800" marB="50800" anchor="ctr" anchorCtr="0" horzOverflow="overflow">
+                    <a:lnL w="25400">
+                      <a:solidFill>
+                        <a:srgbClr val="000000"/>
+                      </a:solidFill>
+                      <a:miter lim="400000"/>
+                    </a:lnL>
+                    <a:lnR w="25400">
+                      <a:solidFill>
+                        <a:srgbClr val="000000"/>
+                      </a:solidFill>
+                      <a:miter lim="400000"/>
+                    </a:lnR>
+                    <a:lnT w="25400">
+                      <a:solidFill>
+                        <a:srgbClr val="000000"/>
+                      </a:solidFill>
+                      <a:miter lim="400000"/>
+                    </a:lnT>
+                    <a:lnB w="25400">
+                      <a:solidFill>
+                        <a:srgbClr val="000000"/>
+                      </a:solidFill>
+                      <a:miter lim="400000"/>
+                    </a:lnB>
+                  </a:tcPr>
+                </a:tc>
+              </a:tr>
+              <a:tr h="670383">
+                <a:tc>
+                  <a:txBody>
+                    <a:bodyPr/>
+                    <a:lstStyle/>
+                    <a:p>
+                      <a:pPr marR="40639" defTabSz="914400">
+                        <a:lnSpc>
+                          <a:spcPct val="90000"/>
+                        </a:lnSpc>
+                        <a:spcBef>
+                          <a:spcPts val="700"/>
+                        </a:spcBef>
+                        <a:tabLst>
+                          <a:tab pos="914400" algn="l"/>
+                        </a:tabLst>
+                        <a:defRPr sz="2500"/>
+                      </a:pPr>
+                    </a:p>
+                  </a:txBody>
+                  <a:tcPr marL="50800" marR="50800" marT="50800" marB="50800" anchor="ctr" anchorCtr="0" horzOverflow="overflow">
+                    <a:lnL w="25400">
+                      <a:solidFill>
+                        <a:srgbClr val="000000"/>
+                      </a:solidFill>
+                      <a:miter lim="400000"/>
+                    </a:lnL>
+                    <a:lnR w="25400">
+                      <a:solidFill>
+                        <a:srgbClr val="000000"/>
+                      </a:solidFill>
+                      <a:miter lim="400000"/>
+                    </a:lnR>
+                    <a:lnT w="25400">
+                      <a:solidFill>
+                        <a:srgbClr val="000000"/>
+                      </a:solidFill>
+                      <a:miter lim="400000"/>
+                    </a:lnT>
+                    <a:lnB w="25400">
+                      <a:solidFill>
+                        <a:srgbClr val="000000"/>
+                      </a:solidFill>
+                      <a:miter lim="400000"/>
+                    </a:lnB>
+                  </a:tcPr>
+                </a:tc>
+                <a:tc>
+                  <a:txBody>
+                    <a:bodyPr/>
+                    <a:lstStyle/>
+                    <a:p>
+                      <a:pPr marR="40639" defTabSz="914400">
+                        <a:lnSpc>
+                          <a:spcPct val="90000"/>
+                        </a:lnSpc>
+                        <a:spcBef>
+                          <a:spcPts val="700"/>
+                        </a:spcBef>
+                        <a:tabLst>
+                          <a:tab pos="914400" algn="l"/>
+                        </a:tabLst>
+                        <a:defRPr sz="2500"/>
+                      </a:pPr>
+                    </a:p>
+                  </a:txBody>
+                  <a:tcPr marL="50800" marR="50800" marT="50800" marB="50800" anchor="ctr" anchorCtr="0" horzOverflow="overflow">
+                    <a:lnL w="25400">
+                      <a:solidFill>
+                        <a:srgbClr val="000000"/>
+                      </a:solidFill>
+                      <a:miter lim="400000"/>
+                    </a:lnL>
+                    <a:lnR w="25400">
+                      <a:solidFill>
+                        <a:srgbClr val="000000"/>
+                      </a:solidFill>
+                      <a:miter lim="400000"/>
+                    </a:lnR>
+                    <a:lnT w="25400">
+                      <a:solidFill>
+                        <a:srgbClr val="000000"/>
+                      </a:solidFill>
+                      <a:miter lim="400000"/>
+                    </a:lnT>
+                    <a:lnB w="25400">
+                      <a:solidFill>
+                        <a:srgbClr val="000000"/>
+                      </a:solidFill>
+                      <a:miter lim="400000"/>
+                    </a:lnB>
+                  </a:tcPr>
+                </a:tc>
+                <a:tc>
+                  <a:txBody>
+                    <a:bodyPr/>
+                    <a:lstStyle/>
+                    <a:p>
+                      <a:pPr marR="40639" defTabSz="914400">
+                        <a:lnSpc>
+                          <a:spcPct val="90000"/>
+                        </a:lnSpc>
+                        <a:spcBef>
+                          <a:spcPts val="700"/>
+                        </a:spcBef>
+                        <a:tabLst>
+                          <a:tab pos="914400" algn="l"/>
+                        </a:tabLst>
+                        <a:defRPr b="1" sz="2500">
+                          <a:latin typeface="Gill Sans MT"/>
+                          <a:ea typeface="Gill Sans MT"/>
+                          <a:cs typeface="Gill Sans MT"/>
+                          <a:sym typeface="Gill Sans MT"/>
+                        </a:defRPr>
+                      </a:pPr>
+                    </a:p>
+                  </a:txBody>
+                  <a:tcPr marL="50800" marR="50800" marT="50800" marB="50800" anchor="ctr" anchorCtr="0" horzOverflow="overflow">
+                    <a:lnL w="25400">
+                      <a:solidFill>
+                        <a:srgbClr val="000000"/>
+                      </a:solidFill>
+                      <a:miter lim="400000"/>
+                    </a:lnL>
+                    <a:lnR w="25400">
+                      <a:solidFill>
+                        <a:srgbClr val="000000"/>
+                      </a:solidFill>
+                      <a:miter lim="400000"/>
+                    </a:lnR>
+                    <a:lnT w="25400">
+                      <a:solidFill>
+                        <a:srgbClr val="000000"/>
+                      </a:solidFill>
+                      <a:miter lim="400000"/>
+                    </a:lnT>
+                    <a:lnB w="25400">
+                      <a:solidFill>
+                        <a:srgbClr val="000000"/>
+                      </a:solidFill>
+                      <a:miter lim="400000"/>
+                    </a:lnB>
+                  </a:tcPr>
+                </a:tc>
+                <a:tc>
+                  <a:txBody>
+                    <a:bodyPr/>
+                    <a:lstStyle/>
+                    <a:p>
+                      <a:pPr marR="40639" defTabSz="914400">
+                        <a:lnSpc>
+                          <a:spcPct val="90000"/>
+                        </a:lnSpc>
+                        <a:spcBef>
+                          <a:spcPts val="700"/>
+                        </a:spcBef>
+                        <a:tabLst>
+                          <a:tab pos="914400" algn="l"/>
+                        </a:tabLst>
+                        <a:defRPr sz="2500"/>
+                      </a:pPr>
+                    </a:p>
+                  </a:txBody>
+                  <a:tcPr marL="50800" marR="50800" marT="50800" marB="50800" anchor="ctr" anchorCtr="0" horzOverflow="overflow">
+                    <a:lnL w="25400">
+                      <a:solidFill>
+                        <a:srgbClr val="000000"/>
+                      </a:solidFill>
+                      <a:miter lim="400000"/>
+                    </a:lnL>
+                    <a:lnR w="25400">
+                      <a:solidFill>
+                        <a:srgbClr val="000000"/>
+                      </a:solidFill>
+                      <a:miter lim="400000"/>
+                    </a:lnR>
+                    <a:lnT w="25400">
+                      <a:solidFill>
+                        <a:srgbClr val="000000"/>
+                      </a:solidFill>
+                      <a:miter lim="400000"/>
+                    </a:lnT>
+                    <a:lnB w="25400">
+                      <a:solidFill>
+                        <a:srgbClr val="000000"/>
+                      </a:solidFill>
+                      <a:miter lim="400000"/>
+                    </a:lnB>
+                  </a:tcPr>
+                </a:tc>
+                <a:tc>
+                  <a:txBody>
+                    <a:bodyPr/>
+                    <a:lstStyle/>
+                    <a:p>
+                      <a:pPr marR="40639" defTabSz="914400">
+                        <a:lnSpc>
+                          <a:spcPct val="90000"/>
+                        </a:lnSpc>
+                        <a:spcBef>
+                          <a:spcPts val="700"/>
+                        </a:spcBef>
+                        <a:tabLst>
+                          <a:tab pos="914400" algn="l"/>
+                        </a:tabLst>
+                        <a:defRPr sz="2500"/>
+                      </a:pPr>
+                    </a:p>
+                  </a:txBody>
+                  <a:tcPr marL="50800" marR="50800" marT="50800" marB="50800" anchor="ctr" anchorCtr="0" horzOverflow="overflow">
+                    <a:lnL w="25400">
+                      <a:solidFill>
+                        <a:srgbClr val="000000"/>
+                      </a:solidFill>
+                      <a:miter lim="400000"/>
+                    </a:lnL>
+                    <a:lnR w="25400">
+                      <a:solidFill>
+                        <a:srgbClr val="000000"/>
+                      </a:solidFill>
+                      <a:miter lim="400000"/>
+                    </a:lnR>
+                    <a:lnT w="25400">
+                      <a:solidFill>
+                        <a:srgbClr val="000000"/>
+                      </a:solidFill>
+                      <a:miter lim="400000"/>
+                    </a:lnT>
+                    <a:lnB w="25400">
+                      <a:solidFill>
+                        <a:srgbClr val="000000"/>
+                      </a:solidFill>
+                      <a:miter lim="400000"/>
+                    </a:lnB>
+                  </a:tcPr>
+                </a:tc>
+                <a:tc>
+                  <a:txBody>
+                    <a:bodyPr/>
+                    <a:lstStyle/>
+                    <a:p>
+                      <a:pPr marR="40639" defTabSz="914400">
+                        <a:lnSpc>
+                          <a:spcPct val="90000"/>
+                        </a:lnSpc>
+                        <a:spcBef>
+                          <a:spcPts val="700"/>
+                        </a:spcBef>
+                        <a:tabLst>
+                          <a:tab pos="914400" algn="l"/>
+                        </a:tabLst>
+                        <a:defRPr sz="2500"/>
+                      </a:pPr>
+                    </a:p>
+                  </a:txBody>
+                  <a:tcPr marL="50800" marR="50800" marT="50800" marB="50800" anchor="ctr" anchorCtr="0" horzOverflow="overflow">
+                    <a:lnL w="25400">
+                      <a:solidFill>
+                        <a:srgbClr val="000000"/>
+                      </a:solidFill>
+                      <a:miter lim="400000"/>
+                    </a:lnL>
+                    <a:lnR w="25400">
+                      <a:solidFill>
+                        <a:srgbClr val="000000"/>
+                      </a:solidFill>
+                      <a:miter lim="400000"/>
+                    </a:lnR>
+                    <a:lnT w="25400">
+                      <a:solidFill>
+                        <a:srgbClr val="000000"/>
+                      </a:solidFill>
+                      <a:miter lim="400000"/>
+                    </a:lnT>
+                    <a:lnB w="25400">
+                      <a:solidFill>
+                        <a:srgbClr val="000000"/>
+                      </a:solidFill>
+                      <a:miter lim="400000"/>
+                    </a:lnB>
+                  </a:tcPr>
+                </a:tc>
+                <a:tc>
+                  <a:txBody>
+                    <a:bodyPr/>
+                    <a:lstStyle/>
+                    <a:p>
+                      <a:pPr marR="40639" defTabSz="914400">
+                        <a:lnSpc>
+                          <a:spcPct val="90000"/>
+                        </a:lnSpc>
+                        <a:spcBef>
+                          <a:spcPts val="700"/>
+                        </a:spcBef>
+                        <a:tabLst>
+                          <a:tab pos="914400" algn="l"/>
+                        </a:tabLst>
+                        <a:defRPr sz="2500"/>
+                      </a:pPr>
+                    </a:p>
+                  </a:txBody>
+                  <a:tcPr marL="50800" marR="50800" marT="50800" marB="50800" anchor="ctr" anchorCtr="0" horzOverflow="overflow">
+                    <a:lnL w="25400">
+                      <a:solidFill>
+                        <a:srgbClr val="000000"/>
+                      </a:solidFill>
+                      <a:miter lim="400000"/>
+                    </a:lnL>
+                    <a:lnR w="25400">
+                      <a:solidFill>
+                        <a:srgbClr val="000000"/>
+                      </a:solidFill>
+                      <a:miter lim="400000"/>
+                    </a:lnR>
+                    <a:lnT w="25400">
+                      <a:solidFill>
+                        <a:srgbClr val="000000"/>
+                      </a:solidFill>
+                      <a:miter lim="400000"/>
+                    </a:lnT>
+                    <a:lnB w="25400">
+                      <a:solidFill>
+                        <a:srgbClr val="000000"/>
+                      </a:solidFill>
+                      <a:miter lim="400000"/>
+                    </a:lnB>
+                  </a:tcPr>
+                </a:tc>
+                <a:tc>
+                  <a:txBody>
+                    <a:bodyPr/>
+                    <a:lstStyle/>
+                    <a:p>
+                      <a:pPr marR="40639" defTabSz="914400">
+                        <a:lnSpc>
+                          <a:spcPct val="90000"/>
+                        </a:lnSpc>
+                        <a:spcBef>
+                          <a:spcPts val="700"/>
+                        </a:spcBef>
+                        <a:tabLst>
+                          <a:tab pos="914400" algn="l"/>
+                        </a:tabLst>
+                        <a:defRPr sz="2500"/>
+                      </a:pPr>
+                    </a:p>
+                  </a:txBody>
+                  <a:tcPr marL="50800" marR="50800" marT="50800" marB="50800" anchor="ctr" anchorCtr="0" horzOverflow="overflow">
+                    <a:lnL w="25400">
+                      <a:solidFill>
+                        <a:srgbClr val="000000"/>
+                      </a:solidFill>
+                      <a:miter lim="400000"/>
+                    </a:lnL>
+                    <a:lnR w="25400">
+                      <a:solidFill>
+                        <a:srgbClr val="000000"/>
+                      </a:solidFill>
+                      <a:miter lim="400000"/>
+                    </a:lnR>
+                    <a:lnT w="25400">
+                      <a:solidFill>
+                        <a:srgbClr val="000000"/>
+                      </a:solidFill>
+                      <a:miter lim="400000"/>
+                    </a:lnT>
+                    <a:lnB w="25400">
+                      <a:solidFill>
+                        <a:srgbClr val="000000"/>
+                      </a:solidFill>
+                      <a:miter lim="400000"/>
+                    </a:lnB>
+                  </a:tcPr>
+                </a:tc>
+              </a:tr>
+              <a:tr h="670383">
+                <a:tc>
+                  <a:txBody>
+                    <a:bodyPr/>
+                    <a:lstStyle/>
+                    <a:p>
+                      <a:pPr marR="40639" defTabSz="914400">
+                        <a:lnSpc>
+                          <a:spcPct val="90000"/>
+                        </a:lnSpc>
+                        <a:spcBef>
+                          <a:spcPts val="700"/>
+                        </a:spcBef>
+                        <a:tabLst>
+                          <a:tab pos="914400" algn="l"/>
+                        </a:tabLst>
+                        <a:defRPr sz="2500"/>
+                      </a:pPr>
+                    </a:p>
+                  </a:txBody>
+                  <a:tcPr marL="50800" marR="50800" marT="50800" marB="50800" anchor="ctr" anchorCtr="0" horzOverflow="overflow">
+                    <a:lnL w="25400">
+                      <a:solidFill>
+                        <a:srgbClr val="000000"/>
+                      </a:solidFill>
+                      <a:miter lim="400000"/>
+                    </a:lnL>
+                    <a:lnR w="25400">
+                      <a:solidFill>
+                        <a:srgbClr val="000000"/>
+                      </a:solidFill>
+                      <a:miter lim="400000"/>
+                    </a:lnR>
+                    <a:lnT w="25400">
+                      <a:solidFill>
+                        <a:srgbClr val="000000"/>
+                      </a:solidFill>
+                      <a:miter lim="400000"/>
+                    </a:lnT>
+                    <a:lnB w="25400">
+                      <a:solidFill>
+                        <a:srgbClr val="000000"/>
+                      </a:solidFill>
+                      <a:miter lim="400000"/>
+                    </a:lnB>
+                  </a:tcPr>
+                </a:tc>
+                <a:tc>
+                  <a:txBody>
+                    <a:bodyPr/>
+                    <a:lstStyle/>
+                    <a:p>
+                      <a:pPr marR="40639" defTabSz="914400">
+                        <a:lnSpc>
+                          <a:spcPct val="90000"/>
+                        </a:lnSpc>
+                        <a:spcBef>
+                          <a:spcPts val="700"/>
+                        </a:spcBef>
+                        <a:tabLst>
+                          <a:tab pos="914400" algn="l"/>
+                        </a:tabLst>
+                        <a:defRPr sz="2500"/>
+                      </a:pPr>
+                    </a:p>
+                  </a:txBody>
+                  <a:tcPr marL="50800" marR="50800" marT="50800" marB="50800" anchor="ctr" anchorCtr="0" horzOverflow="overflow">
+                    <a:lnL w="25400">
+                      <a:solidFill>
+                        <a:srgbClr val="000000"/>
+                      </a:solidFill>
+                      <a:miter lim="400000"/>
+                    </a:lnL>
+                    <a:lnR w="25400">
+                      <a:solidFill>
+                        <a:srgbClr val="000000"/>
+                      </a:solidFill>
+                      <a:miter lim="400000"/>
+                    </a:lnR>
+                    <a:lnT w="25400">
+                      <a:solidFill>
+                        <a:srgbClr val="000000"/>
+                      </a:solidFill>
+                      <a:miter lim="400000"/>
+                    </a:lnT>
+                    <a:lnB w="25400">
+                      <a:solidFill>
+                        <a:srgbClr val="000000"/>
+                      </a:solidFill>
+                      <a:miter lim="400000"/>
+                    </a:lnB>
+                  </a:tcPr>
+                </a:tc>
+                <a:tc>
+                  <a:txBody>
+                    <a:bodyPr/>
+                    <a:lstStyle/>
+                    <a:p>
+                      <a:pPr marR="40639" defTabSz="914400">
+                        <a:lnSpc>
+                          <a:spcPct val="90000"/>
+                        </a:lnSpc>
+                        <a:spcBef>
+                          <a:spcPts val="700"/>
+                        </a:spcBef>
+                        <a:tabLst>
+                          <a:tab pos="914400" algn="l"/>
+                        </a:tabLst>
+                        <a:defRPr sz="2500"/>
+                      </a:pPr>
+                    </a:p>
+                  </a:txBody>
+                  <a:tcPr marL="50800" marR="50800" marT="50800" marB="50800" anchor="ctr" anchorCtr="0" horzOverflow="overflow">
+                    <a:lnL w="25400">
+                      <a:solidFill>
+                        <a:srgbClr val="000000"/>
+                      </a:solidFill>
+                      <a:miter lim="400000"/>
+                    </a:lnL>
+                    <a:lnR w="25400">
+                      <a:solidFill>
+                        <a:srgbClr val="000000"/>
+                      </a:solidFill>
+                      <a:miter lim="400000"/>
+                    </a:lnR>
+                    <a:lnT w="25400">
+                      <a:solidFill>
+                        <a:srgbClr val="000000"/>
+                      </a:solidFill>
+                      <a:miter lim="400000"/>
+                    </a:lnT>
+                    <a:lnB w="25400">
+                      <a:solidFill>
+                        <a:srgbClr val="000000"/>
+                      </a:solidFill>
+                      <a:miter lim="400000"/>
+                    </a:lnB>
+                  </a:tcPr>
+                </a:tc>
+                <a:tc>
+                  <a:txBody>
+                    <a:bodyPr/>
+                    <a:lstStyle/>
+                    <a:p>
+                      <a:pPr marR="40639" defTabSz="914400">
+                        <a:lnSpc>
+                          <a:spcPct val="90000"/>
+                        </a:lnSpc>
+                        <a:spcBef>
+                          <a:spcPts val="700"/>
+                        </a:spcBef>
+                        <a:tabLst>
+                          <a:tab pos="914400" algn="l"/>
+                        </a:tabLst>
+                        <a:defRPr sz="2500"/>
+                      </a:pPr>
+                    </a:p>
+                  </a:txBody>
+                  <a:tcPr marL="50800" marR="50800" marT="50800" marB="50800" anchor="ctr" anchorCtr="0" horzOverflow="overflow">
+                    <a:lnL w="25400">
+                      <a:solidFill>
+                        <a:srgbClr val="000000"/>
+                      </a:solidFill>
+                      <a:miter lim="400000"/>
+                    </a:lnL>
+                    <a:lnR w="25400">
+                      <a:solidFill>
+                        <a:srgbClr val="000000"/>
+                      </a:solidFill>
+                      <a:miter lim="400000"/>
+                    </a:lnR>
+                    <a:lnT w="25400">
+                      <a:solidFill>
+                        <a:srgbClr val="000000"/>
+                      </a:solidFill>
+                      <a:miter lim="400000"/>
+                    </a:lnT>
+                    <a:lnB w="25400">
+                      <a:solidFill>
+                        <a:srgbClr val="000000"/>
+                      </a:solidFill>
+                      <a:miter lim="400000"/>
+                    </a:lnB>
+                  </a:tcPr>
+                </a:tc>
+                <a:tc>
+                  <a:txBody>
+                    <a:bodyPr/>
+                    <a:lstStyle/>
+                    <a:p>
+                      <a:pPr marR="40639" defTabSz="914400">
+                        <a:lnSpc>
+                          <a:spcPct val="90000"/>
+                        </a:lnSpc>
+                        <a:spcBef>
+                          <a:spcPts val="700"/>
+                        </a:spcBef>
+                        <a:tabLst>
+                          <a:tab pos="914400" algn="l"/>
+                        </a:tabLst>
+                        <a:defRPr sz="2500"/>
+                      </a:pPr>
+                    </a:p>
+                  </a:txBody>
+                  <a:tcPr marL="50800" marR="50800" marT="50800" marB="50800" anchor="ctr" anchorCtr="0" horzOverflow="overflow">
+                    <a:lnL w="25400">
+                      <a:solidFill>
+                        <a:srgbClr val="000000"/>
+                      </a:solidFill>
+                      <a:miter lim="400000"/>
+                    </a:lnL>
+                    <a:lnR w="25400">
+                      <a:solidFill>
+                        <a:srgbClr val="000000"/>
+                      </a:solidFill>
+                      <a:miter lim="400000"/>
+                    </a:lnR>
+                    <a:lnT w="25400">
+                      <a:solidFill>
+                        <a:srgbClr val="000000"/>
+                      </a:solidFill>
+                      <a:miter lim="400000"/>
+                    </a:lnT>
+                    <a:lnB w="25400">
+                      <a:solidFill>
+                        <a:srgbClr val="000000"/>
+                      </a:solidFill>
+                      <a:miter lim="400000"/>
+                    </a:lnB>
+                  </a:tcPr>
+                </a:tc>
+                <a:tc>
+                  <a:txBody>
+                    <a:bodyPr/>
+                    <a:lstStyle/>
+                    <a:p>
+                      <a:pPr marR="40639" defTabSz="914400">
+                        <a:lnSpc>
+                          <a:spcPct val="90000"/>
+                        </a:lnSpc>
+                        <a:spcBef>
+                          <a:spcPts val="700"/>
+                        </a:spcBef>
+                        <a:tabLst>
+                          <a:tab pos="914400" algn="l"/>
+                        </a:tabLst>
+                        <a:defRPr b="1" sz="2500">
+                          <a:latin typeface="Gill Sans MT"/>
+                          <a:ea typeface="Gill Sans MT"/>
+                          <a:cs typeface="Gill Sans MT"/>
+                          <a:sym typeface="Gill Sans MT"/>
+                        </a:defRPr>
+                      </a:pPr>
+                    </a:p>
+                  </a:txBody>
+                  <a:tcPr marL="50800" marR="50800" marT="50800" marB="50800" anchor="ctr" anchorCtr="0" horzOverflow="overflow">
+                    <a:lnL w="25400">
+                      <a:solidFill>
+                        <a:srgbClr val="000000"/>
+                      </a:solidFill>
+                      <a:miter lim="400000"/>
+                    </a:lnL>
+                    <a:lnR w="25400">
+                      <a:solidFill>
+                        <a:srgbClr val="000000"/>
+                      </a:solidFill>
+                      <a:miter lim="400000"/>
+                    </a:lnR>
+                    <a:lnT w="25400">
+                      <a:solidFill>
+                        <a:srgbClr val="000000"/>
+                      </a:solidFill>
+                      <a:miter lim="400000"/>
+                    </a:lnT>
+                    <a:lnB w="25400">
+                      <a:solidFill>
+                        <a:srgbClr val="000000"/>
+                      </a:solidFill>
+                      <a:miter lim="400000"/>
+                    </a:lnB>
+                  </a:tcPr>
+                </a:tc>
+                <a:tc>
+                  <a:txBody>
+                    <a:bodyPr/>
+                    <a:lstStyle/>
+                    <a:p>
+                      <a:pPr marR="40639" defTabSz="914400">
+                        <a:lnSpc>
+                          <a:spcPct val="90000"/>
+                        </a:lnSpc>
+                        <a:spcBef>
+                          <a:spcPts val="700"/>
+                        </a:spcBef>
+                        <a:tabLst>
+                          <a:tab pos="914400" algn="l"/>
+                        </a:tabLst>
+                        <a:defRPr sz="2500"/>
+                      </a:pPr>
+                    </a:p>
+                  </a:txBody>
+                  <a:tcPr marL="50800" marR="50800" marT="50800" marB="50800" anchor="ctr" anchorCtr="0" horzOverflow="overflow">
+                    <a:lnL w="25400">
+                      <a:solidFill>
+                        <a:srgbClr val="000000"/>
+                      </a:solidFill>
+                      <a:miter lim="400000"/>
+                    </a:lnL>
+                    <a:lnR w="25400">
+                      <a:solidFill>
+                        <a:srgbClr val="000000"/>
+                      </a:solidFill>
+                      <a:miter lim="400000"/>
+                    </a:lnR>
+                    <a:lnT w="25400">
+                      <a:solidFill>
+                        <a:srgbClr val="000000"/>
+                      </a:solidFill>
+                      <a:miter lim="400000"/>
+                    </a:lnT>
+                    <a:lnB w="25400">
+                      <a:solidFill>
+                        <a:srgbClr val="000000"/>
+                      </a:solidFill>
+                      <a:miter lim="400000"/>
+                    </a:lnB>
+                  </a:tcPr>
+                </a:tc>
+                <a:tc>
+                  <a:txBody>
+                    <a:bodyPr/>
+                    <a:lstStyle/>
+                    <a:p>
+                      <a:pPr marR="40639" defTabSz="914400">
+                        <a:lnSpc>
+                          <a:spcPct val="90000"/>
+                        </a:lnSpc>
+                        <a:spcBef>
+                          <a:spcPts val="700"/>
+                        </a:spcBef>
+                        <a:tabLst>
+                          <a:tab pos="914400" algn="l"/>
+                        </a:tabLst>
+                        <a:defRPr sz="2500"/>
+                      </a:pPr>
+                    </a:p>
+                  </a:txBody>
+                  <a:tcPr marL="50800" marR="50800" marT="50800" marB="50800" anchor="ctr" anchorCtr="0" horzOverflow="overflow">
+                    <a:lnL w="25400">
+                      <a:solidFill>
+                        <a:srgbClr val="000000"/>
+                      </a:solidFill>
+                      <a:miter lim="400000"/>
+                    </a:lnL>
+                    <a:lnR w="25400">
+                      <a:solidFill>
+                        <a:srgbClr val="000000"/>
+                      </a:solidFill>
+                      <a:miter lim="400000"/>
+                    </a:lnR>
+                    <a:lnT w="25400">
+                      <a:solidFill>
+                        <a:srgbClr val="000000"/>
+                      </a:solidFill>
+                      <a:miter lim="400000"/>
+                    </a:lnT>
+                    <a:lnB w="25400">
+                      <a:solidFill>
+                        <a:srgbClr val="000000"/>
+                      </a:solidFill>
+                      <a:miter lim="400000"/>
+                    </a:lnB>
+                  </a:tcPr>
+                </a:tc>
+              </a:tr>
+              <a:tr h="670383">
+                <a:tc>
+                  <a:txBody>
+                    <a:bodyPr/>
+                    <a:lstStyle/>
+                    <a:p>
+                      <a:pPr marR="40639" defTabSz="914400">
+                        <a:lnSpc>
+                          <a:spcPct val="90000"/>
+                        </a:lnSpc>
+                        <a:spcBef>
+                          <a:spcPts val="700"/>
+                        </a:spcBef>
+                        <a:tabLst>
+                          <a:tab pos="914400" algn="l"/>
+                        </a:tabLst>
+                        <a:defRPr sz="2500"/>
+                      </a:pPr>
+                    </a:p>
+                  </a:txBody>
+                  <a:tcPr marL="50800" marR="50800" marT="50800" marB="50800" anchor="ctr" anchorCtr="0" horzOverflow="overflow">
+                    <a:lnL w="25400">
+                      <a:solidFill>
+                        <a:srgbClr val="000000"/>
+                      </a:solidFill>
+                      <a:miter lim="400000"/>
+                    </a:lnL>
+                    <a:lnR w="25400">
+                      <a:solidFill>
+                        <a:srgbClr val="000000"/>
+                      </a:solidFill>
+                      <a:miter lim="400000"/>
+                    </a:lnR>
+                    <a:lnT w="25400">
+                      <a:solidFill>
+                        <a:srgbClr val="000000"/>
+                      </a:solidFill>
+                      <a:miter lim="400000"/>
+                    </a:lnT>
+                    <a:lnB w="25400">
+                      <a:solidFill>
+                        <a:srgbClr val="000000"/>
+                      </a:solidFill>
+                      <a:miter lim="400000"/>
+                    </a:lnB>
+                  </a:tcPr>
+                </a:tc>
+                <a:tc>
+                  <a:txBody>
+                    <a:bodyPr/>
+                    <a:lstStyle/>
+                    <a:p>
+                      <a:pPr marR="40639" defTabSz="914400">
+                        <a:lnSpc>
+                          <a:spcPct val="90000"/>
+                        </a:lnSpc>
+                        <a:spcBef>
+                          <a:spcPts val="700"/>
+                        </a:spcBef>
+                        <a:tabLst>
+                          <a:tab pos="914400" algn="l"/>
+                        </a:tabLst>
+                        <a:defRPr b="1" sz="2500">
+                          <a:latin typeface="Gill Sans MT"/>
+                          <a:ea typeface="Gill Sans MT"/>
+                          <a:cs typeface="Gill Sans MT"/>
+                          <a:sym typeface="Gill Sans MT"/>
+                        </a:defRPr>
+                      </a:pPr>
+                    </a:p>
+                  </a:txBody>
+                  <a:tcPr marL="50800" marR="50800" marT="50800" marB="50800" anchor="ctr" anchorCtr="0" horzOverflow="overflow">
+                    <a:lnL w="25400">
+                      <a:solidFill>
+                        <a:srgbClr val="000000"/>
+                      </a:solidFill>
+                      <a:miter lim="400000"/>
+                    </a:lnL>
+                    <a:lnR w="25400">
+                      <a:solidFill>
+                        <a:srgbClr val="000000"/>
+                      </a:solidFill>
+                      <a:miter lim="400000"/>
+                    </a:lnR>
+                    <a:lnT w="25400">
+                      <a:solidFill>
+                        <a:srgbClr val="000000"/>
+                      </a:solidFill>
+                      <a:miter lim="400000"/>
+                    </a:lnT>
+                    <a:lnB w="25400">
+                      <a:solidFill>
+                        <a:srgbClr val="000000"/>
+                      </a:solidFill>
+                      <a:miter lim="400000"/>
+                    </a:lnB>
+                  </a:tcPr>
+                </a:tc>
+                <a:tc>
+                  <a:txBody>
+                    <a:bodyPr/>
+                    <a:lstStyle/>
+                    <a:p>
+                      <a:pPr marR="40639" defTabSz="914400">
+                        <a:lnSpc>
+                          <a:spcPct val="90000"/>
+                        </a:lnSpc>
+                        <a:spcBef>
+                          <a:spcPts val="700"/>
+                        </a:spcBef>
+                        <a:tabLst>
+                          <a:tab pos="914400" algn="l"/>
+                        </a:tabLst>
+                        <a:defRPr sz="2500"/>
+                      </a:pPr>
+                    </a:p>
+                  </a:txBody>
+                  <a:tcPr marL="50800" marR="50800" marT="50800" marB="50800" anchor="ctr" anchorCtr="0" horzOverflow="overflow">
+                    <a:lnL w="25400">
+                      <a:solidFill>
+                        <a:srgbClr val="000000"/>
+                      </a:solidFill>
+                      <a:miter lim="400000"/>
+                    </a:lnL>
+                    <a:lnR w="25400">
+                      <a:solidFill>
+                        <a:srgbClr val="000000"/>
+                      </a:solidFill>
+                      <a:miter lim="400000"/>
+                    </a:lnR>
+                    <a:lnT w="25400">
+                      <a:solidFill>
+                        <a:srgbClr val="000000"/>
+                      </a:solidFill>
+                      <a:miter lim="400000"/>
+                    </a:lnT>
+                    <a:lnB w="25400">
+                      <a:solidFill>
+                        <a:srgbClr val="000000"/>
+                      </a:solidFill>
+                      <a:miter lim="400000"/>
+                    </a:lnB>
+                  </a:tcPr>
+                </a:tc>
+                <a:tc>
+                  <a:txBody>
+                    <a:bodyPr/>
+                    <a:lstStyle/>
+                    <a:p>
+                      <a:pPr marR="40639" defTabSz="914400">
+                        <a:lnSpc>
+                          <a:spcPct val="90000"/>
+                        </a:lnSpc>
+                        <a:spcBef>
+                          <a:spcPts val="700"/>
+                        </a:spcBef>
+                        <a:tabLst>
+                          <a:tab pos="914400" algn="l"/>
+                        </a:tabLst>
+                        <a:defRPr sz="2500"/>
+                      </a:pPr>
+                    </a:p>
+                  </a:txBody>
+                  <a:tcPr marL="50800" marR="50800" marT="50800" marB="50800" anchor="ctr" anchorCtr="0" horzOverflow="overflow">
+                    <a:lnL w="25400">
+                      <a:solidFill>
+                        <a:srgbClr val="000000"/>
+                      </a:solidFill>
+                      <a:miter lim="400000"/>
+                    </a:lnL>
+                    <a:lnR w="25400">
+                      <a:solidFill>
+                        <a:srgbClr val="000000"/>
+                      </a:solidFill>
+                      <a:miter lim="400000"/>
+                    </a:lnR>
+                    <a:lnT w="25400">
+                      <a:solidFill>
+                        <a:srgbClr val="000000"/>
+                      </a:solidFill>
+                      <a:miter lim="400000"/>
+                    </a:lnT>
+                    <a:lnB w="25400">
+                      <a:solidFill>
+                        <a:srgbClr val="000000"/>
+                      </a:solidFill>
+                      <a:miter lim="400000"/>
+                    </a:lnB>
+                  </a:tcPr>
+                </a:tc>
+                <a:tc>
+                  <a:txBody>
+                    <a:bodyPr/>
+                    <a:lstStyle/>
+                    <a:p>
+                      <a:pPr marR="40639" defTabSz="914400">
+                        <a:lnSpc>
+                          <a:spcPct val="90000"/>
+                        </a:lnSpc>
+                        <a:spcBef>
+                          <a:spcPts val="700"/>
+                        </a:spcBef>
+                        <a:tabLst>
+                          <a:tab pos="914400" algn="l"/>
+                        </a:tabLst>
+                        <a:defRPr sz="2500"/>
+                      </a:pPr>
+                    </a:p>
+                  </a:txBody>
+                  <a:tcPr marL="50800" marR="50800" marT="50800" marB="50800" anchor="ctr" anchorCtr="0" horzOverflow="overflow">
+                    <a:lnL w="25400">
+                      <a:solidFill>
+                        <a:srgbClr val="000000"/>
+                      </a:solidFill>
+                      <a:miter lim="400000"/>
+                    </a:lnL>
+                    <a:lnR w="25400">
+                      <a:solidFill>
+                        <a:srgbClr val="000000"/>
+                      </a:solidFill>
+                      <a:miter lim="400000"/>
+                    </a:lnR>
+                    <a:lnT w="25400">
+                      <a:solidFill>
+                        <a:srgbClr val="000000"/>
+                      </a:solidFill>
+                      <a:miter lim="400000"/>
+                    </a:lnT>
+                    <a:lnB w="25400">
+                      <a:solidFill>
+                        <a:srgbClr val="000000"/>
+                      </a:solidFill>
+                      <a:miter lim="400000"/>
+                    </a:lnB>
+                  </a:tcPr>
+                </a:tc>
+                <a:tc>
+                  <a:txBody>
+                    <a:bodyPr/>
+                    <a:lstStyle/>
+                    <a:p>
+                      <a:pPr marR="40639" defTabSz="914400">
+                        <a:lnSpc>
+                          <a:spcPct val="90000"/>
+                        </a:lnSpc>
+                        <a:spcBef>
+                          <a:spcPts val="700"/>
+                        </a:spcBef>
+                        <a:tabLst>
+                          <a:tab pos="914400" algn="l"/>
+                        </a:tabLst>
+                        <a:defRPr sz="2500"/>
+                      </a:pPr>
+                    </a:p>
+                  </a:txBody>
+                  <a:tcPr marL="50800" marR="50800" marT="50800" marB="50800" anchor="ctr" anchorCtr="0" horzOverflow="overflow">
+                    <a:lnL w="25400">
+                      <a:solidFill>
+                        <a:srgbClr val="000000"/>
+                      </a:solidFill>
+                      <a:miter lim="400000"/>
+                    </a:lnL>
+                    <a:lnR w="25400">
+                      <a:solidFill>
+                        <a:srgbClr val="000000"/>
+                      </a:solidFill>
+                      <a:miter lim="400000"/>
+                    </a:lnR>
+                    <a:lnT w="25400">
+                      <a:solidFill>
+                        <a:srgbClr val="000000"/>
+                      </a:solidFill>
+                      <a:miter lim="400000"/>
+                    </a:lnT>
+                    <a:lnB w="25400">
+                      <a:solidFill>
+                        <a:srgbClr val="000000"/>
+                      </a:solidFill>
+                      <a:miter lim="400000"/>
+                    </a:lnB>
+                  </a:tcPr>
+                </a:tc>
+                <a:tc>
+                  <a:txBody>
+                    <a:bodyPr/>
+                    <a:lstStyle/>
+                    <a:p>
+                      <a:pPr marR="40639" defTabSz="914400">
+                        <a:lnSpc>
+                          <a:spcPct val="90000"/>
+                        </a:lnSpc>
+                        <a:spcBef>
+                          <a:spcPts val="700"/>
+                        </a:spcBef>
+                        <a:tabLst>
+                          <a:tab pos="914400" algn="l"/>
+                        </a:tabLst>
+                        <a:defRPr sz="2500"/>
+                      </a:pPr>
+                    </a:p>
+                  </a:txBody>
+                  <a:tcPr marL="50800" marR="50800" marT="50800" marB="50800" anchor="ctr" anchorCtr="0" horzOverflow="overflow">
+                    <a:lnL w="25400">
+                      <a:solidFill>
+                        <a:srgbClr val="000000"/>
+                      </a:solidFill>
+                      <a:miter lim="400000"/>
+                    </a:lnL>
+                    <a:lnR w="25400">
+                      <a:solidFill>
+                        <a:srgbClr val="000000"/>
+                      </a:solidFill>
+                      <a:miter lim="400000"/>
+                    </a:lnR>
+                    <a:lnT w="25400">
+                      <a:solidFill>
+                        <a:srgbClr val="000000"/>
+                      </a:solidFill>
+                      <a:miter lim="400000"/>
+                    </a:lnT>
+                    <a:lnB w="25400">
+                      <a:solidFill>
+                        <a:srgbClr val="000000"/>
+                      </a:solidFill>
+                      <a:miter lim="400000"/>
+                    </a:lnB>
+                  </a:tcPr>
+                </a:tc>
+                <a:tc>
+                  <a:txBody>
+                    <a:bodyPr/>
+                    <a:lstStyle/>
+                    <a:p>
+                      <a:pPr marR="40639" defTabSz="914400">
+                        <a:lnSpc>
+                          <a:spcPct val="90000"/>
+                        </a:lnSpc>
+                        <a:spcBef>
+                          <a:spcPts val="700"/>
+                        </a:spcBef>
+                        <a:tabLst>
+                          <a:tab pos="914400" algn="l"/>
+                        </a:tabLst>
+                        <a:defRPr sz="2500"/>
+                      </a:pPr>
+                    </a:p>
+                  </a:txBody>
+                  <a:tcPr marL="50800" marR="50800" marT="50800" marB="50800" anchor="ctr" anchorCtr="0" horzOverflow="overflow">
+                    <a:lnL w="25400">
+                      <a:solidFill>
+                        <a:srgbClr val="000000"/>
+                      </a:solidFill>
+                      <a:miter lim="400000"/>
+                    </a:lnL>
+                    <a:lnR w="25400">
+                      <a:solidFill>
+                        <a:srgbClr val="000000"/>
+                      </a:solidFill>
+                      <a:miter lim="400000"/>
+                    </a:lnR>
+                    <a:lnT w="25400">
+                      <a:solidFill>
+                        <a:srgbClr val="000000"/>
+                      </a:solidFill>
+                      <a:miter lim="400000"/>
+                    </a:lnT>
+                    <a:lnB w="25400">
+                      <a:solidFill>
+                        <a:srgbClr val="000000"/>
+                      </a:solidFill>
+                      <a:miter lim="400000"/>
+                    </a:lnB>
+                  </a:tcPr>
+                </a:tc>
+              </a:tr>
+              <a:tr h="670383">
+                <a:tc>
+                  <a:txBody>
+                    <a:bodyPr/>
+                    <a:lstStyle/>
+                    <a:p>
+                      <a:pPr marR="40639" defTabSz="914400">
+                        <a:lnSpc>
+                          <a:spcPct val="90000"/>
+                        </a:lnSpc>
+                        <a:spcBef>
+                          <a:spcPts val="700"/>
+                        </a:spcBef>
+                        <a:tabLst>
+                          <a:tab pos="914400" algn="l"/>
+                        </a:tabLst>
+                        <a:defRPr sz="2500"/>
+                      </a:pPr>
+                    </a:p>
+                  </a:txBody>
+                  <a:tcPr marL="50800" marR="50800" marT="50800" marB="50800" anchor="ctr" anchorCtr="0" horzOverflow="overflow">
+                    <a:lnL w="25400">
+                      <a:solidFill>
+                        <a:srgbClr val="000000"/>
+                      </a:solidFill>
+                      <a:miter lim="400000"/>
+                    </a:lnL>
+                    <a:lnR w="25400">
+                      <a:solidFill>
+                        <a:srgbClr val="000000"/>
+                      </a:solidFill>
+                      <a:miter lim="400000"/>
+                    </a:lnR>
+                    <a:lnT w="25400">
+                      <a:solidFill>
+                        <a:srgbClr val="000000"/>
+                      </a:solidFill>
+                      <a:miter lim="400000"/>
+                    </a:lnT>
+                    <a:lnB w="25400">
+                      <a:solidFill>
+                        <a:srgbClr val="000000"/>
+                      </a:solidFill>
+                      <a:miter lim="400000"/>
+                    </a:lnB>
+                  </a:tcPr>
+                </a:tc>
+                <a:tc>
+                  <a:txBody>
+                    <a:bodyPr/>
+                    <a:lstStyle/>
+                    <a:p>
+                      <a:pPr marR="40639" defTabSz="914400">
+                        <a:lnSpc>
+                          <a:spcPct val="90000"/>
+                        </a:lnSpc>
+                        <a:spcBef>
+                          <a:spcPts val="700"/>
+                        </a:spcBef>
+                        <a:tabLst>
+                          <a:tab pos="914400" algn="l"/>
+                        </a:tabLst>
+                        <a:defRPr sz="2500"/>
+                      </a:pPr>
+                    </a:p>
+                  </a:txBody>
+                  <a:tcPr marL="50800" marR="50800" marT="50800" marB="50800" anchor="ctr" anchorCtr="0" horzOverflow="overflow">
+                    <a:lnL w="25400">
+                      <a:solidFill>
+                        <a:srgbClr val="000000"/>
+                      </a:solidFill>
+                      <a:miter lim="400000"/>
+                    </a:lnL>
+                    <a:lnR w="25400">
+                      <a:solidFill>
+                        <a:srgbClr val="000000"/>
+                      </a:solidFill>
+                      <a:miter lim="400000"/>
+                    </a:lnR>
+                    <a:lnT w="25400">
+                      <a:solidFill>
+                        <a:srgbClr val="000000"/>
+                      </a:solidFill>
+                      <a:miter lim="400000"/>
+                    </a:lnT>
+                    <a:lnB w="25400">
+                      <a:solidFill>
+                        <a:srgbClr val="000000"/>
+                      </a:solidFill>
+                      <a:miter lim="400000"/>
+                    </a:lnB>
+                  </a:tcPr>
+                </a:tc>
+                <a:tc>
+                  <a:txBody>
+                    <a:bodyPr/>
+                    <a:lstStyle/>
+                    <a:p>
+                      <a:pPr marR="40639" defTabSz="914400">
+                        <a:lnSpc>
+                          <a:spcPct val="90000"/>
+                        </a:lnSpc>
+                        <a:spcBef>
+                          <a:spcPts val="700"/>
+                        </a:spcBef>
+                        <a:tabLst>
+                          <a:tab pos="914400" algn="l"/>
+                        </a:tabLst>
+                        <a:defRPr sz="2500"/>
+                      </a:pPr>
+                    </a:p>
+                  </a:txBody>
+                  <a:tcPr marL="50800" marR="50800" marT="50800" marB="50800" anchor="ctr" anchorCtr="0" horzOverflow="overflow">
+                    <a:lnL w="25400">
+                      <a:solidFill>
+                        <a:srgbClr val="000000"/>
+                      </a:solidFill>
+                      <a:miter lim="400000"/>
+                    </a:lnL>
+                    <a:lnR w="25400">
+                      <a:solidFill>
+                        <a:srgbClr val="000000"/>
+                      </a:solidFill>
+                      <a:miter lim="400000"/>
+                    </a:lnR>
+                    <a:lnT w="25400">
+                      <a:solidFill>
+                        <a:srgbClr val="000000"/>
+                      </a:solidFill>
+                      <a:miter lim="400000"/>
+                    </a:lnT>
+                    <a:lnB w="25400">
+                      <a:solidFill>
+                        <a:srgbClr val="000000"/>
+                      </a:solidFill>
+                      <a:miter lim="400000"/>
+                    </a:lnB>
+                  </a:tcPr>
+                </a:tc>
+                <a:tc>
+                  <a:txBody>
+                    <a:bodyPr/>
+                    <a:lstStyle/>
+                    <a:p>
+                      <a:pPr marR="40639" defTabSz="914400">
+                        <a:lnSpc>
+                          <a:spcPct val="90000"/>
+                        </a:lnSpc>
+                        <a:spcBef>
+                          <a:spcPts val="700"/>
+                        </a:spcBef>
+                        <a:tabLst>
+                          <a:tab pos="914400" algn="l"/>
+                        </a:tabLst>
+                        <a:defRPr sz="2500"/>
+                      </a:pPr>
+                    </a:p>
+                  </a:txBody>
+                  <a:tcPr marL="50800" marR="50800" marT="50800" marB="50800" anchor="ctr" anchorCtr="0" horzOverflow="overflow">
+                    <a:lnL w="25400">
+                      <a:solidFill>
+                        <a:srgbClr val="000000"/>
+                      </a:solidFill>
+                      <a:miter lim="400000"/>
+                    </a:lnL>
+                    <a:lnR w="25400">
+                      <a:solidFill>
+                        <a:srgbClr val="000000"/>
+                      </a:solidFill>
+                      <a:miter lim="400000"/>
+                    </a:lnR>
+                    <a:lnT w="25400">
+                      <a:solidFill>
+                        <a:srgbClr val="000000"/>
+                      </a:solidFill>
+                      <a:miter lim="400000"/>
+                    </a:lnT>
+                    <a:lnB w="25400">
+                      <a:solidFill>
+                        <a:srgbClr val="000000"/>
+                      </a:solidFill>
+                      <a:miter lim="400000"/>
+                    </a:lnB>
+                  </a:tcPr>
+                </a:tc>
+                <a:tc>
+                  <a:txBody>
+                    <a:bodyPr/>
+                    <a:lstStyle/>
+                    <a:p>
+                      <a:pPr marR="40639" defTabSz="914400">
+                        <a:lnSpc>
+                          <a:spcPct val="90000"/>
+                        </a:lnSpc>
+                        <a:spcBef>
+                          <a:spcPts val="700"/>
+                        </a:spcBef>
+                        <a:tabLst>
+                          <a:tab pos="914400" algn="l"/>
+                        </a:tabLst>
+                        <a:defRPr b="1" sz="2500">
+                          <a:latin typeface="Gill Sans MT"/>
+                          <a:ea typeface="Gill Sans MT"/>
+                          <a:cs typeface="Gill Sans MT"/>
+                          <a:sym typeface="Gill Sans MT"/>
+                        </a:defRPr>
+                      </a:pPr>
+                    </a:p>
+                  </a:txBody>
+                  <a:tcPr marL="50800" marR="50800" marT="50800" marB="50800" anchor="ctr" anchorCtr="0" horzOverflow="overflow">
+                    <a:lnL w="25400">
+                      <a:solidFill>
+                        <a:srgbClr val="000000"/>
+                      </a:solidFill>
+                      <a:miter lim="400000"/>
+                    </a:lnL>
+                    <a:lnR w="25400">
+                      <a:solidFill>
+                        <a:srgbClr val="000000"/>
+                      </a:solidFill>
+                      <a:miter lim="400000"/>
+                    </a:lnR>
+                    <a:lnT w="25400">
+                      <a:solidFill>
+                        <a:srgbClr val="000000"/>
+                      </a:solidFill>
+                      <a:miter lim="400000"/>
+                    </a:lnT>
+                    <a:lnB w="25400">
+                      <a:solidFill>
+                        <a:srgbClr val="000000"/>
+                      </a:solidFill>
+                      <a:miter lim="400000"/>
+                    </a:lnB>
+                  </a:tcPr>
+                </a:tc>
+                <a:tc>
+                  <a:txBody>
+                    <a:bodyPr/>
+                    <a:lstStyle/>
+                    <a:p>
+                      <a:pPr marR="40639" defTabSz="914400">
+                        <a:lnSpc>
+                          <a:spcPct val="90000"/>
+                        </a:lnSpc>
+                        <a:spcBef>
+                          <a:spcPts val="700"/>
+                        </a:spcBef>
+                        <a:tabLst>
+                          <a:tab pos="914400" algn="l"/>
+                        </a:tabLst>
+                        <a:defRPr sz="2500"/>
+                      </a:pPr>
+                    </a:p>
+                  </a:txBody>
+                  <a:tcPr marL="50800" marR="50800" marT="50800" marB="50800" anchor="ctr" anchorCtr="0" horzOverflow="overflow">
+                    <a:lnL w="25400">
+                      <a:solidFill>
+                        <a:srgbClr val="000000"/>
+                      </a:solidFill>
+                      <a:miter lim="400000"/>
+                    </a:lnL>
+                    <a:lnR w="25400">
+                      <a:solidFill>
+                        <a:srgbClr val="000000"/>
+                      </a:solidFill>
+                      <a:miter lim="400000"/>
+                    </a:lnR>
+                    <a:lnT w="25400">
+                      <a:solidFill>
+                        <a:srgbClr val="000000"/>
+                      </a:solidFill>
+                      <a:miter lim="400000"/>
+                    </a:lnT>
+                    <a:lnB w="25400">
+                      <a:solidFill>
+                        <a:srgbClr val="000000"/>
+                      </a:solidFill>
+                      <a:miter lim="400000"/>
+                    </a:lnB>
+                  </a:tcPr>
+                </a:tc>
+                <a:tc>
+                  <a:txBody>
+                    <a:bodyPr/>
+                    <a:lstStyle/>
+                    <a:p>
+                      <a:pPr marR="40639" defTabSz="914400">
+                        <a:lnSpc>
+                          <a:spcPct val="90000"/>
+                        </a:lnSpc>
+                        <a:spcBef>
+                          <a:spcPts val="700"/>
+                        </a:spcBef>
+                        <a:tabLst>
+                          <a:tab pos="914400" algn="l"/>
+                        </a:tabLst>
+                        <a:defRPr sz="2500"/>
+                      </a:pPr>
+                    </a:p>
+                  </a:txBody>
+                  <a:tcPr marL="50800" marR="50800" marT="50800" marB="50800" anchor="ctr" anchorCtr="0" horzOverflow="overflow">
+                    <a:lnL w="25400">
+                      <a:solidFill>
+                        <a:srgbClr val="000000"/>
+                      </a:solidFill>
+                      <a:miter lim="400000"/>
+                    </a:lnL>
+                    <a:lnR w="25400">
+                      <a:solidFill>
+                        <a:srgbClr val="000000"/>
+                      </a:solidFill>
+                      <a:miter lim="400000"/>
+                    </a:lnR>
+                    <a:lnT w="25400">
+                      <a:solidFill>
+                        <a:srgbClr val="000000"/>
+                      </a:solidFill>
+                      <a:miter lim="400000"/>
+                    </a:lnT>
+                    <a:lnB w="25400">
+                      <a:solidFill>
+                        <a:srgbClr val="000000"/>
+                      </a:solidFill>
+                      <a:miter lim="400000"/>
+                    </a:lnB>
+                  </a:tcPr>
+                </a:tc>
+                <a:tc>
+                  <a:txBody>
+                    <a:bodyPr/>
+                    <a:lstStyle/>
+                    <a:p>
+                      <a:pPr marR="40639" defTabSz="914400">
+                        <a:lnSpc>
+                          <a:spcPct val="90000"/>
+                        </a:lnSpc>
+                        <a:spcBef>
+                          <a:spcPts val="700"/>
+                        </a:spcBef>
+                        <a:tabLst>
+                          <a:tab pos="914400" algn="l"/>
+                        </a:tabLst>
+                        <a:defRPr sz="2500"/>
+                      </a:pPr>
+                    </a:p>
+                  </a:txBody>
+                  <a:tcPr marL="50800" marR="50800" marT="50800" marB="50800" anchor="ctr" anchorCtr="0" horzOverflow="overflow">
+                    <a:lnL w="25400">
+                      <a:solidFill>
+                        <a:srgbClr val="000000"/>
+                      </a:solidFill>
+                      <a:miter lim="400000"/>
+                    </a:lnL>
+                    <a:lnR w="25400">
+                      <a:solidFill>
+                        <a:srgbClr val="000000"/>
+                      </a:solidFill>
+                      <a:miter lim="400000"/>
+                    </a:lnR>
+                    <a:lnT w="25400">
+                      <a:solidFill>
+                        <a:srgbClr val="000000"/>
+                      </a:solidFill>
+                      <a:miter lim="400000"/>
+                    </a:lnT>
+                    <a:lnB w="25400">
+                      <a:solidFill>
+                        <a:srgbClr val="000000"/>
+                      </a:solidFill>
+                      <a:miter lim="400000"/>
+                    </a:lnB>
+                  </a:tcPr>
+                </a:tc>
+              </a:tr>
+              <a:tr h="670383">
+                <a:tc>
+                  <a:txBody>
+                    <a:bodyPr/>
+                    <a:lstStyle/>
+                    <a:p>
+                      <a:pPr marR="40639" defTabSz="914400">
+                        <a:lnSpc>
+                          <a:spcPct val="90000"/>
+                        </a:lnSpc>
+                        <a:spcBef>
+                          <a:spcPts val="700"/>
+                        </a:spcBef>
+                        <a:tabLst>
+                          <a:tab pos="914400" algn="l"/>
+                        </a:tabLst>
+                        <a:defRPr b="1" sz="2500">
+                          <a:latin typeface="Gill Sans MT"/>
+                          <a:ea typeface="Gill Sans MT"/>
+                          <a:cs typeface="Gill Sans MT"/>
+                          <a:sym typeface="Gill Sans MT"/>
+                        </a:defRPr>
+                      </a:pPr>
+                    </a:p>
+                  </a:txBody>
+                  <a:tcPr marL="50800" marR="50800" marT="50800" marB="50800" anchor="ctr" anchorCtr="0" horzOverflow="overflow">
+                    <a:lnL w="25400">
+                      <a:solidFill>
+                        <a:srgbClr val="000000"/>
+                      </a:solidFill>
+                      <a:miter lim="400000"/>
+                    </a:lnL>
+                    <a:lnR w="25400">
+                      <a:solidFill>
+                        <a:srgbClr val="000000"/>
+                      </a:solidFill>
+                      <a:miter lim="400000"/>
+                    </a:lnR>
+                    <a:lnT w="25400">
+                      <a:solidFill>
+                        <a:srgbClr val="000000"/>
+                      </a:solidFill>
+                      <a:miter lim="400000"/>
+                    </a:lnT>
+                    <a:lnB w="25400">
+                      <a:solidFill>
+                        <a:srgbClr val="000000"/>
+                      </a:solidFill>
+                      <a:miter lim="400000"/>
+                    </a:lnB>
+                  </a:tcPr>
+                </a:tc>
+                <a:tc>
+                  <a:txBody>
+                    <a:bodyPr/>
+                    <a:lstStyle/>
+                    <a:p>
+                      <a:pPr marR="40639" defTabSz="914400">
+                        <a:lnSpc>
+                          <a:spcPct val="90000"/>
+                        </a:lnSpc>
+                        <a:spcBef>
+                          <a:spcPts val="700"/>
+                        </a:spcBef>
+                        <a:tabLst>
+                          <a:tab pos="914400" algn="l"/>
+                        </a:tabLst>
+                        <a:defRPr sz="2500"/>
+                      </a:pPr>
+                    </a:p>
+                  </a:txBody>
+                  <a:tcPr marL="50800" marR="50800" marT="50800" marB="50800" anchor="ctr" anchorCtr="0" horzOverflow="overflow">
+                    <a:lnL w="25400">
+                      <a:solidFill>
+                        <a:srgbClr val="000000"/>
+                      </a:solidFill>
+                      <a:miter lim="400000"/>
+                    </a:lnL>
+                    <a:lnR w="25400">
+                      <a:solidFill>
+                        <a:srgbClr val="000000"/>
+                      </a:solidFill>
+                      <a:miter lim="400000"/>
+                    </a:lnR>
+                    <a:lnT w="25400">
+                      <a:solidFill>
+                        <a:srgbClr val="000000"/>
+                      </a:solidFill>
+                      <a:miter lim="400000"/>
+                    </a:lnT>
+                    <a:lnB w="25400">
+                      <a:solidFill>
+                        <a:srgbClr val="000000"/>
+                      </a:solidFill>
+                      <a:miter lim="400000"/>
+                    </a:lnB>
+                  </a:tcPr>
+                </a:tc>
+                <a:tc>
+                  <a:txBody>
+                    <a:bodyPr/>
+                    <a:lstStyle/>
+                    <a:p>
+                      <a:pPr marR="40639" defTabSz="914400">
+                        <a:lnSpc>
+                          <a:spcPct val="90000"/>
+                        </a:lnSpc>
+                        <a:spcBef>
+                          <a:spcPts val="700"/>
+                        </a:spcBef>
+                        <a:tabLst>
+                          <a:tab pos="914400" algn="l"/>
+                        </a:tabLst>
+                        <a:defRPr sz="2500"/>
+                      </a:pPr>
+                    </a:p>
+                  </a:txBody>
+                  <a:tcPr marL="50800" marR="50800" marT="50800" marB="50800" anchor="ctr" anchorCtr="0" horzOverflow="overflow">
+                    <a:lnL w="25400">
+                      <a:solidFill>
+                        <a:srgbClr val="000000"/>
+                      </a:solidFill>
+                      <a:miter lim="400000"/>
+                    </a:lnL>
+                    <a:lnR w="25400">
+                      <a:solidFill>
+                        <a:srgbClr val="000000"/>
+                      </a:solidFill>
+                      <a:miter lim="400000"/>
+                    </a:lnR>
+                    <a:lnT w="25400">
+                      <a:solidFill>
+                        <a:srgbClr val="000000"/>
+                      </a:solidFill>
+                      <a:miter lim="400000"/>
+                    </a:lnT>
+                    <a:lnB w="25400">
+                      <a:solidFill>
+                        <a:srgbClr val="000000"/>
+                      </a:solidFill>
+                      <a:miter lim="400000"/>
+                    </a:lnB>
+                  </a:tcPr>
+                </a:tc>
+                <a:tc>
+                  <a:txBody>
+                    <a:bodyPr/>
+                    <a:lstStyle/>
+                    <a:p>
+                      <a:pPr marR="40639" defTabSz="914400">
+                        <a:lnSpc>
+                          <a:spcPct val="90000"/>
+                        </a:lnSpc>
+                        <a:spcBef>
+                          <a:spcPts val="700"/>
+                        </a:spcBef>
+                        <a:tabLst>
+                          <a:tab pos="914400" algn="l"/>
+                        </a:tabLst>
+                        <a:defRPr sz="2500"/>
+                      </a:pPr>
+                    </a:p>
+                  </a:txBody>
+                  <a:tcPr marL="50800" marR="50800" marT="50800" marB="50800" anchor="ctr" anchorCtr="0" horzOverflow="overflow">
+                    <a:lnL w="25400">
+                      <a:solidFill>
+                        <a:srgbClr val="000000"/>
+                      </a:solidFill>
+                      <a:miter lim="400000"/>
+                    </a:lnL>
+                    <a:lnR w="25400">
+                      <a:solidFill>
+                        <a:srgbClr val="000000"/>
+                      </a:solidFill>
+                      <a:miter lim="400000"/>
+                    </a:lnR>
+                    <a:lnT w="25400">
+                      <a:solidFill>
+                        <a:srgbClr val="000000"/>
+                      </a:solidFill>
+                      <a:miter lim="400000"/>
+                    </a:lnT>
+                    <a:lnB w="25400">
+                      <a:solidFill>
+                        <a:srgbClr val="000000"/>
+                      </a:solidFill>
+                      <a:miter lim="400000"/>
+                    </a:lnB>
+                  </a:tcPr>
+                </a:tc>
+                <a:tc>
+                  <a:txBody>
+                    <a:bodyPr/>
+                    <a:lstStyle/>
+                    <a:p>
+                      <a:pPr marR="40639" defTabSz="914400">
+                        <a:lnSpc>
+                          <a:spcPct val="90000"/>
+                        </a:lnSpc>
+                        <a:spcBef>
+                          <a:spcPts val="700"/>
+                        </a:spcBef>
+                        <a:tabLst>
+                          <a:tab pos="914400" algn="l"/>
+                        </a:tabLst>
+                        <a:defRPr sz="2500"/>
+                      </a:pPr>
+                    </a:p>
+                  </a:txBody>
+                  <a:tcPr marL="50800" marR="50800" marT="50800" marB="50800" anchor="ctr" anchorCtr="0" horzOverflow="overflow">
+                    <a:lnL w="25400">
+                      <a:solidFill>
+                        <a:srgbClr val="000000"/>
+                      </a:solidFill>
+                      <a:miter lim="400000"/>
+                    </a:lnL>
+                    <a:lnR w="25400">
+                      <a:solidFill>
+                        <a:srgbClr val="000000"/>
+                      </a:solidFill>
+                      <a:miter lim="400000"/>
+                    </a:lnR>
+                    <a:lnT w="25400">
+                      <a:solidFill>
+                        <a:srgbClr val="000000"/>
+                      </a:solidFill>
+                      <a:miter lim="400000"/>
+                    </a:lnT>
+                    <a:lnB w="25400">
+                      <a:solidFill>
+                        <a:srgbClr val="000000"/>
+                      </a:solidFill>
+                      <a:miter lim="400000"/>
+                    </a:lnB>
+                  </a:tcPr>
+                </a:tc>
+                <a:tc>
+                  <a:txBody>
+                    <a:bodyPr/>
+                    <a:lstStyle/>
+                    <a:p>
+                      <a:pPr marR="40639" defTabSz="914400">
+                        <a:lnSpc>
+                          <a:spcPct val="90000"/>
+                        </a:lnSpc>
+                        <a:spcBef>
+                          <a:spcPts val="700"/>
+                        </a:spcBef>
+                        <a:tabLst>
+                          <a:tab pos="914400" algn="l"/>
+                        </a:tabLst>
+                        <a:defRPr sz="2500"/>
+                      </a:pPr>
+                    </a:p>
+                  </a:txBody>
+                  <a:tcPr marL="50800" marR="50800" marT="50800" marB="50800" anchor="ctr" anchorCtr="0" horzOverflow="overflow">
+                    <a:lnL w="25400">
+                      <a:solidFill>
+                        <a:srgbClr val="000000"/>
+                      </a:solidFill>
+                      <a:miter lim="400000"/>
+                    </a:lnL>
+                    <a:lnR w="25400">
+                      <a:solidFill>
+                        <a:srgbClr val="000000"/>
+                      </a:solidFill>
+                      <a:miter lim="400000"/>
+                    </a:lnR>
+                    <a:lnT w="25400">
+                      <a:solidFill>
+                        <a:srgbClr val="000000"/>
+                      </a:solidFill>
+                      <a:miter lim="400000"/>
+                    </a:lnT>
+                    <a:lnB w="25400">
+                      <a:solidFill>
+                        <a:srgbClr val="000000"/>
+                      </a:solidFill>
+                      <a:miter lim="400000"/>
+                    </a:lnB>
+                  </a:tcPr>
+                </a:tc>
+                <a:tc>
+                  <a:txBody>
+                    <a:bodyPr/>
+                    <a:lstStyle/>
+                    <a:p>
+                      <a:pPr marR="40639" defTabSz="914400">
+                        <a:lnSpc>
+                          <a:spcPct val="90000"/>
+                        </a:lnSpc>
+                        <a:spcBef>
+                          <a:spcPts val="700"/>
+                        </a:spcBef>
+                        <a:tabLst>
+                          <a:tab pos="914400" algn="l"/>
+                        </a:tabLst>
+                        <a:defRPr sz="2500"/>
+                      </a:pPr>
+                    </a:p>
+                  </a:txBody>
+                  <a:tcPr marL="50800" marR="50800" marT="50800" marB="50800" anchor="ctr" anchorCtr="0" horzOverflow="overflow">
+                    <a:lnL w="25400">
+                      <a:solidFill>
+                        <a:srgbClr val="000000"/>
+                      </a:solidFill>
+                      <a:miter lim="400000"/>
+                    </a:lnL>
+                    <a:lnR w="25400">
+                      <a:solidFill>
+                        <a:srgbClr val="000000"/>
+                      </a:solidFill>
+                      <a:miter lim="400000"/>
+                    </a:lnR>
+                    <a:lnT w="25400">
+                      <a:solidFill>
+                        <a:srgbClr val="000000"/>
+                      </a:solidFill>
+                      <a:miter lim="400000"/>
+                    </a:lnT>
+                    <a:lnB w="25400">
+                      <a:solidFill>
+                        <a:srgbClr val="000000"/>
+                      </a:solidFill>
+                      <a:miter lim="400000"/>
+                    </a:lnB>
+                  </a:tcPr>
+                </a:tc>
+                <a:tc>
+                  <a:txBody>
+                    <a:bodyPr/>
+                    <a:lstStyle/>
+                    <a:p>
+                      <a:pPr marR="40639" defTabSz="914400">
+                        <a:lnSpc>
+                          <a:spcPct val="90000"/>
+                        </a:lnSpc>
+                        <a:spcBef>
+                          <a:spcPts val="700"/>
+                        </a:spcBef>
+                        <a:tabLst>
+                          <a:tab pos="914400" algn="l"/>
+                        </a:tabLst>
+                        <a:defRPr sz="2500"/>
+                      </a:pPr>
+                    </a:p>
+                  </a:txBody>
+                  <a:tcPr marL="50800" marR="50800" marT="50800" marB="50800" anchor="ctr" anchorCtr="0" horzOverflow="overflow">
+                    <a:lnL w="25400">
+                      <a:solidFill>
+                        <a:srgbClr val="000000"/>
+                      </a:solidFill>
+                      <a:miter lim="400000"/>
+                    </a:lnL>
+                    <a:lnR w="25400">
+                      <a:solidFill>
+                        <a:srgbClr val="000000"/>
+                      </a:solidFill>
+                      <a:miter lim="400000"/>
+                    </a:lnR>
+                    <a:lnT w="25400">
+                      <a:solidFill>
+                        <a:srgbClr val="000000"/>
+                      </a:solidFill>
+                      <a:miter lim="400000"/>
+                    </a:lnT>
+                    <a:lnB w="25400">
+                      <a:solidFill>
+                        <a:srgbClr val="000000"/>
+                      </a:solidFill>
+                      <a:miter lim="400000"/>
+                    </a:lnB>
+                  </a:tcPr>
+                </a:tc>
+              </a:tr>
+            </a:tbl>
+          </a:graphicData>
+        </a:graphic>
+      </p:graphicFrame>
+      <p:sp>
+        <p:nvSpPr>
+          <p:cNvPr id="345" name="{3, 5, 2, 8, 1, 7, 4, 6}"/>
+          <p:cNvSpPr txBox="1"/>
+          <p:nvPr/>
+        </p:nvSpPr>
+        <p:spPr>
+          <a:xfrm>
+            <a:off x="755945" y="687895"/>
+            <a:ext cx="5728432" cy="572704"/>
+          </a:xfrm>
+          <a:prstGeom prst="rect">
+            <a:avLst/>
+          </a:prstGeom>
+          <a:ln w="12700">
+            <a:miter lim="400000"/>
+          </a:ln>
+          <a:extLst>
+            <a:ext uri="{C572A759-6A51-4108-AA02-DFA0A04FC94B}">
+              <ma14:wrappingTextBoxFlag xmlns:ma14="http://schemas.microsoft.com/office/mac/drawingml/2011/main" val="1"/>
+            </a:ext>
+          </a:extLst>
+        </p:spPr>
+        <p:txBody>
+          <a:bodyPr wrap="none" lIns="50800" tIns="50800" rIns="50800" bIns="50800" anchor="ctr">
+            <a:spAutoFit/>
+          </a:bodyPr>
+          <a:lstStyle/>
+          <a:p>
+            <a:pPr lvl="1" marL="0" indent="228600">
+              <a:lnSpc>
+                <a:spcPct val="90000"/>
+              </a:lnSpc>
+              <a:spcBef>
+                <a:spcPts val="200"/>
+              </a:spcBef>
+              <a:defRPr sz="3000">
+                <a:latin typeface="Gill Sans MT"/>
+                <a:ea typeface="Gill Sans MT"/>
+                <a:cs typeface="Gill Sans MT"/>
+                <a:sym typeface="Gill Sans MT"/>
+              </a:defRPr>
+            </a:pPr>
+            <a:r>
+              <a:t>{</a:t>
+            </a:r>
+            <a:r>
+              <a:rPr>
+                <a:latin typeface="Courier New"/>
+                <a:ea typeface="Courier New"/>
+                <a:cs typeface="Courier New"/>
+                <a:sym typeface="Courier New"/>
+              </a:rPr>
+              <a:t>3, 5, 2, 8, 1, 7, 4, 6}</a:t>
             </a:r>
           </a:p>
         </p:txBody>
@@ -6426,7 +10281,934 @@
                                       <p:cBhvr>
                                         <p:cTn id="6" fill="hold"/>
                                         <p:tgtEl>
-                                          <p:spTgt spid="317">
+                                          <p:spTgt spid="336"/>
+                                        </p:tgtEl>
+                                        <p:attrNameLst>
+                                          <p:attrName>style.visibility</p:attrName>
+                                        </p:attrNameLst>
+                                      </p:cBhvr>
+                                      <p:to>
+                                        <p:strVal val="visible"/>
+                                      </p:to>
+                                    </p:set>
+                                  </p:childTnLst>
+                                </p:cTn>
+                              </p:par>
+                            </p:childTnLst>
+                          </p:cTn>
+                        </p:par>
+                        <p:par>
+                          <p:cTn id="7" fill="hold">
+                            <p:stCondLst>
+                              <p:cond delay="0"/>
+                            </p:stCondLst>
+                            <p:childTnLst>
+                              <p:par>
+                                <p:cTn id="8" presetClass="entr" nodeType="afterEffect" presetSubtype="0" presetID="1" grpId="2" fill="hold">
+                                  <p:stCondLst>
+                                    <p:cond delay="0"/>
+                                  </p:stCondLst>
+                                  <p:iterate type="el" backwards="0">
+                                    <p:tmAbs val="0"/>
+                                  </p:iterate>
+                                  <p:childTnLst>
+                                    <p:set>
+                                      <p:cBhvr>
+                                        <p:cTn id="9" fill="hold"/>
+                                        <p:tgtEl>
+                                          <p:spTgt spid="337"/>
+                                        </p:tgtEl>
+                                        <p:attrNameLst>
+                                          <p:attrName>style.visibility</p:attrName>
+                                        </p:attrNameLst>
+                                      </p:cBhvr>
+                                      <p:to>
+                                        <p:strVal val="visible"/>
+                                      </p:to>
+                                    </p:set>
+                                  </p:childTnLst>
+                                </p:cTn>
+                              </p:par>
+                            </p:childTnLst>
+                          </p:cTn>
+                        </p:par>
+                        <p:par>
+                          <p:cTn id="10" fill="hold">
+                            <p:stCondLst>
+                              <p:cond delay="0"/>
+                            </p:stCondLst>
+                            <p:childTnLst>
+                              <p:par>
+                                <p:cTn id="11" presetClass="entr" nodeType="afterEffect" presetSubtype="0" presetID="1" grpId="3" fill="hold">
+                                  <p:stCondLst>
+                                    <p:cond delay="0"/>
+                                  </p:stCondLst>
+                                  <p:iterate type="el" backwards="0">
+                                    <p:tmAbs val="0"/>
+                                  </p:iterate>
+                                  <p:childTnLst>
+                                    <p:set>
+                                      <p:cBhvr>
+                                        <p:cTn id="12" fill="hold"/>
+                                        <p:tgtEl>
+                                          <p:spTgt spid="338"/>
+                                        </p:tgtEl>
+                                        <p:attrNameLst>
+                                          <p:attrName>style.visibility</p:attrName>
+                                        </p:attrNameLst>
+                                      </p:cBhvr>
+                                      <p:to>
+                                        <p:strVal val="visible"/>
+                                      </p:to>
+                                    </p:set>
+                                  </p:childTnLst>
+                                </p:cTn>
+                              </p:par>
+                            </p:childTnLst>
+                          </p:cTn>
+                        </p:par>
+                        <p:par>
+                          <p:cTn id="13" fill="hold">
+                            <p:stCondLst>
+                              <p:cond delay="0"/>
+                            </p:stCondLst>
+                            <p:childTnLst>
+                              <p:par>
+                                <p:cTn id="14" presetClass="entr" nodeType="afterEffect" presetSubtype="0" presetID="1" grpId="4" fill="hold">
+                                  <p:stCondLst>
+                                    <p:cond delay="0"/>
+                                  </p:stCondLst>
+                                  <p:iterate type="el" backwards="0">
+                                    <p:tmAbs val="0"/>
+                                  </p:iterate>
+                                  <p:childTnLst>
+                                    <p:set>
+                                      <p:cBhvr>
+                                        <p:cTn id="15" fill="hold"/>
+                                        <p:tgtEl>
+                                          <p:spTgt spid="339"/>
+                                        </p:tgtEl>
+                                        <p:attrNameLst>
+                                          <p:attrName>style.visibility</p:attrName>
+                                        </p:attrNameLst>
+                                      </p:cBhvr>
+                                      <p:to>
+                                        <p:strVal val="visible"/>
+                                      </p:to>
+                                    </p:set>
+                                  </p:childTnLst>
+                                </p:cTn>
+                              </p:par>
+                            </p:childTnLst>
+                          </p:cTn>
+                        </p:par>
+                        <p:par>
+                          <p:cTn id="16" fill="hold">
+                            <p:stCondLst>
+                              <p:cond delay="0"/>
+                            </p:stCondLst>
+                            <p:childTnLst>
+                              <p:par>
+                                <p:cTn id="17" presetClass="entr" nodeType="afterEffect" presetSubtype="0" presetID="1" grpId="5" fill="hold">
+                                  <p:stCondLst>
+                                    <p:cond delay="0"/>
+                                  </p:stCondLst>
+                                  <p:iterate type="el" backwards="0">
+                                    <p:tmAbs val="0"/>
+                                  </p:iterate>
+                                  <p:childTnLst>
+                                    <p:set>
+                                      <p:cBhvr>
+                                        <p:cTn id="18" fill="hold"/>
+                                        <p:tgtEl>
+                                          <p:spTgt spid="340"/>
+                                        </p:tgtEl>
+                                        <p:attrNameLst>
+                                          <p:attrName>style.visibility</p:attrName>
+                                        </p:attrNameLst>
+                                      </p:cBhvr>
+                                      <p:to>
+                                        <p:strVal val="visible"/>
+                                      </p:to>
+                                    </p:set>
+                                  </p:childTnLst>
+                                </p:cTn>
+                              </p:par>
+                            </p:childTnLst>
+                          </p:cTn>
+                        </p:par>
+                        <p:par>
+                          <p:cTn id="19" fill="hold">
+                            <p:stCondLst>
+                              <p:cond delay="0"/>
+                            </p:stCondLst>
+                            <p:childTnLst>
+                              <p:par>
+                                <p:cTn id="20" presetClass="entr" nodeType="afterEffect" presetSubtype="0" presetID="1" grpId="6" fill="hold">
+                                  <p:stCondLst>
+                                    <p:cond delay="0"/>
+                                  </p:stCondLst>
+                                  <p:iterate type="el" backwards="0">
+                                    <p:tmAbs val="0"/>
+                                  </p:iterate>
+                                  <p:childTnLst>
+                                    <p:set>
+                                      <p:cBhvr>
+                                        <p:cTn id="21" fill="hold"/>
+                                        <p:tgtEl>
+                                          <p:spTgt spid="341"/>
+                                        </p:tgtEl>
+                                        <p:attrNameLst>
+                                          <p:attrName>style.visibility</p:attrName>
+                                        </p:attrNameLst>
+                                      </p:cBhvr>
+                                      <p:to>
+                                        <p:strVal val="visible"/>
+                                      </p:to>
+                                    </p:set>
+                                  </p:childTnLst>
+                                </p:cTn>
+                              </p:par>
+                            </p:childTnLst>
+                          </p:cTn>
+                        </p:par>
+                        <p:par>
+                          <p:cTn id="22" fill="hold">
+                            <p:stCondLst>
+                              <p:cond delay="0"/>
+                            </p:stCondLst>
+                            <p:childTnLst>
+                              <p:par>
+                                <p:cTn id="23" presetClass="entr" nodeType="afterEffect" presetSubtype="0" presetID="1" grpId="7" fill="hold">
+                                  <p:stCondLst>
+                                    <p:cond delay="0"/>
+                                  </p:stCondLst>
+                                  <p:iterate type="el" backwards="0">
+                                    <p:tmAbs val="0"/>
+                                  </p:iterate>
+                                  <p:childTnLst>
+                                    <p:set>
+                                      <p:cBhvr>
+                                        <p:cTn id="24" fill="hold"/>
+                                        <p:tgtEl>
+                                          <p:spTgt spid="342"/>
+                                        </p:tgtEl>
+                                        <p:attrNameLst>
+                                          <p:attrName>style.visibility</p:attrName>
+                                        </p:attrNameLst>
+                                      </p:cBhvr>
+                                      <p:to>
+                                        <p:strVal val="visible"/>
+                                      </p:to>
+                                    </p:set>
+                                  </p:childTnLst>
+                                </p:cTn>
+                              </p:par>
+                            </p:childTnLst>
+                          </p:cTn>
+                        </p:par>
+                        <p:par>
+                          <p:cTn id="25" fill="hold">
+                            <p:stCondLst>
+                              <p:cond delay="0"/>
+                            </p:stCondLst>
+                            <p:childTnLst>
+                              <p:par>
+                                <p:cTn id="26" presetClass="entr" nodeType="afterEffect" presetSubtype="0" presetID="1" grpId="8" fill="hold">
+                                  <p:stCondLst>
+                                    <p:cond delay="0"/>
+                                  </p:stCondLst>
+                                  <p:iterate type="el" backwards="0">
+                                    <p:tmAbs val="0"/>
+                                  </p:iterate>
+                                  <p:childTnLst>
+                                    <p:set>
+                                      <p:cBhvr>
+                                        <p:cTn id="27" fill="hold"/>
+                                        <p:tgtEl>
+                                          <p:spTgt spid="343"/>
+                                        </p:tgtEl>
+                                        <p:attrNameLst>
+                                          <p:attrName>style.visibility</p:attrName>
+                                        </p:attrNameLst>
+                                      </p:cBhvr>
+                                      <p:to>
+                                        <p:strVal val="visible"/>
+                                      </p:to>
+                                    </p:set>
+                                  </p:childTnLst>
+                                </p:cTn>
+                              </p:par>
+                            </p:childTnLst>
+                          </p:cTn>
+                        </p:par>
+                      </p:childTnLst>
+                    </p:cTn>
+                  </p:par>
+                </p:childTnLst>
+              </p:cTn>
+              <p:prevCondLst>
+                <p:cond evt="onPrev">
+                  <p:tgtEl>
+                    <p:sldTgt/>
+                  </p:tgtEl>
+                </p:cond>
+              </p:prevCondLst>
+              <p:nextCondLst>
+                <p:cond evt="onNext">
+                  <p:tgtEl>
+                    <p:sldTgt/>
+                  </p:tgtEl>
+                </p:cond>
+              </p:nextCondLst>
+            </p:seq>
+          </p:childTnLst>
+        </p:cTn>
+      </p:par>
+    </p:tnLst>
+    <p:bldLst>
+      <p:bldP build="whole" bldLvl="1" animBg="1" rev="0" advAuto="0" spid="339" grpId="4"/>
+      <p:bldP build="whole" bldLvl="1" animBg="1" rev="0" advAuto="0" spid="336" grpId="1"/>
+      <p:bldP build="whole" bldLvl="1" animBg="1" rev="0" advAuto="0" spid="341" grpId="6"/>
+      <p:bldP build="whole" bldLvl="1" animBg="1" rev="0" advAuto="0" spid="338" grpId="3"/>
+      <p:bldP build="whole" bldLvl="1" animBg="1" rev="0" advAuto="0" spid="343" grpId="8"/>
+      <p:bldP build="whole" bldLvl="1" animBg="1" rev="0" advAuto="0" spid="342" grpId="7"/>
+      <p:bldP build="whole" bldLvl="1" animBg="1" rev="0" advAuto="0" spid="340" grpId="5"/>
+      <p:bldP build="whole" bldLvl="1" animBg="1" rev="0" advAuto="0" spid="337" grpId="2"/>
+    </p:bldLst>
+  </p:timing>
+</p:sld>
+</file>
+
+<file path=ppt/slides/slide14.xml><?xml version="1.0" encoding="utf-8"?>
+<p:sld xmlns:a="http://schemas.openxmlformats.org/drawingml/2006/main" xmlns:r="http://schemas.openxmlformats.org/officeDocument/2006/relationships" xmlns:p="http://schemas.openxmlformats.org/presentationml/2006/main" xmlns:m="http://schemas.openxmlformats.org/officeDocument/2006/math" xmlns:a14="http://schemas.microsoft.com/office/drawing/2010/main" showMasterSp="1" showMasterPhAnim="1">
+  <p:cSld>
+    <p:spTree>
+      <p:nvGrpSpPr>
+        <p:cNvPr id="1" name=""/>
+        <p:cNvGrpSpPr/>
+        <p:nvPr/>
+      </p:nvGrpSpPr>
+      <p:grpSpPr>
+        <a:xfrm>
+          <a:off x="0" y="0"/>
+          <a:ext cx="0" cy="0"/>
+          <a:chOff x="0" y="0"/>
+          <a:chExt cx="0" cy="0"/>
+        </a:xfrm>
+      </p:grpSpPr>
+      <p:sp>
+        <p:nvSpPr>
+          <p:cNvPr id="347" name="Backtracking: Sum of Subsets"/>
+          <p:cNvSpPr txBox="1"/>
+          <p:nvPr>
+            <p:ph type="title"/>
+          </p:nvPr>
+        </p:nvSpPr>
+        <p:spPr>
+          <a:prstGeom prst="rect">
+            <a:avLst/>
+          </a:prstGeom>
+        </p:spPr>
+        <p:txBody>
+          <a:bodyPr/>
+          <a:lstStyle/>
+          <a:p>
+            <a:pPr/>
+            <a:r>
+              <a:t>Backtracking: Sum of Subsets</a:t>
+            </a:r>
+          </a:p>
+        </p:txBody>
+      </p:sp>
+      <p:sp>
+        <p:nvSpPr>
+          <p:cNvPr id="348" name="Problem: S={11,13,24,7}, and m=31…"/>
+          <p:cNvSpPr txBox="1"/>
+          <p:nvPr>
+            <p:ph type="body" idx="1"/>
+          </p:nvPr>
+        </p:nvSpPr>
+        <p:spPr>
+          <a:prstGeom prst="rect">
+            <a:avLst/>
+          </a:prstGeom>
+        </p:spPr>
+        <p:txBody>
+          <a:bodyPr/>
+          <a:lstStyle/>
+          <a:p>
+            <a:pPr>
+              <a:spcBef>
+                <a:spcPts val="200"/>
+              </a:spcBef>
+              <a:defRPr sz="3000"/>
+            </a:pPr>
+            <a:r>
+              <a:t>Problem: </a:t>
+            </a:r>
+            <a:r>
+              <a:rPr>
+                <a:latin typeface="Courier New"/>
+                <a:ea typeface="Courier New"/>
+                <a:cs typeface="Courier New"/>
+                <a:sym typeface="Courier New"/>
+              </a:rPr>
+              <a:t>S={11,13,24,7},</a:t>
+            </a:r>
+            <a:r>
+              <a:t> and </a:t>
+            </a:r>
+            <a:r>
+              <a:rPr>
+                <a:latin typeface="Courier New"/>
+                <a:ea typeface="Courier New"/>
+                <a:cs typeface="Courier New"/>
+                <a:sym typeface="Courier New"/>
+              </a:rPr>
+              <a:t>m=31</a:t>
+            </a:r>
+          </a:p>
+          <a:p>
+            <a:pPr>
+              <a:spcBef>
+                <a:spcPts val="200"/>
+              </a:spcBef>
+              <a:defRPr sz="3000"/>
+            </a:pPr>
+            <a:r>
+              <a:t>Solution approach </a:t>
+            </a:r>
+            <a:r>
+              <a:rPr>
+                <a:latin typeface="Courier New"/>
+                <a:ea typeface="Courier New"/>
+                <a:cs typeface="Courier New"/>
+                <a:sym typeface="Courier New"/>
+              </a:rPr>
+              <a:t>1</a:t>
+            </a:r>
+            <a:r>
+              <a:t> :</a:t>
+            </a:r>
+          </a:p>
+          <a:p>
+            <a:pPr lvl="1" marL="738187" indent="-342900">
+              <a:spcBef>
+                <a:spcPts val="200"/>
+              </a:spcBef>
+              <a:buChar char="•"/>
+            </a:pPr>
+            <a:r>
+              <a:t>Consider 4-tuple </a:t>
+            </a:r>
+            <a:r>
+              <a:rPr>
+                <a:latin typeface="Courier New"/>
+                <a:ea typeface="Courier New"/>
+                <a:cs typeface="Courier New"/>
+                <a:sym typeface="Courier New"/>
+              </a:rPr>
+              <a:t>{x</a:t>
+            </a:r>
+            <a:r>
+              <a:rPr baseline="-5999">
+                <a:latin typeface="Courier New"/>
+                <a:ea typeface="Courier New"/>
+                <a:cs typeface="Courier New"/>
+                <a:sym typeface="Courier New"/>
+              </a:rPr>
+              <a:t>1</a:t>
+            </a:r>
+            <a:r>
+              <a:rPr>
+                <a:latin typeface="Courier New"/>
+                <a:ea typeface="Courier New"/>
+                <a:cs typeface="Courier New"/>
+                <a:sym typeface="Courier New"/>
+              </a:rPr>
+              <a:t>,x</a:t>
+            </a:r>
+            <a:r>
+              <a:rPr baseline="-5999">
+                <a:latin typeface="Courier New"/>
+                <a:ea typeface="Courier New"/>
+                <a:cs typeface="Courier New"/>
+                <a:sym typeface="Courier New"/>
+              </a:rPr>
+              <a:t>2</a:t>
+            </a:r>
+            <a:r>
+              <a:rPr>
+                <a:latin typeface="Courier New"/>
+                <a:ea typeface="Courier New"/>
+                <a:cs typeface="Courier New"/>
+                <a:sym typeface="Courier New"/>
+              </a:rPr>
+              <a:t>,x</a:t>
+            </a:r>
+            <a:r>
+              <a:rPr baseline="-5999">
+                <a:latin typeface="Courier New"/>
+                <a:ea typeface="Courier New"/>
+                <a:cs typeface="Courier New"/>
+                <a:sym typeface="Courier New"/>
+              </a:rPr>
+              <a:t>3</a:t>
+            </a:r>
+            <a:r>
+              <a:rPr>
+                <a:latin typeface="Courier New"/>
+                <a:ea typeface="Courier New"/>
+                <a:cs typeface="Courier New"/>
+                <a:sym typeface="Courier New"/>
+              </a:rPr>
+              <a:t>,x</a:t>
+            </a:r>
+            <a:r>
+              <a:rPr baseline="-5999">
+                <a:latin typeface="Courier New"/>
+                <a:ea typeface="Courier New"/>
+                <a:cs typeface="Courier New"/>
+                <a:sym typeface="Courier New"/>
+              </a:rPr>
+              <a:t>4</a:t>
+            </a:r>
+            <a:r>
+              <a:rPr>
+                <a:latin typeface="Courier New"/>
+                <a:ea typeface="Courier New"/>
+                <a:cs typeface="Courier New"/>
+                <a:sym typeface="Courier New"/>
+              </a:rPr>
+              <a:t>}</a:t>
+            </a:r>
+          </a:p>
+          <a:p>
+            <a:pPr lvl="2" marL="1195387" indent="-342900">
+              <a:spcBef>
+                <a:spcPts val="200"/>
+              </a:spcBef>
+              <a:defRPr sz="3000"/>
+            </a:pPr>
+            <a:r>
+              <a:t>where, </a:t>
+            </a:r>
+            <a:r>
+              <a:rPr>
+                <a:latin typeface="Courier New"/>
+                <a:ea typeface="Courier New"/>
+                <a:cs typeface="Courier New"/>
+                <a:sym typeface="Courier New"/>
+              </a:rPr>
+              <a:t>x</a:t>
+            </a:r>
+            <a:r>
+              <a:rPr baseline="-5999">
+                <a:latin typeface="Courier New"/>
+                <a:ea typeface="Courier New"/>
+                <a:cs typeface="Courier New"/>
+                <a:sym typeface="Courier New"/>
+              </a:rPr>
+              <a:t>i</a:t>
+            </a:r>
+            <a:r>
+              <a:rPr baseline="-5999"/>
+              <a:t> </a:t>
+            </a:r>
+            <a:r>
+              <a:rPr sz="2300">
+                <a:latin typeface="Symbol"/>
+                <a:ea typeface="Symbol"/>
+                <a:cs typeface="Symbol"/>
+                <a:sym typeface="Symbol"/>
+              </a:rPr>
+              <a:t>Î </a:t>
+            </a:r>
+            <a:r>
+              <a:rPr>
+                <a:latin typeface="Courier New"/>
+                <a:ea typeface="Courier New"/>
+                <a:cs typeface="Courier New"/>
+                <a:sym typeface="Courier New"/>
+              </a:rPr>
+              <a:t>S</a:t>
+            </a:r>
+            <a:r>
+              <a:rPr baseline="-5999" sz="2300">
+                <a:latin typeface="Courier New"/>
+                <a:ea typeface="Courier New"/>
+                <a:cs typeface="Courier New"/>
+                <a:sym typeface="Courier New"/>
+              </a:rPr>
+              <a:t>i</a:t>
+            </a:r>
+            <a:r>
+              <a:rPr sz="2800">
+                <a:latin typeface="Courier New"/>
+                <a:ea typeface="Courier New"/>
+                <a:cs typeface="Courier New"/>
+                <a:sym typeface="Courier New"/>
+              </a:rPr>
+              <a:t>={0,1}</a:t>
+            </a:r>
+            <a:endParaRPr sz="2800">
+              <a:latin typeface="Courier New"/>
+              <a:ea typeface="Courier New"/>
+              <a:cs typeface="Courier New"/>
+              <a:sym typeface="Courier New"/>
+            </a:endParaRPr>
+          </a:p>
+          <a:p>
+            <a:pPr lvl="2" marL="1172527" indent="-320039">
+              <a:spcBef>
+                <a:spcPts val="200"/>
+              </a:spcBef>
+              <a:defRPr sz="3000">
+                <a:latin typeface="Gill Sans MT"/>
+                <a:ea typeface="Gill Sans MT"/>
+                <a:cs typeface="Gill Sans MT"/>
+                <a:sym typeface="Gill Sans MT"/>
+              </a:defRPr>
+            </a:pPr>
+            <a:r>
+              <a:rPr sz="2800"/>
+              <a:t>Size of solution space: </a:t>
+            </a:r>
+            <a:r>
+              <a:rPr sz="2800">
+                <a:latin typeface="Courier New"/>
+                <a:ea typeface="Courier New"/>
+                <a:cs typeface="Courier New"/>
+                <a:sym typeface="Courier New"/>
+              </a:rPr>
+              <a:t>2</a:t>
+            </a:r>
+            <a:r>
+              <a:rPr baseline="31999" sz="2800">
+                <a:latin typeface="Courier New"/>
+                <a:ea typeface="Courier New"/>
+                <a:cs typeface="Courier New"/>
+                <a:sym typeface="Courier New"/>
+              </a:rPr>
+              <a:t>n</a:t>
+            </a:r>
+            <a:endParaRPr sz="2800"/>
+          </a:p>
+          <a:p>
+            <a:pPr lvl="1" marL="715327" indent="-320039">
+              <a:spcBef>
+                <a:spcPts val="200"/>
+              </a:spcBef>
+              <a:buChar char="•"/>
+              <a:defRPr>
+                <a:latin typeface="Gill Sans MT"/>
+                <a:ea typeface="Gill Sans MT"/>
+                <a:cs typeface="Gill Sans MT"/>
+                <a:sym typeface="Gill Sans MT"/>
+              </a:defRPr>
+            </a:pPr>
+            <a:r>
+              <a:rPr sz="2800"/>
+              <a:t>possible solutions</a:t>
+            </a:r>
+            <a:endParaRPr sz="2800"/>
+          </a:p>
+          <a:p>
+            <a:pPr lvl="2" marL="1172527" indent="-320039">
+              <a:spcBef>
+                <a:spcPts val="200"/>
+              </a:spcBef>
+              <a:defRPr sz="3000">
+                <a:latin typeface="Courier New"/>
+                <a:ea typeface="Courier New"/>
+                <a:cs typeface="Courier New"/>
+                <a:sym typeface="Courier New"/>
+              </a:defRPr>
+            </a:pPr>
+            <a:r>
+              <a:rPr sz="2800"/>
+              <a:t>{1,1,0,1}</a:t>
+            </a:r>
+            <a:endParaRPr sz="2800"/>
+          </a:p>
+          <a:p>
+            <a:pPr lvl="2" marL="1172527" indent="-320039">
+              <a:spcBef>
+                <a:spcPts val="200"/>
+              </a:spcBef>
+              <a:defRPr sz="3000">
+                <a:latin typeface="Courier New"/>
+                <a:ea typeface="Courier New"/>
+                <a:cs typeface="Courier New"/>
+                <a:sym typeface="Courier New"/>
+              </a:defRPr>
+            </a:pPr>
+            <a:r>
+              <a:rPr sz="2800"/>
+              <a:t>{0,0,1,1}</a:t>
+            </a:r>
+            <a:endParaRPr sz="2800"/>
+          </a:p>
+          <a:p>
+            <a:pPr marL="359727" indent="-320039">
+              <a:spcBef>
+                <a:spcPts val="200"/>
+              </a:spcBef>
+              <a:defRPr sz="3000">
+                <a:latin typeface="Gill Sans MT"/>
+                <a:ea typeface="Gill Sans MT"/>
+                <a:cs typeface="Gill Sans MT"/>
+                <a:sym typeface="Gill Sans MT"/>
+              </a:defRPr>
+            </a:pPr>
+            <a:r>
+              <a:rPr sz="2800"/>
+              <a:t>Solution approach 2</a:t>
+            </a:r>
+            <a:endParaRPr sz="2800"/>
+          </a:p>
+          <a:p>
+            <a:pPr lvl="1" marL="715327" indent="-320039">
+              <a:spcBef>
+                <a:spcPts val="200"/>
+              </a:spcBef>
+              <a:buChar char="•"/>
+              <a:defRPr>
+                <a:latin typeface="Gill Sans MT"/>
+                <a:ea typeface="Gill Sans MT"/>
+                <a:cs typeface="Gill Sans MT"/>
+                <a:sym typeface="Gill Sans MT"/>
+              </a:defRPr>
+            </a:pPr>
+            <a:r>
+              <a:rPr sz="2800"/>
+              <a:t>Solution contains the index values of elements.</a:t>
+            </a:r>
+            <a:endParaRPr sz="2800"/>
+          </a:p>
+          <a:p>
+            <a:pPr lvl="1" marL="715327" indent="-320039">
+              <a:spcBef>
+                <a:spcPts val="200"/>
+              </a:spcBef>
+              <a:buChar char="•"/>
+              <a:defRPr>
+                <a:latin typeface="Gill Sans MT"/>
+                <a:ea typeface="Gill Sans MT"/>
+                <a:cs typeface="Gill Sans MT"/>
+                <a:sym typeface="Gill Sans MT"/>
+              </a:defRPr>
+            </a:pPr>
+            <a:r>
+              <a:rPr sz="2800"/>
+              <a:t>Solution is a vector of varying dimensions</a:t>
+            </a:r>
+            <a:endParaRPr sz="2800"/>
+          </a:p>
+          <a:p>
+            <a:pPr lvl="1" marL="715327" indent="-320039">
+              <a:spcBef>
+                <a:spcPts val="200"/>
+              </a:spcBef>
+              <a:buChar char="•"/>
+              <a:defRPr>
+                <a:latin typeface="Gill Sans MT"/>
+                <a:ea typeface="Gill Sans MT"/>
+                <a:cs typeface="Gill Sans MT"/>
+                <a:sym typeface="Gill Sans MT"/>
+              </a:defRPr>
+            </a:pPr>
+            <a:r>
+              <a:rPr sz="2800"/>
+              <a:t>Possible solutions</a:t>
+            </a:r>
+            <a:endParaRPr sz="2800"/>
+          </a:p>
+          <a:p>
+            <a:pPr lvl="2" marL="1172527" indent="-320039">
+              <a:spcBef>
+                <a:spcPts val="200"/>
+              </a:spcBef>
+              <a:defRPr sz="3000">
+                <a:latin typeface="Courier New"/>
+                <a:ea typeface="Courier New"/>
+                <a:cs typeface="Courier New"/>
+                <a:sym typeface="Courier New"/>
+              </a:defRPr>
+            </a:pPr>
+            <a:r>
+              <a:rPr sz="2800"/>
+              <a:t>(1,2,4)</a:t>
+            </a:r>
+            <a:endParaRPr sz="2800"/>
+          </a:p>
+          <a:p>
+            <a:pPr lvl="2" marL="1172527" indent="-320039">
+              <a:spcBef>
+                <a:spcPts val="200"/>
+              </a:spcBef>
+              <a:defRPr sz="3000">
+                <a:latin typeface="Courier New"/>
+                <a:ea typeface="Courier New"/>
+                <a:cs typeface="Courier New"/>
+                <a:sym typeface="Courier New"/>
+              </a:defRPr>
+            </a:pPr>
+            <a:r>
+              <a:rPr sz="2800"/>
+              <a:t>(3,4)</a:t>
+            </a:r>
+          </a:p>
+        </p:txBody>
+      </p:sp>
+      <p:sp>
+        <p:nvSpPr>
+          <p:cNvPr id="349" name="Slide Number"/>
+          <p:cNvSpPr txBox="1"/>
+          <p:nvPr>
+            <p:ph type="sldNum" sz="quarter" idx="2"/>
+          </p:nvPr>
+        </p:nvSpPr>
+        <p:spPr>
+          <a:prstGeom prst="rect">
+            <a:avLst/>
+          </a:prstGeom>
+          <a:extLst>
+            <a:ext uri="{C572A759-6A51-4108-AA02-DFA0A04FC94B}">
+              <ma14:wrappingTextBoxFlag xmlns:ma14="http://schemas.microsoft.com/office/mac/drawingml/2011/main" val="1"/>
+            </a:ext>
+          </a:extLst>
+        </p:spPr>
+        <p:txBody>
+          <a:bodyPr/>
+          <a:lstStyle/>
+          <a:p>
+            <a:pPr/>
+            <a:fld id="{86CB4B4D-7CA3-9044-876B-883B54F8677D}" type="slidenum"/>
+          </a:p>
+        </p:txBody>
+      </p:sp>
+      <p:sp>
+        <p:nvSpPr>
+          <p:cNvPr id="350" name="RPR/"/>
+          <p:cNvSpPr txBox="1"/>
+          <p:nvPr/>
+        </p:nvSpPr>
+        <p:spPr>
+          <a:xfrm>
+            <a:off x="7535212" y="6988206"/>
+            <a:ext cx="705605" cy="382910"/>
+          </a:xfrm>
+          <a:prstGeom prst="rect">
+            <a:avLst/>
+          </a:prstGeom>
+          <a:ln w="12700">
+            <a:miter lim="400000"/>
+          </a:ln>
+          <a:extLst>
+            <a:ext uri="{C572A759-6A51-4108-AA02-DFA0A04FC94B}">
+              <ma14:wrappingTextBoxFlag xmlns:ma14="http://schemas.microsoft.com/office/mac/drawingml/2011/main" val="1"/>
+            </a:ext>
+          </a:extLst>
+        </p:spPr>
+        <p:txBody>
+          <a:bodyPr wrap="none" lIns="50800" tIns="50800" rIns="50800" bIns="50800" anchor="ctr">
+            <a:spAutoFit/>
+          </a:bodyPr>
+          <a:lstStyle>
+            <a:lvl1pPr>
+              <a:defRPr sz="2000"/>
+            </a:lvl1pPr>
+          </a:lstStyle>
+          <a:p>
+            <a:pPr/>
+            <a:r>
+              <a:t>RPR/</a:t>
+            </a:r>
+          </a:p>
+        </p:txBody>
+      </p:sp>
+      <p:sp>
+        <p:nvSpPr>
+          <p:cNvPr id="351" name="DAA/Backtracking, Branch&amp;Bound, NP-Complete"/>
+          <p:cNvSpPr txBox="1"/>
+          <p:nvPr/>
+        </p:nvSpPr>
+        <p:spPr>
+          <a:xfrm>
+            <a:off x="215739" y="6963885"/>
+            <a:ext cx="6436083" cy="431552"/>
+          </a:xfrm>
+          <a:prstGeom prst="rect">
+            <a:avLst/>
+          </a:prstGeom>
+          <a:ln w="12700">
+            <a:miter lim="400000"/>
+          </a:ln>
+          <a:extLst>
+            <a:ext uri="{C572A759-6A51-4108-AA02-DFA0A04FC94B}">
+              <ma14:wrappingTextBoxFlag xmlns:ma14="http://schemas.microsoft.com/office/mac/drawingml/2011/main" val="1"/>
+            </a:ext>
+          </a:extLst>
+        </p:spPr>
+        <p:txBody>
+          <a:bodyPr wrap="none" lIns="50800" tIns="50800" rIns="50800" bIns="50800" anchor="ctr">
+            <a:spAutoFit/>
+          </a:bodyPr>
+          <a:lstStyle>
+            <a:lvl1pPr>
+              <a:defRPr sz="2400"/>
+            </a:lvl1pPr>
+          </a:lstStyle>
+          <a:p>
+            <a:pPr/>
+            <a:r>
+              <a:t>DAA/Backtracking, Branch&amp;Bound, NP-Complete</a:t>
+            </a:r>
+          </a:p>
+        </p:txBody>
+      </p:sp>
+    </p:spTree>
+  </p:cSld>
+  <p:clrMapOvr>
+    <a:masterClrMapping/>
+  </p:clrMapOvr>
+  <p:transition xmlns:p14="http://schemas.microsoft.com/office/powerpoint/2010/main" spd="med" advClick="1"/>
+  <p:timing>
+    <p:tnLst>
+      <p:par>
+        <p:cTn id="1" nodeType="tmRoot" restart="never" dur="indefinite" fill="hold">
+          <p:childTnLst>
+            <p:seq concurrent="1" prevAc="none" nextAc="seek">
+              <p:cTn id="2" nodeType="mainSeq" dur="indefinite" fill="hold">
+                <p:childTnLst>
+                  <p:par>
+                    <p:cTn id="3" fill="hold">
+                      <p:stCondLst>
+                        <p:cond delay="indefinite"/>
+                      </p:stCondLst>
+                      <p:childTnLst>
+                        <p:par>
+                          <p:cTn id="4" fill="hold">
+                            <p:stCondLst>
+                              <p:cond delay="0"/>
+                            </p:stCondLst>
+                            <p:childTnLst>
+                              <p:par>
+                                <p:cTn id="5" presetClass="entr" nodeType="clickEffect" presetSubtype="0" presetID="1" grpId="1" fill="hold">
+                                  <p:stCondLst>
+                                    <p:cond delay="0"/>
+                                  </p:stCondLst>
+                                  <p:iterate type="el" backwards="0">
+                                    <p:tmAbs val="0"/>
+                                  </p:iterate>
+                                  <p:childTnLst>
+                                    <p:set>
+                                      <p:cBhvr>
+                                        <p:cTn id="6" fill="hold"/>
+                                        <p:tgtEl>
+                                          <p:spTgt spid="348">
                                             <p:bg/>
                                           </p:spTgt>
                                         </p:tgtEl>
@@ -6454,7 +11236,7 @@
                                       <p:cBhvr>
                                         <p:cTn id="8" fill="hold"/>
                                         <p:tgtEl>
-                                          <p:spTgt spid="317">
+                                          <p:spTgt spid="348">
                                             <p:txEl>
                                               <p:pRg st="0" end="0"/>
                                             </p:txEl>
@@ -6502,7 +11284,7 @@
                                       <p:cBhvr>
                                         <p:cTn id="12" fill="hold"/>
                                         <p:tgtEl>
-                                          <p:spTgt spid="317">
+                                          <p:spTgt spid="348">
                                             <p:txEl>
                                               <p:pRg st="1" end="1"/>
                                             </p:txEl>
@@ -6550,7 +11332,7 @@
                                       <p:cBhvr>
                                         <p:cTn id="16" fill="hold"/>
                                         <p:tgtEl>
-                                          <p:spTgt spid="317">
+                                          <p:spTgt spid="348">
                                             <p:txEl>
                                               <p:pRg st="2" end="2"/>
                                             </p:txEl>
@@ -6598,7 +11380,7 @@
                                       <p:cBhvr>
                                         <p:cTn id="20" fill="hold"/>
                                         <p:tgtEl>
-                                          <p:spTgt spid="317">
+                                          <p:spTgt spid="348">
                                             <p:txEl>
                                               <p:pRg st="3" end="3"/>
                                             </p:txEl>
@@ -6646,7 +11428,7 @@
                                       <p:cBhvr>
                                         <p:cTn id="24" fill="hold"/>
                                         <p:tgtEl>
-                                          <p:spTgt spid="317">
+                                          <p:spTgt spid="348">
                                             <p:txEl>
                                               <p:pRg st="4" end="4"/>
                                             </p:txEl>
@@ -6694,7 +11476,7 @@
                                       <p:cBhvr>
                                         <p:cTn id="28" fill="hold"/>
                                         <p:tgtEl>
-                                          <p:spTgt spid="317">
+                                          <p:spTgt spid="348">
                                             <p:txEl>
                                               <p:pRg st="5" end="5"/>
                                             </p:txEl>
@@ -6742,7 +11524,7 @@
                                       <p:cBhvr>
                                         <p:cTn id="32" fill="hold"/>
                                         <p:tgtEl>
-                                          <p:spTgt spid="317">
+                                          <p:spTgt spid="348">
                                             <p:txEl>
                                               <p:pRg st="6" end="6"/>
                                             </p:txEl>
@@ -6790,7 +11572,7 @@
                                       <p:cBhvr>
                                         <p:cTn id="36" fill="hold"/>
                                         <p:tgtEl>
-                                          <p:spTgt spid="317">
+                                          <p:spTgt spid="348">
                                             <p:txEl>
                                               <p:pRg st="7" end="7"/>
                                             </p:txEl>
@@ -6838,7 +11620,7 @@
                                       <p:cBhvr>
                                         <p:cTn id="40" fill="hold"/>
                                         <p:tgtEl>
-                                          <p:spTgt spid="317">
+                                          <p:spTgt spid="348">
                                             <p:txEl>
                                               <p:pRg st="8" end="8"/>
                                             </p:txEl>
@@ -6886,7 +11668,7 @@
                                       <p:cBhvr>
                                         <p:cTn id="44" fill="hold"/>
                                         <p:tgtEl>
-                                          <p:spTgt spid="317">
+                                          <p:spTgt spid="348">
                                             <p:txEl>
                                               <p:pRg st="9" end="9"/>
                                             </p:txEl>
@@ -6934,7 +11716,7 @@
                                       <p:cBhvr>
                                         <p:cTn id="48" fill="hold"/>
                                         <p:tgtEl>
-                                          <p:spTgt spid="317">
+                                          <p:spTgt spid="348">
                                             <p:txEl>
                                               <p:pRg st="10" end="10"/>
                                             </p:txEl>
@@ -6982,7 +11764,7 @@
                                       <p:cBhvr>
                                         <p:cTn id="52" fill="hold"/>
                                         <p:tgtEl>
-                                          <p:spTgt spid="317">
+                                          <p:spTgt spid="348">
                                             <p:txEl>
                                               <p:pRg st="11" end="11"/>
                                             </p:txEl>
@@ -7030,7 +11812,7 @@
                                       <p:cBhvr>
                                         <p:cTn id="56" fill="hold"/>
                                         <p:tgtEl>
-                                          <p:spTgt spid="317">
+                                          <p:spTgt spid="348">
                                             <p:txEl>
                                               <p:pRg st="12" end="12"/>
                                             </p:txEl>
@@ -7078,7 +11860,7 @@
                                       <p:cBhvr>
                                         <p:cTn id="60" fill="hold"/>
                                         <p:tgtEl>
-                                          <p:spTgt spid="317">
+                                          <p:spTgt spid="348">
                                             <p:txEl>
                                               <p:pRg st="13" end="13"/>
                                             </p:txEl>
@@ -7123,13 +11905,13 @@
       </p:par>
     </p:tnLst>
     <p:bldLst>
-      <p:bldP build="p" bldLvl="5" animBg="1" rev="0" advAuto="0" spid="317" grpId="1"/>
+      <p:bldP build="p" bldLvl="5" animBg="1" rev="0" advAuto="0" spid="348" grpId="1"/>
     </p:bldLst>
   </p:timing>
 </p:sld>
 </file>
 
-<file path=ppt/slides/slide14.xml><?xml version="1.0" encoding="utf-8"?>
+<file path=ppt/slides/slide15.xml><?xml version="1.0" encoding="utf-8"?>
 <p:sld xmlns:a="http://schemas.openxmlformats.org/drawingml/2006/main" xmlns:r="http://schemas.openxmlformats.org/officeDocument/2006/relationships" xmlns:p="http://schemas.openxmlformats.org/presentationml/2006/main" xmlns:m="http://schemas.openxmlformats.org/officeDocument/2006/math" xmlns:a14="http://schemas.microsoft.com/office/drawing/2010/main" showMasterSp="1" showMasterPhAnim="1">
   <p:cSld>
     <p:spTree>
@@ -7148,7 +11930,7 @@
       </p:grpSpPr>
       <p:sp>
         <p:nvSpPr>
-          <p:cNvPr id="322" name="Backtracking: 3-Color problem"/>
+          <p:cNvPr id="353" name="Backtracking: 3-Color problem"/>
           <p:cNvSpPr txBox="1"/>
           <p:nvPr>
             <p:ph type="title"/>
@@ -7172,7 +11954,7 @@
       </p:sp>
       <p:sp>
         <p:nvSpPr>
-          <p:cNvPr id="323" name="Problem: G={V,E}, and 3 colors to color the graph…"/>
+          <p:cNvPr id="354" name="Problem: G={V,E}, and 3 colors to color the graph…"/>
           <p:cNvSpPr txBox="1"/>
           <p:nvPr>
             <p:ph type="body" idx="1"/>
@@ -7511,7 +12293,7 @@
       </p:sp>
       <p:sp>
         <p:nvSpPr>
-          <p:cNvPr id="324" name="Slide Number"/>
+          <p:cNvPr id="355" name="Slide Number"/>
           <p:cNvSpPr txBox="1"/>
           <p:nvPr>
             <p:ph type="sldNum" sz="quarter" idx="2"/>
@@ -7538,7 +12320,7 @@
       </p:sp>
       <p:sp>
         <p:nvSpPr>
-          <p:cNvPr id="325" name="RPR/"/>
+          <p:cNvPr id="356" name="RPR/"/>
           <p:cNvSpPr txBox="1"/>
           <p:nvPr/>
         </p:nvSpPr>
@@ -7578,7 +12360,7 @@
       </p:sp>
       <p:sp>
         <p:nvSpPr>
-          <p:cNvPr id="326" name="DAA/Backtracking, Branch&amp;Bound, NP-Complete"/>
+          <p:cNvPr id="357" name="DAA/Backtracking, Branch&amp;Bound, NP-Complete"/>
           <p:cNvSpPr txBox="1"/>
           <p:nvPr/>
         </p:nvSpPr>
@@ -7655,7 +12437,7 @@
                                       <p:cBhvr>
                                         <p:cTn id="6" fill="hold"/>
                                         <p:tgtEl>
-                                          <p:spTgt spid="323">
+                                          <p:spTgt spid="354">
                                             <p:bg/>
                                           </p:spTgt>
                                         </p:tgtEl>
@@ -7683,7 +12465,7 @@
                                       <p:cBhvr>
                                         <p:cTn id="8" fill="hold"/>
                                         <p:tgtEl>
-                                          <p:spTgt spid="323">
+                                          <p:spTgt spid="354">
                                             <p:txEl>
                                               <p:pRg st="0" end="0"/>
                                             </p:txEl>
@@ -7731,7 +12513,7 @@
                                       <p:cBhvr>
                                         <p:cTn id="12" fill="hold"/>
                                         <p:tgtEl>
-                                          <p:spTgt spid="323">
+                                          <p:spTgt spid="354">
                                             <p:txEl>
                                               <p:pRg st="1" end="1"/>
                                             </p:txEl>
@@ -7779,7 +12561,7 @@
                                       <p:cBhvr>
                                         <p:cTn id="16" fill="hold"/>
                                         <p:tgtEl>
-                                          <p:spTgt spid="323">
+                                          <p:spTgt spid="354">
                                             <p:txEl>
                                               <p:pRg st="2" end="2"/>
                                             </p:txEl>
@@ -7827,7 +12609,7 @@
                                       <p:cBhvr>
                                         <p:cTn id="20" fill="hold"/>
                                         <p:tgtEl>
-                                          <p:spTgt spid="323">
+                                          <p:spTgt spid="354">
                                             <p:txEl>
                                               <p:pRg st="3" end="3"/>
                                             </p:txEl>
@@ -7875,7 +12657,7 @@
                                       <p:cBhvr>
                                         <p:cTn id="24" fill="hold"/>
                                         <p:tgtEl>
-                                          <p:spTgt spid="323">
+                                          <p:spTgt spid="354">
                                             <p:txEl>
                                               <p:pRg st="4" end="4"/>
                                             </p:txEl>
@@ -7923,7 +12705,7 @@
                                       <p:cBhvr>
                                         <p:cTn id="28" fill="hold"/>
                                         <p:tgtEl>
-                                          <p:spTgt spid="323">
+                                          <p:spTgt spid="354">
                                             <p:txEl>
                                               <p:pRg st="5" end="5"/>
                                             </p:txEl>
@@ -7968,13 +12750,13 @@
       </p:par>
     </p:tnLst>
     <p:bldLst>
-      <p:bldP build="p" bldLvl="5" animBg="1" rev="0" advAuto="0" spid="323" grpId="1"/>
+      <p:bldP build="p" bldLvl="5" animBg="1" rev="0" advAuto="0" spid="354" grpId="1"/>
     </p:bldLst>
   </p:timing>
 </p:sld>
 </file>
 
-<file path=ppt/slides/slide15.xml><?xml version="1.0" encoding="utf-8"?>
+<file path=ppt/slides/slide16.xml><?xml version="1.0" encoding="utf-8"?>
 <p:sld xmlns:a="http://schemas.openxmlformats.org/drawingml/2006/main" xmlns:r="http://schemas.openxmlformats.org/officeDocument/2006/relationships" xmlns:p="http://schemas.openxmlformats.org/presentationml/2006/main" xmlns:m="http://schemas.openxmlformats.org/officeDocument/2006/math" xmlns:a14="http://schemas.microsoft.com/office/drawing/2010/main" showMasterSp="1" showMasterPhAnim="1">
   <p:cSld>
     <p:spTree>
@@ -7993,7 +12775,7 @@
       </p:grpSpPr>
       <p:sp>
         <p:nvSpPr>
-          <p:cNvPr id="328" name="Summary"/>
+          <p:cNvPr id="359" name="Summary"/>
           <p:cNvSpPr txBox="1"/>
           <p:nvPr>
             <p:ph type="title"/>
@@ -8017,7 +12799,7 @@
       </p:sp>
       <p:sp>
         <p:nvSpPr>
-          <p:cNvPr id="329" name="Overview of backtracking…"/>
+          <p:cNvPr id="360" name="Overview of backtracking…"/>
           <p:cNvSpPr txBox="1"/>
           <p:nvPr>
             <p:ph type="body" idx="1"/>
@@ -8077,7 +12859,7 @@
       </p:sp>
       <p:sp>
         <p:nvSpPr>
-          <p:cNvPr id="330" name="Slide Number"/>
+          <p:cNvPr id="361" name="Slide Number"/>
           <p:cNvSpPr txBox="1"/>
           <p:nvPr>
             <p:ph type="sldNum" sz="quarter" idx="2"/>
@@ -8104,7 +12886,7 @@
       </p:sp>
       <p:sp>
         <p:nvSpPr>
-          <p:cNvPr id="331" name="RPR/"/>
+          <p:cNvPr id="362" name="RPR/"/>
           <p:cNvSpPr txBox="1"/>
           <p:nvPr/>
         </p:nvSpPr>
@@ -8144,7 +12926,7 @@
       </p:sp>
       <p:sp>
         <p:nvSpPr>
-          <p:cNvPr id="332" name="DAA/Backtracking, Branch&amp;Bound, NP-Complete"/>
+          <p:cNvPr id="363" name="DAA/Backtracking, Branch&amp;Bound, NP-Complete"/>
           <p:cNvSpPr txBox="1"/>
           <p:nvPr/>
         </p:nvSpPr>
@@ -8221,7 +13003,7 @@
                                       <p:cBhvr>
                                         <p:cTn id="6" fill="hold"/>
                                         <p:tgtEl>
-                                          <p:spTgt spid="329">
+                                          <p:spTgt spid="360">
                                             <p:bg/>
                                           </p:spTgt>
                                         </p:tgtEl>
@@ -8249,7 +13031,7 @@
                                       <p:cBhvr>
                                         <p:cTn id="8" fill="hold"/>
                                         <p:tgtEl>
-                                          <p:spTgt spid="329">
+                                          <p:spTgt spid="360">
                                             <p:txEl>
                                               <p:pRg st="0" end="0"/>
                                             </p:txEl>
@@ -8297,7 +13079,7 @@
                                       <p:cBhvr>
                                         <p:cTn id="12" fill="hold"/>
                                         <p:tgtEl>
-                                          <p:spTgt spid="329">
+                                          <p:spTgt spid="360">
                                             <p:txEl>
                                               <p:pRg st="1" end="1"/>
                                             </p:txEl>
@@ -8345,7 +13127,7 @@
                                       <p:cBhvr>
                                         <p:cTn id="16" fill="hold"/>
                                         <p:tgtEl>
-                                          <p:spTgt spid="329">
+                                          <p:spTgt spid="360">
                                             <p:txEl>
                                               <p:pRg st="2" end="2"/>
                                             </p:txEl>
@@ -8393,7 +13175,7 @@
                                       <p:cBhvr>
                                         <p:cTn id="20" fill="hold"/>
                                         <p:tgtEl>
-                                          <p:spTgt spid="329">
+                                          <p:spTgt spid="360">
                                             <p:txEl>
                                               <p:pRg st="3" end="3"/>
                                             </p:txEl>
@@ -8441,7 +13223,7 @@
                                       <p:cBhvr>
                                         <p:cTn id="24" fill="hold"/>
                                         <p:tgtEl>
-                                          <p:spTgt spid="329">
+                                          <p:spTgt spid="360">
                                             <p:txEl>
                                               <p:pRg st="4" end="4"/>
                                             </p:txEl>
@@ -8489,7 +13271,7 @@
                                       <p:cBhvr>
                                         <p:cTn id="28" fill="hold"/>
                                         <p:tgtEl>
-                                          <p:spTgt spid="329">
+                                          <p:spTgt spid="360">
                                             <p:txEl>
                                               <p:pRg st="5" end="5"/>
                                             </p:txEl>
@@ -8537,7 +13319,7 @@
                                       <p:cBhvr>
                                         <p:cTn id="32" fill="hold"/>
                                         <p:tgtEl>
-                                          <p:spTgt spid="329">
+                                          <p:spTgt spid="360">
                                             <p:txEl>
                                               <p:pRg st="6" end="6"/>
                                             </p:txEl>
@@ -8582,7 +13364,7 @@
       </p:par>
     </p:tnLst>
     <p:bldLst>
-      <p:bldP build="p" bldLvl="5" animBg="1" rev="0" advAuto="0" spid="329" grpId="1"/>
+      <p:bldP build="p" bldLvl="5" animBg="1" rev="0" advAuto="0" spid="360" grpId="1"/>
     </p:bldLst>
   </p:timing>
 </p:sld>
@@ -8667,7 +13449,7 @@
                 <a:cs typeface="Courier New"/>
                 <a:sym typeface="Courier New"/>
               </a:rPr>
-              <a:t>7.</a:t>
+              <a:t>7.1</a:t>
             </a:r>
             <a:r>
               <a:rPr>
@@ -8676,7 +13458,7 @@
                 <a:cs typeface="Courier New"/>
                 <a:sym typeface="Courier New"/>
               </a:rPr>
-              <a:t>1,7.2,7.3,7.4,7.5,8.2,11.1</a:t>
+              <a:t>,7.2,7.3,7.4,7.5,8.2,11.1</a:t>
             </a:r>
           </a:p>
           <a:p>
@@ -8722,36 +13504,6 @@
             <a:pPr lvl="2"/>
             <a:r>
               <a:t>Cormen et al.</a:t>
-            </a:r>
-          </a:p>
-          <a:p>
-            <a:pPr marL="382587" indent="-342899">
-              <a:defRPr sz="2600"/>
-            </a:pPr>
-            <a:r>
-              <a:rPr u="sng">
-                <a:hlinkClick r:id="rId2" invalidUrl="" action="" tgtFrame="" tooltip="" history="1" highlightClick="0" endSnd="0"/>
-              </a:rPr>
-              <a:t>https://en.wikipedia.org/wiki/Dynamic_programming</a:t>
-            </a:r>
-          </a:p>
-          <a:p>
-            <a:pPr marL="382587" indent="-342899">
-              <a:defRPr sz="2600"/>
-            </a:pPr>
-            <a:r>
-              <a:rPr u="sng">
-                <a:hlinkClick r:id="rId3" invalidUrl="" action="" tgtFrame="" tooltip="" history="1" highlightClick="0" endSnd="0"/>
-              </a:rPr>
-              <a:t>https://www.codechef.com/wiki/tutorial-dynamic-programming</a:t>
-            </a:r>
-          </a:p>
-          <a:p>
-            <a:pPr marL="382587" indent="-342899">
-              <a:defRPr sz="2600"/>
-            </a:pPr>
-            <a:r>
-              <a:t>https://www.hackerearth.com/practice/algorithms/dynamic-programming/introduction-to-dynamic-programming-1/tutorial/</a:t>
             </a:r>
           </a:p>
         </p:txBody>
@@ -17321,50 +22073,50 @@
       </p:par>
     </p:tnLst>
     <p:bldLst>
+      <p:bldP build="whole" bldLvl="1" animBg="1" rev="0" advAuto="0" spid="108" grpId="26"/>
+      <p:bldP build="whole" bldLvl="1" animBg="1" rev="0" advAuto="0" spid="110" grpId="30"/>
+      <p:bldP build="whole" bldLvl="1" animBg="1" rev="0" advAuto="0" spid="104" grpId="38"/>
+      <p:bldP build="whole" bldLvl="1" animBg="1" rev="0" advAuto="0" spid="106" grpId="39"/>
+      <p:bldP build="whole" bldLvl="1" animBg="1" rev="0" advAuto="0" spid="119" grpId="28"/>
+      <p:bldP build="whole" bldLvl="1" animBg="1" rev="0" advAuto="0" spid="105" grpId="21"/>
+      <p:bldP build="whole" bldLvl="1" animBg="1" rev="0" advAuto="0" spid="121" grpId="43"/>
+      <p:bldP build="whole" bldLvl="1" animBg="1" rev="0" advAuto="0" spid="119" grpId="31"/>
+      <p:bldP build="whole" bldLvl="1" animBg="1" rev="0" advAuto="0" spid="108" grpId="34"/>
+      <p:bldP build="whole" bldLvl="1" animBg="1" rev="0" advAuto="0" spid="111" grpId="32"/>
+      <p:bldP build="whole" bldLvl="1" animBg="1" rev="0" advAuto="0" spid="90" grpId="3"/>
+      <p:bldP build="whole" bldLvl="1" animBg="1" rev="0" advAuto="0" spid="103" grpId="40"/>
+      <p:bldP build="whole" bldLvl="1" animBg="1" rev="0" advAuto="0" spid="112" grpId="36"/>
+      <p:bldP build="whole" bldLvl="1" animBg="1" rev="0" advAuto="0" spid="118" grpId="25"/>
+      <p:bldP build="whole" bldLvl="1" animBg="1" rev="0" advAuto="0" spid="120" grpId="42"/>
+      <p:bldP build="whole" bldLvl="1" animBg="1" rev="0" advAuto="0" spid="105" grpId="37"/>
+      <p:bldP build="whole" bldLvl="1" animBg="1" rev="0" advAuto="0" spid="107" grpId="27"/>
+      <p:bldP build="whole" bldLvl="1" animBg="1" rev="0" advAuto="0" spid="122" grpId="44"/>
+      <p:bldP build="whole" bldLvl="1" animBg="1" rev="0" advAuto="0" spid="118" grpId="33"/>
+      <p:bldP build="whole" bldLvl="1" animBg="1" rev="0" advAuto="0" spid="117" grpId="20"/>
+      <p:bldP build="whole" bldLvl="1" animBg="1" rev="0" advAuto="0" spid="102" grpId="16"/>
+      <p:bldP build="whole" bldLvl="1" animBg="1" rev="0" advAuto="0" spid="107" grpId="35"/>
+      <p:bldP build="whole" bldLvl="1" animBg="1" rev="0" advAuto="0" spid="88" grpId="2"/>
       <p:bldP build="whole" bldLvl="1" animBg="1" rev="0" advAuto="0" spid="115" grpId="10"/>
-      <p:bldP build="whole" bldLvl="1" animBg="1" rev="0" advAuto="0" spid="123" grpId="45"/>
-      <p:bldP build="whole" bldLvl="1" animBg="1" rev="0" advAuto="0" spid="94" grpId="9"/>
-      <p:bldP build="whole" bldLvl="1" animBg="1" rev="0" advAuto="0" spid="111" grpId="32"/>
-      <p:bldP build="whole" bldLvl="1" animBg="1" rev="0" advAuto="0" spid="106" grpId="39"/>
-      <p:bldP build="whole" bldLvl="1" animBg="1" rev="0" advAuto="0" spid="104" grpId="22"/>
-      <p:bldP build="whole" bldLvl="1" animBg="1" rev="0" advAuto="0" spid="118" grpId="25"/>
-      <p:bldP build="whole" bldLvl="1" animBg="1" rev="0" advAuto="0" spid="119" grpId="28"/>
-      <p:bldP build="whole" bldLvl="1" animBg="1" rev="0" advAuto="0" spid="99" grpId="17"/>
-      <p:bldP build="whole" bldLvl="1" animBg="1" rev="0" advAuto="0" spid="107" grpId="27"/>
-      <p:bldP build="whole" bldLvl="1" animBg="1" rev="0" advAuto="0" spid="119" grpId="31"/>
-      <p:bldP build="whole" bldLvl="1" animBg="1" rev="0" advAuto="0" spid="102" grpId="16"/>
-      <p:bldP build="whole" bldLvl="1" animBg="1" rev="0" advAuto="0" spid="90" grpId="3"/>
+      <p:bldP build="whole" bldLvl="1" animBg="1" rev="0" advAuto="0" spid="91" grpId="7"/>
+      <p:bldP build="whole" bldLvl="1" animBg="1" rev="0" advAuto="0" spid="101" grpId="18"/>
       <p:bldP build="whole" bldLvl="1" animBg="1" rev="0" advAuto="0" spid="92" grpId="4"/>
-      <p:bldP build="whole" bldLvl="1" animBg="1" rev="0" advAuto="0" spid="118" grpId="33"/>
-      <p:bldP build="whole" bldLvl="1" animBg="1" rev="0" advAuto="0" spid="101" grpId="18"/>
-      <p:bldP build="whole" bldLvl="1" animBg="1" rev="0" advAuto="0" spid="96" grpId="12"/>
-      <p:bldP build="whole" bldLvl="1" animBg="1" rev="0" advAuto="0" spid="105" grpId="21"/>
-      <p:bldP build="whole" bldLvl="1" animBg="1" rev="0" advAuto="0" spid="108" grpId="26"/>
-      <p:bldP build="whole" bldLvl="1" animBg="1" rev="0" advAuto="0" spid="95" grpId="13"/>
-      <p:bldP build="whole" bldLvl="1" animBg="1" rev="0" advAuto="0" spid="117" grpId="20"/>
-      <p:bldP build="whole" bldLvl="1" animBg="1" rev="0" advAuto="0" spid="88" grpId="2"/>
-      <p:bldP build="whole" bldLvl="1" animBg="1" rev="0" advAuto="0" spid="110" grpId="30"/>
-      <p:bldP build="whole" bldLvl="1" animBg="1" rev="0" advAuto="0" spid="93" grpId="6"/>
-      <p:bldP build="whole" bldLvl="1" animBg="1" rev="0" advAuto="0" spid="109" grpId="29"/>
       <p:bldP build="whole" bldLvl="1" animBg="1" rev="0" advAuto="0" spid="89" grpId="8"/>
       <p:bldP build="whole" bldLvl="1" animBg="1" rev="0" advAuto="0" spid="114" grpId="5"/>
-      <p:bldP build="whole" bldLvl="1" animBg="1" rev="0" advAuto="0" spid="108" grpId="34"/>
-      <p:bldP build="whole" bldLvl="1" animBg="1" rev="0" advAuto="0" spid="107" grpId="35"/>
+      <p:bldP build="whole" bldLvl="1" animBg="1" rev="0" advAuto="0" spid="100" grpId="19"/>
+      <p:bldP build="whole" bldLvl="1" animBg="1" rev="0" advAuto="0" spid="93" grpId="6"/>
+      <p:bldP build="whole" bldLvl="1" animBg="1" rev="0" advAuto="0" spid="104" grpId="22"/>
+      <p:bldP build="whole" bldLvl="1" animBg="1" rev="0" advAuto="0" spid="106" grpId="23"/>
+      <p:bldP build="whole" bldLvl="1" animBg="1" rev="0" advAuto="0" spid="109" grpId="29"/>
+      <p:bldP build="whole" bldLvl="1" animBg="1" rev="0" advAuto="0" spid="98" grpId="14"/>
+      <p:bldP build="whole" bldLvl="1" animBg="1" rev="0" advAuto="0" spid="97" grpId="11"/>
+      <p:bldP build="whole" bldLvl="1" animBg="1" rev="0" advAuto="0" spid="123" grpId="45"/>
+      <p:bldP build="whole" bldLvl="1" animBg="1" rev="0" advAuto="0" spid="96" grpId="12"/>
+      <p:bldP build="whole" bldLvl="1" animBg="1" rev="0" advAuto="0" spid="116" grpId="15"/>
       <p:bldP build="whole" bldLvl="1" animBg="1" rev="0" advAuto="0" spid="113" grpId="1"/>
-      <p:bldP build="whole" bldLvl="1" animBg="1" rev="0" advAuto="0" spid="116" grpId="15"/>
-      <p:bldP build="whole" bldLvl="1" animBg="1" rev="0" advAuto="0" spid="97" grpId="11"/>
-      <p:bldP build="whole" bldLvl="1" animBg="1" rev="0" advAuto="0" spid="112" grpId="36"/>
-      <p:bldP build="whole" bldLvl="1" animBg="1" rev="0" advAuto="0" spid="105" grpId="37"/>
-      <p:bldP build="whole" bldLvl="1" animBg="1" rev="0" advAuto="0" spid="98" grpId="14"/>
-      <p:bldP build="whole" bldLvl="1" animBg="1" rev="0" advAuto="0" spid="91" grpId="7"/>
-      <p:bldP build="whole" bldLvl="1" animBg="1" rev="0" advAuto="0" spid="104" grpId="38"/>
-      <p:bldP build="whole" bldLvl="1" animBg="1" rev="0" advAuto="0" spid="120" grpId="42"/>
-      <p:bldP build="whole" bldLvl="1" animBg="1" rev="0" advAuto="0" spid="121" grpId="43"/>
+      <p:bldP build="whole" bldLvl="1" animBg="1" rev="0" advAuto="0" spid="94" grpId="9"/>
+      <p:bldP build="whole" bldLvl="1" animBg="1" rev="0" advAuto="0" spid="95" grpId="13"/>
+      <p:bldP build="whole" bldLvl="1" animBg="1" rev="0" advAuto="0" spid="99" grpId="17"/>
       <p:bldP build="whole" bldLvl="1" animBg="1" rev="0" advAuto="0" spid="103" grpId="24"/>
-      <p:bldP build="whole" bldLvl="1" animBg="1" rev="0" advAuto="0" spid="122" grpId="44"/>
-      <p:bldP build="whole" bldLvl="1" animBg="1" rev="0" advAuto="0" spid="100" grpId="19"/>
-      <p:bldP build="whole" bldLvl="1" animBg="1" rev="0" advAuto="0" spid="106" grpId="23"/>
-      <p:bldP build="whole" bldLvl="1" animBg="1" rev="0" advAuto="0" spid="103" grpId="40"/>
     </p:bldLst>
   </p:timing>
 </p:sld>
@@ -22624,9 +27376,9 @@
     <p:bldLst>
       <p:bldP build="whole" bldLvl="1" animBg="1" rev="0" advAuto="0" spid="169" grpId="3"/>
       <p:bldP build="whole" bldLvl="1" animBg="1" rev="0" advAuto="0" spid="162" grpId="1"/>
+      <p:bldP build="whole" bldLvl="1" animBg="1" rev="0" advAuto="0" spid="168" grpId="2"/>
+      <p:bldP build="whole" bldLvl="1" animBg="1" rev="0" advAuto="0" spid="170" grpId="4"/>
       <p:bldP build="whole" bldLvl="1" animBg="1" rev="0" advAuto="0" spid="171" grpId="5"/>
-      <p:bldP build="whole" bldLvl="1" animBg="1" rev="0" advAuto="0" spid="170" grpId="4"/>
-      <p:bldP build="whole" bldLvl="1" animBg="1" rev="0" advAuto="0" spid="168" grpId="2"/>
     </p:bldLst>
   </p:timing>
 </p:sld>
@@ -31003,15 +35755,15 @@
     </p:tnLst>
     <p:bldLst>
       <p:bldP build="whole" bldLvl="1" animBg="1" rev="0" advAuto="0" spid="195" grpId="2"/>
-      <p:bldP build="whole" bldLvl="1" animBg="1" rev="0" advAuto="0" spid="199" grpId="6"/>
+      <p:bldP build="whole" bldLvl="1" animBg="1" rev="0" advAuto="0" spid="198" grpId="5"/>
       <p:bldP build="whole" bldLvl="1" animBg="1" rev="0" advAuto="0" spid="201" grpId="8"/>
-      <p:bldP build="whole" bldLvl="1" animBg="1" rev="0" advAuto="0" spid="196" grpId="3"/>
+      <p:bldP build="whole" bldLvl="1" animBg="1" rev="0" advAuto="0" spid="194" grpId="1"/>
+      <p:bldP build="whole" bldLvl="1" animBg="1" rev="0" advAuto="0" spid="202" grpId="9"/>
       <p:bldP build="whole" bldLvl="1" animBg="1" rev="0" advAuto="0" spid="200" grpId="7"/>
       <p:bldP build="whole" bldLvl="1" animBg="1" rev="0" advAuto="0" spid="197" grpId="4"/>
       <p:bldP build="whole" bldLvl="1" animBg="1" rev="0" advAuto="0" spid="177" grpId="10"/>
-      <p:bldP build="whole" bldLvl="1" animBg="1" rev="0" advAuto="0" spid="194" grpId="1"/>
-      <p:bldP build="whole" bldLvl="1" animBg="1" rev="0" advAuto="0" spid="198" grpId="5"/>
-      <p:bldP build="whole" bldLvl="1" animBg="1" rev="0" advAuto="0" spid="202" grpId="9"/>
+      <p:bldP build="whole" bldLvl="1" animBg="1" rev="0" advAuto="0" spid="199" grpId="6"/>
+      <p:bldP build="whole" bldLvl="1" animBg="1" rev="0" advAuto="0" spid="196" grpId="3"/>
     </p:bldLst>
   </p:timing>
 </p:sld>
@@ -37608,38 +42360,38 @@
       </p:par>
     </p:tnLst>
     <p:bldLst>
+      <p:bldP build="whole" bldLvl="1" animBg="1" rev="0" advAuto="0" spid="237" grpId="3"/>
+      <p:bldP build="whole" bldLvl="1" animBg="1" rev="0" advAuto="0" spid="248" grpId="18"/>
+      <p:bldP build="whole" bldLvl="1" animBg="1" rev="0" advAuto="0" spid="228" grpId="6"/>
+      <p:bldP build="whole" bldLvl="1" animBg="1" rev="0" advAuto="0" spid="239" grpId="8"/>
+      <p:bldP build="whole" bldLvl="1" animBg="1" rev="0" advAuto="0" spid="250" grpId="22"/>
       <p:bldP build="whole" bldLvl="1" animBg="1" rev="0" advAuto="0" spid="226" grpId="1"/>
-      <p:bldP build="whole" bldLvl="1" animBg="1" rev="0" advAuto="0" spid="233" grpId="31"/>
-      <p:bldP build="whole" bldLvl="1" animBg="1" rev="0" advAuto="0" spid="245" grpId="14"/>
-      <p:bldP build="whole" bldLvl="1" animBg="1" rev="0" advAuto="0" spid="251" grpId="24"/>
-      <p:bldP build="whole" bldLvl="1" animBg="1" rev="0" advAuto="0" spid="239" grpId="8"/>
-      <p:bldP build="whole" bldLvl="1" animBg="1" rev="0" advAuto="0" spid="240" grpId="7"/>
+      <p:bldP build="whole" bldLvl="1" animBg="1" rev="0" advAuto="0" spid="252" grpId="25"/>
+      <p:bldP build="whole" bldLvl="1" animBg="1" rev="0" advAuto="0" spid="229" grpId="11"/>
       <p:bldP build="whole" bldLvl="1" animBg="1" rev="0" advAuto="0" spid="246" grpId="17"/>
+      <p:bldP build="whole" bldLvl="1" animBg="1" rev="0" advAuto="0" spid="235" grpId="4"/>
+      <p:bldP build="whole" bldLvl="1" animBg="1" rev="0" advAuto="0" spid="232" grpId="26"/>
+      <p:bldP build="whole" bldLvl="1" animBg="1" rev="0" advAuto="0" spid="227" grpId="2"/>
+      <p:bldP build="whole" bldLvl="1" animBg="1" rev="0" advAuto="0" spid="249" grpId="19"/>
+      <p:bldP build="whole" bldLvl="1" animBg="1" rev="0" advAuto="0" spid="253" grpId="23"/>
+      <p:bldP build="whole" bldLvl="1" animBg="1" rev="0" advAuto="0" spid="254" grpId="27"/>
+      <p:bldP build="whole" bldLvl="1" animBg="1" rev="0" advAuto="0" spid="257" grpId="28"/>
+      <p:bldP build="whole" bldLvl="1" animBg="1" rev="0" advAuto="0" spid="230" grpId="16"/>
       <p:bldP build="whole" bldLvl="1" animBg="1" rev="0" advAuto="0" spid="255" grpId="29"/>
       <p:bldP build="whole" bldLvl="1" animBg="1" rev="0" advAuto="0" spid="256" grpId="30"/>
-      <p:bldP build="whole" bldLvl="1" animBg="1" rev="0" advAuto="0" spid="227" grpId="2"/>
-      <p:bldP build="whole" bldLvl="1" animBg="1" rev="0" advAuto="0" spid="235" grpId="4"/>
-      <p:bldP build="whole" bldLvl="1" animBg="1" rev="0" advAuto="0" spid="257" grpId="28"/>
+      <p:bldP build="whole" bldLvl="1" animBg="1" rev="0" advAuto="0" spid="231" grpId="21"/>
       <p:bldP build="whole" bldLvl="1" animBg="1" rev="0" advAuto="0" spid="236" grpId="5"/>
+      <p:bldP build="whole" bldLvl="1" animBg="1" rev="0" advAuto="0" spid="242" grpId="15"/>
+      <p:bldP build="whole" bldLvl="1" animBg="1" rev="0" advAuto="0" spid="234" grpId="32"/>
       <p:bldP build="whole" bldLvl="1" animBg="1" rev="0" advAuto="0" spid="238" grpId="9"/>
-      <p:bldP build="whole" bldLvl="1" animBg="1" rev="0" advAuto="0" spid="253" grpId="23"/>
-      <p:bldP build="whole" bldLvl="1" animBg="1" rev="0" advAuto="0" spid="248" grpId="18"/>
+      <p:bldP build="whole" bldLvl="1" animBg="1" rev="0" advAuto="0" spid="251" grpId="24"/>
+      <p:bldP build="whole" bldLvl="1" animBg="1" rev="0" advAuto="0" spid="233" grpId="31"/>
+      <p:bldP build="whole" bldLvl="1" animBg="1" rev="0" advAuto="0" spid="243" grpId="12"/>
+      <p:bldP build="whole" bldLvl="1" animBg="1" rev="0" advAuto="0" spid="247" grpId="20"/>
+      <p:bldP build="whole" bldLvl="1" animBg="1" rev="0" advAuto="0" spid="244" grpId="13"/>
+      <p:bldP build="whole" bldLvl="1" animBg="1" rev="0" advAuto="0" spid="240" grpId="7"/>
       <p:bldP build="whole" bldLvl="1" animBg="1" rev="0" advAuto="0" spid="241" grpId="10"/>
-      <p:bldP build="whole" bldLvl="1" animBg="1" rev="0" advAuto="0" spid="228" grpId="6"/>
-      <p:bldP build="whole" bldLvl="1" animBg="1" rev="0" advAuto="0" spid="247" grpId="20"/>
-      <p:bldP build="whole" bldLvl="1" animBg="1" rev="0" advAuto="0" spid="237" grpId="3"/>
-      <p:bldP build="whole" bldLvl="1" animBg="1" rev="0" advAuto="0" spid="249" grpId="19"/>
-      <p:bldP build="whole" bldLvl="1" animBg="1" rev="0" advAuto="0" spid="232" grpId="26"/>
-      <p:bldP build="whole" bldLvl="1" animBg="1" rev="0" advAuto="0" spid="234" grpId="32"/>
-      <p:bldP build="whole" bldLvl="1" animBg="1" rev="0" advAuto="0" spid="252" grpId="25"/>
-      <p:bldP build="whole" bldLvl="1" animBg="1" rev="0" advAuto="0" spid="242" grpId="15"/>
-      <p:bldP build="whole" bldLvl="1" animBg="1" rev="0" advAuto="0" spid="254" grpId="27"/>
-      <p:bldP build="whole" bldLvl="1" animBg="1" rev="0" advAuto="0" spid="244" grpId="13"/>
-      <p:bldP build="whole" bldLvl="1" animBg="1" rev="0" advAuto="0" spid="229" grpId="11"/>
-      <p:bldP build="whole" bldLvl="1" animBg="1" rev="0" advAuto="0" spid="250" grpId="22"/>
-      <p:bldP build="whole" bldLvl="1" animBg="1" rev="0" advAuto="0" spid="230" grpId="16"/>
-      <p:bldP build="whole" bldLvl="1" animBg="1" rev="0" advAuto="0" spid="243" grpId="12"/>
-      <p:bldP build="whole" bldLvl="1" animBg="1" rev="0" advAuto="0" spid="231" grpId="21"/>
+      <p:bldP build="whole" bldLvl="1" animBg="1" rev="0" advAuto="0" spid="245" grpId="14"/>
     </p:bldLst>
   </p:timing>
 </p:sld>
@@ -40423,26 +45175,26 @@
       </p:par>
     </p:tnLst>
     <p:bldLst>
+      <p:bldP build="whole" bldLvl="1" animBg="1" rev="0" advAuto="0" spid="286" grpId="5"/>
+      <p:bldP build="whole" bldLvl="1" animBg="1" rev="0" advAuto="0" spid="291" grpId="18"/>
+      <p:bldP build="whole" bldLvl="1" animBg="1" rev="0" advAuto="0" spid="283" grpId="16"/>
+      <p:bldP build="whole" bldLvl="1" animBg="1" rev="0" advAuto="0" spid="282" grpId="14"/>
+      <p:bldP build="whole" bldLvl="1" animBg="1" rev="0" advAuto="0" spid="287" grpId="6"/>
+      <p:bldP build="p" bldLvl="5" animBg="1" rev="0" advAuto="0" spid="289" grpId="12"/>
+      <p:bldP build="whole" bldLvl="1" animBg="1" rev="0" advAuto="0" spid="295" grpId="2"/>
+      <p:bldP build="p" bldLvl="5" animBg="1" rev="0" advAuto="0" spid="288" grpId="9"/>
+      <p:bldP build="whole" bldLvl="1" animBg="1" rev="0" advAuto="0" spid="294" grpId="3"/>
+      <p:bldP build="whole" bldLvl="1" animBg="1" rev="0" advAuto="0" spid="281" grpId="17"/>
+      <p:bldP build="whole" bldLvl="1" animBg="1" rev="0" advAuto="0" spid="290" grpId="11"/>
+      <p:bldP build="p" bldLvl="5" animBg="1" rev="0" advAuto="0" spid="273" grpId="1"/>
+      <p:bldP build="whole" bldLvl="1" animBg="1" rev="0" advAuto="0" spid="290" grpId="13"/>
+      <p:bldP build="p" bldLvl="5" animBg="1" rev="0" advAuto="0" spid="293" grpId="20"/>
       <p:bldP build="whole" bldLvl="1" animBg="1" rev="0" advAuto="0" spid="296" grpId="4"/>
-      <p:bldP build="whole" bldLvl="1" animBg="1" rev="0" advAuto="0" spid="295" grpId="2"/>
-      <p:bldP build="whole" bldLvl="1" animBg="1" rev="0" advAuto="0" spid="287" grpId="6"/>
-      <p:bldP build="p" bldLvl="5" animBg="1" rev="0" advAuto="0" spid="273" grpId="1"/>
-      <p:bldP build="whole" bldLvl="1" animBg="1" rev="0" advAuto="0" spid="282" grpId="14"/>
-      <p:bldP build="whole" bldLvl="1" animBg="1" rev="0" advAuto="0" spid="291" grpId="18"/>
-      <p:bldP build="p" bldLvl="5" animBg="1" rev="0" advAuto="0" spid="288" grpId="9"/>
-      <p:bldP build="whole" bldLvl="1" animBg="1" rev="0" advAuto="0" spid="281" grpId="17"/>
+      <p:bldP build="whole" bldLvl="1" animBg="1" rev="0" advAuto="0" spid="285" grpId="8"/>
+      <p:bldP build="whole" bldLvl="1" animBg="1" rev="0" advAuto="0" spid="284" grpId="15"/>
+      <p:bldP build="whole" bldLvl="1" animBg="1" rev="0" advAuto="0" spid="285" grpId="10"/>
+      <p:bldP build="whole" bldLvl="1" animBg="1" rev="0" advAuto="0" spid="282" grpId="7"/>
       <p:bldP build="p" bldLvl="5" animBg="1" rev="0" advAuto="0" spid="292" grpId="19"/>
-      <p:bldP build="whole" bldLvl="1" animBg="1" rev="0" advAuto="0" spid="285" grpId="8"/>
-      <p:bldP build="p" bldLvl="5" animBg="1" rev="0" advAuto="0" spid="289" grpId="12"/>
-      <p:bldP build="whole" bldLvl="1" animBg="1" rev="0" advAuto="0" spid="285" grpId="10"/>
-      <p:bldP build="whole" bldLvl="1" animBg="1" rev="0" advAuto="0" spid="294" grpId="3"/>
-      <p:bldP build="whole" bldLvl="1" animBg="1" rev="0" advAuto="0" spid="284" grpId="15"/>
-      <p:bldP build="whole" bldLvl="1" animBg="1" rev="0" advAuto="0" spid="283" grpId="16"/>
-      <p:bldP build="whole" bldLvl="1" animBg="1" rev="0" advAuto="0" spid="286" grpId="5"/>
-      <p:bldP build="p" bldLvl="5" animBg="1" rev="0" advAuto="0" spid="293" grpId="20"/>
-      <p:bldP build="whole" bldLvl="1" animBg="1" rev="0" advAuto="0" spid="290" grpId="11"/>
-      <p:bldP build="whole" bldLvl="1" animBg="1" rev="0" advAuto="0" spid="290" grpId="13"/>
-      <p:bldP build="whole" bldLvl="1" animBg="1" rev="0" advAuto="0" spid="282" grpId="7"/>
     </p:bldLst>
   </p:timing>
 </p:sld>

--- a/Slides-RPR/2019-H1-DAA-L41-BackTrack-Intro.pptx
+++ b/Slides-RPR/2019-H1-DAA-L41-BackTrack-Intro.pptx
@@ -10568,13 +10568,13 @@
     </p:tnLst>
     <p:bldLst>
       <p:bldP build="whole" bldLvl="1" animBg="1" rev="0" advAuto="0" spid="339" grpId="4"/>
+      <p:bldP build="whole" bldLvl="1" animBg="1" rev="0" advAuto="0" spid="342" grpId="7"/>
       <p:bldP build="whole" bldLvl="1" animBg="1" rev="0" advAuto="0" spid="336" grpId="1"/>
-      <p:bldP build="whole" bldLvl="1" animBg="1" rev="0" advAuto="0" spid="341" grpId="6"/>
-      <p:bldP build="whole" bldLvl="1" animBg="1" rev="0" advAuto="0" spid="338" grpId="3"/>
       <p:bldP build="whole" bldLvl="1" animBg="1" rev="0" advAuto="0" spid="343" grpId="8"/>
-      <p:bldP build="whole" bldLvl="1" animBg="1" rev="0" advAuto="0" spid="342" grpId="7"/>
       <p:bldP build="whole" bldLvl="1" animBg="1" rev="0" advAuto="0" spid="340" grpId="5"/>
       <p:bldP build="whole" bldLvl="1" animBg="1" rev="0" advAuto="0" spid="337" grpId="2"/>
+      <p:bldP build="whole" bldLvl="1" animBg="1" rev="0" advAuto="0" spid="338" grpId="3"/>
+      <p:bldP build="whole" bldLvl="1" animBg="1" rev="0" advAuto="0" spid="341" grpId="6"/>
     </p:bldLst>
   </p:timing>
 </p:sld>
@@ -13497,13 +13497,40 @@
           <a:p>
             <a:pPr/>
             <a:r>
-              <a:t>R1: Introduction to Algorithms</a:t>
+              <a:t>R</a:t>
+            </a:r>
+            <a:r>
+              <a:rPr>
+                <a:latin typeface="Arial"/>
+                <a:ea typeface="Arial"/>
+                <a:cs typeface="Arial"/>
+                <a:sym typeface="Arial"/>
+              </a:rPr>
+              <a:t>1</a:t>
+            </a:r>
+            <a:r>
+              <a:t>: Introduction to Algorithms</a:t>
             </a:r>
           </a:p>
           <a:p>
             <a:pPr lvl="2"/>
             <a:r>
               <a:t>Cormen et al.</a:t>
+            </a:r>
+          </a:p>
+          <a:p>
+            <a:pPr/>
+            <a:r>
+              <a:t>Youtube link of video lecture </a:t>
+            </a:r>
+          </a:p>
+          <a:p>
+            <a:pPr lvl="1"/>
+            <a:r>
+              <a:rPr u="sng">
+                <a:hlinkClick r:id="rId2" invalidUrl="" action="" tgtFrame="" tooltip="" history="1" highlightClick="0" endSnd="0"/>
+              </a:rPr>
+              <a:t>https://www.youtube.com/watch?v=Jcnk_hwS08A</a:t>
             </a:r>
           </a:p>
         </p:txBody>
@@ -22073,50 +22100,50 @@
       </p:par>
     </p:tnLst>
     <p:bldLst>
+      <p:bldP build="whole" bldLvl="1" animBg="1" rev="0" advAuto="0" spid="118" grpId="25"/>
+      <p:bldP build="whole" bldLvl="1" animBg="1" rev="0" advAuto="0" spid="104" grpId="38"/>
+      <p:bldP build="whole" bldLvl="1" animBg="1" rev="0" advAuto="0" spid="122" grpId="44"/>
+      <p:bldP build="whole" bldLvl="1" animBg="1" rev="0" advAuto="0" spid="98" grpId="14"/>
+      <p:bldP build="whole" bldLvl="1" animBg="1" rev="0" advAuto="0" spid="118" grpId="33"/>
+      <p:bldP build="whole" bldLvl="1" animBg="1" rev="0" advAuto="0" spid="107" grpId="27"/>
+      <p:bldP build="whole" bldLvl="1" animBg="1" rev="0" advAuto="0" spid="100" grpId="19"/>
+      <p:bldP build="whole" bldLvl="1" animBg="1" rev="0" advAuto="0" spid="103" grpId="24"/>
+      <p:bldP build="whole" bldLvl="1" animBg="1" rev="0" advAuto="0" spid="117" grpId="20"/>
+      <p:bldP build="whole" bldLvl="1" animBg="1" rev="0" advAuto="0" spid="123" grpId="45"/>
+      <p:bldP build="whole" bldLvl="1" animBg="1" rev="0" advAuto="0" spid="105" grpId="21"/>
+      <p:bldP build="whole" bldLvl="1" animBg="1" rev="0" advAuto="0" spid="107" grpId="35"/>
+      <p:bldP build="whole" bldLvl="1" animBg="1" rev="0" advAuto="0" spid="96" grpId="12"/>
+      <p:bldP build="whole" bldLvl="1" animBg="1" rev="0" advAuto="0" spid="106" grpId="23"/>
+      <p:bldP build="whole" bldLvl="1" animBg="1" rev="0" advAuto="0" spid="99" grpId="17"/>
+      <p:bldP build="whole" bldLvl="1" animBg="1" rev="0" advAuto="0" spid="103" grpId="40"/>
+      <p:bldP build="whole" bldLvl="1" animBg="1" rev="0" advAuto="0" spid="111" grpId="32"/>
+      <p:bldP build="whole" bldLvl="1" animBg="1" rev="0" advAuto="0" spid="95" grpId="13"/>
+      <p:bldP build="whole" bldLvl="1" animBg="1" rev="0" advAuto="0" spid="115" grpId="10"/>
+      <p:bldP build="whole" bldLvl="1" animBg="1" rev="0" advAuto="0" spid="120" grpId="42"/>
+      <p:bldP build="whole" bldLvl="1" animBg="1" rev="0" advAuto="0" spid="109" grpId="29"/>
+      <p:bldP build="whole" bldLvl="1" animBg="1" rev="0" advAuto="0" spid="102" grpId="16"/>
+      <p:bldP build="whole" bldLvl="1" animBg="1" rev="0" advAuto="0" spid="91" grpId="7"/>
+      <p:bldP build="whole" bldLvl="1" animBg="1" rev="0" advAuto="0" spid="105" grpId="37"/>
       <p:bldP build="whole" bldLvl="1" animBg="1" rev="0" advAuto="0" spid="108" grpId="26"/>
-      <p:bldP build="whole" bldLvl="1" animBg="1" rev="0" advAuto="0" spid="110" grpId="30"/>
-      <p:bldP build="whole" bldLvl="1" animBg="1" rev="0" advAuto="0" spid="104" grpId="38"/>
+      <p:bldP build="whole" bldLvl="1" animBg="1" rev="0" advAuto="0" spid="112" grpId="36"/>
+      <p:bldP build="whole" bldLvl="1" animBg="1" rev="0" advAuto="0" spid="119" grpId="28"/>
       <p:bldP build="whole" bldLvl="1" animBg="1" rev="0" advAuto="0" spid="106" grpId="39"/>
-      <p:bldP build="whole" bldLvl="1" animBg="1" rev="0" advAuto="0" spid="119" grpId="28"/>
-      <p:bldP build="whole" bldLvl="1" animBg="1" rev="0" advAuto="0" spid="105" grpId="21"/>
-      <p:bldP build="whole" bldLvl="1" animBg="1" rev="0" advAuto="0" spid="121" grpId="43"/>
       <p:bldP build="whole" bldLvl="1" animBg="1" rev="0" advAuto="0" spid="119" grpId="31"/>
       <p:bldP build="whole" bldLvl="1" animBg="1" rev="0" advAuto="0" spid="108" grpId="34"/>
-      <p:bldP build="whole" bldLvl="1" animBg="1" rev="0" advAuto="0" spid="111" grpId="32"/>
-      <p:bldP build="whole" bldLvl="1" animBg="1" rev="0" advAuto="0" spid="90" grpId="3"/>
-      <p:bldP build="whole" bldLvl="1" animBg="1" rev="0" advAuto="0" spid="103" grpId="40"/>
-      <p:bldP build="whole" bldLvl="1" animBg="1" rev="0" advAuto="0" spid="112" grpId="36"/>
-      <p:bldP build="whole" bldLvl="1" animBg="1" rev="0" advAuto="0" spid="118" grpId="25"/>
-      <p:bldP build="whole" bldLvl="1" animBg="1" rev="0" advAuto="0" spid="120" grpId="42"/>
-      <p:bldP build="whole" bldLvl="1" animBg="1" rev="0" advAuto="0" spid="105" grpId="37"/>
-      <p:bldP build="whole" bldLvl="1" animBg="1" rev="0" advAuto="0" spid="107" grpId="27"/>
-      <p:bldP build="whole" bldLvl="1" animBg="1" rev="0" advAuto="0" spid="122" grpId="44"/>
-      <p:bldP build="whole" bldLvl="1" animBg="1" rev="0" advAuto="0" spid="118" grpId="33"/>
-      <p:bldP build="whole" bldLvl="1" animBg="1" rev="0" advAuto="0" spid="117" grpId="20"/>
-      <p:bldP build="whole" bldLvl="1" animBg="1" rev="0" advAuto="0" spid="102" grpId="16"/>
-      <p:bldP build="whole" bldLvl="1" animBg="1" rev="0" advAuto="0" spid="107" grpId="35"/>
-      <p:bldP build="whole" bldLvl="1" animBg="1" rev="0" advAuto="0" spid="88" grpId="2"/>
-      <p:bldP build="whole" bldLvl="1" animBg="1" rev="0" advAuto="0" spid="115" grpId="10"/>
-      <p:bldP build="whole" bldLvl="1" animBg="1" rev="0" advAuto="0" spid="91" grpId="7"/>
-      <p:bldP build="whole" bldLvl="1" animBg="1" rev="0" advAuto="0" spid="101" grpId="18"/>
+      <p:bldP build="whole" bldLvl="1" animBg="1" rev="0" advAuto="0" spid="93" grpId="6"/>
       <p:bldP build="whole" bldLvl="1" animBg="1" rev="0" advAuto="0" spid="92" grpId="4"/>
       <p:bldP build="whole" bldLvl="1" animBg="1" rev="0" advAuto="0" spid="89" grpId="8"/>
+      <p:bldP build="whole" bldLvl="1" animBg="1" rev="0" advAuto="0" spid="101" grpId="18"/>
+      <p:bldP build="whole" bldLvl="1" animBg="1" rev="0" advAuto="0" spid="88" grpId="2"/>
+      <p:bldP build="whole" bldLvl="1" animBg="1" rev="0" advAuto="0" spid="104" grpId="22"/>
+      <p:bldP build="whole" bldLvl="1" animBg="1" rev="0" advAuto="0" spid="90" grpId="3"/>
+      <p:bldP build="whole" bldLvl="1" animBg="1" rev="0" advAuto="0" spid="116" grpId="15"/>
+      <p:bldP build="whole" bldLvl="1" animBg="1" rev="0" advAuto="0" spid="110" grpId="30"/>
+      <p:bldP build="whole" bldLvl="1" animBg="1" rev="0" advAuto="0" spid="94" grpId="9"/>
       <p:bldP build="whole" bldLvl="1" animBg="1" rev="0" advAuto="0" spid="114" grpId="5"/>
-      <p:bldP build="whole" bldLvl="1" animBg="1" rev="0" advAuto="0" spid="100" grpId="19"/>
-      <p:bldP build="whole" bldLvl="1" animBg="1" rev="0" advAuto="0" spid="93" grpId="6"/>
-      <p:bldP build="whole" bldLvl="1" animBg="1" rev="0" advAuto="0" spid="104" grpId="22"/>
-      <p:bldP build="whole" bldLvl="1" animBg="1" rev="0" advAuto="0" spid="106" grpId="23"/>
-      <p:bldP build="whole" bldLvl="1" animBg="1" rev="0" advAuto="0" spid="109" grpId="29"/>
-      <p:bldP build="whole" bldLvl="1" animBg="1" rev="0" advAuto="0" spid="98" grpId="14"/>
       <p:bldP build="whole" bldLvl="1" animBg="1" rev="0" advAuto="0" spid="97" grpId="11"/>
-      <p:bldP build="whole" bldLvl="1" animBg="1" rev="0" advAuto="0" spid="123" grpId="45"/>
-      <p:bldP build="whole" bldLvl="1" animBg="1" rev="0" advAuto="0" spid="96" grpId="12"/>
-      <p:bldP build="whole" bldLvl="1" animBg="1" rev="0" advAuto="0" spid="116" grpId="15"/>
       <p:bldP build="whole" bldLvl="1" animBg="1" rev="0" advAuto="0" spid="113" grpId="1"/>
-      <p:bldP build="whole" bldLvl="1" animBg="1" rev="0" advAuto="0" spid="94" grpId="9"/>
-      <p:bldP build="whole" bldLvl="1" animBg="1" rev="0" advAuto="0" spid="95" grpId="13"/>
-      <p:bldP build="whole" bldLvl="1" animBg="1" rev="0" advAuto="0" spid="99" grpId="17"/>
-      <p:bldP build="whole" bldLvl="1" animBg="1" rev="0" advAuto="0" spid="103" grpId="24"/>
+      <p:bldP build="whole" bldLvl="1" animBg="1" rev="0" advAuto="0" spid="121" grpId="43"/>
     </p:bldLst>
   </p:timing>
 </p:sld>
@@ -27374,11 +27401,11 @@
       </p:par>
     </p:tnLst>
     <p:bldLst>
+      <p:bldP build="whole" bldLvl="1" animBg="1" rev="0" advAuto="0" spid="168" grpId="2"/>
+      <p:bldP build="whole" bldLvl="1" animBg="1" rev="0" advAuto="0" spid="162" grpId="1"/>
+      <p:bldP build="whole" bldLvl="1" animBg="1" rev="0" advAuto="0" spid="171" grpId="5"/>
+      <p:bldP build="whole" bldLvl="1" animBg="1" rev="0" advAuto="0" spid="170" grpId="4"/>
       <p:bldP build="whole" bldLvl="1" animBg="1" rev="0" advAuto="0" spid="169" grpId="3"/>
-      <p:bldP build="whole" bldLvl="1" animBg="1" rev="0" advAuto="0" spid="162" grpId="1"/>
-      <p:bldP build="whole" bldLvl="1" animBg="1" rev="0" advAuto="0" spid="168" grpId="2"/>
-      <p:bldP build="whole" bldLvl="1" animBg="1" rev="0" advAuto="0" spid="170" grpId="4"/>
-      <p:bldP build="whole" bldLvl="1" animBg="1" rev="0" advAuto="0" spid="171" grpId="5"/>
     </p:bldLst>
   </p:timing>
 </p:sld>
@@ -35754,16 +35781,16 @@
       </p:par>
     </p:tnLst>
     <p:bldLst>
-      <p:bldP build="whole" bldLvl="1" animBg="1" rev="0" advAuto="0" spid="195" grpId="2"/>
+      <p:bldP build="whole" bldLvl="1" animBg="1" rev="0" advAuto="0" spid="194" grpId="1"/>
+      <p:bldP build="whole" bldLvl="1" animBg="1" rev="0" advAuto="0" spid="200" grpId="7"/>
+      <p:bldP build="whole" bldLvl="1" animBg="1" rev="0" advAuto="0" spid="202" grpId="9"/>
+      <p:bldP build="whole" bldLvl="1" animBg="1" rev="0" advAuto="0" spid="177" grpId="10"/>
+      <p:bldP build="whole" bldLvl="1" animBg="1" rev="0" advAuto="0" spid="197" grpId="4"/>
+      <p:bldP build="whole" bldLvl="1" animBg="1" rev="0" advAuto="0" spid="201" grpId="8"/>
       <p:bldP build="whole" bldLvl="1" animBg="1" rev="0" advAuto="0" spid="198" grpId="5"/>
-      <p:bldP build="whole" bldLvl="1" animBg="1" rev="0" advAuto="0" spid="201" grpId="8"/>
-      <p:bldP build="whole" bldLvl="1" animBg="1" rev="0" advAuto="0" spid="194" grpId="1"/>
-      <p:bldP build="whole" bldLvl="1" animBg="1" rev="0" advAuto="0" spid="202" grpId="9"/>
-      <p:bldP build="whole" bldLvl="1" animBg="1" rev="0" advAuto="0" spid="200" grpId="7"/>
-      <p:bldP build="whole" bldLvl="1" animBg="1" rev="0" advAuto="0" spid="197" grpId="4"/>
-      <p:bldP build="whole" bldLvl="1" animBg="1" rev="0" advAuto="0" spid="177" grpId="10"/>
       <p:bldP build="whole" bldLvl="1" animBg="1" rev="0" advAuto="0" spid="199" grpId="6"/>
       <p:bldP build="whole" bldLvl="1" animBg="1" rev="0" advAuto="0" spid="196" grpId="3"/>
+      <p:bldP build="whole" bldLvl="1" animBg="1" rev="0" advAuto="0" spid="195" grpId="2"/>
     </p:bldLst>
   </p:timing>
 </p:sld>
@@ -42360,38 +42387,38 @@
       </p:par>
     </p:tnLst>
     <p:bldLst>
-      <p:bldP build="whole" bldLvl="1" animBg="1" rev="0" advAuto="0" spid="237" grpId="3"/>
-      <p:bldP build="whole" bldLvl="1" animBg="1" rev="0" advAuto="0" spid="248" grpId="18"/>
-      <p:bldP build="whole" bldLvl="1" animBg="1" rev="0" advAuto="0" spid="228" grpId="6"/>
-      <p:bldP build="whole" bldLvl="1" animBg="1" rev="0" advAuto="0" spid="239" grpId="8"/>
-      <p:bldP build="whole" bldLvl="1" animBg="1" rev="0" advAuto="0" spid="250" grpId="22"/>
-      <p:bldP build="whole" bldLvl="1" animBg="1" rev="0" advAuto="0" spid="226" grpId="1"/>
-      <p:bldP build="whole" bldLvl="1" animBg="1" rev="0" advAuto="0" spid="252" grpId="25"/>
-      <p:bldP build="whole" bldLvl="1" animBg="1" rev="0" advAuto="0" spid="229" grpId="11"/>
+      <p:bldP build="whole" bldLvl="1" animBg="1" rev="0" advAuto="0" spid="236" grpId="5"/>
+      <p:bldP build="whole" bldLvl="1" animBg="1" rev="0" advAuto="0" spid="241" grpId="10"/>
       <p:bldP build="whole" bldLvl="1" animBg="1" rev="0" advAuto="0" spid="246" grpId="17"/>
       <p:bldP build="whole" bldLvl="1" animBg="1" rev="0" advAuto="0" spid="235" grpId="4"/>
+      <p:bldP build="whole" bldLvl="1" animBg="1" rev="0" advAuto="0" spid="242" grpId="15"/>
+      <p:bldP build="whole" bldLvl="1" animBg="1" rev="0" advAuto="0" spid="228" grpId="6"/>
+      <p:bldP build="whole" bldLvl="1" animBg="1" rev="0" advAuto="0" spid="252" grpId="25"/>
+      <p:bldP build="whole" bldLvl="1" animBg="1" rev="0" advAuto="0" spid="247" grpId="20"/>
+      <p:bldP build="whole" bldLvl="1" animBg="1" rev="0" advAuto="0" spid="231" grpId="21"/>
+      <p:bldP build="whole" bldLvl="1" animBg="1" rev="0" advAuto="0" spid="248" grpId="18"/>
+      <p:bldP build="whole" bldLvl="1" animBg="1" rev="0" advAuto="0" spid="256" grpId="30"/>
+      <p:bldP build="whole" bldLvl="1" animBg="1" rev="0" advAuto="0" spid="226" grpId="1"/>
+      <p:bldP build="whole" bldLvl="1" animBg="1" rev="0" advAuto="0" spid="257" grpId="28"/>
+      <p:bldP build="whole" bldLvl="1" animBg="1" rev="0" advAuto="0" spid="234" grpId="32"/>
+      <p:bldP build="whole" bldLvl="1" animBg="1" rev="0" advAuto="0" spid="251" grpId="24"/>
+      <p:bldP build="whole" bldLvl="1" animBg="1" rev="0" advAuto="0" spid="249" grpId="19"/>
+      <p:bldP build="whole" bldLvl="1" animBg="1" rev="0" advAuto="0" spid="254" grpId="27"/>
+      <p:bldP build="whole" bldLvl="1" animBg="1" rev="0" advAuto="0" spid="250" grpId="22"/>
+      <p:bldP build="whole" bldLvl="1" animBg="1" rev="0" advAuto="0" spid="227" grpId="2"/>
       <p:bldP build="whole" bldLvl="1" animBg="1" rev="0" advAuto="0" spid="232" grpId="26"/>
-      <p:bldP build="whole" bldLvl="1" animBg="1" rev="0" advAuto="0" spid="227" grpId="2"/>
-      <p:bldP build="whole" bldLvl="1" animBg="1" rev="0" advAuto="0" spid="249" grpId="19"/>
+      <p:bldP build="whole" bldLvl="1" animBg="1" rev="0" advAuto="0" spid="244" grpId="13"/>
+      <p:bldP build="whole" bldLvl="1" animBg="1" rev="0" advAuto="0" spid="238" grpId="9"/>
+      <p:bldP build="whole" bldLvl="1" animBg="1" rev="0" advAuto="0" spid="230" grpId="16"/>
       <p:bldP build="whole" bldLvl="1" animBg="1" rev="0" advAuto="0" spid="253" grpId="23"/>
-      <p:bldP build="whole" bldLvl="1" animBg="1" rev="0" advAuto="0" spid="254" grpId="27"/>
-      <p:bldP build="whole" bldLvl="1" animBg="1" rev="0" advAuto="0" spid="257" grpId="28"/>
-      <p:bldP build="whole" bldLvl="1" animBg="1" rev="0" advAuto="0" spid="230" grpId="16"/>
+      <p:bldP build="whole" bldLvl="1" animBg="1" rev="0" advAuto="0" spid="243" grpId="12"/>
+      <p:bldP build="whole" bldLvl="1" animBg="1" rev="0" advAuto="0" spid="239" grpId="8"/>
+      <p:bldP build="whole" bldLvl="1" animBg="1" rev="0" advAuto="0" spid="237" grpId="3"/>
+      <p:bldP build="whole" bldLvl="1" animBg="1" rev="0" advAuto="0" spid="240" grpId="7"/>
+      <p:bldP build="whole" bldLvl="1" animBg="1" rev="0" advAuto="0" spid="245" grpId="14"/>
       <p:bldP build="whole" bldLvl="1" animBg="1" rev="0" advAuto="0" spid="255" grpId="29"/>
-      <p:bldP build="whole" bldLvl="1" animBg="1" rev="0" advAuto="0" spid="256" grpId="30"/>
-      <p:bldP build="whole" bldLvl="1" animBg="1" rev="0" advAuto="0" spid="231" grpId="21"/>
-      <p:bldP build="whole" bldLvl="1" animBg="1" rev="0" advAuto="0" spid="236" grpId="5"/>
-      <p:bldP build="whole" bldLvl="1" animBg="1" rev="0" advAuto="0" spid="242" grpId="15"/>
-      <p:bldP build="whole" bldLvl="1" animBg="1" rev="0" advAuto="0" spid="234" grpId="32"/>
-      <p:bldP build="whole" bldLvl="1" animBg="1" rev="0" advAuto="0" spid="238" grpId="9"/>
-      <p:bldP build="whole" bldLvl="1" animBg="1" rev="0" advAuto="0" spid="251" grpId="24"/>
       <p:bldP build="whole" bldLvl="1" animBg="1" rev="0" advAuto="0" spid="233" grpId="31"/>
-      <p:bldP build="whole" bldLvl="1" animBg="1" rev="0" advAuto="0" spid="243" grpId="12"/>
-      <p:bldP build="whole" bldLvl="1" animBg="1" rev="0" advAuto="0" spid="247" grpId="20"/>
-      <p:bldP build="whole" bldLvl="1" animBg="1" rev="0" advAuto="0" spid="244" grpId="13"/>
-      <p:bldP build="whole" bldLvl="1" animBg="1" rev="0" advAuto="0" spid="240" grpId="7"/>
-      <p:bldP build="whole" bldLvl="1" animBg="1" rev="0" advAuto="0" spid="241" grpId="10"/>
-      <p:bldP build="whole" bldLvl="1" animBg="1" rev="0" advAuto="0" spid="245" grpId="14"/>
+      <p:bldP build="whole" bldLvl="1" animBg="1" rev="0" advAuto="0" spid="229" grpId="11"/>
     </p:bldLst>
   </p:timing>
 </p:sld>
@@ -45175,26 +45202,26 @@
       </p:par>
     </p:tnLst>
     <p:bldLst>
+      <p:bldP build="whole" bldLvl="1" animBg="1" rev="0" advAuto="0" spid="285" grpId="8"/>
+      <p:bldP build="p" bldLvl="5" animBg="1" rev="0" advAuto="0" spid="273" grpId="1"/>
+      <p:bldP build="whole" bldLvl="1" animBg="1" rev="0" advAuto="0" spid="285" grpId="10"/>
+      <p:bldP build="whole" bldLvl="1" animBg="1" rev="0" advAuto="0" spid="290" grpId="11"/>
+      <p:bldP build="whole" bldLvl="1" animBg="1" rev="0" advAuto="0" spid="291" grpId="18"/>
+      <p:bldP build="whole" bldLvl="1" animBg="1" rev="0" advAuto="0" spid="282" grpId="14"/>
+      <p:bldP build="p" bldLvl="5" animBg="1" rev="0" advAuto="0" spid="289" grpId="12"/>
+      <p:bldP build="whole" bldLvl="1" animBg="1" rev="0" advAuto="0" spid="287" grpId="6"/>
+      <p:bldP build="whole" bldLvl="1" animBg="1" rev="0" advAuto="0" spid="295" grpId="2"/>
+      <p:bldP build="whole" bldLvl="1" animBg="1" rev="0" advAuto="0" spid="290" grpId="13"/>
+      <p:bldP build="whole" bldLvl="1" animBg="1" rev="0" advAuto="0" spid="284" grpId="15"/>
+      <p:bldP build="p" bldLvl="5" animBg="1" rev="0" advAuto="0" spid="288" grpId="9"/>
+      <p:bldP build="p" bldLvl="5" animBg="1" rev="0" advAuto="0" spid="293" grpId="20"/>
       <p:bldP build="whole" bldLvl="1" animBg="1" rev="0" advAuto="0" spid="286" grpId="5"/>
-      <p:bldP build="whole" bldLvl="1" animBg="1" rev="0" advAuto="0" spid="291" grpId="18"/>
+      <p:bldP build="p" bldLvl="5" animBg="1" rev="0" advAuto="0" spid="292" grpId="19"/>
+      <p:bldP build="whole" bldLvl="1" animBg="1" rev="0" advAuto="0" spid="281" grpId="17"/>
       <p:bldP build="whole" bldLvl="1" animBg="1" rev="0" advAuto="0" spid="283" grpId="16"/>
-      <p:bldP build="whole" bldLvl="1" animBg="1" rev="0" advAuto="0" spid="282" grpId="14"/>
-      <p:bldP build="whole" bldLvl="1" animBg="1" rev="0" advAuto="0" spid="287" grpId="6"/>
-      <p:bldP build="p" bldLvl="5" animBg="1" rev="0" advAuto="0" spid="289" grpId="12"/>
-      <p:bldP build="whole" bldLvl="1" animBg="1" rev="0" advAuto="0" spid="295" grpId="2"/>
-      <p:bldP build="p" bldLvl="5" animBg="1" rev="0" advAuto="0" spid="288" grpId="9"/>
+      <p:bldP build="whole" bldLvl="1" animBg="1" rev="0" advAuto="0" spid="296" grpId="4"/>
       <p:bldP build="whole" bldLvl="1" animBg="1" rev="0" advAuto="0" spid="294" grpId="3"/>
-      <p:bldP build="whole" bldLvl="1" animBg="1" rev="0" advAuto="0" spid="281" grpId="17"/>
-      <p:bldP build="whole" bldLvl="1" animBg="1" rev="0" advAuto="0" spid="290" grpId="11"/>
-      <p:bldP build="p" bldLvl="5" animBg="1" rev="0" advAuto="0" spid="273" grpId="1"/>
-      <p:bldP build="whole" bldLvl="1" animBg="1" rev="0" advAuto="0" spid="290" grpId="13"/>
-      <p:bldP build="p" bldLvl="5" animBg="1" rev="0" advAuto="0" spid="293" grpId="20"/>
-      <p:bldP build="whole" bldLvl="1" animBg="1" rev="0" advAuto="0" spid="296" grpId="4"/>
-      <p:bldP build="whole" bldLvl="1" animBg="1" rev="0" advAuto="0" spid="285" grpId="8"/>
-      <p:bldP build="whole" bldLvl="1" animBg="1" rev="0" advAuto="0" spid="284" grpId="15"/>
-      <p:bldP build="whole" bldLvl="1" animBg="1" rev="0" advAuto="0" spid="285" grpId="10"/>
       <p:bldP build="whole" bldLvl="1" animBg="1" rev="0" advAuto="0" spid="282" grpId="7"/>
-      <p:bldP build="p" bldLvl="5" animBg="1" rev="0" advAuto="0" spid="292" grpId="19"/>
     </p:bldLst>
   </p:timing>
 </p:sld>
